--- a/debuggers.pptx
+++ b/debuggers.pptx
@@ -5,7 +5,7 @@
     <p:sldMasterId id="2147483696" r:id="rId1"/>
   </p:sldMasterIdLst>
   <p:notesMasterIdLst>
-    <p:notesMasterId r:id="rId33"/>
+    <p:notesMasterId r:id="rId31"/>
   </p:notesMasterIdLst>
   <p:sldIdLst>
     <p:sldId id="256" r:id="rId2"/>
@@ -21,24 +21,22 @@
     <p:sldId id="286" r:id="rId12"/>
     <p:sldId id="266" r:id="rId13"/>
     <p:sldId id="267" r:id="rId14"/>
-    <p:sldId id="268" r:id="rId15"/>
-    <p:sldId id="269" r:id="rId16"/>
-    <p:sldId id="270" r:id="rId17"/>
-    <p:sldId id="271" r:id="rId18"/>
-    <p:sldId id="272" r:id="rId19"/>
-    <p:sldId id="273" r:id="rId20"/>
-    <p:sldId id="274" r:id="rId21"/>
-    <p:sldId id="275" r:id="rId22"/>
-    <p:sldId id="278" r:id="rId23"/>
-    <p:sldId id="276" r:id="rId24"/>
-    <p:sldId id="277" r:id="rId25"/>
-    <p:sldId id="279" r:id="rId26"/>
-    <p:sldId id="280" r:id="rId27"/>
-    <p:sldId id="281" r:id="rId28"/>
-    <p:sldId id="282" r:id="rId29"/>
-    <p:sldId id="283" r:id="rId30"/>
-    <p:sldId id="284" r:id="rId31"/>
-    <p:sldId id="285" r:id="rId32"/>
+    <p:sldId id="269" r:id="rId15"/>
+    <p:sldId id="270" r:id="rId16"/>
+    <p:sldId id="271" r:id="rId17"/>
+    <p:sldId id="272" r:id="rId18"/>
+    <p:sldId id="273" r:id="rId19"/>
+    <p:sldId id="275" r:id="rId20"/>
+    <p:sldId id="278" r:id="rId21"/>
+    <p:sldId id="276" r:id="rId22"/>
+    <p:sldId id="277" r:id="rId23"/>
+    <p:sldId id="279" r:id="rId24"/>
+    <p:sldId id="280" r:id="rId25"/>
+    <p:sldId id="281" r:id="rId26"/>
+    <p:sldId id="282" r:id="rId27"/>
+    <p:sldId id="283" r:id="rId28"/>
+    <p:sldId id="284" r:id="rId29"/>
+    <p:sldId id="285" r:id="rId30"/>
   </p:sldIdLst>
   <p:sldSz cx="12192000" cy="6858000"/>
   <p:notesSz cx="6858000" cy="9144000"/>
@@ -163,13 +161,11 @@
             <p14:sldId id="286"/>
             <p14:sldId id="266"/>
             <p14:sldId id="267"/>
-            <p14:sldId id="268"/>
             <p14:sldId id="269"/>
             <p14:sldId id="270"/>
             <p14:sldId id="271"/>
             <p14:sldId id="272"/>
             <p14:sldId id="273"/>
-            <p14:sldId id="274"/>
             <p14:sldId id="275"/>
             <p14:sldId id="278"/>
             <p14:sldId id="276"/>
@@ -185,765 +181,45 @@
         </p14:section>
       </p14:sectionLst>
     </p:ext>
+    <p:ext uri="{EFAFB233-063F-42B5-8137-9DF3F51BA10A}">
+      <p15:sldGuideLst xmlns:p15="http://schemas.microsoft.com/office/powerpoint/2012/main"/>
+    </p:ext>
   </p:extLst>
 </p:presentation>
+</file>
+
+<file path=ppt/revisionInfo.xml><?xml version="1.0" encoding="utf-8"?>
+<p1510:revInfo xmlns:a="http://schemas.openxmlformats.org/drawingml/2006/main" xmlns:r="http://schemas.openxmlformats.org/officeDocument/2006/relationships" xmlns:p1510="http://schemas.microsoft.com/office/powerpoint/2015/10/main">
+  <p1510:revLst>
+    <p1510:client id="{E07EA255-8232-44D9-B308-6D05CC31048C}" v="6" dt="2018-07-18T02:35:29.166"/>
+  </p1510:revLst>
+</p1510:revInfo>
 </file>
 
 <file path=ppt/changesInfos/changesInfo1.xml><?xml version="1.0" encoding="utf-8"?>
 <pc:chgInfo xmlns:a="http://schemas.openxmlformats.org/drawingml/2006/main" xmlns:r="http://schemas.openxmlformats.org/officeDocument/2006/relationships" xmlns:ac="http://schemas.microsoft.com/office/drawing/2013/main/command" xmlns:pc="http://schemas.microsoft.com/office/powerpoint/2013/main/command">
   <pc:docChgLst>
     <pc:chgData name="Jakob Erzar" userId="18a895aab62a8440" providerId="LiveId" clId="{9229E343-FD06-43D4-B292-7433C8E7B9CE}"/>
-    <pc:docChg chg="undo custSel addSld modSld sldOrd">
-      <pc:chgData name="Jakob Erzar" userId="18a895aab62a8440" providerId="LiveId" clId="{9229E343-FD06-43D4-B292-7433C8E7B9CE}" dt="2018-01-10T13:01:11.188" v="3902" actId="20577"/>
+  </pc:docChgLst>
+  <pc:docChgLst>
+    <pc:chgData name="Jakob Erzar" userId="18a895aab62a8440" providerId="LiveId" clId="{E07EA255-8232-44D9-B308-6D05CC31048C}"/>
+    <pc:docChg chg="modSld">
+      <pc:chgData name="Jakob Erzar" userId="18a895aab62a8440" providerId="LiveId" clId="{E07EA255-8232-44D9-B308-6D05CC31048C}" dt="2018-07-18T02:35:29.166" v="5" actId="20577"/>
       <pc:docMkLst>
         <pc:docMk/>
       </pc:docMkLst>
       <pc:sldChg chg="modSp">
-        <pc:chgData name="Jakob Erzar" userId="18a895aab62a8440" providerId="LiveId" clId="{9229E343-FD06-43D4-B292-7433C8E7B9CE}" dt="2018-01-10T12:56:37.630" v="3703" actId="27636"/>
-        <pc:sldMkLst>
-          <pc:docMk/>
-          <pc:sldMk cId="3167584517" sldId="259"/>
-        </pc:sldMkLst>
-        <pc:spChg chg="mod">
-          <ac:chgData name="Jakob Erzar" userId="18a895aab62a8440" providerId="LiveId" clId="{9229E343-FD06-43D4-B292-7433C8E7B9CE}" dt="2018-01-10T12:56:37.630" v="3703" actId="27636"/>
-          <ac:spMkLst>
-            <pc:docMk/>
-            <pc:sldMk cId="3167584517" sldId="259"/>
-            <ac:spMk id="3" creationId="{66899577-5F18-4BC0-B18A-CEEC13DDDE2E}"/>
-          </ac:spMkLst>
-        </pc:spChg>
-      </pc:sldChg>
-      <pc:sldChg chg="modSp add">
-        <pc:chgData name="Jakob Erzar" userId="18a895aab62a8440" providerId="LiveId" clId="{9229E343-FD06-43D4-B292-7433C8E7B9CE}" dt="2018-01-10T12:59:52.201" v="3732" actId="20577"/>
-        <pc:sldMkLst>
-          <pc:docMk/>
-          <pc:sldMk cId="3568211396" sldId="261"/>
-        </pc:sldMkLst>
-        <pc:spChg chg="mod">
-          <ac:chgData name="Jakob Erzar" userId="18a895aab62a8440" providerId="LiveId" clId="{9229E343-FD06-43D4-B292-7433C8E7B9CE}" dt="2018-01-10T11:27:36.657" v="28" actId="20577"/>
-          <ac:spMkLst>
-            <pc:docMk/>
-            <pc:sldMk cId="3568211396" sldId="261"/>
-            <ac:spMk id="2" creationId="{4590E022-6309-4C86-9930-0117CA88874B}"/>
-          </ac:spMkLst>
-        </pc:spChg>
-        <pc:spChg chg="mod">
-          <ac:chgData name="Jakob Erzar" userId="18a895aab62a8440" providerId="LiveId" clId="{9229E343-FD06-43D4-B292-7433C8E7B9CE}" dt="2018-01-10T12:59:52.201" v="3732" actId="20577"/>
-          <ac:spMkLst>
-            <pc:docMk/>
-            <pc:sldMk cId="3568211396" sldId="261"/>
-            <ac:spMk id="3" creationId="{D5EFC4D9-F2EA-4BFD-AD2D-1FBB0FD0E6B7}"/>
-          </ac:spMkLst>
-        </pc:spChg>
-      </pc:sldChg>
-      <pc:sldChg chg="addSp modSp add">
-        <pc:chgData name="Jakob Erzar" userId="18a895aab62a8440" providerId="LiveId" clId="{9229E343-FD06-43D4-B292-7433C8E7B9CE}" dt="2018-01-10T11:37:56.963" v="339" actId="1076"/>
-        <pc:sldMkLst>
-          <pc:docMk/>
-          <pc:sldMk cId="2462963912" sldId="262"/>
-        </pc:sldMkLst>
-        <pc:spChg chg="mod">
-          <ac:chgData name="Jakob Erzar" userId="18a895aab62a8440" providerId="LiveId" clId="{9229E343-FD06-43D4-B292-7433C8E7B9CE}" dt="2018-01-10T11:31:19.700" v="168" actId="20577"/>
-          <ac:spMkLst>
-            <pc:docMk/>
-            <pc:sldMk cId="2462963912" sldId="262"/>
-            <ac:spMk id="2" creationId="{E16F929D-A2B0-45DA-9FF0-4E2F23CD9C18}"/>
-          </ac:spMkLst>
-        </pc:spChg>
-        <pc:spChg chg="mod">
-          <ac:chgData name="Jakob Erzar" userId="18a895aab62a8440" providerId="LiveId" clId="{9229E343-FD06-43D4-B292-7433C8E7B9CE}" dt="2018-01-10T11:37:51.312" v="337" actId="27636"/>
-          <ac:spMkLst>
-            <pc:docMk/>
-            <pc:sldMk cId="2462963912" sldId="262"/>
-            <ac:spMk id="3" creationId="{9D02FCDF-91C8-4487-9FA0-A6F1B0490537}"/>
-          </ac:spMkLst>
-        </pc:spChg>
-        <pc:picChg chg="add mod">
-          <ac:chgData name="Jakob Erzar" userId="18a895aab62a8440" providerId="LiveId" clId="{9229E343-FD06-43D4-B292-7433C8E7B9CE}" dt="2018-01-10T11:37:56.963" v="339" actId="1076"/>
-          <ac:picMkLst>
-            <pc:docMk/>
-            <pc:sldMk cId="2462963912" sldId="262"/>
-            <ac:picMk id="5" creationId="{12096DCE-70A9-4933-B1B7-FFDF603A4693}"/>
-          </ac:picMkLst>
-        </pc:picChg>
-      </pc:sldChg>
-      <pc:sldChg chg="modSp add">
-        <pc:chgData name="Jakob Erzar" userId="18a895aab62a8440" providerId="LiveId" clId="{9229E343-FD06-43D4-B292-7433C8E7B9CE}" dt="2018-01-10T11:35:15.684" v="297" actId="20577"/>
-        <pc:sldMkLst>
-          <pc:docMk/>
-          <pc:sldMk cId="3455869133" sldId="263"/>
-        </pc:sldMkLst>
-        <pc:spChg chg="mod">
-          <ac:chgData name="Jakob Erzar" userId="18a895aab62a8440" providerId="LiveId" clId="{9229E343-FD06-43D4-B292-7433C8E7B9CE}" dt="2018-01-10T11:34:29.245" v="257" actId="20577"/>
-          <ac:spMkLst>
-            <pc:docMk/>
-            <pc:sldMk cId="3455869133" sldId="263"/>
-            <ac:spMk id="2" creationId="{D3E8B5E1-E46E-4E8C-921E-28D37EE973BB}"/>
-          </ac:spMkLst>
-        </pc:spChg>
-        <pc:spChg chg="mod">
-          <ac:chgData name="Jakob Erzar" userId="18a895aab62a8440" providerId="LiveId" clId="{9229E343-FD06-43D4-B292-7433C8E7B9CE}" dt="2018-01-10T11:35:15.684" v="297" actId="20577"/>
-          <ac:spMkLst>
-            <pc:docMk/>
-            <pc:sldMk cId="3455869133" sldId="263"/>
-            <ac:spMk id="3" creationId="{6F58CB2C-91E0-4B42-89CB-31B32F18686E}"/>
-          </ac:spMkLst>
-        </pc:spChg>
-      </pc:sldChg>
-      <pc:sldChg chg="addSp delSp modSp add">
-        <pc:chgData name="Jakob Erzar" userId="18a895aab62a8440" providerId="LiveId" clId="{9229E343-FD06-43D4-B292-7433C8E7B9CE}" dt="2018-01-10T11:39:04.937" v="355" actId="27636"/>
-        <pc:sldMkLst>
-          <pc:docMk/>
-          <pc:sldMk cId="4193987738" sldId="264"/>
-        </pc:sldMkLst>
-        <pc:spChg chg="mod">
-          <ac:chgData name="Jakob Erzar" userId="18a895aab62a8440" providerId="LiveId" clId="{9229E343-FD06-43D4-B292-7433C8E7B9CE}" dt="2018-01-10T11:35:31.340" v="313" actId="20577"/>
-          <ac:spMkLst>
-            <pc:docMk/>
-            <pc:sldMk cId="4193987738" sldId="264"/>
-            <ac:spMk id="2" creationId="{80F7BE2E-EC34-4AB8-AEB3-348ABA0B655F}"/>
-          </ac:spMkLst>
-        </pc:spChg>
-        <pc:spChg chg="mod">
-          <ac:chgData name="Jakob Erzar" userId="18a895aab62a8440" providerId="LiveId" clId="{9229E343-FD06-43D4-B292-7433C8E7B9CE}" dt="2018-01-10T11:39:04.937" v="355" actId="27636"/>
-          <ac:spMkLst>
-            <pc:docMk/>
-            <pc:sldMk cId="4193987738" sldId="264"/>
-            <ac:spMk id="3" creationId="{538B0FC6-B665-447B-8412-5697CADD0EB9}"/>
-          </ac:spMkLst>
-        </pc:spChg>
-        <pc:picChg chg="add del mod">
-          <ac:chgData name="Jakob Erzar" userId="18a895aab62a8440" providerId="LiveId" clId="{9229E343-FD06-43D4-B292-7433C8E7B9CE}" dt="2018-01-10T11:38:05.790" v="340" actId="478"/>
-          <ac:picMkLst>
-            <pc:docMk/>
-            <pc:sldMk cId="4193987738" sldId="264"/>
-            <ac:picMk id="5" creationId="{405AE7C1-8283-452C-8A9A-6DBD9CB93053}"/>
-          </ac:picMkLst>
-        </pc:picChg>
-        <pc:picChg chg="add del mod">
-          <ac:chgData name="Jakob Erzar" userId="18a895aab62a8440" providerId="LiveId" clId="{9229E343-FD06-43D4-B292-7433C8E7B9CE}" dt="2018-01-10T11:38:33.045" v="342" actId="478"/>
-          <ac:picMkLst>
-            <pc:docMk/>
-            <pc:sldMk cId="4193987738" sldId="264"/>
-            <ac:picMk id="7" creationId="{59F124DA-00C9-424E-86A5-A6028CCF2331}"/>
-          </ac:picMkLst>
-        </pc:picChg>
-        <pc:picChg chg="add del mod">
-          <ac:chgData name="Jakob Erzar" userId="18a895aab62a8440" providerId="LiveId" clId="{9229E343-FD06-43D4-B292-7433C8E7B9CE}" dt="2018-01-10T11:38:57.217" v="345" actId="478"/>
-          <ac:picMkLst>
-            <pc:docMk/>
-            <pc:sldMk cId="4193987738" sldId="264"/>
-            <ac:picMk id="9" creationId="{44AD5785-5B59-4599-8577-E47AD5B82CF0}"/>
-          </ac:picMkLst>
-        </pc:picChg>
-      </pc:sldChg>
-      <pc:sldChg chg="addSp delSp modSp add">
-        <pc:chgData name="Jakob Erzar" userId="18a895aab62a8440" providerId="LiveId" clId="{9229E343-FD06-43D4-B292-7433C8E7B9CE}" dt="2018-01-10T11:40:12.765" v="359"/>
-        <pc:sldMkLst>
-          <pc:docMk/>
-          <pc:sldMk cId="2450647931" sldId="265"/>
-        </pc:sldMkLst>
-        <pc:spChg chg="del">
-          <ac:chgData name="Jakob Erzar" userId="18a895aab62a8440" providerId="LiveId" clId="{9229E343-FD06-43D4-B292-7433C8E7B9CE}" dt="2018-01-10T11:40:07.318" v="357" actId="478"/>
-          <ac:spMkLst>
-            <pc:docMk/>
-            <pc:sldMk cId="2450647931" sldId="265"/>
-            <ac:spMk id="2" creationId="{28F1A098-F1C0-44F3-9A5A-F559412A354A}"/>
-          </ac:spMkLst>
-        </pc:spChg>
-        <pc:spChg chg="del">
-          <ac:chgData name="Jakob Erzar" userId="18a895aab62a8440" providerId="LiveId" clId="{9229E343-FD06-43D4-B292-7433C8E7B9CE}" dt="2018-01-10T11:40:10.419" v="358" actId="478"/>
-          <ac:spMkLst>
-            <pc:docMk/>
-            <pc:sldMk cId="2450647931" sldId="265"/>
-            <ac:spMk id="3" creationId="{DFB3E1B6-E3C6-4E12-A3D8-F2A7814BA64D}"/>
-          </ac:spMkLst>
-        </pc:spChg>
-        <pc:picChg chg="add mod">
-          <ac:chgData name="Jakob Erzar" userId="18a895aab62a8440" providerId="LiveId" clId="{9229E343-FD06-43D4-B292-7433C8E7B9CE}" dt="2018-01-10T11:40:12.765" v="359"/>
-          <ac:picMkLst>
-            <pc:docMk/>
-            <pc:sldMk cId="2450647931" sldId="265"/>
-            <ac:picMk id="5" creationId="{8F9E9C46-5930-4BC0-BB7C-6C404DB97F10}"/>
-          </ac:picMkLst>
-        </pc:picChg>
-      </pc:sldChg>
-      <pc:sldChg chg="addSp delSp modSp add">
-        <pc:chgData name="Jakob Erzar" userId="18a895aab62a8440" providerId="LiveId" clId="{9229E343-FD06-43D4-B292-7433C8E7B9CE}" dt="2018-01-10T11:43:39.635" v="468" actId="20577"/>
-        <pc:sldMkLst>
-          <pc:docMk/>
-          <pc:sldMk cId="535386252" sldId="266"/>
-        </pc:sldMkLst>
-        <pc:spChg chg="mod">
-          <ac:chgData name="Jakob Erzar" userId="18a895aab62a8440" providerId="LiveId" clId="{9229E343-FD06-43D4-B292-7433C8E7B9CE}" dt="2018-01-10T11:41:29.912" v="368" actId="20577"/>
-          <ac:spMkLst>
-            <pc:docMk/>
-            <pc:sldMk cId="535386252" sldId="266"/>
-            <ac:spMk id="2" creationId="{A37EEE22-9536-4BDA-BE24-69598A5D99FD}"/>
-          </ac:spMkLst>
-        </pc:spChg>
-        <pc:spChg chg="mod">
-          <ac:chgData name="Jakob Erzar" userId="18a895aab62a8440" providerId="LiveId" clId="{9229E343-FD06-43D4-B292-7433C8E7B9CE}" dt="2018-01-10T11:43:39.635" v="468" actId="20577"/>
-          <ac:spMkLst>
-            <pc:docMk/>
-            <pc:sldMk cId="535386252" sldId="266"/>
-            <ac:spMk id="3" creationId="{636347A3-C97D-48D5-A523-6274858EA248}"/>
-          </ac:spMkLst>
-        </pc:spChg>
-        <pc:spChg chg="add del">
-          <ac:chgData name="Jakob Erzar" userId="18a895aab62a8440" providerId="LiveId" clId="{9229E343-FD06-43D4-B292-7433C8E7B9CE}" dt="2018-01-10T11:42:12.976" v="448"/>
-          <ac:spMkLst>
-            <pc:docMk/>
-            <pc:sldMk cId="535386252" sldId="266"/>
-            <ac:spMk id="4" creationId="{421F64B0-5B80-4881-9F88-1EE1EB3D79EC}"/>
-          </ac:spMkLst>
-        </pc:spChg>
-        <pc:spChg chg="add del">
-          <ac:chgData name="Jakob Erzar" userId="18a895aab62a8440" providerId="LiveId" clId="{9229E343-FD06-43D4-B292-7433C8E7B9CE}" dt="2018-01-10T11:42:25.089" v="452"/>
-          <ac:spMkLst>
-            <pc:docMk/>
-            <pc:sldMk cId="535386252" sldId="266"/>
-            <ac:spMk id="5" creationId="{B71567F4-0727-4523-974C-3C6A7E35817A}"/>
-          </ac:spMkLst>
-        </pc:spChg>
-        <pc:spChg chg="add del">
-          <ac:chgData name="Jakob Erzar" userId="18a895aab62a8440" providerId="LiveId" clId="{9229E343-FD06-43D4-B292-7433C8E7B9CE}" dt="2018-01-10T11:42:27.387" v="456"/>
-          <ac:spMkLst>
-            <pc:docMk/>
-            <pc:sldMk cId="535386252" sldId="266"/>
-            <ac:spMk id="6" creationId="{21C21AB7-F846-4D0A-BB63-35179BE1C360}"/>
-          </ac:spMkLst>
-        </pc:spChg>
-      </pc:sldChg>
-      <pc:sldChg chg="modSp add">
-        <pc:chgData name="Jakob Erzar" userId="18a895aab62a8440" providerId="LiveId" clId="{9229E343-FD06-43D4-B292-7433C8E7B9CE}" dt="2018-01-10T11:46:05.549" v="644" actId="114"/>
-        <pc:sldMkLst>
-          <pc:docMk/>
-          <pc:sldMk cId="1609304195" sldId="267"/>
-        </pc:sldMkLst>
-        <pc:spChg chg="mod">
-          <ac:chgData name="Jakob Erzar" userId="18a895aab62a8440" providerId="LiveId" clId="{9229E343-FD06-43D4-B292-7433C8E7B9CE}" dt="2018-01-10T11:44:11.330" v="508" actId="20577"/>
-          <ac:spMkLst>
-            <pc:docMk/>
-            <pc:sldMk cId="1609304195" sldId="267"/>
-            <ac:spMk id="2" creationId="{5ECC76A1-A096-4A2C-92DA-E1DB8CB23609}"/>
-          </ac:spMkLst>
-        </pc:spChg>
-        <pc:spChg chg="mod">
-          <ac:chgData name="Jakob Erzar" userId="18a895aab62a8440" providerId="LiveId" clId="{9229E343-FD06-43D4-B292-7433C8E7B9CE}" dt="2018-01-10T11:46:05.549" v="644" actId="114"/>
-          <ac:spMkLst>
-            <pc:docMk/>
-            <pc:sldMk cId="1609304195" sldId="267"/>
-            <ac:spMk id="3" creationId="{9FF4E42F-EB58-476A-9289-3AA635EEF4C9}"/>
-          </ac:spMkLst>
-        </pc:spChg>
-      </pc:sldChg>
-      <pc:sldChg chg="modSp add">
-        <pc:chgData name="Jakob Erzar" userId="18a895aab62a8440" providerId="LiveId" clId="{9229E343-FD06-43D4-B292-7433C8E7B9CE}" dt="2018-01-10T11:47:04.211" v="683" actId="20577"/>
-        <pc:sldMkLst>
-          <pc:docMk/>
-          <pc:sldMk cId="3481417011" sldId="268"/>
-        </pc:sldMkLst>
-        <pc:spChg chg="mod">
-          <ac:chgData name="Jakob Erzar" userId="18a895aab62a8440" providerId="LiveId" clId="{9229E343-FD06-43D4-B292-7433C8E7B9CE}" dt="2018-01-10T11:46:49.425" v="660" actId="20577"/>
-          <ac:spMkLst>
-            <pc:docMk/>
-            <pc:sldMk cId="3481417011" sldId="268"/>
-            <ac:spMk id="2" creationId="{6576E4F7-645C-4D9D-870A-4188060FFF8F}"/>
-          </ac:spMkLst>
-        </pc:spChg>
-        <pc:spChg chg="mod">
-          <ac:chgData name="Jakob Erzar" userId="18a895aab62a8440" providerId="LiveId" clId="{9229E343-FD06-43D4-B292-7433C8E7B9CE}" dt="2018-01-10T11:47:04.211" v="683" actId="20577"/>
-          <ac:spMkLst>
-            <pc:docMk/>
-            <pc:sldMk cId="3481417011" sldId="268"/>
-            <ac:spMk id="3" creationId="{28FB93D1-4BC9-4D10-9D96-70C17A1B21B3}"/>
-          </ac:spMkLst>
-        </pc:spChg>
-      </pc:sldChg>
-      <pc:sldChg chg="addSp delSp modSp add">
-        <pc:chgData name="Jakob Erzar" userId="18a895aab62a8440" providerId="LiveId" clId="{9229E343-FD06-43D4-B292-7433C8E7B9CE}" dt="2018-01-10T11:48:38.429" v="727" actId="12385"/>
-        <pc:sldMkLst>
-          <pc:docMk/>
-          <pc:sldMk cId="2021768761" sldId="269"/>
-        </pc:sldMkLst>
-        <pc:spChg chg="mod">
-          <ac:chgData name="Jakob Erzar" userId="18a895aab62a8440" providerId="LiveId" clId="{9229E343-FD06-43D4-B292-7433C8E7B9CE}" dt="2018-01-10T11:47:20.239" v="717" actId="20577"/>
-          <ac:spMkLst>
-            <pc:docMk/>
-            <pc:sldMk cId="2021768761" sldId="269"/>
-            <ac:spMk id="2" creationId="{4EC8BA02-9A9E-40B3-9FA1-FA280FA65261}"/>
-          </ac:spMkLst>
-        </pc:spChg>
-        <pc:spChg chg="del">
-          <ac:chgData name="Jakob Erzar" userId="18a895aab62a8440" providerId="LiveId" clId="{9229E343-FD06-43D4-B292-7433C8E7B9CE}" dt="2018-01-10T11:47:32.827" v="718"/>
-          <ac:spMkLst>
-            <pc:docMk/>
-            <pc:sldMk cId="2021768761" sldId="269"/>
-            <ac:spMk id="3" creationId="{16333D36-4E92-4BC0-BF27-6DE85464C50F}"/>
-          </ac:spMkLst>
-        </pc:spChg>
-        <pc:graphicFrameChg chg="add mod modGraphic">
-          <ac:chgData name="Jakob Erzar" userId="18a895aab62a8440" providerId="LiveId" clId="{9229E343-FD06-43D4-B292-7433C8E7B9CE}" dt="2018-01-10T11:48:38.429" v="727" actId="12385"/>
-          <ac:graphicFrameMkLst>
-            <pc:docMk/>
-            <pc:sldMk cId="2021768761" sldId="269"/>
-            <ac:graphicFrameMk id="4" creationId="{1801723A-39DF-478B-AA36-F4EC4852D744}"/>
-          </ac:graphicFrameMkLst>
-        </pc:graphicFrameChg>
-      </pc:sldChg>
-      <pc:sldChg chg="addSp delSp modSp add">
-        <pc:chgData name="Jakob Erzar" userId="18a895aab62a8440" providerId="LiveId" clId="{9229E343-FD06-43D4-B292-7433C8E7B9CE}" dt="2018-01-10T11:50:37.407" v="814" actId="20577"/>
-        <pc:sldMkLst>
-          <pc:docMk/>
-          <pc:sldMk cId="907681658" sldId="270"/>
-        </pc:sldMkLst>
-        <pc:spChg chg="mod">
-          <ac:chgData name="Jakob Erzar" userId="18a895aab62a8440" providerId="LiveId" clId="{9229E343-FD06-43D4-B292-7433C8E7B9CE}" dt="2018-01-10T11:49:14.109" v="765" actId="20577"/>
-          <ac:spMkLst>
-            <pc:docMk/>
-            <pc:sldMk cId="907681658" sldId="270"/>
-            <ac:spMk id="2" creationId="{717BEDDE-460A-43C5-BDAB-532CBB87B35F}"/>
-          </ac:spMkLst>
-        </pc:spChg>
-        <pc:spChg chg="add del mod">
-          <ac:chgData name="Jakob Erzar" userId="18a895aab62a8440" providerId="LiveId" clId="{9229E343-FD06-43D4-B292-7433C8E7B9CE}" dt="2018-01-10T11:50:37.407" v="814" actId="20577"/>
-          <ac:spMkLst>
-            <pc:docMk/>
-            <pc:sldMk cId="907681658" sldId="270"/>
-            <ac:spMk id="3" creationId="{77BD6FF8-F1C0-4748-95A4-441AC155EC32}"/>
-          </ac:spMkLst>
-        </pc:spChg>
-        <pc:spChg chg="add del">
-          <ac:chgData name="Jakob Erzar" userId="18a895aab62a8440" providerId="LiveId" clId="{9229E343-FD06-43D4-B292-7433C8E7B9CE}" dt="2018-01-10T11:49:36.524" v="767"/>
-          <ac:spMkLst>
-            <pc:docMk/>
-            <pc:sldMk cId="907681658" sldId="270"/>
-            <ac:spMk id="4" creationId="{67EB50E7-C854-4F21-B8CB-3C3904923BC7}"/>
-          </ac:spMkLst>
-        </pc:spChg>
-        <pc:spChg chg="add del">
-          <ac:chgData name="Jakob Erzar" userId="18a895aab62a8440" providerId="LiveId" clId="{9229E343-FD06-43D4-B292-7433C8E7B9CE}" dt="2018-01-10T11:49:41.417" v="771"/>
-          <ac:spMkLst>
-            <pc:docMk/>
-            <pc:sldMk cId="907681658" sldId="270"/>
-            <ac:spMk id="5" creationId="{4A41C1A7-7932-4EAB-AC96-4562ECE31426}"/>
-          </ac:spMkLst>
-        </pc:spChg>
-      </pc:sldChg>
-      <pc:sldChg chg="modSp add">
-        <pc:chgData name="Jakob Erzar" userId="18a895aab62a8440" providerId="LiveId" clId="{9229E343-FD06-43D4-B292-7433C8E7B9CE}" dt="2018-01-10T12:28:54.123" v="1355" actId="20577"/>
-        <pc:sldMkLst>
-          <pc:docMk/>
-          <pc:sldMk cId="693203529" sldId="271"/>
-        </pc:sldMkLst>
-        <pc:spChg chg="mod">
-          <ac:chgData name="Jakob Erzar" userId="18a895aab62a8440" providerId="LiveId" clId="{9229E343-FD06-43D4-B292-7433C8E7B9CE}" dt="2018-01-10T11:51:37.721" v="820" actId="20577"/>
-          <ac:spMkLst>
-            <pc:docMk/>
-            <pc:sldMk cId="693203529" sldId="271"/>
-            <ac:spMk id="2" creationId="{A3450B84-8CB5-4E78-AFC4-4E515B387F07}"/>
-          </ac:spMkLst>
-        </pc:spChg>
-        <pc:spChg chg="mod">
-          <ac:chgData name="Jakob Erzar" userId="18a895aab62a8440" providerId="LiveId" clId="{9229E343-FD06-43D4-B292-7433C8E7B9CE}" dt="2018-01-10T12:28:54.123" v="1355" actId="20577"/>
-          <ac:spMkLst>
-            <pc:docMk/>
-            <pc:sldMk cId="693203529" sldId="271"/>
-            <ac:spMk id="3" creationId="{E1AD1311-F5FD-4565-961E-FDE71F9CE5E9}"/>
-          </ac:spMkLst>
-        </pc:spChg>
-      </pc:sldChg>
-      <pc:sldChg chg="addSp delSp modSp add">
-        <pc:chgData name="Jakob Erzar" userId="18a895aab62a8440" providerId="LiveId" clId="{9229E343-FD06-43D4-B292-7433C8E7B9CE}" dt="2018-01-10T12:23:35.742" v="1100" actId="20577"/>
-        <pc:sldMkLst>
-          <pc:docMk/>
-          <pc:sldMk cId="255726157" sldId="272"/>
-        </pc:sldMkLst>
-        <pc:spChg chg="mod">
-          <ac:chgData name="Jakob Erzar" userId="18a895aab62a8440" providerId="LiveId" clId="{9229E343-FD06-43D4-B292-7433C8E7B9CE}" dt="2018-01-10T11:53:50.607" v="945" actId="20577"/>
-          <ac:spMkLst>
-            <pc:docMk/>
-            <pc:sldMk cId="255726157" sldId="272"/>
-            <ac:spMk id="2" creationId="{C116077A-6C22-4AEF-A71C-5A44D6C83D89}"/>
-          </ac:spMkLst>
-        </pc:spChg>
-        <pc:spChg chg="add del mod">
-          <ac:chgData name="Jakob Erzar" userId="18a895aab62a8440" providerId="LiveId" clId="{9229E343-FD06-43D4-B292-7433C8E7B9CE}" dt="2018-01-10T12:23:35.742" v="1100" actId="20577"/>
-          <ac:spMkLst>
-            <pc:docMk/>
-            <pc:sldMk cId="255726157" sldId="272"/>
-            <ac:spMk id="3" creationId="{A2C6800B-430A-47F2-80D5-CF004C2F83D3}"/>
-          </ac:spMkLst>
-        </pc:spChg>
-        <pc:spChg chg="add del">
-          <ac:chgData name="Jakob Erzar" userId="18a895aab62a8440" providerId="LiveId" clId="{9229E343-FD06-43D4-B292-7433C8E7B9CE}" dt="2018-01-10T11:54:05.694" v="950"/>
-          <ac:spMkLst>
-            <pc:docMk/>
-            <pc:sldMk cId="255726157" sldId="272"/>
-            <ac:spMk id="4" creationId="{E32E5483-4E85-4B6C-82D4-829F2DBF9DE9}"/>
-          </ac:spMkLst>
-        </pc:spChg>
-        <pc:spChg chg="add del">
-          <ac:chgData name="Jakob Erzar" userId="18a895aab62a8440" providerId="LiveId" clId="{9229E343-FD06-43D4-B292-7433C8E7B9CE}" dt="2018-01-10T12:21:10.580" v="984"/>
-          <ac:spMkLst>
-            <pc:docMk/>
-            <pc:sldMk cId="255726157" sldId="272"/>
-            <ac:spMk id="5" creationId="{F8B22143-C690-4143-88E1-D9D9E6133C0D}"/>
-          </ac:spMkLst>
-        </pc:spChg>
-        <pc:spChg chg="add del">
-          <ac:chgData name="Jakob Erzar" userId="18a895aab62a8440" providerId="LiveId" clId="{9229E343-FD06-43D4-B292-7433C8E7B9CE}" dt="2018-01-10T12:21:13.658" v="986"/>
-          <ac:spMkLst>
-            <pc:docMk/>
-            <pc:sldMk cId="255726157" sldId="272"/>
-            <ac:spMk id="6" creationId="{F4EAB419-D554-4A36-8883-7A79D93180BF}"/>
-          </ac:spMkLst>
-        </pc:spChg>
-      </pc:sldChg>
-      <pc:sldChg chg="addSp delSp modSp add">
-        <pc:chgData name="Jakob Erzar" userId="18a895aab62a8440" providerId="LiveId" clId="{9229E343-FD06-43D4-B292-7433C8E7B9CE}" dt="2018-01-10T12:25:18.472" v="1244" actId="20577"/>
-        <pc:sldMkLst>
-          <pc:docMk/>
-          <pc:sldMk cId="2952572422" sldId="273"/>
-        </pc:sldMkLst>
-        <pc:spChg chg="mod">
-          <ac:chgData name="Jakob Erzar" userId="18a895aab62a8440" providerId="LiveId" clId="{9229E343-FD06-43D4-B292-7433C8E7B9CE}" dt="2018-01-10T12:23:59.016" v="1134" actId="20577"/>
-          <ac:spMkLst>
-            <pc:docMk/>
-            <pc:sldMk cId="2952572422" sldId="273"/>
-            <ac:spMk id="2" creationId="{8EB95D22-8F0C-42AA-9238-C5D85D366720}"/>
-          </ac:spMkLst>
-        </pc:spChg>
-        <pc:spChg chg="mod">
-          <ac:chgData name="Jakob Erzar" userId="18a895aab62a8440" providerId="LiveId" clId="{9229E343-FD06-43D4-B292-7433C8E7B9CE}" dt="2018-01-10T12:25:18.472" v="1244" actId="20577"/>
-          <ac:spMkLst>
-            <pc:docMk/>
-            <pc:sldMk cId="2952572422" sldId="273"/>
-            <ac:spMk id="3" creationId="{DFA2FC86-E467-4CDA-9BA9-E21D8169F6C9}"/>
-          </ac:spMkLst>
-        </pc:spChg>
-        <pc:spChg chg="add del">
-          <ac:chgData name="Jakob Erzar" userId="18a895aab62a8440" providerId="LiveId" clId="{9229E343-FD06-43D4-B292-7433C8E7B9CE}" dt="2018-01-10T12:24:36.612" v="1196"/>
-          <ac:spMkLst>
-            <pc:docMk/>
-            <pc:sldMk cId="2952572422" sldId="273"/>
-            <ac:spMk id="4" creationId="{5B8B7CF7-EECF-4F1F-901B-161A0BDC67EF}"/>
-          </ac:spMkLst>
-        </pc:spChg>
-      </pc:sldChg>
-      <pc:sldChg chg="modSp add">
-        <pc:chgData name="Jakob Erzar" userId="18a895aab62a8440" providerId="LiveId" clId="{9229E343-FD06-43D4-B292-7433C8E7B9CE}" dt="2018-01-10T12:27:09.836" v="1284"/>
-        <pc:sldMkLst>
-          <pc:docMk/>
-          <pc:sldMk cId="2501041114" sldId="274"/>
-        </pc:sldMkLst>
-        <pc:spChg chg="mod">
-          <ac:chgData name="Jakob Erzar" userId="18a895aab62a8440" providerId="LiveId" clId="{9229E343-FD06-43D4-B292-7433C8E7B9CE}" dt="2018-01-10T12:27:01.767" v="1274" actId="20577"/>
-          <ac:spMkLst>
-            <pc:docMk/>
-            <pc:sldMk cId="2501041114" sldId="274"/>
-            <ac:spMk id="2" creationId="{09CF07B1-EC3A-4938-9444-14990463B2D1}"/>
-          </ac:spMkLst>
-        </pc:spChg>
-        <pc:spChg chg="mod">
-          <ac:chgData name="Jakob Erzar" userId="18a895aab62a8440" providerId="LiveId" clId="{9229E343-FD06-43D4-B292-7433C8E7B9CE}" dt="2018-01-10T12:27:09.836" v="1284"/>
-          <ac:spMkLst>
-            <pc:docMk/>
-            <pc:sldMk cId="2501041114" sldId="274"/>
-            <ac:spMk id="3" creationId="{6DE55313-8551-41DF-99E6-8E021B235CD0}"/>
-          </ac:spMkLst>
-        </pc:spChg>
-      </pc:sldChg>
-      <pc:sldChg chg="modSp add">
-        <pc:chgData name="Jakob Erzar" userId="18a895aab62a8440" providerId="LiveId" clId="{9229E343-FD06-43D4-B292-7433C8E7B9CE}" dt="2018-01-10T12:30:59.984" v="1434" actId="20577"/>
-        <pc:sldMkLst>
-          <pc:docMk/>
-          <pc:sldMk cId="2965761863" sldId="275"/>
-        </pc:sldMkLst>
-        <pc:spChg chg="mod">
-          <ac:chgData name="Jakob Erzar" userId="18a895aab62a8440" providerId="LiveId" clId="{9229E343-FD06-43D4-B292-7433C8E7B9CE}" dt="2018-01-10T12:27:53.569" v="1317" actId="20577"/>
-          <ac:spMkLst>
-            <pc:docMk/>
-            <pc:sldMk cId="2965761863" sldId="275"/>
-            <ac:spMk id="2" creationId="{09CB5090-2610-43A4-A4F4-7C7AFBB46BC1}"/>
-          </ac:spMkLst>
-        </pc:spChg>
-        <pc:spChg chg="mod">
-          <ac:chgData name="Jakob Erzar" userId="18a895aab62a8440" providerId="LiveId" clId="{9229E343-FD06-43D4-B292-7433C8E7B9CE}" dt="2018-01-10T12:30:59.984" v="1434" actId="20577"/>
-          <ac:spMkLst>
-            <pc:docMk/>
-            <pc:sldMk cId="2965761863" sldId="275"/>
-            <ac:spMk id="3" creationId="{92C21904-1188-4012-B0C4-2564BB00653C}"/>
-          </ac:spMkLst>
-        </pc:spChg>
-      </pc:sldChg>
-      <pc:sldChg chg="modSp add">
-        <pc:chgData name="Jakob Erzar" userId="18a895aab62a8440" providerId="LiveId" clId="{9229E343-FD06-43D4-B292-7433C8E7B9CE}" dt="2018-01-10T12:32:27.381" v="1544" actId="20577"/>
-        <pc:sldMkLst>
-          <pc:docMk/>
-          <pc:sldMk cId="2175856007" sldId="276"/>
-        </pc:sldMkLst>
-        <pc:spChg chg="mod">
-          <ac:chgData name="Jakob Erzar" userId="18a895aab62a8440" providerId="LiveId" clId="{9229E343-FD06-43D4-B292-7433C8E7B9CE}" dt="2018-01-10T12:31:19.499" v="1448" actId="20577"/>
-          <ac:spMkLst>
-            <pc:docMk/>
-            <pc:sldMk cId="2175856007" sldId="276"/>
-            <ac:spMk id="2" creationId="{69AF6DA7-C27C-4D9E-B1EC-858AD0D094A9}"/>
-          </ac:spMkLst>
-        </pc:spChg>
-        <pc:spChg chg="mod">
-          <ac:chgData name="Jakob Erzar" userId="18a895aab62a8440" providerId="LiveId" clId="{9229E343-FD06-43D4-B292-7433C8E7B9CE}" dt="2018-01-10T12:32:27.381" v="1544" actId="20577"/>
-          <ac:spMkLst>
-            <pc:docMk/>
-            <pc:sldMk cId="2175856007" sldId="276"/>
-            <ac:spMk id="3" creationId="{2EA55E6F-2B7A-4184-BA9C-66B716EE9925}"/>
-          </ac:spMkLst>
-        </pc:spChg>
-      </pc:sldChg>
-      <pc:sldChg chg="modSp add">
-        <pc:chgData name="Jakob Erzar" userId="18a895aab62a8440" providerId="LiveId" clId="{9229E343-FD06-43D4-B292-7433C8E7B9CE}" dt="2018-01-10T12:35:25.961" v="2043" actId="20577"/>
-        <pc:sldMkLst>
-          <pc:docMk/>
-          <pc:sldMk cId="3418445149" sldId="277"/>
-        </pc:sldMkLst>
-        <pc:spChg chg="mod">
-          <ac:chgData name="Jakob Erzar" userId="18a895aab62a8440" providerId="LiveId" clId="{9229E343-FD06-43D4-B292-7433C8E7B9CE}" dt="2018-01-10T12:32:46.379" v="1574" actId="20577"/>
-          <ac:spMkLst>
-            <pc:docMk/>
-            <pc:sldMk cId="3418445149" sldId="277"/>
-            <ac:spMk id="2" creationId="{84C58061-4021-44DC-82D8-61666F345518}"/>
-          </ac:spMkLst>
-        </pc:spChg>
-        <pc:spChg chg="mod">
-          <ac:chgData name="Jakob Erzar" userId="18a895aab62a8440" providerId="LiveId" clId="{9229E343-FD06-43D4-B292-7433C8E7B9CE}" dt="2018-01-10T12:35:25.961" v="2043" actId="20577"/>
-          <ac:spMkLst>
-            <pc:docMk/>
-            <pc:sldMk cId="3418445149" sldId="277"/>
-            <ac:spMk id="3" creationId="{26E0191E-2727-446A-B94D-63C86B244C79}"/>
-          </ac:spMkLst>
-        </pc:spChg>
-      </pc:sldChg>
-      <pc:sldChg chg="modSp add">
-        <pc:chgData name="Jakob Erzar" userId="18a895aab62a8440" providerId="LiveId" clId="{9229E343-FD06-43D4-B292-7433C8E7B9CE}" dt="2018-01-10T12:33:55.425" v="1797" actId="20577"/>
-        <pc:sldMkLst>
-          <pc:docMk/>
-          <pc:sldMk cId="1993042287" sldId="278"/>
-        </pc:sldMkLst>
-        <pc:spChg chg="mod">
-          <ac:chgData name="Jakob Erzar" userId="18a895aab62a8440" providerId="LiveId" clId="{9229E343-FD06-43D4-B292-7433C8E7B9CE}" dt="2018-01-10T12:32:59.102" v="1595" actId="20577"/>
-          <ac:spMkLst>
-            <pc:docMk/>
-            <pc:sldMk cId="1993042287" sldId="278"/>
-            <ac:spMk id="2" creationId="{A7512541-AB65-4737-9B7F-842B7E8DDC58}"/>
-          </ac:spMkLst>
-        </pc:spChg>
-        <pc:spChg chg="mod">
-          <ac:chgData name="Jakob Erzar" userId="18a895aab62a8440" providerId="LiveId" clId="{9229E343-FD06-43D4-B292-7433C8E7B9CE}" dt="2018-01-10T12:33:55.425" v="1797" actId="20577"/>
-          <ac:spMkLst>
-            <pc:docMk/>
-            <pc:sldMk cId="1993042287" sldId="278"/>
-            <ac:spMk id="3" creationId="{24D2BB39-9EB3-47BD-AB6D-80BBC765C22D}"/>
-          </ac:spMkLst>
-        </pc:spChg>
-      </pc:sldChg>
-      <pc:sldChg chg="modSp add">
-        <pc:chgData name="Jakob Erzar" userId="18a895aab62a8440" providerId="LiveId" clId="{9229E343-FD06-43D4-B292-7433C8E7B9CE}" dt="2018-01-10T12:36:13.737" v="2185" actId="20577"/>
-        <pc:sldMkLst>
-          <pc:docMk/>
-          <pc:sldMk cId="2777948457" sldId="279"/>
-        </pc:sldMkLst>
-        <pc:spChg chg="mod">
-          <ac:chgData name="Jakob Erzar" userId="18a895aab62a8440" providerId="LiveId" clId="{9229E343-FD06-43D4-B292-7433C8E7B9CE}" dt="2018-01-10T12:35:39.793" v="2055" actId="20577"/>
-          <ac:spMkLst>
-            <pc:docMk/>
-            <pc:sldMk cId="2777948457" sldId="279"/>
-            <ac:spMk id="2" creationId="{E21CBE2B-6CE2-4054-9B2E-AA715440C554}"/>
-          </ac:spMkLst>
-        </pc:spChg>
-        <pc:spChg chg="mod">
-          <ac:chgData name="Jakob Erzar" userId="18a895aab62a8440" providerId="LiveId" clId="{9229E343-FD06-43D4-B292-7433C8E7B9CE}" dt="2018-01-10T12:36:13.737" v="2185" actId="20577"/>
-          <ac:spMkLst>
-            <pc:docMk/>
-            <pc:sldMk cId="2777948457" sldId="279"/>
-            <ac:spMk id="3" creationId="{54C3A4A8-0F0F-4C35-B8BD-0F8F774CF051}"/>
-          </ac:spMkLst>
-        </pc:spChg>
-      </pc:sldChg>
-      <pc:sldChg chg="modSp add">
-        <pc:chgData name="Jakob Erzar" userId="18a895aab62a8440" providerId="LiveId" clId="{9229E343-FD06-43D4-B292-7433C8E7B9CE}" dt="2018-01-10T12:37:20.469" v="2415" actId="20577"/>
+        <pc:chgData name="Jakob Erzar" userId="18a895aab62a8440" providerId="LiveId" clId="{E07EA255-8232-44D9-B308-6D05CC31048C}" dt="2018-07-18T02:35:29.166" v="5" actId="20577"/>
         <pc:sldMkLst>
           <pc:docMk/>
           <pc:sldMk cId="3354056300" sldId="280"/>
         </pc:sldMkLst>
         <pc:spChg chg="mod">
-          <ac:chgData name="Jakob Erzar" userId="18a895aab62a8440" providerId="LiveId" clId="{9229E343-FD06-43D4-B292-7433C8E7B9CE}" dt="2018-01-10T12:36:29.596" v="2201" actId="20577"/>
-          <ac:spMkLst>
-            <pc:docMk/>
-            <pc:sldMk cId="3354056300" sldId="280"/>
-            <ac:spMk id="2" creationId="{D9D1E52F-D430-46AB-BC14-AA30F0E90542}"/>
-          </ac:spMkLst>
-        </pc:spChg>
-        <pc:spChg chg="mod">
-          <ac:chgData name="Jakob Erzar" userId="18a895aab62a8440" providerId="LiveId" clId="{9229E343-FD06-43D4-B292-7433C8E7B9CE}" dt="2018-01-10T12:37:20.469" v="2415" actId="20577"/>
+          <ac:chgData name="Jakob Erzar" userId="18a895aab62a8440" providerId="LiveId" clId="{E07EA255-8232-44D9-B308-6D05CC31048C}" dt="2018-07-18T02:35:29.166" v="5" actId="20577"/>
           <ac:spMkLst>
             <pc:docMk/>
             <pc:sldMk cId="3354056300" sldId="280"/>
             <ac:spMk id="3" creationId="{D1A30E5A-ADEB-41D7-9F0A-EA556FBEB2BD}"/>
-          </ac:spMkLst>
-        </pc:spChg>
-      </pc:sldChg>
-      <pc:sldChg chg="modSp add">
-        <pc:chgData name="Jakob Erzar" userId="18a895aab62a8440" providerId="LiveId" clId="{9229E343-FD06-43D4-B292-7433C8E7B9CE}" dt="2018-01-10T12:39:51.879" v="3005" actId="5793"/>
-        <pc:sldMkLst>
-          <pc:docMk/>
-          <pc:sldMk cId="2016166150" sldId="281"/>
-        </pc:sldMkLst>
-        <pc:spChg chg="mod">
-          <ac:chgData name="Jakob Erzar" userId="18a895aab62a8440" providerId="LiveId" clId="{9229E343-FD06-43D4-B292-7433C8E7B9CE}" dt="2018-01-10T12:37:33.148" v="2440" actId="20577"/>
-          <ac:spMkLst>
-            <pc:docMk/>
-            <pc:sldMk cId="2016166150" sldId="281"/>
-            <ac:spMk id="2" creationId="{4604CD6F-B8B0-4D9C-9A4C-3F306942C26E}"/>
-          </ac:spMkLst>
-        </pc:spChg>
-        <pc:spChg chg="mod">
-          <ac:chgData name="Jakob Erzar" userId="18a895aab62a8440" providerId="LiveId" clId="{9229E343-FD06-43D4-B292-7433C8E7B9CE}" dt="2018-01-10T12:39:51.879" v="3005" actId="5793"/>
-          <ac:spMkLst>
-            <pc:docMk/>
-            <pc:sldMk cId="2016166150" sldId="281"/>
-            <ac:spMk id="3" creationId="{B06DF79B-8C01-4B9B-B713-68C65B2D4B5E}"/>
-          </ac:spMkLst>
-        </pc:spChg>
-      </pc:sldChg>
-      <pc:sldChg chg="modSp add">
-        <pc:chgData name="Jakob Erzar" userId="18a895aab62a8440" providerId="LiveId" clId="{9229E343-FD06-43D4-B292-7433C8E7B9CE}" dt="2018-01-10T12:41:02.698" v="3241" actId="5793"/>
-        <pc:sldMkLst>
-          <pc:docMk/>
-          <pc:sldMk cId="272533302" sldId="282"/>
-        </pc:sldMkLst>
-        <pc:spChg chg="mod">
-          <ac:chgData name="Jakob Erzar" userId="18a895aab62a8440" providerId="LiveId" clId="{9229E343-FD06-43D4-B292-7433C8E7B9CE}" dt="2018-01-10T12:40:05.946" v="3036" actId="20577"/>
-          <ac:spMkLst>
-            <pc:docMk/>
-            <pc:sldMk cId="272533302" sldId="282"/>
-            <ac:spMk id="2" creationId="{FEAD3118-7FD1-4B91-88EA-4C8DBA037A32}"/>
-          </ac:spMkLst>
-        </pc:spChg>
-        <pc:spChg chg="mod">
-          <ac:chgData name="Jakob Erzar" userId="18a895aab62a8440" providerId="LiveId" clId="{9229E343-FD06-43D4-B292-7433C8E7B9CE}" dt="2018-01-10T12:41:02.698" v="3241" actId="5793"/>
-          <ac:spMkLst>
-            <pc:docMk/>
-            <pc:sldMk cId="272533302" sldId="282"/>
-            <ac:spMk id="3" creationId="{02EF352C-5DA8-4F94-B027-0DDE82C5DCE3}"/>
-          </ac:spMkLst>
-        </pc:spChg>
-      </pc:sldChg>
-      <pc:sldChg chg="modSp add">
-        <pc:chgData name="Jakob Erzar" userId="18a895aab62a8440" providerId="LiveId" clId="{9229E343-FD06-43D4-B292-7433C8E7B9CE}" dt="2018-01-10T12:44:29.771" v="3423" actId="20577"/>
-        <pc:sldMkLst>
-          <pc:docMk/>
-          <pc:sldMk cId="402534928" sldId="283"/>
-        </pc:sldMkLst>
-        <pc:spChg chg="mod">
-          <ac:chgData name="Jakob Erzar" userId="18a895aab62a8440" providerId="LiveId" clId="{9229E343-FD06-43D4-B292-7433C8E7B9CE}" dt="2018-01-10T12:41:22.971" v="3247" actId="20577"/>
-          <ac:spMkLst>
-            <pc:docMk/>
-            <pc:sldMk cId="402534928" sldId="283"/>
-            <ac:spMk id="2" creationId="{A28E0AB1-ACCB-49E7-B41E-BB3E9D1B8D06}"/>
-          </ac:spMkLst>
-        </pc:spChg>
-        <pc:spChg chg="mod">
-          <ac:chgData name="Jakob Erzar" userId="18a895aab62a8440" providerId="LiveId" clId="{9229E343-FD06-43D4-B292-7433C8E7B9CE}" dt="2018-01-10T12:44:29.771" v="3423" actId="20577"/>
-          <ac:spMkLst>
-            <pc:docMk/>
-            <pc:sldMk cId="402534928" sldId="283"/>
-            <ac:spMk id="3" creationId="{B71C410E-54C1-4756-A80E-27D7E119BA72}"/>
-          </ac:spMkLst>
-        </pc:spChg>
-      </pc:sldChg>
-      <pc:sldChg chg="addSp modSp add">
-        <pc:chgData name="Jakob Erzar" userId="18a895aab62a8440" providerId="LiveId" clId="{9229E343-FD06-43D4-B292-7433C8E7B9CE}" dt="2018-01-10T12:54:47.700" v="3674" actId="20577"/>
-        <pc:sldMkLst>
-          <pc:docMk/>
-          <pc:sldMk cId="2628571616" sldId="284"/>
-        </pc:sldMkLst>
-        <pc:spChg chg="mod">
-          <ac:chgData name="Jakob Erzar" userId="18a895aab62a8440" providerId="LiveId" clId="{9229E343-FD06-43D4-B292-7433C8E7B9CE}" dt="2018-01-10T12:47:12.835" v="3540" actId="20577"/>
-          <ac:spMkLst>
-            <pc:docMk/>
-            <pc:sldMk cId="2628571616" sldId="284"/>
-            <ac:spMk id="2" creationId="{A4BD43B9-34BB-4912-9B19-F392D4CFE32C}"/>
-          </ac:spMkLst>
-        </pc:spChg>
-        <pc:spChg chg="mod">
-          <ac:chgData name="Jakob Erzar" userId="18a895aab62a8440" providerId="LiveId" clId="{9229E343-FD06-43D4-B292-7433C8E7B9CE}" dt="2018-01-10T12:54:47.700" v="3674" actId="20577"/>
-          <ac:spMkLst>
-            <pc:docMk/>
-            <pc:sldMk cId="2628571616" sldId="284"/>
-            <ac:spMk id="3" creationId="{FB516BAC-C2F1-441F-804F-FAEFDF5D291A}"/>
-          </ac:spMkLst>
-        </pc:spChg>
-        <pc:picChg chg="add mod">
-          <ac:chgData name="Jakob Erzar" userId="18a895aab62a8440" providerId="LiveId" clId="{9229E343-FD06-43D4-B292-7433C8E7B9CE}" dt="2018-01-10T12:46:37.425" v="3437" actId="14100"/>
-          <ac:picMkLst>
-            <pc:docMk/>
-            <pc:sldMk cId="2628571616" sldId="284"/>
-            <ac:picMk id="4" creationId="{DCE4F417-0B5A-4271-913F-DF0D25B8D27B}"/>
-          </ac:picMkLst>
-        </pc:picChg>
-        <pc:picChg chg="add mod">
-          <ac:chgData name="Jakob Erzar" userId="18a895aab62a8440" providerId="LiveId" clId="{9229E343-FD06-43D4-B292-7433C8E7B9CE}" dt="2018-01-10T12:47:33.777" v="3545" actId="1076"/>
-          <ac:picMkLst>
-            <pc:docMk/>
-            <pc:sldMk cId="2628571616" sldId="284"/>
-            <ac:picMk id="5" creationId="{6271BD56-050C-4220-9094-9F5CE79AE51E}"/>
-          </ac:picMkLst>
-        </pc:picChg>
-      </pc:sldChg>
-      <pc:sldChg chg="modSp add">
-        <pc:chgData name="Jakob Erzar" userId="18a895aab62a8440" providerId="LiveId" clId="{9229E343-FD06-43D4-B292-7433C8E7B9CE}" dt="2018-01-10T12:58:51.013" v="3727" actId="27636"/>
-        <pc:sldMkLst>
-          <pc:docMk/>
-          <pc:sldMk cId="862404442" sldId="285"/>
-        </pc:sldMkLst>
-        <pc:spChg chg="mod">
-          <ac:chgData name="Jakob Erzar" userId="18a895aab62a8440" providerId="LiveId" clId="{9229E343-FD06-43D4-B292-7433C8E7B9CE}" dt="2018-01-10T12:58:41.190" v="3722" actId="20577"/>
-          <ac:spMkLst>
-            <pc:docMk/>
-            <pc:sldMk cId="862404442" sldId="285"/>
-            <ac:spMk id="2" creationId="{80AEE0DF-9E8E-424A-8C70-D2E0F87960A6}"/>
-          </ac:spMkLst>
-        </pc:spChg>
-        <pc:spChg chg="mod">
-          <ac:chgData name="Jakob Erzar" userId="18a895aab62a8440" providerId="LiveId" clId="{9229E343-FD06-43D4-B292-7433C8E7B9CE}" dt="2018-01-10T12:58:51.013" v="3727" actId="27636"/>
-          <ac:spMkLst>
-            <pc:docMk/>
-            <pc:sldMk cId="862404442" sldId="285"/>
-            <ac:spMk id="3" creationId="{990F9D16-4614-4497-95DE-3E57EC427EF4}"/>
-          </ac:spMkLst>
-        </pc:spChg>
-      </pc:sldChg>
-      <pc:sldChg chg="modSp add ord">
-        <pc:chgData name="Jakob Erzar" userId="18a895aab62a8440" providerId="LiveId" clId="{9229E343-FD06-43D4-B292-7433C8E7B9CE}" dt="2018-01-10T13:01:11.188" v="3902" actId="20577"/>
-        <pc:sldMkLst>
-          <pc:docMk/>
-          <pc:sldMk cId="275155150" sldId="286"/>
-        </pc:sldMkLst>
-        <pc:spChg chg="mod">
-          <ac:chgData name="Jakob Erzar" userId="18a895aab62a8440" providerId="LiveId" clId="{9229E343-FD06-43D4-B292-7433C8E7B9CE}" dt="2018-01-10T13:00:19.469" v="3756" actId="20577"/>
-          <ac:spMkLst>
-            <pc:docMk/>
-            <pc:sldMk cId="275155150" sldId="286"/>
-            <ac:spMk id="2" creationId="{DAC72898-5260-4E51-A2DC-594B84F1FABC}"/>
-          </ac:spMkLst>
-        </pc:spChg>
-        <pc:spChg chg="mod">
-          <ac:chgData name="Jakob Erzar" userId="18a895aab62a8440" providerId="LiveId" clId="{9229E343-FD06-43D4-B292-7433C8E7B9CE}" dt="2018-01-10T13:01:11.188" v="3902" actId="20577"/>
-          <ac:spMkLst>
-            <pc:docMk/>
-            <pc:sldMk cId="275155150" sldId="286"/>
-            <ac:spMk id="3" creationId="{72C082A4-2381-419B-827A-E0263BEEEDD4}"/>
           </ac:spMkLst>
         </pc:spChg>
       </pc:sldChg>
@@ -1034,7 +310,7 @@
           <a:p>
             <a:fld id="{49159BA0-0305-4706-9458-C4E5E90B6282}" type="datetimeFigureOut">
               <a:rPr lang="sl-SI" smtClean="0"/>
-              <a:t>10. 01. 2018</a:t>
+              <a:t>18. 07. 2018</a:t>
             </a:fld>
             <a:endParaRPr lang="sl-SI"/>
           </a:p>
@@ -1560,7 +836,7 @@
           <a:p>
             <a:fld id="{1160EA64-D806-43AC-9DF2-F8C432F32B4C}" type="datetimeFigureOut">
               <a:rPr lang="en-US" dirty="0"/>
-              <a:t>1/10/2018</a:t>
+              <a:t>7/18/2018</a:t>
             </a:fld>
             <a:endParaRPr lang="en-US" dirty="0"/>
           </a:p>
@@ -1726,7 +1002,7 @@
           <a:p>
             <a:fld id="{E9F9C37B-1D36-470B-8223-D6C91242EC14}" type="datetimeFigureOut">
               <a:rPr lang="en-US" dirty="0"/>
-              <a:t>1/10/2018</a:t>
+              <a:t>7/18/2018</a:t>
             </a:fld>
             <a:endParaRPr lang="en-US" dirty="0"/>
           </a:p>
@@ -1901,7 +1177,7 @@
           <a:p>
             <a:fld id="{67C6F52A-A82B-47A2-A83A-8C4C91F2D59F}" type="datetimeFigureOut">
               <a:rPr lang="en-US" dirty="0"/>
-              <a:t>1/10/2018</a:t>
+              <a:t>7/18/2018</a:t>
             </a:fld>
             <a:endParaRPr lang="en-US" dirty="0"/>
           </a:p>
@@ -2066,7 +1342,7 @@
           <a:p>
             <a:fld id="{F070A7B3-6521-4DCA-87E5-044747A908C1}" type="datetimeFigureOut">
               <a:rPr lang="en-US" dirty="0"/>
-              <a:t>1/10/2018</a:t>
+              <a:t>7/18/2018</a:t>
             </a:fld>
             <a:endParaRPr lang="en-US" dirty="0"/>
           </a:p>
@@ -2330,7 +1606,7 @@
           <a:p>
             <a:fld id="{1160EA64-D806-43AC-9DF2-F8C432F32B4C}" type="datetimeFigureOut">
               <a:rPr lang="en-US" dirty="0"/>
-              <a:t>1/10/2018</a:t>
+              <a:t>7/18/2018</a:t>
             </a:fld>
             <a:endParaRPr lang="en-US" dirty="0"/>
           </a:p>
@@ -2558,7 +1834,7 @@
           <a:p>
             <a:fld id="{AB134690-1557-4C89-A502-4959FE7FAD70}" type="datetimeFigureOut">
               <a:rPr lang="en-US" dirty="0"/>
-              <a:t>1/10/2018</a:t>
+              <a:t>7/18/2018</a:t>
             </a:fld>
             <a:endParaRPr lang="en-US" dirty="0"/>
           </a:p>
@@ -2912,7 +2188,7 @@
           <a:p>
             <a:fld id="{4F7D4976-E339-4826-83B7-FBD03F55ECF8}" type="datetimeFigureOut">
               <a:rPr lang="en-US" dirty="0"/>
-              <a:t>1/10/2018</a:t>
+              <a:t>7/18/2018</a:t>
             </a:fld>
             <a:endParaRPr lang="en-US" dirty="0"/>
           </a:p>
@@ -3048,7 +2324,7 @@
           <a:p>
             <a:fld id="{E1037C31-9E7A-4F99-8774-A0E530DE1A42}" type="datetimeFigureOut">
               <a:rPr lang="en-US" dirty="0"/>
-              <a:t>1/10/2018</a:t>
+              <a:t>7/18/2018</a:t>
             </a:fld>
             <a:endParaRPr lang="en-US" dirty="0"/>
           </a:p>
@@ -3138,7 +2414,7 @@
           <a:p>
             <a:fld id="{C278504F-A551-4DE0-9316-4DCD1D8CC752}" type="datetimeFigureOut">
               <a:rPr lang="en-US" dirty="0"/>
-              <a:t>1/10/2018</a:t>
+              <a:t>7/18/2018</a:t>
             </a:fld>
             <a:endParaRPr lang="en-US" dirty="0"/>
           </a:p>
@@ -3490,7 +2766,7 @@
           <a:p>
             <a:fld id="{D1BE4249-C0D0-4B06-8692-E8BB871AF643}" type="datetimeFigureOut">
               <a:rPr lang="en-US" dirty="0"/>
-              <a:t>1/10/2018</a:t>
+              <a:t>7/18/2018</a:t>
             </a:fld>
             <a:endParaRPr lang="en-US" dirty="0"/>
           </a:p>
@@ -3842,7 +3118,7 @@
           <a:p>
             <a:fld id="{042B0DB6-F5C7-45FB-8CF3-31B45F9C2DAC}" type="datetimeFigureOut">
               <a:rPr lang="en-US" dirty="0"/>
-              <a:t>1/10/2018</a:t>
+              <a:t>7/18/2018</a:t>
             </a:fld>
             <a:endParaRPr lang="en-US" dirty="0"/>
           </a:p>
@@ -4078,7 +3354,7 @@
           <a:p>
             <a:fld id="{1160EA64-D806-43AC-9DF2-F8C432F32B4C}" type="datetimeFigureOut">
               <a:rPr lang="en-US" dirty="0"/>
-              <a:t>1/10/2018</a:t>
+              <a:t>7/18/2018</a:t>
             </a:fld>
             <a:endParaRPr lang="en-US" dirty="0"/>
           </a:p>
@@ -5064,7 +4340,12 @@
             <p:ph idx="1"/>
           </p:nvPr>
         </p:nvSpPr>
-        <p:spPr/>
+        <p:spPr>
+          <a:xfrm>
+            <a:off x="2231136" y="2638044"/>
+            <a:ext cx="7913528" cy="3618982"/>
+          </a:xfrm>
+        </p:spPr>
         <p:txBody>
           <a:bodyPr>
             <a:normAutofit/>
@@ -5237,6 +4518,22 @@
             </a:r>
           </a:p>
           <a:p>
+            <a:r>
+              <a:rPr lang="sl-SI" dirty="0"/>
+              <a:t>Primer v </a:t>
+            </a:r>
+            <a:r>
+              <a:rPr lang="sl-SI" dirty="0" err="1"/>
+              <a:t>examples</a:t>
+            </a:r>
+            <a:r>
+              <a:rPr lang="sl-SI" dirty="0"/>
+              <a:t>/</a:t>
+            </a:r>
+            <a:r>
+              <a:rPr lang="sl-SI" dirty="0" err="1"/>
+              <a:t>ptrace_traceme_example.c</a:t>
+            </a:r>
             <a:endParaRPr lang="sl-SI" dirty="0"/>
           </a:p>
           <a:p>
@@ -5258,105 +4555,6 @@
 </file>
 
 <file path=ppt/slides/slide14.xml><?xml version="1.0" encoding="utf-8"?>
-<p:sld xmlns:a="http://schemas.openxmlformats.org/drawingml/2006/main" xmlns:r="http://schemas.openxmlformats.org/officeDocument/2006/relationships" xmlns:p="http://schemas.openxmlformats.org/presentationml/2006/main">
-  <p:cSld>
-    <p:spTree>
-      <p:nvGrpSpPr>
-        <p:cNvPr id="1" name=""/>
-        <p:cNvGrpSpPr/>
-        <p:nvPr/>
-      </p:nvGrpSpPr>
-      <p:grpSpPr>
-        <a:xfrm>
-          <a:off x="0" y="0"/>
-          <a:ext cx="0" cy="0"/>
-          <a:chOff x="0" y="0"/>
-          <a:chExt cx="0" cy="0"/>
-        </a:xfrm>
-      </p:grpSpPr>
-      <p:sp>
-        <p:nvSpPr>
-          <p:cNvPr id="2" name="Title 1">
-            <a:extLst>
-              <a:ext uri="{FF2B5EF4-FFF2-40B4-BE49-F238E27FC236}">
-                <a16:creationId xmlns:a16="http://schemas.microsoft.com/office/drawing/2014/main" id="{6576E4F7-645C-4D9D-870A-4188060FFF8F}"/>
-              </a:ext>
-            </a:extLst>
-          </p:cNvPr>
-          <p:cNvSpPr>
-            <a:spLocks noGrp="1"/>
-          </p:cNvSpPr>
-          <p:nvPr>
-            <p:ph type="title"/>
-          </p:nvPr>
-        </p:nvSpPr>
-        <p:spPr/>
-        <p:txBody>
-          <a:bodyPr/>
-          <a:lstStyle/>
-          <a:p>
-            <a:r>
-              <a:rPr lang="sl-SI" dirty="0"/>
-              <a:t>PTRACE - PRIMER</a:t>
-            </a:r>
-          </a:p>
-        </p:txBody>
-      </p:sp>
-      <p:sp>
-        <p:nvSpPr>
-          <p:cNvPr id="3" name="Content Placeholder 2">
-            <a:extLst>
-              <a:ext uri="{FF2B5EF4-FFF2-40B4-BE49-F238E27FC236}">
-                <a16:creationId xmlns:a16="http://schemas.microsoft.com/office/drawing/2014/main" id="{28FB93D1-4BC9-4D10-9D96-70C17A1B21B3}"/>
-              </a:ext>
-            </a:extLst>
-          </p:cNvPr>
-          <p:cNvSpPr>
-            <a:spLocks noGrp="1"/>
-          </p:cNvSpPr>
-          <p:nvPr>
-            <p:ph idx="1"/>
-          </p:nvPr>
-        </p:nvSpPr>
-        <p:spPr/>
-        <p:txBody>
-          <a:bodyPr/>
-          <a:lstStyle/>
-          <a:p>
-            <a:r>
-              <a:rPr lang="sl-SI" dirty="0"/>
-              <a:t>v mapi </a:t>
-            </a:r>
-            <a:r>
-              <a:rPr lang="sl-SI" dirty="0" err="1"/>
-              <a:t>examples</a:t>
-            </a:r>
-            <a:r>
-              <a:rPr lang="sl-SI" dirty="0"/>
-              <a:t>/</a:t>
-            </a:r>
-            <a:r>
-              <a:rPr lang="sl-SI" dirty="0" err="1"/>
-              <a:t>ptrace_traceme_example</a:t>
-            </a:r>
-            <a:endParaRPr lang="sl-SI" dirty="0"/>
-          </a:p>
-        </p:txBody>
-      </p:sp>
-    </p:spTree>
-    <p:extLst>
-      <p:ext uri="{BB962C8B-B14F-4D97-AF65-F5344CB8AC3E}">
-        <p14:creationId xmlns:p14="http://schemas.microsoft.com/office/powerpoint/2010/main" val="3481417011"/>
-      </p:ext>
-    </p:extLst>
-  </p:cSld>
-  <p:clrMapOvr>
-    <a:masterClrMapping/>
-  </p:clrMapOvr>
-</p:sld>
-</file>
-
-<file path=ppt/slides/slide15.xml><?xml version="1.0" encoding="utf-8"?>
 <p:sld xmlns:a="http://schemas.openxmlformats.org/drawingml/2006/main" xmlns:r="http://schemas.openxmlformats.org/officeDocument/2006/relationships" xmlns:p="http://schemas.openxmlformats.org/presentationml/2006/main">
   <p:cSld>
     <p:spTree>
@@ -5808,6 +5006,153 @@
 </p:sld>
 </file>
 
+<file path=ppt/slides/slide15.xml><?xml version="1.0" encoding="utf-8"?>
+<p:sld xmlns:a="http://schemas.openxmlformats.org/drawingml/2006/main" xmlns:r="http://schemas.openxmlformats.org/officeDocument/2006/relationships" xmlns:p="http://schemas.openxmlformats.org/presentationml/2006/main">
+  <p:cSld>
+    <p:spTree>
+      <p:nvGrpSpPr>
+        <p:cNvPr id="1" name=""/>
+        <p:cNvGrpSpPr/>
+        <p:nvPr/>
+      </p:nvGrpSpPr>
+      <p:grpSpPr>
+        <a:xfrm>
+          <a:off x="0" y="0"/>
+          <a:ext cx="0" cy="0"/>
+          <a:chOff x="0" y="0"/>
+          <a:chExt cx="0" cy="0"/>
+        </a:xfrm>
+      </p:grpSpPr>
+      <p:sp>
+        <p:nvSpPr>
+          <p:cNvPr id="2" name="Title 1">
+            <a:extLst>
+              <a:ext uri="{FF2B5EF4-FFF2-40B4-BE49-F238E27FC236}">
+                <a16:creationId xmlns:a16="http://schemas.microsoft.com/office/drawing/2014/main" id="{717BEDDE-460A-43C5-BDAB-532CBB87B35F}"/>
+              </a:ext>
+            </a:extLst>
+          </p:cNvPr>
+          <p:cNvSpPr>
+            <a:spLocks noGrp="1"/>
+          </p:cNvSpPr>
+          <p:nvPr>
+            <p:ph type="title"/>
+          </p:nvPr>
+        </p:nvSpPr>
+        <p:spPr/>
+        <p:txBody>
+          <a:bodyPr/>
+          <a:lstStyle/>
+          <a:p>
+            <a:r>
+              <a:rPr lang="sl-SI" dirty="0" err="1"/>
+              <a:t>BREaKPOINT</a:t>
+            </a:r>
+            <a:r>
+              <a:rPr lang="sl-SI" dirty="0"/>
+              <a:t> (</a:t>
+            </a:r>
+            <a:r>
+              <a:rPr lang="sl-SI" dirty="0" err="1"/>
+              <a:t>prekinitvEne</a:t>
+            </a:r>
+            <a:r>
+              <a:rPr lang="sl-SI" dirty="0"/>
+              <a:t> točke)</a:t>
+            </a:r>
+          </a:p>
+        </p:txBody>
+      </p:sp>
+      <p:sp>
+        <p:nvSpPr>
+          <p:cNvPr id="3" name="Content Placeholder 2">
+            <a:extLst>
+              <a:ext uri="{FF2B5EF4-FFF2-40B4-BE49-F238E27FC236}">
+                <a16:creationId xmlns:a16="http://schemas.microsoft.com/office/drawing/2014/main" id="{77BD6FF8-F1C0-4748-95A4-441AC155EC32}"/>
+              </a:ext>
+            </a:extLst>
+          </p:cNvPr>
+          <p:cNvSpPr>
+            <a:spLocks noGrp="1"/>
+          </p:cNvSpPr>
+          <p:nvPr>
+            <p:ph idx="1"/>
+          </p:nvPr>
+        </p:nvSpPr>
+        <p:spPr/>
+        <p:txBody>
+          <a:bodyPr>
+            <a:normAutofit/>
+          </a:bodyPr>
+          <a:lstStyle/>
+          <a:p>
+            <a:r>
+              <a:rPr lang="sl-SI" dirty="0"/>
+              <a:t>Izbrani ukaz si shrani v spomin, na to mesto pa zapiše:</a:t>
+            </a:r>
+          </a:p>
+          <a:p>
+            <a:pPr lvl="1"/>
+            <a:r>
+              <a:rPr lang="sl-SI" dirty="0"/>
+              <a:t>poseben ukaz (na x86 je to INT 3)</a:t>
+            </a:r>
+          </a:p>
+          <a:p>
+            <a:pPr lvl="1"/>
+            <a:r>
+              <a:rPr lang="sl-SI" dirty="0"/>
+              <a:t>nedefinirano kodo (npr. pri ARM v ta namen rezervirane posebne kode, ki so v dokumentaciji označene kot nedefinirane, da se lahko uporabljajo v ta namen)</a:t>
+            </a:r>
+          </a:p>
+          <a:p>
+            <a:endParaRPr lang="sl-SI" dirty="0"/>
+          </a:p>
+          <a:p>
+            <a:r>
+              <a:rPr lang="sl-SI" dirty="0"/>
+              <a:t>V </a:t>
+            </a:r>
+            <a:r>
+              <a:rPr lang="sl-SI" dirty="0" err="1"/>
+              <a:t>gdb</a:t>
+            </a:r>
+            <a:r>
+              <a:rPr lang="sl-SI" dirty="0"/>
+              <a:t> lahko prekinitveno točko nastavimo z ukazom (</a:t>
+            </a:r>
+            <a:r>
+              <a:rPr lang="sl-SI" dirty="0" err="1"/>
+              <a:t>gdb</a:t>
+            </a:r>
+            <a:r>
+              <a:rPr lang="sl-SI" dirty="0"/>
+              <a:t>) </a:t>
+            </a:r>
+            <a:r>
+              <a:rPr lang="sl-SI" dirty="0" err="1"/>
+              <a:t>br</a:t>
+            </a:r>
+            <a:r>
+              <a:rPr lang="sl-SI" dirty="0"/>
+              <a:t> *ADDRESS.</a:t>
+            </a:r>
+          </a:p>
+        </p:txBody>
+      </p:sp>
+    </p:spTree>
+    <p:extLst>
+      <p:ext uri="{BB962C8B-B14F-4D97-AF65-F5344CB8AC3E}">
+        <p14:creationId xmlns:p14="http://schemas.microsoft.com/office/powerpoint/2010/main" val="907681658"/>
+      </p:ext>
+    </p:extLst>
+  </p:cSld>
+  <p:clrMapOvr>
+    <a:masterClrMapping/>
+  </p:clrMapOvr>
+</p:sld>
+</file>
+
 <file path=ppt/slides/slide16.xml><?xml version="1.0" encoding="utf-8"?>
 <p:sld xmlns:a="http://schemas.openxmlformats.org/drawingml/2006/main" xmlns:r="http://schemas.openxmlformats.org/officeDocument/2006/relationships" xmlns:p="http://schemas.openxmlformats.org/presentationml/2006/main">
   <p:cSld>
@@ -5830,7 +5175,7 @@
           <p:cNvPr id="2" name="Title 1">
             <a:extLst>
               <a:ext uri="{FF2B5EF4-FFF2-40B4-BE49-F238E27FC236}">
-                <a16:creationId xmlns:a16="http://schemas.microsoft.com/office/drawing/2014/main" id="{717BEDDE-460A-43C5-BDAB-532CBB87B35F}"/>
+                <a16:creationId xmlns:a16="http://schemas.microsoft.com/office/drawing/2014/main" id="{A3450B84-8CB5-4E78-AFC4-4E515B387F07}"/>
               </a:ext>
             </a:extLst>
           </p:cNvPr>
@@ -5847,20 +5192,8 @@
           <a:lstStyle/>
           <a:p>
             <a:r>
-              <a:rPr lang="sl-SI" dirty="0" err="1"/>
-              <a:t>BREaKPOINT</a:t>
-            </a:r>
-            <a:r>
-              <a:rPr lang="sl-SI" dirty="0"/>
-              <a:t> (</a:t>
-            </a:r>
-            <a:r>
-              <a:rPr lang="sl-SI" dirty="0" err="1"/>
-              <a:t>prekinitvEne</a:t>
-            </a:r>
-            <a:r>
-              <a:rPr lang="sl-SI" dirty="0"/>
-              <a:t> točke)</a:t>
+              <a:rPr lang="sl-SI" dirty="0"/>
+              <a:t>PASTI</a:t>
             </a:r>
           </a:p>
         </p:txBody>
@@ -5870,7 +5203,7 @@
           <p:cNvPr id="3" name="Content Placeholder 2">
             <a:extLst>
               <a:ext uri="{FF2B5EF4-FFF2-40B4-BE49-F238E27FC236}">
-                <a16:creationId xmlns:a16="http://schemas.microsoft.com/office/drawing/2014/main" id="{77BD6FF8-F1C0-4748-95A4-441AC155EC32}"/>
+                <a16:creationId xmlns:a16="http://schemas.microsoft.com/office/drawing/2014/main" id="{E1AD1311-F5FD-4565-961E-FDE71F9CE5E9}"/>
               </a:ext>
             </a:extLst>
           </p:cNvPr>
@@ -5881,63 +5214,92 @@
             <p:ph idx="1"/>
           </p:nvPr>
         </p:nvSpPr>
-        <p:spPr/>
+        <p:spPr>
+          <a:xfrm>
+            <a:off x="2231136" y="2638044"/>
+            <a:ext cx="7729728" cy="3664990"/>
+          </a:xfrm>
+        </p:spPr>
         <p:txBody>
           <a:bodyPr>
-            <a:normAutofit/>
+            <a:normAutofit fontScale="92500" lnSpcReduction="10000"/>
           </a:bodyPr>
           <a:lstStyle/>
           <a:p>
             <a:r>
               <a:rPr lang="sl-SI" dirty="0"/>
-              <a:t>Izbrani ukaz si shrani v spomin, na to mesto pa zapiše:</a:t>
+              <a:t>Sprožijo se, ko procesor ne more normalno delovati zaradi napake ali napačnih podatkov. </a:t>
+            </a:r>
+          </a:p>
+          <a:p>
+            <a:r>
+              <a:rPr lang="sl-SI" dirty="0"/>
+              <a:t>Past se lahko obravnava podobno kot prekinitev - sprožijo se enaki mehanizmi:</a:t>
             </a:r>
           </a:p>
           <a:p>
             <a:pPr lvl="1"/>
             <a:r>
-              <a:rPr lang="sl-SI" dirty="0"/>
-              <a:t>poseben ukaz (na x86 je to INT 3)</a:t>
-            </a:r>
+              <a:rPr lang="sl-SI" dirty="0" err="1"/>
+              <a:t>push</a:t>
+            </a:r>
+            <a:r>
+              <a:rPr lang="sl-SI" dirty="0"/>
+              <a:t> vseh registrov na </a:t>
+            </a:r>
+            <a:r>
+              <a:rPr lang="sl-SI" dirty="0" err="1"/>
+              <a:t>stack</a:t>
+            </a:r>
+            <a:endParaRPr lang="sl-SI" dirty="0"/>
           </a:p>
           <a:p>
             <a:pPr lvl="1"/>
             <a:r>
               <a:rPr lang="sl-SI" dirty="0"/>
-              <a:t>nedefinirano kodo (npr. pri ARM v ta namen rezervirane posebne kode, ki so v dokumentaciji označene kot nedefinirane, da se lahko uporabljajo v ta namen)</a:t>
-            </a:r>
-          </a:p>
-          <a:p>
+              <a:t>izvajanje prekinitvenega servisnega podprograma</a:t>
+            </a:r>
+          </a:p>
+          <a:p>
+            <a:pPr lvl="1"/>
+            <a:r>
+              <a:rPr lang="sl-SI" dirty="0"/>
+              <a:t>...</a:t>
+            </a:r>
+          </a:p>
+          <a:p>
+            <a:pPr lvl="1"/>
+            <a:r>
+              <a:rPr lang="sl-SI" dirty="0"/>
+              <a:t> le da jo sproži programska oprema namesto strojne. </a:t>
+            </a:r>
+          </a:p>
+          <a:p>
+            <a:r>
+              <a:rPr lang="sl-SI" dirty="0"/>
+              <a:t>Primeri sprožitve pasti:</a:t>
+            </a:r>
+          </a:p>
+          <a:p>
+            <a:pPr lvl="1"/>
+            <a:r>
+              <a:rPr lang="sl-SI" dirty="0"/>
+              <a:t>deljenje z 0</a:t>
+            </a:r>
+          </a:p>
+          <a:p>
+            <a:pPr lvl="1"/>
+            <a:r>
+              <a:rPr lang="sl-SI" dirty="0" err="1"/>
+              <a:t>breakpoint</a:t>
+            </a:r>
             <a:endParaRPr lang="sl-SI" dirty="0"/>
           </a:p>
           <a:p>
-            <a:r>
-              <a:rPr lang="sl-SI" dirty="0"/>
-              <a:t>V </a:t>
-            </a:r>
-            <a:r>
-              <a:rPr lang="sl-SI" dirty="0" err="1"/>
-              <a:t>gdb</a:t>
-            </a:r>
-            <a:r>
-              <a:rPr lang="sl-SI" dirty="0"/>
-              <a:t> lahko prekinitveno točko nastavimo z ukazom (</a:t>
-            </a:r>
-            <a:r>
-              <a:rPr lang="sl-SI" dirty="0" err="1"/>
-              <a:t>gdb</a:t>
-            </a:r>
-            <a:r>
-              <a:rPr lang="sl-SI" dirty="0"/>
-              <a:t>) </a:t>
-            </a:r>
-            <a:r>
-              <a:rPr lang="sl-SI" dirty="0" err="1"/>
-              <a:t>br</a:t>
-            </a:r>
-            <a:r>
-              <a:rPr lang="sl-SI" dirty="0"/>
-              <a:t> *ADDRESS.</a:t>
+            <a:pPr lvl="1"/>
+            <a:r>
+              <a:rPr lang="sl-SI" dirty="0"/>
+              <a:t>neznan ukaz</a:t>
             </a:r>
           </a:p>
         </p:txBody>
@@ -5945,7 +5307,7 @@
     </p:spTree>
     <p:extLst>
       <p:ext uri="{BB962C8B-B14F-4D97-AF65-F5344CB8AC3E}">
-        <p14:creationId xmlns:p14="http://schemas.microsoft.com/office/powerpoint/2010/main" val="907681658"/>
+        <p14:creationId xmlns:p14="http://schemas.microsoft.com/office/powerpoint/2010/main" val="693203529"/>
       </p:ext>
     </p:extLst>
   </p:cSld>
@@ -5977,7 +5339,7 @@
           <p:cNvPr id="2" name="Title 1">
             <a:extLst>
               <a:ext uri="{FF2B5EF4-FFF2-40B4-BE49-F238E27FC236}">
-                <a16:creationId xmlns:a16="http://schemas.microsoft.com/office/drawing/2014/main" id="{A3450B84-8CB5-4E78-AFC4-4E515B387F07}"/>
+                <a16:creationId xmlns:a16="http://schemas.microsoft.com/office/drawing/2014/main" id="{C116077A-6C22-4AEF-A71C-5A44D6C83D89}"/>
               </a:ext>
             </a:extLst>
           </p:cNvPr>
@@ -5995,7 +5357,7 @@
           <a:p>
             <a:r>
               <a:rPr lang="sl-SI" dirty="0"/>
-              <a:t>PASTI</a:t>
+              <a:t>PASTI – INT X</a:t>
             </a:r>
           </a:p>
         </p:txBody>
@@ -6005,7 +5367,7 @@
           <p:cNvPr id="3" name="Content Placeholder 2">
             <a:extLst>
               <a:ext uri="{FF2B5EF4-FFF2-40B4-BE49-F238E27FC236}">
-                <a16:creationId xmlns:a16="http://schemas.microsoft.com/office/drawing/2014/main" id="{E1AD1311-F5FD-4565-961E-FDE71F9CE5E9}"/>
+                <a16:creationId xmlns:a16="http://schemas.microsoft.com/office/drawing/2014/main" id="{A2C6800B-430A-47F2-80D5-CF004C2F83D3}"/>
               </a:ext>
             </a:extLst>
           </p:cNvPr>
@@ -6019,39 +5381,67 @@
         <p:spPr>
           <a:xfrm>
             <a:off x="2231136" y="2638044"/>
-            <a:ext cx="7729728" cy="3664990"/>
+            <a:ext cx="8316094" cy="3664990"/>
           </a:xfrm>
         </p:spPr>
         <p:txBody>
           <a:bodyPr>
-            <a:normAutofit fontScale="92500" lnSpcReduction="10000"/>
+            <a:normAutofit fontScale="92500" lnSpcReduction="20000"/>
           </a:bodyPr>
           <a:lstStyle/>
           <a:p>
             <a:r>
               <a:rPr lang="sl-SI" dirty="0"/>
-              <a:t>Sprožijo se, ko procesor ne more normalno delovati zaradi napake ali napačnih podatkov. </a:t>
-            </a:r>
-          </a:p>
-          <a:p>
-            <a:r>
-              <a:rPr lang="sl-SI" dirty="0"/>
-              <a:t>Past se lahko obravnava podobno kot prekinitev - sprožijo se enaki mehanizmi:</a:t>
+              <a:t>Večina CPE ima posebne ukaze za proženje pasti za </a:t>
+            </a:r>
+            <a:r>
+              <a:rPr lang="sl-SI" dirty="0" err="1"/>
+              <a:t>debugger</a:t>
+            </a:r>
+            <a:endParaRPr lang="sl-SI" dirty="0"/>
+          </a:p>
+          <a:p>
+            <a:r>
+              <a:rPr lang="sl-SI" dirty="0"/>
+              <a:t>Na x86 arhitekturi je to ukaz INT 3</a:t>
+            </a:r>
+          </a:p>
+          <a:p>
+            <a:r>
+              <a:rPr lang="sl-SI" dirty="0"/>
+              <a:t>Sam ukaz INT X sproži programsko prekinitev, kjer X predstavlja </a:t>
+            </a:r>
+            <a:r>
+              <a:rPr lang="sl-SI" dirty="0" err="1"/>
+              <a:t>prekinitiev</a:t>
+            </a:r>
+            <a:r>
+              <a:rPr lang="sl-SI" dirty="0"/>
+              <a:t>, ki naj se sproži (0-255). </a:t>
             </a:r>
           </a:p>
           <a:p>
             <a:pPr lvl="1"/>
             <a:r>
-              <a:rPr lang="sl-SI" dirty="0" err="1"/>
-              <a:t>push</a:t>
-            </a:r>
-            <a:r>
-              <a:rPr lang="sl-SI" dirty="0"/>
-              <a:t> vseh registrov na </a:t>
-            </a:r>
-            <a:r>
-              <a:rPr lang="sl-SI" dirty="0" err="1"/>
-              <a:t>stack</a:t>
+              <a:rPr lang="sl-SI" dirty="0"/>
+              <a:t>Npr., ukaz INT 0x21 (33 v desetiškem sistemu) bo PC nastavil na 34. vektor v prekinitveni tabeli</a:t>
+            </a:r>
+          </a:p>
+          <a:p>
+            <a:r>
+              <a:rPr lang="sl-SI" dirty="0"/>
+              <a:t>Ene izmed bolj znanih prekinitev na x86 so:</a:t>
+            </a:r>
+          </a:p>
+          <a:p>
+            <a:pPr lvl="1"/>
+            <a:r>
+              <a:rPr lang="sl-SI" dirty="0"/>
+              <a:t>INT 0x21 - MS-DOS API </a:t>
+            </a:r>
+            <a:r>
+              <a:rPr lang="sl-SI" dirty="0" err="1"/>
+              <a:t>call</a:t>
             </a:r>
             <a:endParaRPr lang="sl-SI" dirty="0"/>
           </a:p>
@@ -6059,57 +5449,48 @@
             <a:pPr lvl="1"/>
             <a:r>
               <a:rPr lang="sl-SI" dirty="0"/>
-              <a:t>izvajanje prekinitvenega servisnega podprograma</a:t>
+              <a:t>INT 0x80 - </a:t>
+            </a:r>
+            <a:r>
+              <a:rPr lang="sl-SI" dirty="0" err="1"/>
+              <a:t>Unix</a:t>
+            </a:r>
+            <a:r>
+              <a:rPr lang="sl-SI" dirty="0"/>
+              <a:t> sistemski klic</a:t>
             </a:r>
           </a:p>
           <a:p>
             <a:pPr lvl="1"/>
             <a:r>
               <a:rPr lang="sl-SI" dirty="0"/>
-              <a:t>...</a:t>
-            </a:r>
-          </a:p>
-          <a:p>
-            <a:pPr lvl="1"/>
-            <a:r>
-              <a:rPr lang="sl-SI" dirty="0"/>
-              <a:t> le da jo sproži programska oprema namesto strojne. </a:t>
-            </a:r>
-          </a:p>
-          <a:p>
-            <a:r>
-              <a:rPr lang="sl-SI" dirty="0"/>
-              <a:t>Primeri sprožitve pasti:</a:t>
-            </a:r>
-          </a:p>
-          <a:p>
-            <a:pPr lvl="1"/>
-            <a:r>
-              <a:rPr lang="sl-SI" dirty="0"/>
-              <a:t>deljenje z 0</a:t>
-            </a:r>
-          </a:p>
-          <a:p>
-            <a:pPr lvl="1"/>
-            <a:r>
-              <a:rPr lang="sl-SI" dirty="0" err="1"/>
-              <a:t>breakpoint</a:t>
-            </a:r>
+              <a:t>INT 3 – Namenjen razhroščevalnikom. </a:t>
+            </a:r>
+          </a:p>
+          <a:p>
+            <a:pPr lvl="2"/>
+            <a:r>
+              <a:rPr lang="sl-SI" dirty="0"/>
+              <a:t>Zapiše se le z enim bajtom - njegov </a:t>
+            </a:r>
+            <a:r>
+              <a:rPr lang="sl-SI" dirty="0" err="1"/>
+              <a:t>opcode</a:t>
+            </a:r>
+            <a:r>
+              <a:rPr lang="sl-SI" dirty="0"/>
+              <a:t> je 0xCC, čeprav se načeloma INT X zapiše z dvema bajtoma, torej 0xCD 0x03. Ker so nekateri ukazi na x86 lahko dolgi samo en bajt, s tem ob nastavitvi prekinitvene točke ne povozimo še drugih ukazov.</a:t>
+            </a:r>
+          </a:p>
+          <a:p>
             <a:endParaRPr lang="sl-SI" dirty="0"/>
-          </a:p>
-          <a:p>
-            <a:pPr lvl="1"/>
-            <a:r>
-              <a:rPr lang="sl-SI" dirty="0"/>
-              <a:t>neznan ukaz</a:t>
-            </a:r>
           </a:p>
         </p:txBody>
       </p:sp>
     </p:spTree>
     <p:extLst>
       <p:ext uri="{BB962C8B-B14F-4D97-AF65-F5344CB8AC3E}">
-        <p14:creationId xmlns:p14="http://schemas.microsoft.com/office/powerpoint/2010/main" val="693203529"/>
+        <p14:creationId xmlns:p14="http://schemas.microsoft.com/office/powerpoint/2010/main" val="255726157"/>
       </p:ext>
     </p:extLst>
   </p:cSld>
@@ -6141,7 +5522,7 @@
           <p:cNvPr id="2" name="Title 1">
             <a:extLst>
               <a:ext uri="{FF2B5EF4-FFF2-40B4-BE49-F238E27FC236}">
-                <a16:creationId xmlns:a16="http://schemas.microsoft.com/office/drawing/2014/main" id="{C116077A-6C22-4AEF-A71C-5A44D6C83D89}"/>
+                <a16:creationId xmlns:a16="http://schemas.microsoft.com/office/drawing/2014/main" id="{8EB95D22-8F0C-42AA-9238-C5D85D366720}"/>
               </a:ext>
             </a:extLst>
           </p:cNvPr>
@@ -6159,7 +5540,7 @@
           <a:p>
             <a:r>
               <a:rPr lang="sl-SI" dirty="0"/>
-              <a:t>PASTI – INT X</a:t>
+              <a:t>Izvedba BREAKPOINTA</a:t>
             </a:r>
           </a:p>
         </p:txBody>
@@ -6169,7 +5550,7 @@
           <p:cNvPr id="3" name="Content Placeholder 2">
             <a:extLst>
               <a:ext uri="{FF2B5EF4-FFF2-40B4-BE49-F238E27FC236}">
-                <a16:creationId xmlns:a16="http://schemas.microsoft.com/office/drawing/2014/main" id="{A2C6800B-430A-47F2-80D5-CF004C2F83D3}"/>
+                <a16:creationId xmlns:a16="http://schemas.microsoft.com/office/drawing/2014/main" id="{DFA2FC86-E467-4CDA-9BA9-E21D8169F6C9}"/>
               </a:ext>
             </a:extLst>
           </p:cNvPr>
@@ -6183,106 +5564,91 @@
         <p:spPr>
           <a:xfrm>
             <a:off x="2231136" y="2638044"/>
-            <a:ext cx="8316094" cy="3664990"/>
+            <a:ext cx="7861770" cy="3544220"/>
           </a:xfrm>
         </p:spPr>
         <p:txBody>
           <a:bodyPr>
-            <a:normAutofit fontScale="92500" lnSpcReduction="20000"/>
+            <a:normAutofit/>
           </a:bodyPr>
           <a:lstStyle/>
           <a:p>
             <a:r>
               <a:rPr lang="sl-SI" dirty="0"/>
-              <a:t>Večina CPE ima posebne ukaze za proženje pasti za </a:t>
-            </a:r>
-            <a:r>
-              <a:rPr lang="sl-SI" dirty="0" err="1"/>
-              <a:t>debugger</a:t>
+              <a:t>Ko CPE sproži past in pokliče OS, razhroščevalnik:</a:t>
+            </a:r>
+          </a:p>
+          <a:p>
+            <a:pPr marL="342900" indent="-342900">
+              <a:buAutoNum type="arabicPeriod"/>
+            </a:pPr>
+            <a:r>
+              <a:rPr lang="sl-SI" dirty="0"/>
+              <a:t>Zamenja past (INT 3) z prvotnim ukazom na tistem mestu</a:t>
+            </a:r>
+          </a:p>
+          <a:p>
+            <a:pPr marL="342900" indent="-342900">
+              <a:buAutoNum type="arabicPeriod"/>
+            </a:pPr>
+            <a:r>
+              <a:rPr lang="sl-SI" dirty="0"/>
+              <a:t>PC zmanjša za 1, ker se je po izvedbi pasti premaknil za eno predaleč</a:t>
+            </a:r>
+          </a:p>
+          <a:p>
+            <a:pPr marL="342900" indent="-342900">
+              <a:buAutoNum type="arabicPeriod"/>
+            </a:pPr>
+            <a:r>
+              <a:rPr lang="sl-SI" dirty="0"/>
+              <a:t>Poda nadzor uporabniku, in ta lahko vidi vrednosti spremenljivk, klicni sklad, itd.</a:t>
+            </a:r>
+          </a:p>
+          <a:p>
+            <a:pPr marL="342900" indent="-342900">
+              <a:buAutoNum type="arabicPeriod"/>
+            </a:pPr>
+            <a:r>
+              <a:rPr lang="sl-SI" dirty="0"/>
+              <a:t>Če uporabnik ne odstrani prekinitvene točke na tem mestu, razhroščevalnik na to mesto past spet doda. </a:t>
+            </a:r>
+          </a:p>
+          <a:p>
+            <a:pPr marL="228600" lvl="1" indent="0">
+              <a:buNone/>
+            </a:pPr>
+            <a:r>
+              <a:rPr lang="sl-SI" dirty="0"/>
+              <a:t>(Ker mora najprej izvesti še ta ukaz, jo najprej doda na naslednji ukaz, se s tem pri naslednjem ukazu ustavi, in jo zdaj nastavi na pravi ukaz, naslednjega pa spet nadomesti s </a:t>
+            </a:r>
+            <a:r>
+              <a:rPr lang="sl-SI" dirty="0" err="1"/>
+              <a:t>provtno</a:t>
+            </a:r>
+            <a:r>
+              <a:rPr lang="sl-SI" dirty="0"/>
+              <a:t> kodo in izvede).</a:t>
+            </a:r>
+          </a:p>
+          <a:p>
+            <a:r>
+              <a:rPr lang="sl-SI" dirty="0"/>
+              <a:t>Primer v </a:t>
+            </a:r>
+            <a:r>
+              <a:rPr lang="sl-SI" dirty="0" err="1"/>
+              <a:t>examples</a:t>
+            </a:r>
+            <a:r>
+              <a:rPr lang="sl-SI" dirty="0"/>
+              <a:t>/</a:t>
+            </a:r>
+            <a:r>
+              <a:rPr lang="en-GB" dirty="0"/>
+              <a:t>ptrace_setting_breakpoint_example.md</a:t>
             </a:r>
             <a:endParaRPr lang="sl-SI" dirty="0"/>
-          </a:p>
-          <a:p>
-            <a:r>
-              <a:rPr lang="sl-SI" dirty="0"/>
-              <a:t>Na x86 arhitekturi je to ukaz INT 3</a:t>
-            </a:r>
-          </a:p>
-          <a:p>
-            <a:r>
-              <a:rPr lang="sl-SI" dirty="0"/>
-              <a:t>Sam ukaz INT X sproži programsko prekinitev, kjer X predstavlja </a:t>
-            </a:r>
-            <a:r>
-              <a:rPr lang="sl-SI" dirty="0" err="1"/>
-              <a:t>prekinitiev</a:t>
-            </a:r>
-            <a:r>
-              <a:rPr lang="sl-SI" dirty="0"/>
-              <a:t>, ki naj se sproži (0-255). </a:t>
-            </a:r>
-          </a:p>
-          <a:p>
-            <a:pPr lvl="1"/>
-            <a:r>
-              <a:rPr lang="sl-SI" dirty="0"/>
-              <a:t>Npr., ukaz INT 0x21 (33 v desetiškem sistemu) bo PC nastavil na 34. vektor v prekinitveni tabeli</a:t>
-            </a:r>
-          </a:p>
-          <a:p>
-            <a:r>
-              <a:rPr lang="sl-SI" dirty="0"/>
-              <a:t>Ene izmed bolj znanih prekinitev na x86 so:</a:t>
-            </a:r>
-          </a:p>
-          <a:p>
-            <a:pPr lvl="1"/>
-            <a:r>
-              <a:rPr lang="sl-SI" dirty="0"/>
-              <a:t>INT 0x21 - MS-DOS API </a:t>
-            </a:r>
-            <a:r>
-              <a:rPr lang="sl-SI" dirty="0" err="1"/>
-              <a:t>call</a:t>
-            </a:r>
-            <a:endParaRPr lang="sl-SI" dirty="0"/>
-          </a:p>
-          <a:p>
-            <a:pPr lvl="1"/>
-            <a:r>
-              <a:rPr lang="sl-SI" dirty="0"/>
-              <a:t>INT 0x80 - </a:t>
-            </a:r>
-            <a:r>
-              <a:rPr lang="sl-SI" dirty="0" err="1"/>
-              <a:t>Unix</a:t>
-            </a:r>
-            <a:r>
-              <a:rPr lang="sl-SI" dirty="0"/>
-              <a:t> sistemski klic</a:t>
-            </a:r>
-          </a:p>
-          <a:p>
-            <a:pPr lvl="1"/>
-            <a:r>
-              <a:rPr lang="sl-SI" dirty="0"/>
-              <a:t>INT 3 – Namenjen razhroščevalnikom. </a:t>
-            </a:r>
-          </a:p>
-          <a:p>
-            <a:pPr lvl="2"/>
-            <a:r>
-              <a:rPr lang="sl-SI" dirty="0"/>
-              <a:t>Zapiše se le z enim bajtom - njegov </a:t>
-            </a:r>
-            <a:r>
-              <a:rPr lang="sl-SI" dirty="0" err="1"/>
-              <a:t>opcode</a:t>
-            </a:r>
-            <a:r>
-              <a:rPr lang="sl-SI" dirty="0"/>
-              <a:t> je 0xCC, čeprav se načeloma INT X zapiše z dvema bajtoma, torej 0xCD 0x03. Ker so nekateri ukazi na x86 lahko dolgi samo en bajt, s tem ob nastavitvi prekinitvene točke ne povozimo še drugih ukazov.</a:t>
-            </a:r>
           </a:p>
           <a:p>
             <a:endParaRPr lang="sl-SI" dirty="0"/>
@@ -6292,7 +5658,7 @@
     </p:spTree>
     <p:extLst>
       <p:ext uri="{BB962C8B-B14F-4D97-AF65-F5344CB8AC3E}">
-        <p14:creationId xmlns:p14="http://schemas.microsoft.com/office/powerpoint/2010/main" val="255726157"/>
+        <p14:creationId xmlns:p14="http://schemas.microsoft.com/office/powerpoint/2010/main" val="2952572422"/>
       </p:ext>
     </p:extLst>
   </p:cSld>
@@ -6324,7 +5690,7 @@
           <p:cNvPr id="2" name="Title 1">
             <a:extLst>
               <a:ext uri="{FF2B5EF4-FFF2-40B4-BE49-F238E27FC236}">
-                <a16:creationId xmlns:a16="http://schemas.microsoft.com/office/drawing/2014/main" id="{8EB95D22-8F0C-42AA-9238-C5D85D366720}"/>
+                <a16:creationId xmlns:a16="http://schemas.microsoft.com/office/drawing/2014/main" id="{09CB5090-2610-43A4-A4F4-7C7AFBB46BC1}"/>
               </a:ext>
             </a:extLst>
           </p:cNvPr>
@@ -6341,9 +5707,18 @@
           <a:lstStyle/>
           <a:p>
             <a:r>
-              <a:rPr lang="sl-SI" dirty="0"/>
-              <a:t>Izvedba BREAKPOINTA</a:t>
-            </a:r>
+              <a:rPr lang="sl-SI" dirty="0" err="1"/>
+              <a:t>conditional</a:t>
+            </a:r>
+            <a:r>
+              <a:rPr lang="sl-SI" dirty="0"/>
+              <a:t> </a:t>
+            </a:r>
+            <a:r>
+              <a:rPr lang="sl-SI" dirty="0" err="1"/>
+              <a:t>breakpoint</a:t>
+            </a:r>
+            <a:endParaRPr lang="sl-SI" dirty="0"/>
           </a:p>
         </p:txBody>
       </p:sp>
@@ -6352,7 +5727,7 @@
           <p:cNvPr id="3" name="Content Placeholder 2">
             <a:extLst>
               <a:ext uri="{FF2B5EF4-FFF2-40B4-BE49-F238E27FC236}">
-                <a16:creationId xmlns:a16="http://schemas.microsoft.com/office/drawing/2014/main" id="{DFA2FC86-E467-4CDA-9BA9-E21D8169F6C9}"/>
+                <a16:creationId xmlns:a16="http://schemas.microsoft.com/office/drawing/2014/main" id="{92C21904-1188-4012-B0C4-2564BB00653C}"/>
               </a:ext>
             </a:extLst>
           </p:cNvPr>
@@ -6363,21 +5738,34 @@
             <p:ph idx="1"/>
           </p:nvPr>
         </p:nvSpPr>
-        <p:spPr>
-          <a:xfrm>
-            <a:off x="2231136" y="2638044"/>
-            <a:ext cx="7861770" cy="3544220"/>
-          </a:xfrm>
-        </p:spPr>
-        <p:txBody>
-          <a:bodyPr>
-            <a:normAutofit/>
-          </a:bodyPr>
-          <a:lstStyle/>
-          <a:p>
-            <a:r>
-              <a:rPr lang="sl-SI" dirty="0"/>
-              <a:t>Ko CPE sproži past in pokliče OS, </a:t>
+        <p:spPr/>
+        <p:txBody>
+          <a:bodyPr/>
+          <a:lstStyle/>
+          <a:p>
+            <a:r>
+              <a:rPr lang="sl-SI" dirty="0"/>
+              <a:t>Izvedejo se le ob izpolnitvi danih pogojev</a:t>
+            </a:r>
+          </a:p>
+          <a:p>
+            <a:r>
+              <a:rPr lang="sl-SI" dirty="0"/>
+              <a:t>Navadne prekinitvene točke, nato pa preveri, če se pogoji ujemajo danim podatkom, in le v tem primeru poda nadzor uporabniku</a:t>
+            </a:r>
+          </a:p>
+          <a:p>
+            <a:r>
+              <a:rPr lang="sl-SI" dirty="0"/>
+              <a:t>Počasno za </a:t>
+            </a:r>
+            <a:r>
+              <a:rPr lang="sl-SI" dirty="0" err="1"/>
+              <a:t>remote</a:t>
+            </a:r>
+            <a:r>
+              <a:rPr lang="sl-SI" dirty="0"/>
+              <a:t> </a:t>
             </a:r>
             <a:r>
               <a:rPr lang="sl-SI" dirty="0" err="1"/>
@@ -6385,71 +5773,54 @@
             </a:r>
             <a:r>
               <a:rPr lang="sl-SI" dirty="0"/>
-              <a:t>:</a:t>
-            </a:r>
-          </a:p>
-          <a:p>
-            <a:pPr marL="342900" indent="-342900">
-              <a:buAutoNum type="arabicPeriod"/>
-            </a:pPr>
-            <a:r>
-              <a:rPr lang="sl-SI" dirty="0"/>
-              <a:t>Zamenja past (INT 3) z prvotnim ukazom na tistem mestu</a:t>
-            </a:r>
-          </a:p>
-          <a:p>
-            <a:pPr marL="342900" indent="-342900">
-              <a:buAutoNum type="arabicPeriod"/>
-            </a:pPr>
-            <a:r>
-              <a:rPr lang="sl-SI" dirty="0"/>
-              <a:t>PC zmanjša za 1, ker se je po izvedbi pasti premaknil za eno predaleč</a:t>
-            </a:r>
-          </a:p>
-          <a:p>
-            <a:pPr marL="342900" indent="-342900">
-              <a:buAutoNum type="arabicPeriod"/>
-            </a:pPr>
-            <a:r>
-              <a:rPr lang="sl-SI" dirty="0"/>
-              <a:t>Poda nadzor uporabniku, in ta lahko vidi vrednosti spremenljivk, klicni sklad, itd.</a:t>
-            </a:r>
-          </a:p>
-          <a:p>
-            <a:pPr marL="342900" indent="-342900">
-              <a:buAutoNum type="arabicPeriod"/>
-            </a:pPr>
-            <a:r>
-              <a:rPr lang="sl-SI" dirty="0"/>
-              <a:t>Če uporabnik ne odstrani prekinitvene točke na tem mestu, razhroščevalnik na to mesto past spet doda. </a:t>
-            </a:r>
-          </a:p>
-          <a:p>
-            <a:pPr marL="228600" lvl="1" indent="0">
-              <a:buNone/>
-            </a:pPr>
-            <a:r>
-              <a:rPr lang="sl-SI" dirty="0"/>
-              <a:t>(Ker mora najprej izvesti še ta ukaz, jo najprej doda na naslednji ukaz, se s tem pri naslednjem ukazu ustavi, in jo zdaj nastavi na pravi ukaz, naslednjega pa spet nadomesti s </a:t>
-            </a:r>
-            <a:r>
-              <a:rPr lang="sl-SI" dirty="0" err="1"/>
-              <a:t>provtno</a:t>
-            </a:r>
-            <a:r>
-              <a:rPr lang="sl-SI" dirty="0"/>
-              <a:t> kodo in izvede).</a:t>
-            </a:r>
-          </a:p>
-          <a:p>
-            <a:endParaRPr lang="sl-SI" dirty="0"/>
+              <a:t>…</a:t>
+            </a:r>
+          </a:p>
+          <a:p>
+            <a:pPr lvl="1"/>
+            <a:r>
+              <a:rPr lang="sl-SI" dirty="0"/>
+              <a:t>prenos iz ciljne naprave na uporabnikovo napravo predstavlja veliko </a:t>
+            </a:r>
+            <a:r>
+              <a:rPr lang="sl-SI" dirty="0" err="1"/>
+              <a:t>overheada</a:t>
+            </a:r>
+            <a:r>
+              <a:rPr lang="sl-SI" dirty="0"/>
+              <a:t>, zato lahko pogoje preko </a:t>
+            </a:r>
+            <a:r>
+              <a:rPr lang="sl-SI" dirty="0" err="1"/>
+              <a:t>gdb</a:t>
+            </a:r>
+            <a:r>
+              <a:rPr lang="sl-SI" dirty="0"/>
+              <a:t> </a:t>
+            </a:r>
+            <a:r>
+              <a:rPr lang="sl-SI" dirty="0" err="1"/>
+              <a:t>stuba</a:t>
+            </a:r>
+            <a:r>
+              <a:rPr lang="sl-SI" dirty="0"/>
+              <a:t> preverimo kar na ciljni napravi, ali pa uporabimo </a:t>
+            </a:r>
+            <a:r>
+              <a:rPr lang="sl-SI" dirty="0" err="1"/>
+              <a:t>interpreter</a:t>
+            </a:r>
+            <a:r>
+              <a:rPr lang="sl-SI" dirty="0"/>
+              <a:t>, naložen kot deljen objekt znotraj ciljnega programa.</a:t>
+            </a:r>
           </a:p>
         </p:txBody>
       </p:sp>
     </p:spTree>
     <p:extLst>
       <p:ext uri="{BB962C8B-B14F-4D97-AF65-F5344CB8AC3E}">
-        <p14:creationId xmlns:p14="http://schemas.microsoft.com/office/powerpoint/2010/main" val="2952572422"/>
+        <p14:creationId xmlns:p14="http://schemas.microsoft.com/office/powerpoint/2010/main" val="2965761863"/>
       </p:ext>
     </p:extLst>
   </p:cSld>
@@ -6608,7 +5979,7 @@
           <p:cNvPr id="2" name="Title 1">
             <a:extLst>
               <a:ext uri="{FF2B5EF4-FFF2-40B4-BE49-F238E27FC236}">
-                <a16:creationId xmlns:a16="http://schemas.microsoft.com/office/drawing/2014/main" id="{09CF07B1-EC3A-4938-9444-14990463B2D1}"/>
+                <a16:creationId xmlns:a16="http://schemas.microsoft.com/office/drawing/2014/main" id="{A7512541-AB65-4737-9B7F-842B7E8DDC58}"/>
               </a:ext>
             </a:extLst>
           </p:cNvPr>
@@ -6626,11 +5997,11 @@
           <a:p>
             <a:r>
               <a:rPr lang="sl-SI" dirty="0"/>
-              <a:t>Primer – izvedba </a:t>
-            </a:r>
-            <a:r>
-              <a:rPr lang="sl-SI" dirty="0" err="1"/>
-              <a:t>breakpointa</a:t>
+              <a:t>software </a:t>
+            </a:r>
+            <a:r>
+              <a:rPr lang="sl-SI" dirty="0" err="1"/>
+              <a:t>breakpoints</a:t>
             </a:r>
             <a:endParaRPr lang="sl-SI" dirty="0"/>
           </a:p>
@@ -6641,7 +6012,7 @@
           <p:cNvPr id="3" name="Content Placeholder 2">
             <a:extLst>
               <a:ext uri="{FF2B5EF4-FFF2-40B4-BE49-F238E27FC236}">
-                <a16:creationId xmlns:a16="http://schemas.microsoft.com/office/drawing/2014/main" id="{6DE55313-8551-41DF-99E6-8E021B235CD0}"/>
+                <a16:creationId xmlns:a16="http://schemas.microsoft.com/office/drawing/2014/main" id="{24D2BB39-9EB3-47BD-AB6D-80BBC765C22D}"/>
               </a:ext>
             </a:extLst>
           </p:cNvPr>
@@ -6658,16 +6029,55 @@
           <a:lstStyle/>
           <a:p>
             <a:r>
-              <a:rPr lang="sl-SI" dirty="0" err="1"/>
-              <a:t>examples</a:t>
-            </a:r>
-            <a:r>
-              <a:rPr lang="sl-SI" dirty="0"/>
-              <a:t>/</a:t>
-            </a:r>
-            <a:r>
-              <a:rPr lang="en-GB" dirty="0"/>
-              <a:t>ptrace_setting_breakpoint_example.md</a:t>
+              <a:rPr lang="sl-SI" dirty="0"/>
+              <a:t>To, kar smo si pogledali do zdaj</a:t>
+            </a:r>
+          </a:p>
+          <a:p>
+            <a:r>
+              <a:rPr lang="sl-SI" dirty="0"/>
+              <a:t>Ni omejitve v </a:t>
+            </a:r>
+            <a:r>
+              <a:rPr lang="sl-SI" dirty="0" err="1"/>
+              <a:t>števillu</a:t>
+            </a:r>
+            <a:endParaRPr lang="sl-SI" dirty="0"/>
+          </a:p>
+          <a:p>
+            <a:r>
+              <a:rPr lang="sl-SI" dirty="0"/>
+              <a:t>Potrebujemo spremeniti program</a:t>
+            </a:r>
+          </a:p>
+          <a:p>
+            <a:pPr lvl="1"/>
+            <a:r>
+              <a:rPr lang="sl-SI" dirty="0"/>
+              <a:t>lahko je nevarno</a:t>
+            </a:r>
+          </a:p>
+          <a:p>
+            <a:pPr lvl="1"/>
+            <a:r>
+              <a:rPr lang="sl-SI" dirty="0" err="1"/>
+              <a:t>memory</a:t>
+            </a:r>
+            <a:r>
+              <a:rPr lang="sl-SI" dirty="0"/>
+              <a:t> </a:t>
+            </a:r>
+            <a:r>
+              <a:rPr lang="sl-SI" dirty="0" err="1"/>
+              <a:t>write</a:t>
+            </a:r>
+            <a:r>
+              <a:rPr lang="sl-SI" dirty="0"/>
+              <a:t> </a:t>
+            </a:r>
+            <a:r>
+              <a:rPr lang="sl-SI" dirty="0" err="1"/>
+              <a:t>access</a:t>
             </a:r>
             <a:endParaRPr lang="sl-SI" dirty="0"/>
           </a:p>
@@ -6676,7 +6086,7 @@
     </p:spTree>
     <p:extLst>
       <p:ext uri="{BB962C8B-B14F-4D97-AF65-F5344CB8AC3E}">
-        <p14:creationId xmlns:p14="http://schemas.microsoft.com/office/powerpoint/2010/main" val="2501041114"/>
+        <p14:creationId xmlns:p14="http://schemas.microsoft.com/office/powerpoint/2010/main" val="1993042287"/>
       </p:ext>
     </p:extLst>
   </p:cSld>
@@ -6708,7 +6118,7 @@
           <p:cNvPr id="2" name="Title 1">
             <a:extLst>
               <a:ext uri="{FF2B5EF4-FFF2-40B4-BE49-F238E27FC236}">
-                <a16:creationId xmlns:a16="http://schemas.microsoft.com/office/drawing/2014/main" id="{09CB5090-2610-43A4-A4F4-7C7AFBB46BC1}"/>
+                <a16:creationId xmlns:a16="http://schemas.microsoft.com/office/drawing/2014/main" id="{69AF6DA7-C27C-4D9E-B1EC-858AD0D094A9}"/>
               </a:ext>
             </a:extLst>
           </p:cNvPr>
@@ -6726,17 +6136,12 @@
           <a:p>
             <a:r>
               <a:rPr lang="sl-SI" dirty="0" err="1"/>
-              <a:t>conditional</a:t>
-            </a:r>
-            <a:r>
-              <a:rPr lang="sl-SI" dirty="0"/>
-              <a:t> </a:t>
-            </a:r>
-            <a:r>
-              <a:rPr lang="sl-SI" dirty="0" err="1"/>
-              <a:t>breakpoint</a:t>
-            </a:r>
-            <a:endParaRPr lang="sl-SI" dirty="0"/>
+              <a:t>Debug</a:t>
+            </a:r>
+            <a:r>
+              <a:rPr lang="sl-SI" dirty="0"/>
+              <a:t> hardware</a:t>
+            </a:r>
           </a:p>
         </p:txBody>
       </p:sp>
@@ -6745,7 +6150,7 @@
           <p:cNvPr id="3" name="Content Placeholder 2">
             <a:extLst>
               <a:ext uri="{FF2B5EF4-FFF2-40B4-BE49-F238E27FC236}">
-                <a16:creationId xmlns:a16="http://schemas.microsoft.com/office/drawing/2014/main" id="{92C21904-1188-4012-B0C4-2564BB00653C}"/>
+                <a16:creationId xmlns:a16="http://schemas.microsoft.com/office/drawing/2014/main" id="{2EA55E6F-2B7A-4184-BA9C-66B716EE9925}"/>
               </a:ext>
             </a:extLst>
           </p:cNvPr>
@@ -6763,23 +6168,45 @@
           <a:p>
             <a:r>
               <a:rPr lang="sl-SI" dirty="0"/>
-              <a:t>Izvedejo se le ob izpolnitvi danih pogojev</a:t>
-            </a:r>
-          </a:p>
-          <a:p>
-            <a:r>
-              <a:rPr lang="sl-SI" dirty="0"/>
-              <a:t>Navadne prekinitvene točke, nato pa preveri, če se pogoji ujemajo danim podatkom, in le v tem primeru poda nadzor uporabniku</a:t>
-            </a:r>
-          </a:p>
-          <a:p>
-            <a:r>
-              <a:rPr lang="sl-SI" dirty="0"/>
-              <a:t>Počasno za </a:t>
-            </a:r>
-            <a:r>
-              <a:rPr lang="sl-SI" dirty="0" err="1"/>
-              <a:t>remote</a:t>
+              <a:t>Strojna oprema lahko pomaga</a:t>
+            </a:r>
+          </a:p>
+          <a:p>
+            <a:pPr lvl="1"/>
+            <a:r>
+              <a:rPr lang="sl-SI" dirty="0" err="1"/>
+              <a:t>razhroščevanje</a:t>
+            </a:r>
+            <a:r>
+              <a:rPr lang="sl-SI" dirty="0"/>
+              <a:t> z ustavljanjem procesorja (</a:t>
+            </a:r>
+            <a:r>
+              <a:rPr lang="sl-SI" dirty="0" err="1"/>
+              <a:t>halting</a:t>
+            </a:r>
+            <a:r>
+              <a:rPr lang="sl-SI" dirty="0"/>
+              <a:t> mode </a:t>
+            </a:r>
+            <a:r>
+              <a:rPr lang="sl-SI" dirty="0" err="1"/>
+              <a:t>debugging</a:t>
+            </a:r>
+            <a:r>
+              <a:rPr lang="sl-SI" dirty="0"/>
+              <a:t>)</a:t>
+            </a:r>
+          </a:p>
+          <a:p>
+            <a:pPr lvl="1"/>
+            <a:r>
+              <a:rPr lang="sl-SI" dirty="0"/>
+              <a:t>enostavno izvajanje korak za korakom (</a:t>
+            </a:r>
+            <a:r>
+              <a:rPr lang="sl-SI" dirty="0" err="1"/>
+              <a:t>single</a:t>
             </a:r>
             <a:r>
               <a:rPr lang="sl-SI" dirty="0"/>
@@ -6787,58 +6214,48 @@
             </a:r>
             <a:r>
               <a:rPr lang="sl-SI" dirty="0" err="1"/>
-              <a:t>debugger</a:t>
-            </a:r>
-            <a:r>
-              <a:rPr lang="sl-SI" dirty="0"/>
-              <a:t>…</a:t>
+              <a:t>stepping</a:t>
+            </a:r>
+            <a:r>
+              <a:rPr lang="sl-SI" dirty="0"/>
+              <a:t>)</a:t>
             </a:r>
           </a:p>
           <a:p>
             <a:pPr lvl="1"/>
             <a:r>
               <a:rPr lang="sl-SI" dirty="0"/>
-              <a:t>prenos iz ciljne naprave na uporabnikovo napravo predstavlja veliko </a:t>
-            </a:r>
-            <a:r>
-              <a:rPr lang="sl-SI" dirty="0" err="1"/>
-              <a:t>overheada</a:t>
-            </a:r>
-            <a:r>
-              <a:rPr lang="sl-SI" dirty="0"/>
-              <a:t>, zato lahko pogoje preko </a:t>
-            </a:r>
-            <a:r>
-              <a:rPr lang="sl-SI" dirty="0" err="1"/>
-              <a:t>gdb</a:t>
-            </a:r>
-            <a:r>
-              <a:rPr lang="sl-SI" dirty="0"/>
-              <a:t> </a:t>
-            </a:r>
-            <a:r>
-              <a:rPr lang="sl-SI" dirty="0" err="1"/>
-              <a:t>stuba</a:t>
-            </a:r>
-            <a:r>
-              <a:rPr lang="sl-SI" dirty="0"/>
-              <a:t> preverimo kar na ciljni napravi, ali pa uporabimo </a:t>
-            </a:r>
-            <a:r>
-              <a:rPr lang="sl-SI" dirty="0" err="1"/>
-              <a:t>interpreter</a:t>
-            </a:r>
-            <a:r>
-              <a:rPr lang="sl-SI" dirty="0"/>
-              <a:t>, naložen kot deljen objekt znotraj ciljnega programa.</a:t>
-            </a:r>
+              <a:t>strojna podpora za </a:t>
+            </a:r>
+            <a:r>
+              <a:rPr lang="sl-SI" dirty="0" err="1"/>
+              <a:t>breakpointe</a:t>
+            </a:r>
+            <a:r>
+              <a:rPr lang="sl-SI" dirty="0"/>
+              <a:t> in </a:t>
+            </a:r>
+            <a:r>
+              <a:rPr lang="sl-SI" dirty="0" err="1"/>
+              <a:t>watchpointe</a:t>
+            </a:r>
+            <a:endParaRPr lang="sl-SI" dirty="0"/>
+          </a:p>
+          <a:p>
+            <a:r>
+              <a:rPr lang="sl-SI" dirty="0"/>
+              <a:t>Drago glede na prostor na siliciju</a:t>
+            </a:r>
+          </a:p>
+          <a:p>
+            <a:endParaRPr lang="sl-SI" dirty="0"/>
           </a:p>
         </p:txBody>
       </p:sp>
     </p:spTree>
     <p:extLst>
       <p:ext uri="{BB962C8B-B14F-4D97-AF65-F5344CB8AC3E}">
-        <p14:creationId xmlns:p14="http://schemas.microsoft.com/office/powerpoint/2010/main" val="2965761863"/>
+        <p14:creationId xmlns:p14="http://schemas.microsoft.com/office/powerpoint/2010/main" val="2175856007"/>
       </p:ext>
     </p:extLst>
   </p:cSld>
@@ -6870,7 +6287,7 @@
           <p:cNvPr id="2" name="Title 1">
             <a:extLst>
               <a:ext uri="{FF2B5EF4-FFF2-40B4-BE49-F238E27FC236}">
-                <a16:creationId xmlns:a16="http://schemas.microsoft.com/office/drawing/2014/main" id="{A7512541-AB65-4737-9B7F-842B7E8DDC58}"/>
+                <a16:creationId xmlns:a16="http://schemas.microsoft.com/office/drawing/2014/main" id="{84C58061-4021-44DC-82D8-61666F345518}"/>
               </a:ext>
             </a:extLst>
           </p:cNvPr>
@@ -6888,11 +6305,11 @@
           <a:p>
             <a:r>
               <a:rPr lang="sl-SI" dirty="0"/>
-              <a:t>software </a:t>
-            </a:r>
-            <a:r>
-              <a:rPr lang="sl-SI" dirty="0" err="1"/>
-              <a:t>breakpoints</a:t>
+              <a:t>hardware </a:t>
+            </a:r>
+            <a:r>
+              <a:rPr lang="sl-SI" dirty="0" err="1"/>
+              <a:t>breakpoint</a:t>
             </a:r>
             <a:endParaRPr lang="sl-SI" dirty="0"/>
           </a:p>
@@ -6903,7 +6320,7 @@
           <p:cNvPr id="3" name="Content Placeholder 2">
             <a:extLst>
               <a:ext uri="{FF2B5EF4-FFF2-40B4-BE49-F238E27FC236}">
-                <a16:creationId xmlns:a16="http://schemas.microsoft.com/office/drawing/2014/main" id="{24D2BB39-9EB3-47BD-AB6D-80BBC765C22D}"/>
+                <a16:creationId xmlns:a16="http://schemas.microsoft.com/office/drawing/2014/main" id="{26E0191E-2727-446A-B94D-63C86B244C79}"/>
               </a:ext>
             </a:extLst>
           </p:cNvPr>
@@ -6920,39 +6337,22 @@
           <a:lstStyle/>
           <a:p>
             <a:r>
-              <a:rPr lang="sl-SI" dirty="0"/>
-              <a:t>To, kar smo si pogledali do zdaj</a:t>
-            </a:r>
-          </a:p>
-          <a:p>
-            <a:r>
-              <a:rPr lang="sl-SI" dirty="0"/>
-              <a:t>Ni omejitve v </a:t>
-            </a:r>
-            <a:r>
-              <a:rPr lang="sl-SI" dirty="0" err="1"/>
-              <a:t>števillu</a:t>
-            </a:r>
-            <a:endParaRPr lang="sl-SI" dirty="0"/>
-          </a:p>
-          <a:p>
-            <a:r>
-              <a:rPr lang="sl-SI" dirty="0"/>
-              <a:t>Potrebujemo spremeniti program</a:t>
-            </a:r>
-          </a:p>
-          <a:p>
-            <a:pPr lvl="1"/>
-            <a:r>
-              <a:rPr lang="sl-SI" dirty="0"/>
-              <a:t>lahko je nevarno</a:t>
-            </a:r>
-          </a:p>
-          <a:p>
-            <a:pPr lvl="1"/>
-            <a:r>
-              <a:rPr lang="sl-SI" dirty="0" err="1"/>
-              <a:t>memory</a:t>
+              <a:rPr lang="sl-SI" dirty="0" err="1"/>
+              <a:t>Komparator</a:t>
+            </a:r>
+            <a:r>
+              <a:rPr lang="sl-SI" dirty="0"/>
+              <a:t>, ki spremlja PC in primerja z programsko vneseno vrednostjo</a:t>
+            </a:r>
+          </a:p>
+          <a:p>
+            <a:r>
+              <a:rPr lang="sl-SI" dirty="0"/>
+              <a:t>Če se ujema, </a:t>
+            </a:r>
+            <a:r>
+              <a:rPr lang="sl-SI" dirty="0" err="1"/>
+              <a:t>fetch</a:t>
             </a:r>
             <a:r>
               <a:rPr lang="sl-SI" dirty="0"/>
@@ -6960,24 +6360,39 @@
             </a:r>
             <a:r>
               <a:rPr lang="sl-SI" dirty="0" err="1"/>
-              <a:t>write</a:t>
-            </a:r>
-            <a:r>
-              <a:rPr lang="sl-SI" dirty="0"/>
-              <a:t> </a:t>
-            </a:r>
-            <a:r>
-              <a:rPr lang="sl-SI" dirty="0" err="1"/>
-              <a:t>access</a:t>
-            </a:r>
-            <a:endParaRPr lang="sl-SI" dirty="0"/>
+              <a:t>exception</a:t>
+            </a:r>
+            <a:r>
+              <a:rPr lang="sl-SI" dirty="0"/>
+              <a:t> -&gt; SIGSEV ali SIGTRAP </a:t>
+            </a:r>
+          </a:p>
+          <a:p>
+            <a:r>
+              <a:rPr lang="sl-SI" dirty="0"/>
+              <a:t>Lahko dostopamo s posebnimi ukazi</a:t>
+            </a:r>
+          </a:p>
+          <a:p>
+            <a:r>
+              <a:rPr lang="sl-SI" dirty="0"/>
+              <a:t>O</a:t>
+            </a:r>
+            <a:r>
+              <a:rPr lang="sl-SI"/>
+              <a:t>mejeni </a:t>
+            </a:r>
+            <a:r>
+              <a:rPr lang="sl-SI" dirty="0"/>
+              <a:t>(na x86 npr. 4) </a:t>
+            </a:r>
           </a:p>
         </p:txBody>
       </p:sp>
     </p:spTree>
     <p:extLst>
       <p:ext uri="{BB962C8B-B14F-4D97-AF65-F5344CB8AC3E}">
-        <p14:creationId xmlns:p14="http://schemas.microsoft.com/office/powerpoint/2010/main" val="1993042287"/>
+        <p14:creationId xmlns:p14="http://schemas.microsoft.com/office/powerpoint/2010/main" val="3418445149"/>
       </p:ext>
     </p:extLst>
   </p:cSld>
@@ -7009,7 +6424,7 @@
           <p:cNvPr id="2" name="Title 1">
             <a:extLst>
               <a:ext uri="{FF2B5EF4-FFF2-40B4-BE49-F238E27FC236}">
-                <a16:creationId xmlns:a16="http://schemas.microsoft.com/office/drawing/2014/main" id="{69AF6DA7-C27C-4D9E-B1EC-858AD0D094A9}"/>
+                <a16:creationId xmlns:a16="http://schemas.microsoft.com/office/drawing/2014/main" id="{E21CBE2B-6CE2-4054-9B2E-AA715440C554}"/>
               </a:ext>
             </a:extLst>
           </p:cNvPr>
@@ -7027,12 +6442,9 @@
           <a:p>
             <a:r>
               <a:rPr lang="sl-SI" dirty="0" err="1"/>
-              <a:t>Debug</a:t>
-            </a:r>
-            <a:r>
-              <a:rPr lang="sl-SI" dirty="0"/>
-              <a:t> hardware</a:t>
-            </a:r>
+              <a:t>watchpoint</a:t>
+            </a:r>
+            <a:endParaRPr lang="sl-SI" dirty="0"/>
           </a:p>
         </p:txBody>
       </p:sp>
@@ -7041,7 +6453,7 @@
           <p:cNvPr id="3" name="Content Placeholder 2">
             <a:extLst>
               <a:ext uri="{FF2B5EF4-FFF2-40B4-BE49-F238E27FC236}">
-                <a16:creationId xmlns:a16="http://schemas.microsoft.com/office/drawing/2014/main" id="{2EA55E6F-2B7A-4184-BA9C-66B716EE9925}"/>
+                <a16:creationId xmlns:a16="http://schemas.microsoft.com/office/drawing/2014/main" id="{54C3A4A8-0F0F-4C35-B8BD-0F8F774CF051}"/>
               </a:ext>
             </a:extLst>
           </p:cNvPr>
@@ -7059,94 +6471,31 @@
           <a:p>
             <a:r>
               <a:rPr lang="sl-SI" dirty="0"/>
-              <a:t>strojna oprema lahko pomaga</a:t>
-            </a:r>
-          </a:p>
-          <a:p>
-            <a:pPr lvl="1"/>
-            <a:r>
-              <a:rPr lang="sl-SI" dirty="0" err="1"/>
-              <a:t>razhroščevanje</a:t>
-            </a:r>
-            <a:r>
-              <a:rPr lang="sl-SI" dirty="0"/>
-              <a:t> z ustavljanjem procesorja (</a:t>
-            </a:r>
-            <a:r>
-              <a:rPr lang="sl-SI" dirty="0" err="1"/>
-              <a:t>halting</a:t>
-            </a:r>
-            <a:r>
-              <a:rPr lang="sl-SI" dirty="0"/>
-              <a:t> mode </a:t>
-            </a:r>
-            <a:r>
-              <a:rPr lang="sl-SI" dirty="0" err="1"/>
-              <a:t>debugging</a:t>
-            </a:r>
-            <a:r>
-              <a:rPr lang="sl-SI" dirty="0"/>
-              <a:t>)</a:t>
-            </a:r>
-          </a:p>
-          <a:p>
-            <a:pPr lvl="1"/>
-            <a:r>
-              <a:rPr lang="sl-SI" dirty="0"/>
-              <a:t>enostavno izvajanje korak za korakom (</a:t>
-            </a:r>
-            <a:r>
-              <a:rPr lang="sl-SI" dirty="0" err="1"/>
-              <a:t>single</a:t>
-            </a:r>
-            <a:r>
-              <a:rPr lang="sl-SI" dirty="0"/>
-              <a:t> </a:t>
-            </a:r>
-            <a:r>
-              <a:rPr lang="sl-SI" dirty="0" err="1"/>
-              <a:t>stepping</a:t>
-            </a:r>
-            <a:r>
-              <a:rPr lang="sl-SI" dirty="0"/>
-              <a:t>)</a:t>
-            </a:r>
-          </a:p>
-          <a:p>
-            <a:pPr lvl="1"/>
-            <a:r>
-              <a:rPr lang="sl-SI" dirty="0"/>
-              <a:t>strojna podpora za </a:t>
-            </a:r>
-            <a:r>
-              <a:rPr lang="sl-SI" dirty="0" err="1"/>
-              <a:t>breakpointe</a:t>
-            </a:r>
-            <a:r>
-              <a:rPr lang="sl-SI" dirty="0"/>
-              <a:t> in </a:t>
-            </a:r>
-            <a:r>
-              <a:rPr lang="sl-SI" dirty="0" err="1"/>
-              <a:t>watchpointe</a:t>
-            </a:r>
-            <a:endParaRPr lang="sl-SI" dirty="0"/>
-          </a:p>
-          <a:p>
-            <a:r>
-              <a:rPr lang="sl-SI" dirty="0"/>
-              <a:t>drago glede na prostor na siliciju</a:t>
-            </a:r>
-          </a:p>
-          <a:p>
-            <a:endParaRPr lang="sl-SI" dirty="0"/>
+              <a:t>Prekinitvene točke v spominu</a:t>
+            </a:r>
+          </a:p>
+          <a:p>
+            <a:r>
+              <a:rPr lang="sl-SI" dirty="0"/>
+              <a:t>Pisanje, branje, ali oboje</a:t>
+            </a:r>
+          </a:p>
+          <a:p>
+            <a:r>
+              <a:rPr lang="sl-SI" dirty="0" err="1"/>
+              <a:t>Komparator</a:t>
+            </a:r>
+            <a:r>
+              <a:rPr lang="sl-SI" dirty="0"/>
+              <a:t>, ki spremlja vodilo z naslovom dostopa do spomina</a:t>
+            </a:r>
           </a:p>
         </p:txBody>
       </p:sp>
     </p:spTree>
     <p:extLst>
       <p:ext uri="{BB962C8B-B14F-4D97-AF65-F5344CB8AC3E}">
-        <p14:creationId xmlns:p14="http://schemas.microsoft.com/office/powerpoint/2010/main" val="2175856007"/>
+        <p14:creationId xmlns:p14="http://schemas.microsoft.com/office/powerpoint/2010/main" val="2777948457"/>
       </p:ext>
     </p:extLst>
   </p:cSld>
@@ -7178,7 +6527,7 @@
           <p:cNvPr id="2" name="Title 1">
             <a:extLst>
               <a:ext uri="{FF2B5EF4-FFF2-40B4-BE49-F238E27FC236}">
-                <a16:creationId xmlns:a16="http://schemas.microsoft.com/office/drawing/2014/main" id="{84C58061-4021-44DC-82D8-61666F345518}"/>
+                <a16:creationId xmlns:a16="http://schemas.microsoft.com/office/drawing/2014/main" id="{D9D1E52F-D430-46AB-BC14-AA30F0E90542}"/>
               </a:ext>
             </a:extLst>
           </p:cNvPr>
@@ -7196,11 +6545,11 @@
           <a:p>
             <a:r>
               <a:rPr lang="sl-SI" dirty="0"/>
-              <a:t>hardware </a:t>
-            </a:r>
-            <a:r>
-              <a:rPr lang="sl-SI" dirty="0" err="1"/>
-              <a:t>breakpoint</a:t>
+              <a:t>JTAG </a:t>
+            </a:r>
+            <a:r>
+              <a:rPr lang="sl-SI" dirty="0" err="1"/>
+              <a:t>DEBUGGEr</a:t>
             </a:r>
             <a:endParaRPr lang="sl-SI" dirty="0"/>
           </a:p>
@@ -7211,7 +6560,7 @@
           <p:cNvPr id="3" name="Content Placeholder 2">
             <a:extLst>
               <a:ext uri="{FF2B5EF4-FFF2-40B4-BE49-F238E27FC236}">
-                <a16:creationId xmlns:a16="http://schemas.microsoft.com/office/drawing/2014/main" id="{26E0191E-2727-446A-B94D-63C86B244C79}"/>
+                <a16:creationId xmlns:a16="http://schemas.microsoft.com/office/drawing/2014/main" id="{D1A30E5A-ADEB-41D7-9F0A-EA556FBEB2BD}"/>
               </a:ext>
             </a:extLst>
           </p:cNvPr>
@@ -7228,46 +6577,30 @@
           <a:lstStyle/>
           <a:p>
             <a:r>
-              <a:rPr lang="sl-SI" dirty="0" err="1"/>
-              <a:t>komparator</a:t>
-            </a:r>
-            <a:r>
-              <a:rPr lang="sl-SI" dirty="0"/>
-              <a:t>, ki spremlja PC in primerja z programsko vneseno vrednostjo</a:t>
-            </a:r>
-          </a:p>
-          <a:p>
-            <a:r>
-              <a:rPr lang="sl-SI" dirty="0"/>
-              <a:t>če se ujema, </a:t>
-            </a:r>
-            <a:r>
-              <a:rPr lang="sl-SI" dirty="0" err="1"/>
-              <a:t>fetch</a:t>
-            </a:r>
-            <a:r>
-              <a:rPr lang="sl-SI" dirty="0"/>
-              <a:t> </a:t>
-            </a:r>
-            <a:r>
-              <a:rPr lang="sl-SI" dirty="0" err="1"/>
-              <a:t>exception</a:t>
-            </a:r>
-            <a:r>
-              <a:rPr lang="sl-SI" dirty="0"/>
-              <a:t> -&gt; SIGSEV ali SIGTRAP </a:t>
-            </a:r>
-          </a:p>
-          <a:p>
-            <a:r>
-              <a:rPr lang="sl-SI" dirty="0"/>
-              <a:t>lahko dostopamo s posebnimi ukazi</a:t>
-            </a:r>
-          </a:p>
-          <a:p>
-            <a:r>
-              <a:rPr lang="sl-SI" dirty="0"/>
-              <a:t>omejeni (na x86 npr. 4) </a:t>
+              <a:rPr lang="sl-SI" dirty="0"/>
+              <a:t>Na vgrajenih sistemih poznamo več načinov, kako </a:t>
+            </a:r>
+            <a:r>
+              <a:rPr lang="sl-SI" dirty="0" err="1"/>
+              <a:t>razhroščevati</a:t>
+            </a:r>
+            <a:endParaRPr lang="sl-SI" dirty="0"/>
+          </a:p>
+          <a:p>
+            <a:r>
+              <a:rPr lang="sl-SI" dirty="0"/>
+              <a:t>Posebni protokoli za </a:t>
+            </a:r>
+            <a:r>
+              <a:rPr lang="sl-SI" dirty="0" err="1"/>
+              <a:t>debugganje</a:t>
+            </a:r>
+            <a:endParaRPr lang="sl-SI" dirty="0"/>
+          </a:p>
+          <a:p>
+            <a:r>
+              <a:rPr lang="sl-SI" dirty="0"/>
+              <a:t>Posebne komponente</a:t>
             </a:r>
           </a:p>
         </p:txBody>
@@ -7275,7 +6608,7 @@
     </p:spTree>
     <p:extLst>
       <p:ext uri="{BB962C8B-B14F-4D97-AF65-F5344CB8AC3E}">
-        <p14:creationId xmlns:p14="http://schemas.microsoft.com/office/powerpoint/2010/main" val="3418445149"/>
+        <p14:creationId xmlns:p14="http://schemas.microsoft.com/office/powerpoint/2010/main" val="3354056300"/>
       </p:ext>
     </p:extLst>
   </p:cSld>
@@ -7307,7 +6640,7 @@
           <p:cNvPr id="2" name="Title 1">
             <a:extLst>
               <a:ext uri="{FF2B5EF4-FFF2-40B4-BE49-F238E27FC236}">
-                <a16:creationId xmlns:a16="http://schemas.microsoft.com/office/drawing/2014/main" id="{E21CBE2B-6CE2-4054-9B2E-AA715440C554}"/>
+                <a16:creationId xmlns:a16="http://schemas.microsoft.com/office/drawing/2014/main" id="{4604CD6F-B8B0-4D9C-9A4C-3F306942C26E}"/>
               </a:ext>
             </a:extLst>
           </p:cNvPr>
@@ -7325,7 +6658,15 @@
           <a:p>
             <a:r>
               <a:rPr lang="sl-SI" dirty="0" err="1"/>
-              <a:t>watchpoint</a:t>
+              <a:t>Halting</a:t>
+            </a:r>
+            <a:r>
+              <a:rPr lang="sl-SI" dirty="0"/>
+              <a:t> mode </a:t>
+            </a:r>
+            <a:r>
+              <a:rPr lang="sl-SI" dirty="0" err="1"/>
+              <a:t>debugging</a:t>
             </a:r>
             <a:endParaRPr lang="sl-SI" dirty="0"/>
           </a:p>
@@ -7336,7 +6677,7 @@
           <p:cNvPr id="3" name="Content Placeholder 2">
             <a:extLst>
               <a:ext uri="{FF2B5EF4-FFF2-40B4-BE49-F238E27FC236}">
-                <a16:creationId xmlns:a16="http://schemas.microsoft.com/office/drawing/2014/main" id="{54C3A4A8-0F0F-4C35-B8BD-0F8F774CF051}"/>
+                <a16:creationId xmlns:a16="http://schemas.microsoft.com/office/drawing/2014/main" id="{B06DF79B-8C01-4B9B-B713-68C65B2D4B5E}"/>
               </a:ext>
             </a:extLst>
           </p:cNvPr>
@@ -7349,28 +6690,58 @@
         </p:nvSpPr>
         <p:spPr/>
         <p:txBody>
-          <a:bodyPr/>
-          <a:lstStyle/>
-          <a:p>
-            <a:r>
-              <a:rPr lang="sl-SI" dirty="0"/>
-              <a:t>Prekinitvene točke v spominu</a:t>
-            </a:r>
-          </a:p>
-          <a:p>
-            <a:r>
-              <a:rPr lang="sl-SI" dirty="0"/>
-              <a:t>Pisanje, branje, ali oboje</a:t>
-            </a:r>
-          </a:p>
-          <a:p>
-            <a:r>
-              <a:rPr lang="sl-SI" dirty="0" err="1"/>
-              <a:t>Komparator</a:t>
-            </a:r>
-            <a:r>
-              <a:rPr lang="sl-SI" dirty="0"/>
-              <a:t>, ki spremlja vodilo z naslovom dostopa do spomina</a:t>
+          <a:bodyPr>
+            <a:normAutofit lnSpcReduction="10000"/>
+          </a:bodyPr>
+          <a:lstStyle/>
+          <a:p>
+            <a:r>
+              <a:rPr lang="sl-SI" dirty="0"/>
+              <a:t>Procesor ustavi izvajanje, ustavi uro</a:t>
+            </a:r>
+          </a:p>
+          <a:p>
+            <a:r>
+              <a:rPr lang="sl-SI" dirty="0"/>
+              <a:t>DMA, RTC, še vedno teče</a:t>
+            </a:r>
+          </a:p>
+          <a:p>
+            <a:r>
+              <a:rPr lang="sl-SI" dirty="0"/>
+              <a:t>Preko posebnega kanala lahko dostopamo do cevovoda in vstavljamo ukaze</a:t>
+            </a:r>
+          </a:p>
+          <a:p>
+            <a:r>
+              <a:rPr lang="sl-SI" dirty="0"/>
+              <a:t>Lahko dostopamo do posebnih sistemskih registrov</a:t>
+            </a:r>
+          </a:p>
+          <a:p>
+            <a:r>
+              <a:rPr lang="sl-SI" dirty="0"/>
+              <a:t>Do spomina lahko dostopamo z </a:t>
+            </a:r>
+            <a:r>
+              <a:rPr lang="sl-SI" dirty="0" err="1"/>
+              <a:t>load</a:t>
+            </a:r>
+            <a:r>
+              <a:rPr lang="sl-SI" dirty="0"/>
+              <a:t> in store ukazi -&gt; čez predpomnilnik, pravilne vrednosti spremenljivk</a:t>
+            </a:r>
+          </a:p>
+          <a:p>
+            <a:r>
+              <a:rPr lang="sl-SI" dirty="0"/>
+              <a:t>Veliko dela z pravilnim nadziranjem cevovoda, predpomnilnika…</a:t>
+            </a:r>
+          </a:p>
+          <a:p>
+            <a:r>
+              <a:rPr lang="sl-SI" dirty="0"/>
+              <a:t>Lahko pa dostopamo direktno na vodilo, a lahko dobimo napačne vrednosti zaradi predpomnilnika</a:t>
             </a:r>
           </a:p>
         </p:txBody>
@@ -7378,7 +6749,7 @@
     </p:spTree>
     <p:extLst>
       <p:ext uri="{BB962C8B-B14F-4D97-AF65-F5344CB8AC3E}">
-        <p14:creationId xmlns:p14="http://schemas.microsoft.com/office/powerpoint/2010/main" val="2777948457"/>
+        <p14:creationId xmlns:p14="http://schemas.microsoft.com/office/powerpoint/2010/main" val="2016166150"/>
       </p:ext>
     </p:extLst>
   </p:cSld>
@@ -7410,7 +6781,7 @@
           <p:cNvPr id="2" name="Title 1">
             <a:extLst>
               <a:ext uri="{FF2B5EF4-FFF2-40B4-BE49-F238E27FC236}">
-                <a16:creationId xmlns:a16="http://schemas.microsoft.com/office/drawing/2014/main" id="{D9D1E52F-D430-46AB-BC14-AA30F0E90542}"/>
+                <a16:creationId xmlns:a16="http://schemas.microsoft.com/office/drawing/2014/main" id="{FEAD3118-7FD1-4B91-88EA-4C8DBA037A32}"/>
               </a:ext>
             </a:extLst>
           </p:cNvPr>
@@ -7427,12 +6798,16 @@
           <a:lstStyle/>
           <a:p>
             <a:r>
-              <a:rPr lang="sl-SI" dirty="0"/>
-              <a:t>JTAG </a:t>
-            </a:r>
-            <a:r>
-              <a:rPr lang="sl-SI" dirty="0" err="1"/>
-              <a:t>DEBUGGEr</a:t>
+              <a:rPr lang="sl-SI" dirty="0" err="1"/>
+              <a:t>Debug</a:t>
+            </a:r>
+            <a:r>
+              <a:rPr lang="sl-SI" dirty="0"/>
+              <a:t> </a:t>
+            </a:r>
+            <a:r>
+              <a:rPr lang="sl-SI" dirty="0" err="1"/>
+              <a:t>information</a:t>
             </a:r>
             <a:endParaRPr lang="sl-SI" dirty="0"/>
           </a:p>
@@ -7443,7 +6818,7 @@
           <p:cNvPr id="3" name="Content Placeholder 2">
             <a:extLst>
               <a:ext uri="{FF2B5EF4-FFF2-40B4-BE49-F238E27FC236}">
-                <a16:creationId xmlns:a16="http://schemas.microsoft.com/office/drawing/2014/main" id="{D1A30E5A-ADEB-41D7-9F0A-EA556FBEB2BD}"/>
+                <a16:creationId xmlns:a16="http://schemas.microsoft.com/office/drawing/2014/main" id="{02EF352C-5DA8-4F94-B027-0DDE82C5DCE3}"/>
               </a:ext>
             </a:extLst>
           </p:cNvPr>
@@ -7461,29 +6836,21 @@
           <a:p>
             <a:r>
               <a:rPr lang="sl-SI" dirty="0"/>
-              <a:t>na vgrajenih sistemih poznamo več načinov, kako </a:t>
-            </a:r>
-            <a:r>
-              <a:rPr lang="sl-SI" dirty="0" err="1"/>
-              <a:t>razhroščevati</a:t>
-            </a:r>
-            <a:endParaRPr lang="sl-SI" dirty="0"/>
-          </a:p>
-          <a:p>
-            <a:r>
-              <a:rPr lang="sl-SI" dirty="0"/>
-              <a:t>posebni protokoli za </a:t>
-            </a:r>
-            <a:r>
-              <a:rPr lang="sl-SI" dirty="0" err="1"/>
-              <a:t>debugganje</a:t>
-            </a:r>
-            <a:endParaRPr lang="sl-SI" dirty="0"/>
-          </a:p>
-          <a:p>
-            <a:r>
-              <a:rPr lang="sl-SI" dirty="0"/>
-              <a:t>posebne komponente</a:t>
+              <a:t>Za </a:t>
+            </a:r>
+            <a:r>
+              <a:rPr lang="sl-SI" dirty="0" err="1"/>
+              <a:t>razhroščevanje</a:t>
+            </a:r>
+            <a:r>
+              <a:rPr lang="sl-SI" dirty="0"/>
+              <a:t> v višjih jezikih potrebujemo preslikavo iz izvorne kode v strojno kodo</a:t>
+            </a:r>
+          </a:p>
+          <a:p>
+            <a:r>
+              <a:rPr lang="sl-SI" dirty="0"/>
+              <a:t>Potrebujemo dodatne informacije, o funkcijah, spremenljivkah…</a:t>
             </a:r>
           </a:p>
         </p:txBody>
@@ -7491,7 +6858,7 @@
     </p:spTree>
     <p:extLst>
       <p:ext uri="{BB962C8B-B14F-4D97-AF65-F5344CB8AC3E}">
-        <p14:creationId xmlns:p14="http://schemas.microsoft.com/office/powerpoint/2010/main" val="3354056300"/>
+        <p14:creationId xmlns:p14="http://schemas.microsoft.com/office/powerpoint/2010/main" val="272533302"/>
       </p:ext>
     </p:extLst>
   </p:cSld>
@@ -7523,256 +6890,6 @@
           <p:cNvPr id="2" name="Title 1">
             <a:extLst>
               <a:ext uri="{FF2B5EF4-FFF2-40B4-BE49-F238E27FC236}">
-                <a16:creationId xmlns:a16="http://schemas.microsoft.com/office/drawing/2014/main" id="{4604CD6F-B8B0-4D9C-9A4C-3F306942C26E}"/>
-              </a:ext>
-            </a:extLst>
-          </p:cNvPr>
-          <p:cNvSpPr>
-            <a:spLocks noGrp="1"/>
-          </p:cNvSpPr>
-          <p:nvPr>
-            <p:ph type="title"/>
-          </p:nvPr>
-        </p:nvSpPr>
-        <p:spPr/>
-        <p:txBody>
-          <a:bodyPr/>
-          <a:lstStyle/>
-          <a:p>
-            <a:r>
-              <a:rPr lang="sl-SI" dirty="0" err="1"/>
-              <a:t>Halting</a:t>
-            </a:r>
-            <a:r>
-              <a:rPr lang="sl-SI" dirty="0"/>
-              <a:t> mode </a:t>
-            </a:r>
-            <a:r>
-              <a:rPr lang="sl-SI" dirty="0" err="1"/>
-              <a:t>debugging</a:t>
-            </a:r>
-            <a:endParaRPr lang="sl-SI" dirty="0"/>
-          </a:p>
-        </p:txBody>
-      </p:sp>
-      <p:sp>
-        <p:nvSpPr>
-          <p:cNvPr id="3" name="Content Placeholder 2">
-            <a:extLst>
-              <a:ext uri="{FF2B5EF4-FFF2-40B4-BE49-F238E27FC236}">
-                <a16:creationId xmlns:a16="http://schemas.microsoft.com/office/drawing/2014/main" id="{B06DF79B-8C01-4B9B-B713-68C65B2D4B5E}"/>
-              </a:ext>
-            </a:extLst>
-          </p:cNvPr>
-          <p:cNvSpPr>
-            <a:spLocks noGrp="1"/>
-          </p:cNvSpPr>
-          <p:nvPr>
-            <p:ph idx="1"/>
-          </p:nvPr>
-        </p:nvSpPr>
-        <p:spPr/>
-        <p:txBody>
-          <a:bodyPr>
-            <a:normAutofit lnSpcReduction="10000"/>
-          </a:bodyPr>
-          <a:lstStyle/>
-          <a:p>
-            <a:r>
-              <a:rPr lang="sl-SI" dirty="0"/>
-              <a:t>Procesor ustavi izvajanje, ustavi uro</a:t>
-            </a:r>
-          </a:p>
-          <a:p>
-            <a:r>
-              <a:rPr lang="sl-SI" dirty="0"/>
-              <a:t>DMA, RTC, še vedno teče</a:t>
-            </a:r>
-          </a:p>
-          <a:p>
-            <a:r>
-              <a:rPr lang="sl-SI" dirty="0"/>
-              <a:t>Preko posebnega kanala lahko dostopamo do cevovoda in vstavljamo ukaze</a:t>
-            </a:r>
-          </a:p>
-          <a:p>
-            <a:r>
-              <a:rPr lang="sl-SI" dirty="0"/>
-              <a:t>Lahko dostopamo do posebnih sistemskih registrov</a:t>
-            </a:r>
-          </a:p>
-          <a:p>
-            <a:r>
-              <a:rPr lang="sl-SI" dirty="0"/>
-              <a:t>Do spomina lahko dostopamo z </a:t>
-            </a:r>
-            <a:r>
-              <a:rPr lang="sl-SI" dirty="0" err="1"/>
-              <a:t>load</a:t>
-            </a:r>
-            <a:r>
-              <a:rPr lang="sl-SI" dirty="0"/>
-              <a:t> in store ukazi -&gt; čez predpomnilnik, pravilne vrednosti spremenljivk</a:t>
-            </a:r>
-          </a:p>
-          <a:p>
-            <a:r>
-              <a:rPr lang="sl-SI" dirty="0"/>
-              <a:t>Veliko dela z pravilnim nadziranjem cevovoda, predpomnilnika…</a:t>
-            </a:r>
-          </a:p>
-          <a:p>
-            <a:r>
-              <a:rPr lang="sl-SI" dirty="0"/>
-              <a:t>Lahko pa dostopamo direktno na vodilo, a lahko dobimo napačne vrednosti zaradi predpomnilnika</a:t>
-            </a:r>
-          </a:p>
-        </p:txBody>
-      </p:sp>
-    </p:spTree>
-    <p:extLst>
-      <p:ext uri="{BB962C8B-B14F-4D97-AF65-F5344CB8AC3E}">
-        <p14:creationId xmlns:p14="http://schemas.microsoft.com/office/powerpoint/2010/main" val="2016166150"/>
-      </p:ext>
-    </p:extLst>
-  </p:cSld>
-  <p:clrMapOvr>
-    <a:masterClrMapping/>
-  </p:clrMapOvr>
-</p:sld>
-</file>
-
-<file path=ppt/slides/slide28.xml><?xml version="1.0" encoding="utf-8"?>
-<p:sld xmlns:a="http://schemas.openxmlformats.org/drawingml/2006/main" xmlns:r="http://schemas.openxmlformats.org/officeDocument/2006/relationships" xmlns:p="http://schemas.openxmlformats.org/presentationml/2006/main">
-  <p:cSld>
-    <p:spTree>
-      <p:nvGrpSpPr>
-        <p:cNvPr id="1" name=""/>
-        <p:cNvGrpSpPr/>
-        <p:nvPr/>
-      </p:nvGrpSpPr>
-      <p:grpSpPr>
-        <a:xfrm>
-          <a:off x="0" y="0"/>
-          <a:ext cx="0" cy="0"/>
-          <a:chOff x="0" y="0"/>
-          <a:chExt cx="0" cy="0"/>
-        </a:xfrm>
-      </p:grpSpPr>
-      <p:sp>
-        <p:nvSpPr>
-          <p:cNvPr id="2" name="Title 1">
-            <a:extLst>
-              <a:ext uri="{FF2B5EF4-FFF2-40B4-BE49-F238E27FC236}">
-                <a16:creationId xmlns:a16="http://schemas.microsoft.com/office/drawing/2014/main" id="{FEAD3118-7FD1-4B91-88EA-4C8DBA037A32}"/>
-              </a:ext>
-            </a:extLst>
-          </p:cNvPr>
-          <p:cNvSpPr>
-            <a:spLocks noGrp="1"/>
-          </p:cNvSpPr>
-          <p:nvPr>
-            <p:ph type="title"/>
-          </p:nvPr>
-        </p:nvSpPr>
-        <p:spPr/>
-        <p:txBody>
-          <a:bodyPr/>
-          <a:lstStyle/>
-          <a:p>
-            <a:r>
-              <a:rPr lang="sl-SI" dirty="0" err="1"/>
-              <a:t>Debug</a:t>
-            </a:r>
-            <a:r>
-              <a:rPr lang="sl-SI" dirty="0"/>
-              <a:t> </a:t>
-            </a:r>
-            <a:r>
-              <a:rPr lang="sl-SI" dirty="0" err="1"/>
-              <a:t>information</a:t>
-            </a:r>
-            <a:endParaRPr lang="sl-SI" dirty="0"/>
-          </a:p>
-        </p:txBody>
-      </p:sp>
-      <p:sp>
-        <p:nvSpPr>
-          <p:cNvPr id="3" name="Content Placeholder 2">
-            <a:extLst>
-              <a:ext uri="{FF2B5EF4-FFF2-40B4-BE49-F238E27FC236}">
-                <a16:creationId xmlns:a16="http://schemas.microsoft.com/office/drawing/2014/main" id="{02EF352C-5DA8-4F94-B027-0DDE82C5DCE3}"/>
-              </a:ext>
-            </a:extLst>
-          </p:cNvPr>
-          <p:cNvSpPr>
-            <a:spLocks noGrp="1"/>
-          </p:cNvSpPr>
-          <p:nvPr>
-            <p:ph idx="1"/>
-          </p:nvPr>
-        </p:nvSpPr>
-        <p:spPr/>
-        <p:txBody>
-          <a:bodyPr/>
-          <a:lstStyle/>
-          <a:p>
-            <a:r>
-              <a:rPr lang="sl-SI" dirty="0"/>
-              <a:t>Za </a:t>
-            </a:r>
-            <a:r>
-              <a:rPr lang="sl-SI" dirty="0" err="1"/>
-              <a:t>razhroščevanje</a:t>
-            </a:r>
-            <a:r>
-              <a:rPr lang="sl-SI" dirty="0"/>
-              <a:t> v višjih jezikih potrebujemo preslikavo iz izvorne kode v strojno kodo</a:t>
-            </a:r>
-          </a:p>
-          <a:p>
-            <a:r>
-              <a:rPr lang="sl-SI" dirty="0"/>
-              <a:t>Potrebujemo dodatne informacije, o funkcijah, spremenljivkah…</a:t>
-            </a:r>
-          </a:p>
-        </p:txBody>
-      </p:sp>
-    </p:spTree>
-    <p:extLst>
-      <p:ext uri="{BB962C8B-B14F-4D97-AF65-F5344CB8AC3E}">
-        <p14:creationId xmlns:p14="http://schemas.microsoft.com/office/powerpoint/2010/main" val="272533302"/>
-      </p:ext>
-    </p:extLst>
-  </p:cSld>
-  <p:clrMapOvr>
-    <a:masterClrMapping/>
-  </p:clrMapOvr>
-</p:sld>
-</file>
-
-<file path=ppt/slides/slide29.xml><?xml version="1.0" encoding="utf-8"?>
-<p:sld xmlns:a="http://schemas.openxmlformats.org/drawingml/2006/main" xmlns:r="http://schemas.openxmlformats.org/officeDocument/2006/relationships" xmlns:p="http://schemas.openxmlformats.org/presentationml/2006/main">
-  <p:cSld>
-    <p:spTree>
-      <p:nvGrpSpPr>
-        <p:cNvPr id="1" name=""/>
-        <p:cNvGrpSpPr/>
-        <p:nvPr/>
-      </p:nvGrpSpPr>
-      <p:grpSpPr>
-        <a:xfrm>
-          <a:off x="0" y="0"/>
-          <a:ext cx="0" cy="0"/>
-          <a:chOff x="0" y="0"/>
-          <a:chExt cx="0" cy="0"/>
-        </a:xfrm>
-      </p:grpSpPr>
-      <p:sp>
-        <p:nvSpPr>
-          <p:cNvPr id="2" name="Title 1">
-            <a:extLst>
-              <a:ext uri="{FF2B5EF4-FFF2-40B4-BE49-F238E27FC236}">
                 <a16:creationId xmlns:a16="http://schemas.microsoft.com/office/drawing/2014/main" id="{A28E0AB1-ACCB-49E7-B41E-BB3E9D1B8D06}"/>
               </a:ext>
             </a:extLst>
@@ -7849,165 +6966,7 @@
 </p:sld>
 </file>
 
-<file path=ppt/slides/slide3.xml><?xml version="1.0" encoding="utf-8"?>
-<p:sld xmlns:a="http://schemas.openxmlformats.org/drawingml/2006/main" xmlns:r="http://schemas.openxmlformats.org/officeDocument/2006/relationships" xmlns:p="http://schemas.openxmlformats.org/presentationml/2006/main">
-  <p:cSld>
-    <p:spTree>
-      <p:nvGrpSpPr>
-        <p:cNvPr id="1" name=""/>
-        <p:cNvGrpSpPr/>
-        <p:nvPr/>
-      </p:nvGrpSpPr>
-      <p:grpSpPr>
-        <a:xfrm>
-          <a:off x="0" y="0"/>
-          <a:ext cx="0" cy="0"/>
-          <a:chOff x="0" y="0"/>
-          <a:chExt cx="0" cy="0"/>
-        </a:xfrm>
-      </p:grpSpPr>
-      <p:sp>
-        <p:nvSpPr>
-          <p:cNvPr id="2" name="Title 1">
-            <a:extLst>
-              <a:ext uri="{FF2B5EF4-FFF2-40B4-BE49-F238E27FC236}">
-                <a16:creationId xmlns:a16="http://schemas.microsoft.com/office/drawing/2014/main" id="{E2435625-22F1-470E-8AC0-FAE620501F94}"/>
-              </a:ext>
-            </a:extLst>
-          </p:cNvPr>
-          <p:cNvSpPr>
-            <a:spLocks noGrp="1"/>
-          </p:cNvSpPr>
-          <p:nvPr>
-            <p:ph type="title"/>
-          </p:nvPr>
-        </p:nvSpPr>
-        <p:spPr/>
-        <p:txBody>
-          <a:bodyPr/>
-          <a:lstStyle/>
-          <a:p>
-            <a:r>
-              <a:rPr lang="sl-SI" dirty="0"/>
-              <a:t>Opis razhroščevalnikov</a:t>
-            </a:r>
-          </a:p>
-        </p:txBody>
-      </p:sp>
-      <p:sp>
-        <p:nvSpPr>
-          <p:cNvPr id="3" name="Content Placeholder 2">
-            <a:extLst>
-              <a:ext uri="{FF2B5EF4-FFF2-40B4-BE49-F238E27FC236}">
-                <a16:creationId xmlns:a16="http://schemas.microsoft.com/office/drawing/2014/main" id="{0B258169-40EB-4BAA-87A8-66897D7ADE78}"/>
-              </a:ext>
-            </a:extLst>
-          </p:cNvPr>
-          <p:cNvSpPr>
-            <a:spLocks noGrp="1"/>
-          </p:cNvSpPr>
-          <p:nvPr>
-            <p:ph idx="1"/>
-          </p:nvPr>
-        </p:nvSpPr>
-        <p:spPr/>
-        <p:txBody>
-          <a:bodyPr/>
-          <a:lstStyle/>
-          <a:p>
-            <a:r>
-              <a:rPr lang="sl-SI" b="1" dirty="0"/>
-              <a:t>program, s katerim testiramo ali </a:t>
-            </a:r>
-            <a:r>
-              <a:rPr lang="sl-SI" b="1" dirty="0" err="1"/>
-              <a:t>razhroščujemo</a:t>
-            </a:r>
-            <a:r>
-              <a:rPr lang="sl-SI" b="1" dirty="0"/>
-              <a:t> drug ("ciljni") program</a:t>
-            </a:r>
-            <a:endParaRPr lang="en-GB" b="1" dirty="0"/>
-          </a:p>
-          <a:p>
-            <a:r>
-              <a:rPr lang="en-GB" dirty="0"/>
-              <a:t>o</a:t>
-            </a:r>
-            <a:r>
-              <a:rPr lang="sl-SI" dirty="0" err="1"/>
-              <a:t>mogočajo</a:t>
-            </a:r>
-            <a:r>
-              <a:rPr lang="en-GB" dirty="0"/>
-              <a:t>:</a:t>
-            </a:r>
-          </a:p>
-          <a:p>
-            <a:pPr lvl="1"/>
-            <a:r>
-              <a:rPr lang="sl-SI" dirty="0"/>
-              <a:t> spremljanje poteka izvajanja ciljnega programa </a:t>
-            </a:r>
-            <a:endParaRPr lang="en-GB" dirty="0"/>
-          </a:p>
-          <a:p>
-            <a:pPr lvl="1"/>
-            <a:r>
-              <a:rPr lang="sl-SI" dirty="0"/>
-              <a:t>ob katerikoli točki </a:t>
-            </a:r>
-            <a:r>
-              <a:rPr lang="en-GB" dirty="0"/>
-              <a:t>la</a:t>
-            </a:r>
-            <a:r>
-              <a:rPr lang="sl-SI" dirty="0"/>
-              <a:t>h</a:t>
-            </a:r>
-            <a:r>
-              <a:rPr lang="en-GB" dirty="0" err="1"/>
-              <a:t>ko</a:t>
-            </a:r>
-            <a:r>
-              <a:rPr lang="en-GB" dirty="0"/>
-              <a:t> programmer </a:t>
-            </a:r>
-            <a:r>
-              <a:rPr lang="sl-SI" dirty="0"/>
-              <a:t>ustavi program ter pogleda stanje programa in preveri pravilnost njegovega delovanja.</a:t>
-            </a:r>
-          </a:p>
-          <a:p>
-            <a:r>
-              <a:rPr lang="sl-SI" dirty="0"/>
-              <a:t>lahko uporabljajo tudi </a:t>
-            </a:r>
-            <a:r>
-              <a:rPr lang="sl-SI" dirty="0" err="1"/>
-              <a:t>instruction</a:t>
-            </a:r>
-            <a:r>
-              <a:rPr lang="sl-SI" dirty="0"/>
-              <a:t> set simulator</a:t>
-            </a:r>
-          </a:p>
-        </p:txBody>
-      </p:sp>
-    </p:spTree>
-    <p:extLst>
-      <p:ext uri="{BB962C8B-B14F-4D97-AF65-F5344CB8AC3E}">
-        <p14:creationId xmlns:p14="http://schemas.microsoft.com/office/powerpoint/2010/main" val="2495267524"/>
-      </p:ext>
-    </p:extLst>
-  </p:cSld>
-  <p:clrMapOvr>
-    <a:masterClrMapping/>
-  </p:clrMapOvr>
-</p:sld>
-</file>
-
-<file path=ppt/slides/slide30.xml><?xml version="1.0" encoding="utf-8"?>
+<file path=ppt/slides/slide28.xml><?xml version="1.0" encoding="utf-8"?>
 <p:sld xmlns:a="http://schemas.openxmlformats.org/drawingml/2006/main" xmlns:r="http://schemas.openxmlformats.org/officeDocument/2006/relationships" xmlns:p="http://schemas.openxmlformats.org/presentationml/2006/main">
   <p:cSld>
     <p:spTree>
@@ -8206,7 +7165,7 @@
 </p:sld>
 </file>
 
-<file path=ppt/slides/slide31.xml><?xml version="1.0" encoding="utf-8"?>
+<file path=ppt/slides/slide29.xml><?xml version="1.0" encoding="utf-8"?>
 <p:sld xmlns:a="http://schemas.openxmlformats.org/drawingml/2006/main" xmlns:r="http://schemas.openxmlformats.org/officeDocument/2006/relationships" xmlns:p="http://schemas.openxmlformats.org/presentationml/2006/main">
   <p:cSld>
     <p:spTree>
@@ -8667,6 +7626,164 @@
     <p:extLst>
       <p:ext uri="{BB962C8B-B14F-4D97-AF65-F5344CB8AC3E}">
         <p14:creationId xmlns:p14="http://schemas.microsoft.com/office/powerpoint/2010/main" val="862404442"/>
+      </p:ext>
+    </p:extLst>
+  </p:cSld>
+  <p:clrMapOvr>
+    <a:masterClrMapping/>
+  </p:clrMapOvr>
+</p:sld>
+</file>
+
+<file path=ppt/slides/slide3.xml><?xml version="1.0" encoding="utf-8"?>
+<p:sld xmlns:a="http://schemas.openxmlformats.org/drawingml/2006/main" xmlns:r="http://schemas.openxmlformats.org/officeDocument/2006/relationships" xmlns:p="http://schemas.openxmlformats.org/presentationml/2006/main">
+  <p:cSld>
+    <p:spTree>
+      <p:nvGrpSpPr>
+        <p:cNvPr id="1" name=""/>
+        <p:cNvGrpSpPr/>
+        <p:nvPr/>
+      </p:nvGrpSpPr>
+      <p:grpSpPr>
+        <a:xfrm>
+          <a:off x="0" y="0"/>
+          <a:ext cx="0" cy="0"/>
+          <a:chOff x="0" y="0"/>
+          <a:chExt cx="0" cy="0"/>
+        </a:xfrm>
+      </p:grpSpPr>
+      <p:sp>
+        <p:nvSpPr>
+          <p:cNvPr id="2" name="Title 1">
+            <a:extLst>
+              <a:ext uri="{FF2B5EF4-FFF2-40B4-BE49-F238E27FC236}">
+                <a16:creationId xmlns:a16="http://schemas.microsoft.com/office/drawing/2014/main" id="{E2435625-22F1-470E-8AC0-FAE620501F94}"/>
+              </a:ext>
+            </a:extLst>
+          </p:cNvPr>
+          <p:cNvSpPr>
+            <a:spLocks noGrp="1"/>
+          </p:cNvSpPr>
+          <p:nvPr>
+            <p:ph type="title"/>
+          </p:nvPr>
+        </p:nvSpPr>
+        <p:spPr/>
+        <p:txBody>
+          <a:bodyPr/>
+          <a:lstStyle/>
+          <a:p>
+            <a:r>
+              <a:rPr lang="sl-SI" dirty="0"/>
+              <a:t>Opis razhroščevalnikov</a:t>
+            </a:r>
+          </a:p>
+        </p:txBody>
+      </p:sp>
+      <p:sp>
+        <p:nvSpPr>
+          <p:cNvPr id="3" name="Content Placeholder 2">
+            <a:extLst>
+              <a:ext uri="{FF2B5EF4-FFF2-40B4-BE49-F238E27FC236}">
+                <a16:creationId xmlns:a16="http://schemas.microsoft.com/office/drawing/2014/main" id="{0B258169-40EB-4BAA-87A8-66897D7ADE78}"/>
+              </a:ext>
+            </a:extLst>
+          </p:cNvPr>
+          <p:cNvSpPr>
+            <a:spLocks noGrp="1"/>
+          </p:cNvSpPr>
+          <p:nvPr>
+            <p:ph idx="1"/>
+          </p:nvPr>
+        </p:nvSpPr>
+        <p:spPr/>
+        <p:txBody>
+          <a:bodyPr/>
+          <a:lstStyle/>
+          <a:p>
+            <a:r>
+              <a:rPr lang="sl-SI" b="1" dirty="0"/>
+              <a:t>program, s katerim testiramo ali </a:t>
+            </a:r>
+            <a:r>
+              <a:rPr lang="sl-SI" b="1" dirty="0" err="1"/>
+              <a:t>razhroščujemo</a:t>
+            </a:r>
+            <a:r>
+              <a:rPr lang="sl-SI" b="1" dirty="0"/>
+              <a:t> drug ("ciljni") program</a:t>
+            </a:r>
+            <a:endParaRPr lang="en-GB" b="1" dirty="0"/>
+          </a:p>
+          <a:p>
+            <a:r>
+              <a:rPr lang="en-GB" dirty="0"/>
+              <a:t>o</a:t>
+            </a:r>
+            <a:r>
+              <a:rPr lang="sl-SI" dirty="0" err="1"/>
+              <a:t>mogočajo</a:t>
+            </a:r>
+            <a:r>
+              <a:rPr lang="en-GB" dirty="0"/>
+              <a:t>:</a:t>
+            </a:r>
+          </a:p>
+          <a:p>
+            <a:pPr lvl="1"/>
+            <a:r>
+              <a:rPr lang="sl-SI" dirty="0"/>
+              <a:t> spremljanje poteka izvajanja ciljnega programa </a:t>
+            </a:r>
+            <a:endParaRPr lang="en-GB" dirty="0"/>
+          </a:p>
+          <a:p>
+            <a:pPr lvl="1"/>
+            <a:r>
+              <a:rPr lang="sl-SI" dirty="0"/>
+              <a:t>ob katerikoli točki </a:t>
+            </a:r>
+            <a:r>
+              <a:rPr lang="en-GB" dirty="0"/>
+              <a:t>la</a:t>
+            </a:r>
+            <a:r>
+              <a:rPr lang="sl-SI" dirty="0"/>
+              <a:t>h</a:t>
+            </a:r>
+            <a:r>
+              <a:rPr lang="en-GB" dirty="0" err="1"/>
+              <a:t>ko</a:t>
+            </a:r>
+            <a:r>
+              <a:rPr lang="en-GB" dirty="0"/>
+              <a:t> programmer </a:t>
+            </a:r>
+            <a:r>
+              <a:rPr lang="sl-SI" dirty="0"/>
+              <a:t>ustavi program ter pogleda stanje programa in preveri pravilnost njegovega delovanja.</a:t>
+            </a:r>
+          </a:p>
+          <a:p>
+            <a:r>
+              <a:rPr lang="sl-SI" dirty="0"/>
+              <a:t>lahko uporabljajo tudi </a:t>
+            </a:r>
+            <a:r>
+              <a:rPr lang="sl-SI" dirty="0" err="1"/>
+              <a:t>instruction</a:t>
+            </a:r>
+            <a:r>
+              <a:rPr lang="sl-SI" dirty="0"/>
+              <a:t> set simulator</a:t>
+            </a:r>
+          </a:p>
+        </p:txBody>
+      </p:sp>
+    </p:spTree>
+    <p:extLst>
+      <p:ext uri="{BB962C8B-B14F-4D97-AF65-F5344CB8AC3E}">
+        <p14:creationId xmlns:p14="http://schemas.microsoft.com/office/powerpoint/2010/main" val="2495267524"/>
       </p:ext>
     </p:extLst>
   </p:cSld>
@@ -9564,7 +8681,7 @@
         </p:spPr>
         <p:txBody>
           <a:bodyPr>
-            <a:normAutofit lnSpcReduction="10000"/>
+            <a:normAutofit/>
           </a:bodyPr>
           <a:lstStyle/>
           <a:p>
@@ -9598,15 +8715,7 @@
           <a:p>
             <a:r>
               <a:rPr lang="sl-SI" dirty="0"/>
-              <a:t>deluje z </a:t>
-            </a:r>
-            <a:r>
-              <a:rPr lang="sl-SI" dirty="0" err="1"/>
-              <a:t>večimi</a:t>
-            </a:r>
-            <a:r>
-              <a:rPr lang="sl-SI" dirty="0"/>
-              <a:t> programskimi jeziki, kot Ada, C, C++, </a:t>
+              <a:t>Ada, C, C++, </a:t>
             </a:r>
             <a:r>
               <a:rPr lang="sl-SI" dirty="0" err="1"/>
@@ -9636,7 +8745,7 @@
           <a:p>
             <a:r>
               <a:rPr lang="sl-SI" dirty="0"/>
-              <a:t>na velikem številu različnih arhitektur - X86 in X64, IA-64, ARM, </a:t>
+              <a:t>X86 in X64, IA-64, ARM, </a:t>
             </a:r>
             <a:r>
               <a:rPr lang="sl-SI" dirty="0" err="1"/>
@@ -9666,7 +8775,7 @@
           <a:p>
             <a:r>
               <a:rPr lang="sl-SI" dirty="0"/>
-              <a:t>Napisal ga je Richard </a:t>
+              <a:t>Napisal Richard </a:t>
             </a:r>
             <a:r>
               <a:rPr lang="sl-SI" dirty="0" err="1"/>

--- a/debuggers.pptx
+++ b/debuggers.pptx
@@ -2,10 +2,10 @@
 <file path=ppt/presentation.xml><?xml version="1.0" encoding="utf-8"?>
 <p:presentation xmlns:a="http://schemas.openxmlformats.org/drawingml/2006/main" xmlns:r="http://schemas.openxmlformats.org/officeDocument/2006/relationships" xmlns:p="http://schemas.openxmlformats.org/presentationml/2006/main" autoCompressPictures="0">
   <p:sldMasterIdLst>
-    <p:sldMasterId id="2147483696" r:id="rId1"/>
+    <p:sldMasterId id="2147483720" r:id="rId1"/>
   </p:sldMasterIdLst>
   <p:notesMasterIdLst>
-    <p:notesMasterId r:id="rId31"/>
+    <p:notesMasterId r:id="rId33"/>
   </p:notesMasterIdLst>
   <p:sldIdLst>
     <p:sldId id="256" r:id="rId2"/>
@@ -31,12 +31,14 @@
     <p:sldId id="276" r:id="rId22"/>
     <p:sldId id="277" r:id="rId23"/>
     <p:sldId id="279" r:id="rId24"/>
-    <p:sldId id="280" r:id="rId25"/>
-    <p:sldId id="281" r:id="rId26"/>
-    <p:sldId id="282" r:id="rId27"/>
-    <p:sldId id="283" r:id="rId28"/>
-    <p:sldId id="284" r:id="rId29"/>
-    <p:sldId id="285" r:id="rId30"/>
+    <p:sldId id="281" r:id="rId25"/>
+    <p:sldId id="282" r:id="rId26"/>
+    <p:sldId id="283" r:id="rId27"/>
+    <p:sldId id="284" r:id="rId28"/>
+    <p:sldId id="287" r:id="rId29"/>
+    <p:sldId id="288" r:id="rId30"/>
+    <p:sldId id="289" r:id="rId31"/>
+    <p:sldId id="285" r:id="rId32"/>
   </p:sldIdLst>
   <p:sldSz cx="12192000" cy="6858000"/>
   <p:notesSz cx="6858000" cy="9144000"/>
@@ -171,11 +173,13 @@
             <p14:sldId id="276"/>
             <p14:sldId id="277"/>
             <p14:sldId id="279"/>
-            <p14:sldId id="280"/>
             <p14:sldId id="281"/>
             <p14:sldId id="282"/>
             <p14:sldId id="283"/>
             <p14:sldId id="284"/>
+            <p14:sldId id="287"/>
+            <p14:sldId id="288"/>
+            <p14:sldId id="289"/>
             <p14:sldId id="285"/>
           </p14:sldIdLst>
         </p14:section>
@@ -622,6 +626,121 @@
           <a:bodyPr/>
           <a:lstStyle/>
           <a:p>
+            <a:pPr lvl="1"/>
+            <a:r>
+              <a:rPr lang="sl-SI" dirty="0"/>
+              <a:t> spremljanje poteka izvajanja ciljnega programa </a:t>
+            </a:r>
+            <a:endParaRPr lang="en-GB" dirty="0"/>
+          </a:p>
+          <a:p>
+            <a:pPr lvl="1"/>
+            <a:r>
+              <a:rPr lang="sl-SI" dirty="0"/>
+              <a:t>ob katerikoli točki </a:t>
+            </a:r>
+            <a:r>
+              <a:rPr lang="en-GB" dirty="0"/>
+              <a:t>la</a:t>
+            </a:r>
+            <a:r>
+              <a:rPr lang="sl-SI" dirty="0"/>
+              <a:t>h</a:t>
+            </a:r>
+            <a:r>
+              <a:rPr lang="en-GB" dirty="0"/>
+              <a:t>ko programmer </a:t>
+            </a:r>
+            <a:r>
+              <a:rPr lang="sl-SI" dirty="0"/>
+              <a:t>ustavi program ter pogleda stanje programa in preveri pravilnost njegovega delovanja.</a:t>
+            </a:r>
+          </a:p>
+          <a:p>
+            <a:endParaRPr lang="sl-SI" dirty="0"/>
+          </a:p>
+        </p:txBody>
+      </p:sp>
+      <p:sp>
+        <p:nvSpPr>
+          <p:cNvPr id="4" name="Slide Number Placeholder 3"/>
+          <p:cNvSpPr>
+            <a:spLocks noGrp="1"/>
+          </p:cNvSpPr>
+          <p:nvPr>
+            <p:ph type="sldNum" sz="quarter" idx="10"/>
+          </p:nvPr>
+        </p:nvSpPr>
+        <p:spPr/>
+        <p:txBody>
+          <a:bodyPr/>
+          <a:lstStyle/>
+          <a:p>
+            <a:fld id="{7CE16486-F115-4D7A-9418-E173370D229A}" type="slidenum">
+              <a:rPr lang="sl-SI" smtClean="0"/>
+              <a:t>3</a:t>
+            </a:fld>
+            <a:endParaRPr lang="sl-SI"/>
+          </a:p>
+        </p:txBody>
+      </p:sp>
+    </p:spTree>
+    <p:extLst>
+      <p:ext uri="{BB962C8B-B14F-4D97-AF65-F5344CB8AC3E}">
+        <p14:creationId xmlns:p14="http://schemas.microsoft.com/office/powerpoint/2010/main" val="57419125"/>
+      </p:ext>
+    </p:extLst>
+  </p:cSld>
+  <p:clrMapOvr>
+    <a:masterClrMapping/>
+  </p:clrMapOvr>
+</p:notes>
+</file>
+
+<file path=ppt/notesSlides/notesSlide2.xml><?xml version="1.0" encoding="utf-8"?>
+<p:notes xmlns:a="http://schemas.openxmlformats.org/drawingml/2006/main" xmlns:r="http://schemas.openxmlformats.org/officeDocument/2006/relationships" xmlns:p="http://schemas.openxmlformats.org/presentationml/2006/main">
+  <p:cSld>
+    <p:spTree>
+      <p:nvGrpSpPr>
+        <p:cNvPr id="1" name=""/>
+        <p:cNvGrpSpPr/>
+        <p:nvPr/>
+      </p:nvGrpSpPr>
+      <p:grpSpPr>
+        <a:xfrm>
+          <a:off x="0" y="0"/>
+          <a:ext cx="0" cy="0"/>
+          <a:chOff x="0" y="0"/>
+          <a:chExt cx="0" cy="0"/>
+        </a:xfrm>
+      </p:grpSpPr>
+      <p:sp>
+        <p:nvSpPr>
+          <p:cNvPr id="2" name="Slide Image Placeholder 1"/>
+          <p:cNvSpPr>
+            <a:spLocks noGrp="1" noRot="1" noChangeAspect="1"/>
+          </p:cNvSpPr>
+          <p:nvPr>
+            <p:ph type="sldImg"/>
+          </p:nvPr>
+        </p:nvSpPr>
+        <p:spPr/>
+      </p:sp>
+      <p:sp>
+        <p:nvSpPr>
+          <p:cNvPr id="3" name="Notes Placeholder 2"/>
+          <p:cNvSpPr>
+            <a:spLocks noGrp="1"/>
+          </p:cNvSpPr>
+          <p:nvPr>
+            <p:ph type="body" idx="1"/>
+          </p:nvPr>
+        </p:nvSpPr>
+        <p:spPr/>
+        <p:txBody>
+          <a:bodyPr/>
+          <a:lstStyle/>
+          <a:p>
             <a:r>
               <a:rPr lang="sl-SI" dirty="0"/>
               <a:t>- primerjava: jezik, </a:t>
@@ -674,16 +793,8 @@
 </file>
 
 <file path=ppt/slideLayouts/slideLayout1.xml><?xml version="1.0" encoding="utf-8"?>
-<p:sldLayout xmlns:a="http://schemas.openxmlformats.org/drawingml/2006/main" xmlns:r="http://schemas.openxmlformats.org/officeDocument/2006/relationships" xmlns:p="http://schemas.openxmlformats.org/presentationml/2006/main" type="title" preserve="1">
+<p:sldLayout xmlns:a="http://schemas.openxmlformats.org/drawingml/2006/main" xmlns:r="http://schemas.openxmlformats.org/officeDocument/2006/relationships" xmlns:p="http://schemas.openxmlformats.org/presentationml/2006/main" showMasterSp="0" type="title" preserve="1">
   <p:cSld name="Title Slide">
-    <p:bg>
-      <p:bgPr>
-        <a:solidFill>
-          <a:schemeClr val="accent2"/>
-        </a:solidFill>
-        <a:effectLst/>
-      </p:bgPr>
-    </p:bg>
     <p:spTree>
       <p:nvGrpSpPr>
         <p:cNvPr id="1" name=""/>
@@ -698,6 +809,319 @@
           <a:chExt cx="0" cy="0"/>
         </a:xfrm>
       </p:grpSpPr>
+      <p:grpSp>
+        <p:nvGrpSpPr>
+          <p:cNvPr id="19" name="Group 18"/>
+          <p:cNvGrpSpPr/>
+          <p:nvPr/>
+        </p:nvGrpSpPr>
+        <p:grpSpPr>
+          <a:xfrm>
+            <a:off x="546100" y="-4763"/>
+            <a:ext cx="5014912" cy="6862763"/>
+            <a:chOff x="2928938" y="-4763"/>
+            <a:chExt cx="5014912" cy="6862763"/>
+          </a:xfrm>
+        </p:grpSpPr>
+        <p:sp>
+          <p:nvSpPr>
+            <p:cNvPr id="22" name="Freeform 6"/>
+            <p:cNvSpPr/>
+            <p:nvPr/>
+          </p:nvSpPr>
+          <p:spPr bwMode="auto">
+            <a:xfrm>
+              <a:off x="3367088" y="-4763"/>
+              <a:ext cx="1063625" cy="2782888"/>
+            </a:xfrm>
+            <a:custGeom>
+              <a:avLst/>
+              <a:gdLst/>
+              <a:ahLst/>
+              <a:cxnLst/>
+              <a:rect l="0" t="0" r="r" b="b"/>
+              <a:pathLst>
+                <a:path w="670" h="1753">
+                  <a:moveTo>
+                    <a:pt x="0" y="1696"/>
+                  </a:moveTo>
+                  <a:lnTo>
+                    <a:pt x="225" y="1753"/>
+                  </a:lnTo>
+                  <a:lnTo>
+                    <a:pt x="670" y="0"/>
+                  </a:lnTo>
+                  <a:lnTo>
+                    <a:pt x="430" y="0"/>
+                  </a:lnTo>
+                  <a:lnTo>
+                    <a:pt x="0" y="1696"/>
+                  </a:lnTo>
+                  <a:close/>
+                </a:path>
+              </a:pathLst>
+            </a:custGeom>
+            <a:solidFill>
+              <a:schemeClr val="accent1"/>
+            </a:solidFill>
+            <a:ln>
+              <a:noFill/>
+            </a:ln>
+          </p:spPr>
+        </p:sp>
+        <p:sp>
+          <p:nvSpPr>
+            <p:cNvPr id="23" name="Freeform 7"/>
+            <p:cNvSpPr/>
+            <p:nvPr/>
+          </p:nvSpPr>
+          <p:spPr bwMode="auto">
+            <a:xfrm>
+              <a:off x="2928938" y="-4763"/>
+              <a:ext cx="1035050" cy="2673350"/>
+            </a:xfrm>
+            <a:custGeom>
+              <a:avLst/>
+              <a:gdLst/>
+              <a:ahLst/>
+              <a:cxnLst/>
+              <a:rect l="0" t="0" r="r" b="b"/>
+              <a:pathLst>
+                <a:path w="652" h="1684">
+                  <a:moveTo>
+                    <a:pt x="225" y="1684"/>
+                  </a:moveTo>
+                  <a:lnTo>
+                    <a:pt x="652" y="0"/>
+                  </a:lnTo>
+                  <a:lnTo>
+                    <a:pt x="411" y="0"/>
+                  </a:lnTo>
+                  <a:lnTo>
+                    <a:pt x="0" y="1627"/>
+                  </a:lnTo>
+                  <a:lnTo>
+                    <a:pt x="219" y="1681"/>
+                  </a:lnTo>
+                  <a:lnTo>
+                    <a:pt x="225" y="1684"/>
+                  </a:lnTo>
+                  <a:close/>
+                </a:path>
+              </a:pathLst>
+            </a:custGeom>
+            <a:solidFill>
+              <a:schemeClr val="tx1">
+                <a:lumMod val="65000"/>
+                <a:lumOff val="35000"/>
+              </a:schemeClr>
+            </a:solidFill>
+            <a:ln>
+              <a:noFill/>
+            </a:ln>
+          </p:spPr>
+        </p:sp>
+        <p:sp>
+          <p:nvSpPr>
+            <p:cNvPr id="24" name="Freeform 9"/>
+            <p:cNvSpPr/>
+            <p:nvPr/>
+          </p:nvSpPr>
+          <p:spPr bwMode="auto">
+            <a:xfrm>
+              <a:off x="2928938" y="2582862"/>
+              <a:ext cx="2693987" cy="4275138"/>
+            </a:xfrm>
+            <a:custGeom>
+              <a:avLst/>
+              <a:gdLst/>
+              <a:ahLst/>
+              <a:cxnLst/>
+              <a:rect l="0" t="0" r="r" b="b"/>
+              <a:pathLst>
+                <a:path w="1697" h="2693">
+                  <a:moveTo>
+                    <a:pt x="0" y="0"/>
+                  </a:moveTo>
+                  <a:lnTo>
+                    <a:pt x="1622" y="2693"/>
+                  </a:lnTo>
+                  <a:lnTo>
+                    <a:pt x="1697" y="2693"/>
+                  </a:lnTo>
+                  <a:lnTo>
+                    <a:pt x="0" y="0"/>
+                  </a:lnTo>
+                  <a:close/>
+                </a:path>
+              </a:pathLst>
+            </a:custGeom>
+            <a:solidFill>
+              <a:schemeClr val="tx1">
+                <a:lumMod val="85000"/>
+                <a:lumOff val="15000"/>
+              </a:schemeClr>
+            </a:solidFill>
+            <a:ln>
+              <a:noFill/>
+            </a:ln>
+          </p:spPr>
+        </p:sp>
+        <p:sp>
+          <p:nvSpPr>
+            <p:cNvPr id="25" name="Freeform 10"/>
+            <p:cNvSpPr/>
+            <p:nvPr/>
+          </p:nvSpPr>
+          <p:spPr bwMode="auto">
+            <a:xfrm>
+              <a:off x="3371850" y="2692400"/>
+              <a:ext cx="3332162" cy="4165600"/>
+            </a:xfrm>
+            <a:custGeom>
+              <a:avLst/>
+              <a:gdLst/>
+              <a:ahLst/>
+              <a:cxnLst/>
+              <a:rect l="0" t="0" r="r" b="b"/>
+              <a:pathLst>
+                <a:path w="2099" h="2624">
+                  <a:moveTo>
+                    <a:pt x="2099" y="2624"/>
+                  </a:moveTo>
+                  <a:lnTo>
+                    <a:pt x="0" y="0"/>
+                  </a:lnTo>
+                  <a:lnTo>
+                    <a:pt x="2021" y="2624"/>
+                  </a:lnTo>
+                  <a:lnTo>
+                    <a:pt x="2099" y="2624"/>
+                  </a:lnTo>
+                  <a:close/>
+                </a:path>
+              </a:pathLst>
+            </a:custGeom>
+            <a:solidFill>
+              <a:schemeClr val="accent1">
+                <a:lumMod val="50000"/>
+              </a:schemeClr>
+            </a:solidFill>
+            <a:ln>
+              <a:noFill/>
+            </a:ln>
+          </p:spPr>
+        </p:sp>
+        <p:sp>
+          <p:nvSpPr>
+            <p:cNvPr id="26" name="Freeform 11"/>
+            <p:cNvSpPr/>
+            <p:nvPr/>
+          </p:nvSpPr>
+          <p:spPr bwMode="auto">
+            <a:xfrm>
+              <a:off x="3367088" y="2687637"/>
+              <a:ext cx="4576762" cy="4170363"/>
+            </a:xfrm>
+            <a:custGeom>
+              <a:avLst/>
+              <a:gdLst/>
+              <a:ahLst/>
+              <a:cxnLst/>
+              <a:rect l="0" t="0" r="r" b="b"/>
+              <a:pathLst>
+                <a:path w="2883" h="2627">
+                  <a:moveTo>
+                    <a:pt x="0" y="0"/>
+                  </a:moveTo>
+                  <a:lnTo>
+                    <a:pt x="3" y="3"/>
+                  </a:lnTo>
+                  <a:lnTo>
+                    <a:pt x="2102" y="2627"/>
+                  </a:lnTo>
+                  <a:lnTo>
+                    <a:pt x="2883" y="2627"/>
+                  </a:lnTo>
+                  <a:lnTo>
+                    <a:pt x="225" y="57"/>
+                  </a:lnTo>
+                  <a:lnTo>
+                    <a:pt x="0" y="0"/>
+                  </a:lnTo>
+                  <a:close/>
+                </a:path>
+              </a:pathLst>
+            </a:custGeom>
+            <a:solidFill>
+              <a:schemeClr val="accent1">
+                <a:lumMod val="75000"/>
+              </a:schemeClr>
+            </a:solidFill>
+            <a:ln>
+              <a:noFill/>
+            </a:ln>
+          </p:spPr>
+        </p:sp>
+        <p:sp>
+          <p:nvSpPr>
+            <p:cNvPr id="27" name="Freeform 12"/>
+            <p:cNvSpPr/>
+            <p:nvPr/>
+          </p:nvSpPr>
+          <p:spPr bwMode="auto">
+            <a:xfrm>
+              <a:off x="2928938" y="2578100"/>
+              <a:ext cx="3584575" cy="4279900"/>
+            </a:xfrm>
+            <a:custGeom>
+              <a:avLst/>
+              <a:gdLst/>
+              <a:ahLst/>
+              <a:cxnLst/>
+              <a:rect l="0" t="0" r="r" b="b"/>
+              <a:pathLst>
+                <a:path w="2258" h="2696">
+                  <a:moveTo>
+                    <a:pt x="2258" y="2696"/>
+                  </a:moveTo>
+                  <a:lnTo>
+                    <a:pt x="264" y="111"/>
+                  </a:lnTo>
+                  <a:lnTo>
+                    <a:pt x="228" y="60"/>
+                  </a:lnTo>
+                  <a:lnTo>
+                    <a:pt x="225" y="57"/>
+                  </a:lnTo>
+                  <a:lnTo>
+                    <a:pt x="0" y="0"/>
+                  </a:lnTo>
+                  <a:lnTo>
+                    <a:pt x="0" y="3"/>
+                  </a:lnTo>
+                  <a:lnTo>
+                    <a:pt x="1697" y="2696"/>
+                  </a:lnTo>
+                  <a:lnTo>
+                    <a:pt x="2258" y="2696"/>
+                  </a:lnTo>
+                  <a:close/>
+                </a:path>
+              </a:pathLst>
+            </a:custGeom>
+            <a:solidFill>
+              <a:schemeClr val="tx1">
+                <a:lumMod val="75000"/>
+                <a:lumOff val="25000"/>
+              </a:schemeClr>
+            </a:solidFill>
+            <a:ln>
+              <a:noFill/>
+            </a:ln>
+          </p:spPr>
+        </p:sp>
+      </p:grpSp>
       <p:sp>
         <p:nvSpPr>
           <p:cNvPr id="2" name="Title 1"/>
@@ -708,31 +1132,275 @@
             <p:ph type="ctrTitle"/>
           </p:nvPr>
         </p:nvSpPr>
-        <p:spPr bwMode="blackWhite">
+        <p:spPr>
           <a:xfrm>
-            <a:off x="1600200" y="2386744"/>
-            <a:ext cx="8991600" cy="1645920"/>
+            <a:off x="2928401" y="1380068"/>
+            <a:ext cx="8574622" cy="2616199"/>
           </a:xfrm>
-          <a:solidFill>
-            <a:srgbClr val="FFFFFF"/>
-          </a:solidFill>
-          <a:ln w="38100">
-            <a:solidFill>
-              <a:srgbClr val="404040"/>
-            </a:solidFill>
-          </a:ln>
         </p:spPr>
         <p:txBody>
-          <a:bodyPr lIns="274320" rIns="274320" anchor="ctr" anchorCtr="1">
+          <a:bodyPr anchor="b">
+            <a:normAutofit/>
+          </a:bodyPr>
+          <a:lstStyle>
+            <a:lvl1pPr algn="r">
+              <a:defRPr sz="6000">
+                <a:effectLst/>
+              </a:defRPr>
+            </a:lvl1pPr>
+          </a:lstStyle>
+          <a:p>
+            <a:r>
+              <a:rPr lang="en-US"/>
+              <a:t>Click to edit Master title style</a:t>
+            </a:r>
+            <a:endParaRPr lang="en-US" dirty="0"/>
+          </a:p>
+        </p:txBody>
+      </p:sp>
+      <p:sp>
+        <p:nvSpPr>
+          <p:cNvPr id="3" name="Subtitle 2"/>
+          <p:cNvSpPr>
+            <a:spLocks noGrp="1"/>
+          </p:cNvSpPr>
+          <p:nvPr>
+            <p:ph type="subTitle" idx="1"/>
+          </p:nvPr>
+        </p:nvSpPr>
+        <p:spPr>
+          <a:xfrm>
+            <a:off x="4515377" y="3996267"/>
+            <a:ext cx="6987645" cy="1388534"/>
+          </a:xfrm>
+        </p:spPr>
+        <p:txBody>
+          <a:bodyPr anchor="t">
+            <a:normAutofit/>
+          </a:bodyPr>
+          <a:lstStyle>
+            <a:lvl1pPr marL="0" indent="0" algn="r">
+              <a:buNone/>
+              <a:defRPr sz="2100">
+                <a:solidFill>
+                  <a:schemeClr val="tx1"/>
+                </a:solidFill>
+              </a:defRPr>
+            </a:lvl1pPr>
+            <a:lvl2pPr marL="457200" indent="0" algn="ctr">
+              <a:buNone/>
+              <a:defRPr>
+                <a:solidFill>
+                  <a:schemeClr val="tx1">
+                    <a:tint val="75000"/>
+                  </a:schemeClr>
+                </a:solidFill>
+              </a:defRPr>
+            </a:lvl2pPr>
+            <a:lvl3pPr marL="914400" indent="0" algn="ctr">
+              <a:buNone/>
+              <a:defRPr>
+                <a:solidFill>
+                  <a:schemeClr val="tx1">
+                    <a:tint val="75000"/>
+                  </a:schemeClr>
+                </a:solidFill>
+              </a:defRPr>
+            </a:lvl3pPr>
+            <a:lvl4pPr marL="1371600" indent="0" algn="ctr">
+              <a:buNone/>
+              <a:defRPr>
+                <a:solidFill>
+                  <a:schemeClr val="tx1">
+                    <a:tint val="75000"/>
+                  </a:schemeClr>
+                </a:solidFill>
+              </a:defRPr>
+            </a:lvl4pPr>
+            <a:lvl5pPr marL="1828800" indent="0" algn="ctr">
+              <a:buNone/>
+              <a:defRPr>
+                <a:solidFill>
+                  <a:schemeClr val="tx1">
+                    <a:tint val="75000"/>
+                  </a:schemeClr>
+                </a:solidFill>
+              </a:defRPr>
+            </a:lvl5pPr>
+            <a:lvl6pPr marL="2286000" indent="0" algn="ctr">
+              <a:buNone/>
+              <a:defRPr>
+                <a:solidFill>
+                  <a:schemeClr val="tx1">
+                    <a:tint val="75000"/>
+                  </a:schemeClr>
+                </a:solidFill>
+              </a:defRPr>
+            </a:lvl6pPr>
+            <a:lvl7pPr marL="2743200" indent="0" algn="ctr">
+              <a:buNone/>
+              <a:defRPr>
+                <a:solidFill>
+                  <a:schemeClr val="tx1">
+                    <a:tint val="75000"/>
+                  </a:schemeClr>
+                </a:solidFill>
+              </a:defRPr>
+            </a:lvl7pPr>
+            <a:lvl8pPr marL="3200400" indent="0" algn="ctr">
+              <a:buNone/>
+              <a:defRPr>
+                <a:solidFill>
+                  <a:schemeClr val="tx1">
+                    <a:tint val="75000"/>
+                  </a:schemeClr>
+                </a:solidFill>
+              </a:defRPr>
+            </a:lvl8pPr>
+            <a:lvl9pPr marL="3657600" indent="0" algn="ctr">
+              <a:buNone/>
+              <a:defRPr>
+                <a:solidFill>
+                  <a:schemeClr val="tx1">
+                    <a:tint val="75000"/>
+                  </a:schemeClr>
+                </a:solidFill>
+              </a:defRPr>
+            </a:lvl9pPr>
+          </a:lstStyle>
+          <a:p>
+            <a:r>
+              <a:rPr lang="en-US"/>
+              <a:t>Click to edit Master subtitle style</a:t>
+            </a:r>
+            <a:endParaRPr lang="en-US" dirty="0"/>
+          </a:p>
+        </p:txBody>
+      </p:sp>
+      <p:sp>
+        <p:nvSpPr>
+          <p:cNvPr id="4" name="Date Placeholder 3"/>
+          <p:cNvSpPr>
+            <a:spLocks noGrp="1"/>
+          </p:cNvSpPr>
+          <p:nvPr>
+            <p:ph type="dt" sz="half" idx="10"/>
+          </p:nvPr>
+        </p:nvSpPr>
+        <p:spPr/>
+        <p:txBody>
+          <a:bodyPr/>
+          <a:lstStyle/>
+          <a:p>
+            <a:fld id="{1160EA64-D806-43AC-9DF2-F8C432F32B4C}" type="datetimeFigureOut">
+              <a:rPr lang="en-US" smtClean="0"/>
+              <a:t>7/18/2018</a:t>
+            </a:fld>
+            <a:endParaRPr lang="en-US" dirty="0"/>
+          </a:p>
+        </p:txBody>
+      </p:sp>
+      <p:sp>
+        <p:nvSpPr>
+          <p:cNvPr id="5" name="Footer Placeholder 4"/>
+          <p:cNvSpPr>
+            <a:spLocks noGrp="1"/>
+          </p:cNvSpPr>
+          <p:nvPr>
+            <p:ph type="ftr" sz="quarter" idx="11"/>
+          </p:nvPr>
+        </p:nvSpPr>
+        <p:spPr>
+          <a:xfrm>
+            <a:off x="5332412" y="5883275"/>
+            <a:ext cx="4324044" cy="365125"/>
+          </a:xfrm>
+        </p:spPr>
+        <p:txBody>
+          <a:bodyPr/>
+          <a:lstStyle/>
+          <a:p>
+            <a:endParaRPr lang="en-US" dirty="0"/>
+          </a:p>
+        </p:txBody>
+      </p:sp>
+      <p:sp>
+        <p:nvSpPr>
+          <p:cNvPr id="6" name="Slide Number Placeholder 5"/>
+          <p:cNvSpPr>
+            <a:spLocks noGrp="1"/>
+          </p:cNvSpPr>
+          <p:nvPr>
+            <p:ph type="sldNum" sz="quarter" idx="12"/>
+          </p:nvPr>
+        </p:nvSpPr>
+        <p:spPr/>
+        <p:txBody>
+          <a:bodyPr/>
+          <a:lstStyle/>
+          <a:p>
+            <a:fld id="{8A7A6979-0714-4377-B894-6BE4C2D6E202}" type="slidenum">
+              <a:rPr lang="en-US" smtClean="0"/>
+              <a:pPr/>
+              <a:t>‹#›</a:t>
+            </a:fld>
+            <a:endParaRPr lang="en-US" dirty="0"/>
+          </a:p>
+        </p:txBody>
+      </p:sp>
+    </p:spTree>
+    <p:extLst>
+      <p:ext uri="{BB962C8B-B14F-4D97-AF65-F5344CB8AC3E}">
+        <p14:creationId xmlns:p14="http://schemas.microsoft.com/office/powerpoint/2010/main" val="1894777670"/>
+      </p:ext>
+    </p:extLst>
+  </p:cSld>
+  <p:clrMapOvr>
+    <a:masterClrMapping/>
+  </p:clrMapOvr>
+</p:sldLayout>
+</file>
+
+<file path=ppt/slideLayouts/slideLayout10.xml><?xml version="1.0" encoding="utf-8"?>
+<p:sldLayout xmlns:a="http://schemas.openxmlformats.org/drawingml/2006/main" xmlns:r="http://schemas.openxmlformats.org/officeDocument/2006/relationships" xmlns:p="http://schemas.openxmlformats.org/presentationml/2006/main" preserve="1">
+  <p:cSld name="Panoramic Picture with Caption">
+    <p:spTree>
+      <p:nvGrpSpPr>
+        <p:cNvPr id="1" name=""/>
+        <p:cNvGrpSpPr/>
+        <p:nvPr/>
+      </p:nvGrpSpPr>
+      <p:grpSpPr>
+        <a:xfrm>
+          <a:off x="0" y="0"/>
+          <a:ext cx="0" cy="0"/>
+          <a:chOff x="0" y="0"/>
+          <a:chExt cx="0" cy="0"/>
+        </a:xfrm>
+      </p:grpSpPr>
+      <p:sp>
+        <p:nvSpPr>
+          <p:cNvPr id="2" name="Title 1"/>
+          <p:cNvSpPr>
+            <a:spLocks noGrp="1"/>
+          </p:cNvSpPr>
+          <p:nvPr>
+            <p:ph type="title"/>
+          </p:nvPr>
+        </p:nvSpPr>
+        <p:spPr>
+          <a:xfrm>
+            <a:off x="1484311" y="4732865"/>
+            <a:ext cx="10018711" cy="566738"/>
+          </a:xfrm>
+        </p:spPr>
+        <p:txBody>
+          <a:bodyPr anchor="b">
             <a:normAutofit/>
           </a:bodyPr>
           <a:lstStyle>
             <a:lvl1pPr algn="ctr">
-              <a:defRPr sz="3800">
-                <a:solidFill>
-                  <a:srgbClr val="262626"/>
-                </a:solidFill>
-              </a:defRPr>
+              <a:defRPr sz="2400" b="0"/>
             </a:lvl1pPr>
           </a:lstStyle>
           <a:p>
@@ -746,20 +1414,114 @@
       </p:sp>
       <p:sp>
         <p:nvSpPr>
-          <p:cNvPr id="3" name="Subtitle 2"/>
-          <p:cNvSpPr>
-            <a:spLocks noGrp="1"/>
-          </p:cNvSpPr>
-          <p:nvPr>
-            <p:ph type="subTitle" idx="1"/>
+          <p:cNvPr id="3" name="Picture Placeholder 2"/>
+          <p:cNvSpPr>
+            <a:spLocks noGrp="1" noChangeAspect="1"/>
+          </p:cNvSpPr>
+          <p:nvPr>
+            <p:ph type="pic" idx="1"/>
           </p:nvPr>
         </p:nvSpPr>
         <p:spPr>
           <a:xfrm>
-            <a:off x="2695194" y="4352544"/>
-            <a:ext cx="6801612" cy="1239894"/>
+            <a:off x="2386012" y="932112"/>
+            <a:ext cx="8225944" cy="3164976"/>
           </a:xfrm>
-          <a:noFill/>
+          <a:prstGeom prst="roundRect">
+            <a:avLst>
+              <a:gd name="adj" fmla="val 4380"/>
+            </a:avLst>
+          </a:prstGeom>
+          <a:ln w="38100">
+            <a:gradFill flip="none" rotWithShape="1">
+              <a:gsLst>
+                <a:gs pos="0">
+                  <a:schemeClr val="bg2"/>
+                </a:gs>
+                <a:gs pos="100000">
+                  <a:schemeClr val="bg2">
+                    <a:lumMod val="75000"/>
+                  </a:schemeClr>
+                </a:gs>
+              </a:gsLst>
+              <a:lin ang="5400000" scaled="0"/>
+              <a:tileRect/>
+            </a:gradFill>
+          </a:ln>
+          <a:effectLst>
+            <a:innerShdw blurRad="57150" dist="38100" dir="14460000">
+              <a:srgbClr val="000000">
+                <a:alpha val="70000"/>
+              </a:srgbClr>
+            </a:innerShdw>
+          </a:effectLst>
+        </p:spPr>
+        <p:txBody>
+          <a:bodyPr anchor="t">
+            <a:normAutofit/>
+          </a:bodyPr>
+          <a:lstStyle>
+            <a:lvl1pPr marL="0" indent="0" algn="ctr">
+              <a:buNone/>
+              <a:defRPr sz="1600"/>
+            </a:lvl1pPr>
+            <a:lvl2pPr marL="457200" indent="0">
+              <a:buNone/>
+              <a:defRPr sz="1600"/>
+            </a:lvl2pPr>
+            <a:lvl3pPr marL="914400" indent="0">
+              <a:buNone/>
+              <a:defRPr sz="1600"/>
+            </a:lvl3pPr>
+            <a:lvl4pPr marL="1371600" indent="0">
+              <a:buNone/>
+              <a:defRPr sz="1600"/>
+            </a:lvl4pPr>
+            <a:lvl5pPr marL="1828800" indent="0">
+              <a:buNone/>
+              <a:defRPr sz="1600"/>
+            </a:lvl5pPr>
+            <a:lvl6pPr marL="2286000" indent="0">
+              <a:buNone/>
+              <a:defRPr sz="1600"/>
+            </a:lvl6pPr>
+            <a:lvl7pPr marL="2743200" indent="0">
+              <a:buNone/>
+              <a:defRPr sz="1600"/>
+            </a:lvl7pPr>
+            <a:lvl8pPr marL="3200400" indent="0">
+              <a:buNone/>
+              <a:defRPr sz="1600"/>
+            </a:lvl8pPr>
+            <a:lvl9pPr marL="3657600" indent="0">
+              <a:buNone/>
+              <a:defRPr sz="1600"/>
+            </a:lvl9pPr>
+          </a:lstStyle>
+          <a:p>
+            <a:r>
+              <a:rPr lang="en-US"/>
+              <a:t>Click icon to add picture</a:t>
+            </a:r>
+            <a:endParaRPr lang="en-US" dirty="0"/>
+          </a:p>
+        </p:txBody>
+      </p:sp>
+      <p:sp>
+        <p:nvSpPr>
+          <p:cNvPr id="4" name="Text Placeholder 3"/>
+          <p:cNvSpPr>
+            <a:spLocks noGrp="1"/>
+          </p:cNvSpPr>
+          <p:nvPr>
+            <p:ph type="body" sz="half" idx="2"/>
+          </p:nvPr>
+        </p:nvSpPr>
+        <p:spPr>
+          <a:xfrm>
+            <a:off x="1484311" y="5299603"/>
+            <a:ext cx="10018711" cy="493712"/>
+          </a:xfrm>
         </p:spPr>
         <p:txBody>
           <a:bodyPr>
@@ -768,60 +1530,53 @@
           <a:lstStyle>
             <a:lvl1pPr marL="0" indent="0" algn="ctr">
               <a:buNone/>
-              <a:defRPr sz="2000">
-                <a:solidFill>
-                  <a:schemeClr val="tx1">
-                    <a:lumMod val="75000"/>
-                    <a:lumOff val="25000"/>
-                  </a:schemeClr>
-                </a:solidFill>
-              </a:defRPr>
+              <a:defRPr sz="1400"/>
             </a:lvl1pPr>
-            <a:lvl2pPr marL="457200" indent="0" algn="ctr">
-              <a:buNone/>
-              <a:defRPr sz="2000"/>
+            <a:lvl2pPr marL="457200" indent="0">
+              <a:buNone/>
+              <a:defRPr sz="1200"/>
             </a:lvl2pPr>
-            <a:lvl3pPr marL="914400" indent="0" algn="ctr">
-              <a:buNone/>
-              <a:defRPr sz="1800"/>
+            <a:lvl3pPr marL="914400" indent="0">
+              <a:buNone/>
+              <a:defRPr sz="1000"/>
             </a:lvl3pPr>
-            <a:lvl4pPr marL="1371600" indent="0" algn="ctr">
-              <a:buNone/>
-              <a:defRPr sz="1600"/>
+            <a:lvl4pPr marL="1371600" indent="0">
+              <a:buNone/>
+              <a:defRPr sz="900"/>
             </a:lvl4pPr>
-            <a:lvl5pPr marL="1828800" indent="0" algn="ctr">
-              <a:buNone/>
-              <a:defRPr sz="1600"/>
+            <a:lvl5pPr marL="1828800" indent="0">
+              <a:buNone/>
+              <a:defRPr sz="900"/>
             </a:lvl5pPr>
-            <a:lvl6pPr marL="2286000" indent="0" algn="ctr">
-              <a:buNone/>
-              <a:defRPr sz="1600"/>
+            <a:lvl6pPr marL="2286000" indent="0">
+              <a:buNone/>
+              <a:defRPr sz="900"/>
             </a:lvl6pPr>
-            <a:lvl7pPr marL="2743200" indent="0" algn="ctr">
-              <a:buNone/>
-              <a:defRPr sz="1600"/>
+            <a:lvl7pPr marL="2743200" indent="0">
+              <a:buNone/>
+              <a:defRPr sz="900"/>
             </a:lvl7pPr>
-            <a:lvl8pPr marL="3200400" indent="0" algn="ctr">
-              <a:buNone/>
-              <a:defRPr sz="1600"/>
+            <a:lvl8pPr marL="3200400" indent="0">
+              <a:buNone/>
+              <a:defRPr sz="900"/>
             </a:lvl8pPr>
-            <a:lvl9pPr marL="3657600" indent="0" algn="ctr">
-              <a:buNone/>
-              <a:defRPr sz="1600"/>
+            <a:lvl9pPr marL="3657600" indent="0">
+              <a:buNone/>
+              <a:defRPr sz="900"/>
             </a:lvl9pPr>
           </a:lstStyle>
           <a:p>
+            <a:pPr lvl="0"/>
             <a:r>
               <a:rPr lang="en-US"/>
-              <a:t>Click to edit Master subtitle style</a:t>
-            </a:r>
-            <a:endParaRPr lang="en-US" dirty="0"/>
-          </a:p>
-        </p:txBody>
-      </p:sp>
-      <p:sp>
-        <p:nvSpPr>
-          <p:cNvPr id="7" name="Date Placeholder 6"/>
+              <a:t>Edit Master text styles</a:t>
+            </a:r>
+          </a:p>
+        </p:txBody>
+      </p:sp>
+      <p:sp>
+        <p:nvSpPr>
+          <p:cNvPr id="5" name="Date Placeholder 4"/>
           <p:cNvSpPr>
             <a:spLocks noGrp="1"/>
           </p:cNvSpPr>
@@ -835,7 +1590,7 @@
           <a:lstStyle/>
           <a:p>
             <a:fld id="{1160EA64-D806-43AC-9DF2-F8C432F32B4C}" type="datetimeFigureOut">
-              <a:rPr lang="en-US" dirty="0"/>
+              <a:rPr lang="en-US" smtClean="0"/>
               <a:t>7/18/2018</a:t>
             </a:fld>
             <a:endParaRPr lang="en-US" dirty="0"/>
@@ -844,7 +1599,7 @@
       </p:sp>
       <p:sp>
         <p:nvSpPr>
-          <p:cNvPr id="8" name="Footer Placeholder 7"/>
+          <p:cNvPr id="6" name="Footer Placeholder 5"/>
           <p:cNvSpPr>
             <a:spLocks noGrp="1"/>
           </p:cNvSpPr>
@@ -863,7 +1618,7 @@
       </p:sp>
       <p:sp>
         <p:nvSpPr>
-          <p:cNvPr id="9" name="Slide Number Placeholder 8"/>
+          <p:cNvPr id="7" name="Slide Number Placeholder 6"/>
           <p:cNvSpPr>
             <a:spLocks noGrp="1"/>
           </p:cNvSpPr>
@@ -877,7 +1632,7 @@
           <a:lstStyle/>
           <a:p>
             <a:fld id="{8A7A6979-0714-4377-B894-6BE4C2D6E202}" type="slidenum">
-              <a:rPr lang="en-US" dirty="0"/>
+              <a:rPr lang="en-US" smtClean="0"/>
               <a:pPr/>
               <a:t>‹#›</a:t>
             </a:fld>
@@ -886,14 +1641,1895 @@
         </p:txBody>
       </p:sp>
     </p:spTree>
+    <p:extLst>
+      <p:ext uri="{BB962C8B-B14F-4D97-AF65-F5344CB8AC3E}">
+        <p14:creationId xmlns:p14="http://schemas.microsoft.com/office/powerpoint/2010/main" val="2384427233"/>
+      </p:ext>
+    </p:extLst>
   </p:cSld>
   <p:clrMapOvr>
-    <a:overrideClrMapping bg1="dk1" tx1="lt1" bg2="dk2" tx2="lt2" accent1="accent1" accent2="accent2" accent3="accent3" accent4="accent4" accent5="accent5" accent6="accent6" hlink="hlink" folHlink="folHlink"/>
+    <a:masterClrMapping/>
   </p:clrMapOvr>
+  <p:hf sldNum="0" hdr="0" ftr="0" dt="0"/>
 </p:sldLayout>
 </file>
 
-<file path=ppt/slideLayouts/slideLayout10.xml><?xml version="1.0" encoding="utf-8"?>
+<file path=ppt/slideLayouts/slideLayout11.xml><?xml version="1.0" encoding="utf-8"?>
+<p:sldLayout xmlns:a="http://schemas.openxmlformats.org/drawingml/2006/main" xmlns:r="http://schemas.openxmlformats.org/officeDocument/2006/relationships" xmlns:p="http://schemas.openxmlformats.org/presentationml/2006/main" preserve="1">
+  <p:cSld name="Title and Caption">
+    <p:spTree>
+      <p:nvGrpSpPr>
+        <p:cNvPr id="1" name=""/>
+        <p:cNvGrpSpPr/>
+        <p:nvPr/>
+      </p:nvGrpSpPr>
+      <p:grpSpPr>
+        <a:xfrm>
+          <a:off x="0" y="0"/>
+          <a:ext cx="0" cy="0"/>
+          <a:chOff x="0" y="0"/>
+          <a:chExt cx="0" cy="0"/>
+        </a:xfrm>
+      </p:grpSpPr>
+      <p:sp>
+        <p:nvSpPr>
+          <p:cNvPr id="2" name="Title 1"/>
+          <p:cNvSpPr>
+            <a:spLocks noGrp="1"/>
+          </p:cNvSpPr>
+          <p:nvPr>
+            <p:ph type="title"/>
+          </p:nvPr>
+        </p:nvSpPr>
+        <p:spPr>
+          <a:xfrm>
+            <a:off x="1484312" y="685800"/>
+            <a:ext cx="10018711" cy="3048000"/>
+          </a:xfrm>
+        </p:spPr>
+        <p:txBody>
+          <a:bodyPr anchor="ctr">
+            <a:normAutofit/>
+          </a:bodyPr>
+          <a:lstStyle>
+            <a:lvl1pPr algn="ctr">
+              <a:defRPr sz="3200" b="0" cap="none"/>
+            </a:lvl1pPr>
+          </a:lstStyle>
+          <a:p>
+            <a:r>
+              <a:rPr lang="en-US"/>
+              <a:t>Click to edit Master title style</a:t>
+            </a:r>
+            <a:endParaRPr lang="en-US" dirty="0"/>
+          </a:p>
+        </p:txBody>
+      </p:sp>
+      <p:sp>
+        <p:nvSpPr>
+          <p:cNvPr id="3" name="Text Placeholder 2"/>
+          <p:cNvSpPr>
+            <a:spLocks noGrp="1"/>
+          </p:cNvSpPr>
+          <p:nvPr>
+            <p:ph type="body" idx="1"/>
+          </p:nvPr>
+        </p:nvSpPr>
+        <p:spPr>
+          <a:xfrm>
+            <a:off x="1484312" y="4343400"/>
+            <a:ext cx="10018713" cy="1447800"/>
+          </a:xfrm>
+        </p:spPr>
+        <p:txBody>
+          <a:bodyPr anchor="ctr">
+            <a:normAutofit/>
+          </a:bodyPr>
+          <a:lstStyle>
+            <a:lvl1pPr marL="0" indent="0" algn="ctr">
+              <a:buNone/>
+              <a:defRPr sz="2000">
+                <a:solidFill>
+                  <a:schemeClr val="tx1"/>
+                </a:solidFill>
+              </a:defRPr>
+            </a:lvl1pPr>
+            <a:lvl2pPr marL="457200" indent="0">
+              <a:buNone/>
+              <a:defRPr sz="1800">
+                <a:solidFill>
+                  <a:schemeClr val="tx1">
+                    <a:tint val="75000"/>
+                  </a:schemeClr>
+                </a:solidFill>
+              </a:defRPr>
+            </a:lvl2pPr>
+            <a:lvl3pPr marL="914400" indent="0">
+              <a:buNone/>
+              <a:defRPr sz="1600">
+                <a:solidFill>
+                  <a:schemeClr val="tx1">
+                    <a:tint val="75000"/>
+                  </a:schemeClr>
+                </a:solidFill>
+              </a:defRPr>
+            </a:lvl3pPr>
+            <a:lvl4pPr marL="1371600" indent="0">
+              <a:buNone/>
+              <a:defRPr sz="1400">
+                <a:solidFill>
+                  <a:schemeClr val="tx1">
+                    <a:tint val="75000"/>
+                  </a:schemeClr>
+                </a:solidFill>
+              </a:defRPr>
+            </a:lvl4pPr>
+            <a:lvl5pPr marL="1828800" indent="0">
+              <a:buNone/>
+              <a:defRPr sz="1400">
+                <a:solidFill>
+                  <a:schemeClr val="tx1">
+                    <a:tint val="75000"/>
+                  </a:schemeClr>
+                </a:solidFill>
+              </a:defRPr>
+            </a:lvl5pPr>
+            <a:lvl6pPr marL="2286000" indent="0">
+              <a:buNone/>
+              <a:defRPr sz="1400">
+                <a:solidFill>
+                  <a:schemeClr val="tx1">
+                    <a:tint val="75000"/>
+                  </a:schemeClr>
+                </a:solidFill>
+              </a:defRPr>
+            </a:lvl6pPr>
+            <a:lvl7pPr marL="2743200" indent="0">
+              <a:buNone/>
+              <a:defRPr sz="1400">
+                <a:solidFill>
+                  <a:schemeClr val="tx1">
+                    <a:tint val="75000"/>
+                  </a:schemeClr>
+                </a:solidFill>
+              </a:defRPr>
+            </a:lvl7pPr>
+            <a:lvl8pPr marL="3200400" indent="0">
+              <a:buNone/>
+              <a:defRPr sz="1400">
+                <a:solidFill>
+                  <a:schemeClr val="tx1">
+                    <a:tint val="75000"/>
+                  </a:schemeClr>
+                </a:solidFill>
+              </a:defRPr>
+            </a:lvl8pPr>
+            <a:lvl9pPr marL="3657600" indent="0">
+              <a:buNone/>
+              <a:defRPr sz="1400">
+                <a:solidFill>
+                  <a:schemeClr val="tx1">
+                    <a:tint val="75000"/>
+                  </a:schemeClr>
+                </a:solidFill>
+              </a:defRPr>
+            </a:lvl9pPr>
+          </a:lstStyle>
+          <a:p>
+            <a:pPr lvl="0"/>
+            <a:r>
+              <a:rPr lang="en-US"/>
+              <a:t>Edit Master text styles</a:t>
+            </a:r>
+          </a:p>
+        </p:txBody>
+      </p:sp>
+      <p:sp>
+        <p:nvSpPr>
+          <p:cNvPr id="4" name="Date Placeholder 3"/>
+          <p:cNvSpPr>
+            <a:spLocks noGrp="1"/>
+          </p:cNvSpPr>
+          <p:nvPr>
+            <p:ph type="dt" sz="half" idx="10"/>
+          </p:nvPr>
+        </p:nvSpPr>
+        <p:spPr/>
+        <p:txBody>
+          <a:bodyPr/>
+          <a:lstStyle/>
+          <a:p>
+            <a:fld id="{1160EA64-D806-43AC-9DF2-F8C432F32B4C}" type="datetimeFigureOut">
+              <a:rPr lang="en-US" smtClean="0"/>
+              <a:t>7/18/2018</a:t>
+            </a:fld>
+            <a:endParaRPr lang="en-US" dirty="0"/>
+          </a:p>
+        </p:txBody>
+      </p:sp>
+      <p:sp>
+        <p:nvSpPr>
+          <p:cNvPr id="5" name="Footer Placeholder 4"/>
+          <p:cNvSpPr>
+            <a:spLocks noGrp="1"/>
+          </p:cNvSpPr>
+          <p:nvPr>
+            <p:ph type="ftr" sz="quarter" idx="11"/>
+          </p:nvPr>
+        </p:nvSpPr>
+        <p:spPr/>
+        <p:txBody>
+          <a:bodyPr/>
+          <a:lstStyle/>
+          <a:p>
+            <a:endParaRPr lang="en-US" dirty="0"/>
+          </a:p>
+        </p:txBody>
+      </p:sp>
+      <p:sp>
+        <p:nvSpPr>
+          <p:cNvPr id="6" name="Slide Number Placeholder 5"/>
+          <p:cNvSpPr>
+            <a:spLocks noGrp="1"/>
+          </p:cNvSpPr>
+          <p:nvPr>
+            <p:ph type="sldNum" sz="quarter" idx="12"/>
+          </p:nvPr>
+        </p:nvSpPr>
+        <p:spPr/>
+        <p:txBody>
+          <a:bodyPr/>
+          <a:lstStyle/>
+          <a:p>
+            <a:fld id="{8A7A6979-0714-4377-B894-6BE4C2D6E202}" type="slidenum">
+              <a:rPr lang="en-US" smtClean="0"/>
+              <a:pPr/>
+              <a:t>‹#›</a:t>
+            </a:fld>
+            <a:endParaRPr lang="en-US" dirty="0"/>
+          </a:p>
+        </p:txBody>
+      </p:sp>
+    </p:spTree>
+    <p:extLst>
+      <p:ext uri="{BB962C8B-B14F-4D97-AF65-F5344CB8AC3E}">
+        <p14:creationId xmlns:p14="http://schemas.microsoft.com/office/powerpoint/2010/main" val="3770047700"/>
+      </p:ext>
+    </p:extLst>
+  </p:cSld>
+  <p:clrMapOvr>
+    <a:masterClrMapping/>
+  </p:clrMapOvr>
+  <p:hf sldNum="0" hdr="0" ftr="0" dt="0"/>
+</p:sldLayout>
+</file>
+
+<file path=ppt/slideLayouts/slideLayout12.xml><?xml version="1.0" encoding="utf-8"?>
+<p:sldLayout xmlns:a="http://schemas.openxmlformats.org/drawingml/2006/main" xmlns:r="http://schemas.openxmlformats.org/officeDocument/2006/relationships" xmlns:p="http://schemas.openxmlformats.org/presentationml/2006/main" preserve="1">
+  <p:cSld name="Quote with Caption">
+    <p:spTree>
+      <p:nvGrpSpPr>
+        <p:cNvPr id="1" name=""/>
+        <p:cNvGrpSpPr/>
+        <p:nvPr/>
+      </p:nvGrpSpPr>
+      <p:grpSpPr>
+        <a:xfrm>
+          <a:off x="0" y="0"/>
+          <a:ext cx="0" cy="0"/>
+          <a:chOff x="0" y="0"/>
+          <a:chExt cx="0" cy="0"/>
+        </a:xfrm>
+      </p:grpSpPr>
+      <p:sp>
+        <p:nvSpPr>
+          <p:cNvPr id="14" name="TextBox 13"/>
+          <p:cNvSpPr txBox="1"/>
+          <p:nvPr/>
+        </p:nvSpPr>
+        <p:spPr>
+          <a:xfrm>
+            <a:off x="1598612" y="863023"/>
+            <a:ext cx="609600" cy="584776"/>
+          </a:xfrm>
+          <a:prstGeom prst="rect">
+            <a:avLst/>
+          </a:prstGeom>
+        </p:spPr>
+        <p:txBody>
+          <a:bodyPr vert="horz" lIns="91440" tIns="45720" rIns="91440" bIns="45720" rtlCol="0" anchor="ctr">
+            <a:noAutofit/>
+          </a:bodyPr>
+          <a:lstStyle>
+            <a:lvl1pPr>
+              <a:spcBef>
+                <a:spcPct val="0"/>
+              </a:spcBef>
+              <a:buNone/>
+              <a:defRPr sz="3200" b="0" cap="all">
+                <a:ln w="3175" cmpd="sng">
+                  <a:noFill/>
+                </a:ln>
+                <a:effectLst>
+                  <a:glow rad="38100">
+                    <a:schemeClr val="bg1">
+                      <a:lumMod val="65000"/>
+                      <a:lumOff val="35000"/>
+                      <a:alpha val="40000"/>
+                    </a:schemeClr>
+                  </a:glow>
+                  <a:outerShdw blurRad="28575" dist="38100" dir="14040000" algn="tl" rotWithShape="0">
+                    <a:srgbClr val="000000">
+                      <a:alpha val="25000"/>
+                    </a:srgbClr>
+                  </a:outerShdw>
+                </a:effectLst>
+              </a:defRPr>
+            </a:lvl1pPr>
+            <a:lvl2pPr>
+              <a:defRPr>
+                <a:solidFill>
+                  <a:schemeClr val="tx2"/>
+                </a:solidFill>
+              </a:defRPr>
+            </a:lvl2pPr>
+            <a:lvl3pPr>
+              <a:defRPr>
+                <a:solidFill>
+                  <a:schemeClr val="tx2"/>
+                </a:solidFill>
+              </a:defRPr>
+            </a:lvl3pPr>
+            <a:lvl4pPr>
+              <a:defRPr>
+                <a:solidFill>
+                  <a:schemeClr val="tx2"/>
+                </a:solidFill>
+              </a:defRPr>
+            </a:lvl4pPr>
+            <a:lvl5pPr>
+              <a:defRPr>
+                <a:solidFill>
+                  <a:schemeClr val="tx2"/>
+                </a:solidFill>
+              </a:defRPr>
+            </a:lvl5pPr>
+            <a:lvl6pPr>
+              <a:defRPr>
+                <a:solidFill>
+                  <a:schemeClr val="tx2"/>
+                </a:solidFill>
+              </a:defRPr>
+            </a:lvl6pPr>
+            <a:lvl7pPr>
+              <a:defRPr>
+                <a:solidFill>
+                  <a:schemeClr val="tx2"/>
+                </a:solidFill>
+              </a:defRPr>
+            </a:lvl7pPr>
+            <a:lvl8pPr>
+              <a:defRPr>
+                <a:solidFill>
+                  <a:schemeClr val="tx2"/>
+                </a:solidFill>
+              </a:defRPr>
+            </a:lvl8pPr>
+            <a:lvl9pPr>
+              <a:defRPr>
+                <a:solidFill>
+                  <a:schemeClr val="tx2"/>
+                </a:solidFill>
+              </a:defRPr>
+            </a:lvl9pPr>
+          </a:lstStyle>
+          <a:p>
+            <a:pPr lvl="0"/>
+            <a:r>
+              <a:rPr lang="en-US" sz="8000" dirty="0">
+                <a:solidFill>
+                  <a:schemeClr val="tx1"/>
+                </a:solidFill>
+                <a:effectLst/>
+              </a:rPr>
+              <a:t>“</a:t>
+            </a:r>
+          </a:p>
+        </p:txBody>
+      </p:sp>
+      <p:sp>
+        <p:nvSpPr>
+          <p:cNvPr id="15" name="TextBox 14"/>
+          <p:cNvSpPr txBox="1"/>
+          <p:nvPr/>
+        </p:nvSpPr>
+        <p:spPr>
+          <a:xfrm>
+            <a:off x="10893425" y="2819399"/>
+            <a:ext cx="609600" cy="584776"/>
+          </a:xfrm>
+          <a:prstGeom prst="rect">
+            <a:avLst/>
+          </a:prstGeom>
+        </p:spPr>
+        <p:txBody>
+          <a:bodyPr vert="horz" lIns="91440" tIns="45720" rIns="91440" bIns="45720" rtlCol="0" anchor="ctr">
+            <a:noAutofit/>
+          </a:bodyPr>
+          <a:lstStyle>
+            <a:lvl1pPr>
+              <a:spcBef>
+                <a:spcPct val="0"/>
+              </a:spcBef>
+              <a:buNone/>
+              <a:defRPr sz="3200" b="0" cap="all">
+                <a:ln w="3175" cmpd="sng">
+                  <a:noFill/>
+                </a:ln>
+                <a:effectLst>
+                  <a:glow rad="38100">
+                    <a:schemeClr val="bg1">
+                      <a:lumMod val="65000"/>
+                      <a:lumOff val="35000"/>
+                      <a:alpha val="40000"/>
+                    </a:schemeClr>
+                  </a:glow>
+                  <a:outerShdw blurRad="28575" dist="38100" dir="14040000" algn="tl" rotWithShape="0">
+                    <a:srgbClr val="000000">
+                      <a:alpha val="25000"/>
+                    </a:srgbClr>
+                  </a:outerShdw>
+                </a:effectLst>
+              </a:defRPr>
+            </a:lvl1pPr>
+            <a:lvl2pPr>
+              <a:defRPr>
+                <a:solidFill>
+                  <a:schemeClr val="tx2"/>
+                </a:solidFill>
+              </a:defRPr>
+            </a:lvl2pPr>
+            <a:lvl3pPr>
+              <a:defRPr>
+                <a:solidFill>
+                  <a:schemeClr val="tx2"/>
+                </a:solidFill>
+              </a:defRPr>
+            </a:lvl3pPr>
+            <a:lvl4pPr>
+              <a:defRPr>
+                <a:solidFill>
+                  <a:schemeClr val="tx2"/>
+                </a:solidFill>
+              </a:defRPr>
+            </a:lvl4pPr>
+            <a:lvl5pPr>
+              <a:defRPr>
+                <a:solidFill>
+                  <a:schemeClr val="tx2"/>
+                </a:solidFill>
+              </a:defRPr>
+            </a:lvl5pPr>
+            <a:lvl6pPr>
+              <a:defRPr>
+                <a:solidFill>
+                  <a:schemeClr val="tx2"/>
+                </a:solidFill>
+              </a:defRPr>
+            </a:lvl6pPr>
+            <a:lvl7pPr>
+              <a:defRPr>
+                <a:solidFill>
+                  <a:schemeClr val="tx2"/>
+                </a:solidFill>
+              </a:defRPr>
+            </a:lvl7pPr>
+            <a:lvl8pPr>
+              <a:defRPr>
+                <a:solidFill>
+                  <a:schemeClr val="tx2"/>
+                </a:solidFill>
+              </a:defRPr>
+            </a:lvl8pPr>
+            <a:lvl9pPr>
+              <a:defRPr>
+                <a:solidFill>
+                  <a:schemeClr val="tx2"/>
+                </a:solidFill>
+              </a:defRPr>
+            </a:lvl9pPr>
+          </a:lstStyle>
+          <a:p>
+            <a:pPr lvl="0" algn="r"/>
+            <a:r>
+              <a:rPr lang="en-US" sz="8000" dirty="0">
+                <a:solidFill>
+                  <a:schemeClr val="tx1"/>
+                </a:solidFill>
+                <a:effectLst/>
+              </a:rPr>
+              <a:t>”</a:t>
+            </a:r>
+          </a:p>
+        </p:txBody>
+      </p:sp>
+      <p:sp>
+        <p:nvSpPr>
+          <p:cNvPr id="2" name="Title 1"/>
+          <p:cNvSpPr>
+            <a:spLocks noGrp="1"/>
+          </p:cNvSpPr>
+          <p:nvPr>
+            <p:ph type="title"/>
+          </p:nvPr>
+        </p:nvSpPr>
+        <p:spPr>
+          <a:xfrm>
+            <a:off x="2208212" y="685800"/>
+            <a:ext cx="8990012" cy="2743199"/>
+          </a:xfrm>
+        </p:spPr>
+        <p:txBody>
+          <a:bodyPr anchor="ctr">
+            <a:normAutofit/>
+          </a:bodyPr>
+          <a:lstStyle>
+            <a:lvl1pPr algn="ctr">
+              <a:defRPr sz="3200" b="0" cap="none">
+                <a:solidFill>
+                  <a:schemeClr val="tx1"/>
+                </a:solidFill>
+              </a:defRPr>
+            </a:lvl1pPr>
+          </a:lstStyle>
+          <a:p>
+            <a:r>
+              <a:rPr lang="en-US"/>
+              <a:t>Click to edit Master title style</a:t>
+            </a:r>
+            <a:endParaRPr lang="en-US" dirty="0"/>
+          </a:p>
+        </p:txBody>
+      </p:sp>
+      <p:sp>
+        <p:nvSpPr>
+          <p:cNvPr id="10" name="Text Placeholder 9"/>
+          <p:cNvSpPr>
+            <a:spLocks noGrp="1"/>
+          </p:cNvSpPr>
+          <p:nvPr>
+            <p:ph type="body" sz="quarter" idx="13"/>
+          </p:nvPr>
+        </p:nvSpPr>
+        <p:spPr>
+          <a:xfrm>
+            <a:off x="2436811" y="3428999"/>
+            <a:ext cx="8532815" cy="381000"/>
+          </a:xfrm>
+        </p:spPr>
+        <p:txBody>
+          <a:bodyPr anchor="ctr">
+            <a:normAutofit/>
+          </a:bodyPr>
+          <a:lstStyle>
+            <a:lvl1pPr marL="0" indent="0">
+              <a:buFontTx/>
+              <a:buNone/>
+              <a:defRPr sz="1800"/>
+            </a:lvl1pPr>
+            <a:lvl2pPr marL="457200" indent="0">
+              <a:buFontTx/>
+              <a:buNone/>
+              <a:defRPr/>
+            </a:lvl2pPr>
+            <a:lvl3pPr marL="914400" indent="0">
+              <a:buFontTx/>
+              <a:buNone/>
+              <a:defRPr/>
+            </a:lvl3pPr>
+            <a:lvl4pPr marL="1371600" indent="0">
+              <a:buFontTx/>
+              <a:buNone/>
+              <a:defRPr/>
+            </a:lvl4pPr>
+            <a:lvl5pPr marL="1828800" indent="0">
+              <a:buFontTx/>
+              <a:buNone/>
+              <a:defRPr/>
+            </a:lvl5pPr>
+          </a:lstStyle>
+          <a:p>
+            <a:pPr lvl="0"/>
+            <a:r>
+              <a:rPr lang="en-US"/>
+              <a:t>Edit Master text styles</a:t>
+            </a:r>
+          </a:p>
+        </p:txBody>
+      </p:sp>
+      <p:sp>
+        <p:nvSpPr>
+          <p:cNvPr id="3" name="Text Placeholder 2"/>
+          <p:cNvSpPr>
+            <a:spLocks noGrp="1"/>
+          </p:cNvSpPr>
+          <p:nvPr>
+            <p:ph type="body" idx="1"/>
+          </p:nvPr>
+        </p:nvSpPr>
+        <p:spPr>
+          <a:xfrm>
+            <a:off x="1484311" y="4343400"/>
+            <a:ext cx="10018711" cy="1447800"/>
+          </a:xfrm>
+        </p:spPr>
+        <p:txBody>
+          <a:bodyPr anchor="ctr">
+            <a:normAutofit/>
+          </a:bodyPr>
+          <a:lstStyle>
+            <a:lvl1pPr marL="0" indent="0" algn="ctr">
+              <a:buNone/>
+              <a:defRPr sz="2000">
+                <a:solidFill>
+                  <a:schemeClr val="tx1"/>
+                </a:solidFill>
+              </a:defRPr>
+            </a:lvl1pPr>
+            <a:lvl2pPr marL="457200" indent="0">
+              <a:buNone/>
+              <a:defRPr sz="1800">
+                <a:solidFill>
+                  <a:schemeClr val="tx1">
+                    <a:tint val="75000"/>
+                  </a:schemeClr>
+                </a:solidFill>
+              </a:defRPr>
+            </a:lvl2pPr>
+            <a:lvl3pPr marL="914400" indent="0">
+              <a:buNone/>
+              <a:defRPr sz="1600">
+                <a:solidFill>
+                  <a:schemeClr val="tx1">
+                    <a:tint val="75000"/>
+                  </a:schemeClr>
+                </a:solidFill>
+              </a:defRPr>
+            </a:lvl3pPr>
+            <a:lvl4pPr marL="1371600" indent="0">
+              <a:buNone/>
+              <a:defRPr sz="1400">
+                <a:solidFill>
+                  <a:schemeClr val="tx1">
+                    <a:tint val="75000"/>
+                  </a:schemeClr>
+                </a:solidFill>
+              </a:defRPr>
+            </a:lvl4pPr>
+            <a:lvl5pPr marL="1828800" indent="0">
+              <a:buNone/>
+              <a:defRPr sz="1400">
+                <a:solidFill>
+                  <a:schemeClr val="tx1">
+                    <a:tint val="75000"/>
+                  </a:schemeClr>
+                </a:solidFill>
+              </a:defRPr>
+            </a:lvl5pPr>
+            <a:lvl6pPr marL="2286000" indent="0">
+              <a:buNone/>
+              <a:defRPr sz="1400">
+                <a:solidFill>
+                  <a:schemeClr val="tx1">
+                    <a:tint val="75000"/>
+                  </a:schemeClr>
+                </a:solidFill>
+              </a:defRPr>
+            </a:lvl6pPr>
+            <a:lvl7pPr marL="2743200" indent="0">
+              <a:buNone/>
+              <a:defRPr sz="1400">
+                <a:solidFill>
+                  <a:schemeClr val="tx1">
+                    <a:tint val="75000"/>
+                  </a:schemeClr>
+                </a:solidFill>
+              </a:defRPr>
+            </a:lvl7pPr>
+            <a:lvl8pPr marL="3200400" indent="0">
+              <a:buNone/>
+              <a:defRPr sz="1400">
+                <a:solidFill>
+                  <a:schemeClr val="tx1">
+                    <a:tint val="75000"/>
+                  </a:schemeClr>
+                </a:solidFill>
+              </a:defRPr>
+            </a:lvl8pPr>
+            <a:lvl9pPr marL="3657600" indent="0">
+              <a:buNone/>
+              <a:defRPr sz="1400">
+                <a:solidFill>
+                  <a:schemeClr val="tx1">
+                    <a:tint val="75000"/>
+                  </a:schemeClr>
+                </a:solidFill>
+              </a:defRPr>
+            </a:lvl9pPr>
+          </a:lstStyle>
+          <a:p>
+            <a:pPr lvl="0"/>
+            <a:r>
+              <a:rPr lang="en-US"/>
+              <a:t>Edit Master text styles</a:t>
+            </a:r>
+          </a:p>
+        </p:txBody>
+      </p:sp>
+      <p:sp>
+        <p:nvSpPr>
+          <p:cNvPr id="4" name="Date Placeholder 3"/>
+          <p:cNvSpPr>
+            <a:spLocks noGrp="1"/>
+          </p:cNvSpPr>
+          <p:nvPr>
+            <p:ph type="dt" sz="half" idx="10"/>
+          </p:nvPr>
+        </p:nvSpPr>
+        <p:spPr/>
+        <p:txBody>
+          <a:bodyPr/>
+          <a:lstStyle/>
+          <a:p>
+            <a:fld id="{1160EA64-D806-43AC-9DF2-F8C432F32B4C}" type="datetimeFigureOut">
+              <a:rPr lang="en-US" smtClean="0"/>
+              <a:t>7/18/2018</a:t>
+            </a:fld>
+            <a:endParaRPr lang="en-US" dirty="0"/>
+          </a:p>
+        </p:txBody>
+      </p:sp>
+      <p:sp>
+        <p:nvSpPr>
+          <p:cNvPr id="5" name="Footer Placeholder 4"/>
+          <p:cNvSpPr>
+            <a:spLocks noGrp="1"/>
+          </p:cNvSpPr>
+          <p:nvPr>
+            <p:ph type="ftr" sz="quarter" idx="11"/>
+          </p:nvPr>
+        </p:nvSpPr>
+        <p:spPr/>
+        <p:txBody>
+          <a:bodyPr/>
+          <a:lstStyle/>
+          <a:p>
+            <a:endParaRPr lang="en-US" dirty="0"/>
+          </a:p>
+        </p:txBody>
+      </p:sp>
+      <p:sp>
+        <p:nvSpPr>
+          <p:cNvPr id="6" name="Slide Number Placeholder 5"/>
+          <p:cNvSpPr>
+            <a:spLocks noGrp="1"/>
+          </p:cNvSpPr>
+          <p:nvPr>
+            <p:ph type="sldNum" sz="quarter" idx="12"/>
+          </p:nvPr>
+        </p:nvSpPr>
+        <p:spPr/>
+        <p:txBody>
+          <a:bodyPr/>
+          <a:lstStyle/>
+          <a:p>
+            <a:fld id="{8A7A6979-0714-4377-B894-6BE4C2D6E202}" type="slidenum">
+              <a:rPr lang="en-US" smtClean="0"/>
+              <a:pPr/>
+              <a:t>‹#›</a:t>
+            </a:fld>
+            <a:endParaRPr lang="en-US" dirty="0"/>
+          </a:p>
+        </p:txBody>
+      </p:sp>
+    </p:spTree>
+    <p:extLst>
+      <p:ext uri="{BB962C8B-B14F-4D97-AF65-F5344CB8AC3E}">
+        <p14:creationId xmlns:p14="http://schemas.microsoft.com/office/powerpoint/2010/main" val="1582094812"/>
+      </p:ext>
+    </p:extLst>
+  </p:cSld>
+  <p:clrMapOvr>
+    <a:masterClrMapping/>
+  </p:clrMapOvr>
+  <p:hf sldNum="0" hdr="0" ftr="0" dt="0"/>
+</p:sldLayout>
+</file>
+
+<file path=ppt/slideLayouts/slideLayout13.xml><?xml version="1.0" encoding="utf-8"?>
+<p:sldLayout xmlns:a="http://schemas.openxmlformats.org/drawingml/2006/main" xmlns:r="http://schemas.openxmlformats.org/officeDocument/2006/relationships" xmlns:p="http://schemas.openxmlformats.org/presentationml/2006/main" preserve="1">
+  <p:cSld name="Name Card">
+    <p:spTree>
+      <p:nvGrpSpPr>
+        <p:cNvPr id="1" name=""/>
+        <p:cNvGrpSpPr/>
+        <p:nvPr/>
+      </p:nvGrpSpPr>
+      <p:grpSpPr>
+        <a:xfrm>
+          <a:off x="0" y="0"/>
+          <a:ext cx="0" cy="0"/>
+          <a:chOff x="0" y="0"/>
+          <a:chExt cx="0" cy="0"/>
+        </a:xfrm>
+      </p:grpSpPr>
+      <p:sp>
+        <p:nvSpPr>
+          <p:cNvPr id="2" name="Title 1"/>
+          <p:cNvSpPr>
+            <a:spLocks noGrp="1"/>
+          </p:cNvSpPr>
+          <p:nvPr>
+            <p:ph type="title"/>
+          </p:nvPr>
+        </p:nvSpPr>
+        <p:spPr>
+          <a:xfrm>
+            <a:off x="1484313" y="3308581"/>
+            <a:ext cx="10018709" cy="1468800"/>
+          </a:xfrm>
+        </p:spPr>
+        <p:txBody>
+          <a:bodyPr anchor="b">
+            <a:normAutofit/>
+          </a:bodyPr>
+          <a:lstStyle>
+            <a:lvl1pPr algn="r">
+              <a:defRPr sz="3200" b="0" cap="none"/>
+            </a:lvl1pPr>
+          </a:lstStyle>
+          <a:p>
+            <a:r>
+              <a:rPr lang="en-US"/>
+              <a:t>Click to edit Master title style</a:t>
+            </a:r>
+            <a:endParaRPr lang="en-US" dirty="0"/>
+          </a:p>
+        </p:txBody>
+      </p:sp>
+      <p:sp>
+        <p:nvSpPr>
+          <p:cNvPr id="3" name="Text Placeholder 2"/>
+          <p:cNvSpPr>
+            <a:spLocks noGrp="1"/>
+          </p:cNvSpPr>
+          <p:nvPr>
+            <p:ph type="body" idx="1"/>
+          </p:nvPr>
+        </p:nvSpPr>
+        <p:spPr>
+          <a:xfrm>
+            <a:off x="1484312" y="4777381"/>
+            <a:ext cx="10018710" cy="860400"/>
+          </a:xfrm>
+        </p:spPr>
+        <p:txBody>
+          <a:bodyPr anchor="t">
+            <a:normAutofit/>
+          </a:bodyPr>
+          <a:lstStyle>
+            <a:lvl1pPr marL="0" indent="0" algn="r">
+              <a:buNone/>
+              <a:defRPr sz="2000">
+                <a:solidFill>
+                  <a:schemeClr val="tx1"/>
+                </a:solidFill>
+              </a:defRPr>
+            </a:lvl1pPr>
+            <a:lvl2pPr marL="457200" indent="0">
+              <a:buNone/>
+              <a:defRPr sz="1800">
+                <a:solidFill>
+                  <a:schemeClr val="tx1">
+                    <a:tint val="75000"/>
+                  </a:schemeClr>
+                </a:solidFill>
+              </a:defRPr>
+            </a:lvl2pPr>
+            <a:lvl3pPr marL="914400" indent="0">
+              <a:buNone/>
+              <a:defRPr sz="1600">
+                <a:solidFill>
+                  <a:schemeClr val="tx1">
+                    <a:tint val="75000"/>
+                  </a:schemeClr>
+                </a:solidFill>
+              </a:defRPr>
+            </a:lvl3pPr>
+            <a:lvl4pPr marL="1371600" indent="0">
+              <a:buNone/>
+              <a:defRPr sz="1400">
+                <a:solidFill>
+                  <a:schemeClr val="tx1">
+                    <a:tint val="75000"/>
+                  </a:schemeClr>
+                </a:solidFill>
+              </a:defRPr>
+            </a:lvl4pPr>
+            <a:lvl5pPr marL="1828800" indent="0">
+              <a:buNone/>
+              <a:defRPr sz="1400">
+                <a:solidFill>
+                  <a:schemeClr val="tx1">
+                    <a:tint val="75000"/>
+                  </a:schemeClr>
+                </a:solidFill>
+              </a:defRPr>
+            </a:lvl5pPr>
+            <a:lvl6pPr marL="2286000" indent="0">
+              <a:buNone/>
+              <a:defRPr sz="1400">
+                <a:solidFill>
+                  <a:schemeClr val="tx1">
+                    <a:tint val="75000"/>
+                  </a:schemeClr>
+                </a:solidFill>
+              </a:defRPr>
+            </a:lvl6pPr>
+            <a:lvl7pPr marL="2743200" indent="0">
+              <a:buNone/>
+              <a:defRPr sz="1400">
+                <a:solidFill>
+                  <a:schemeClr val="tx1">
+                    <a:tint val="75000"/>
+                  </a:schemeClr>
+                </a:solidFill>
+              </a:defRPr>
+            </a:lvl7pPr>
+            <a:lvl8pPr marL="3200400" indent="0">
+              <a:buNone/>
+              <a:defRPr sz="1400">
+                <a:solidFill>
+                  <a:schemeClr val="tx1">
+                    <a:tint val="75000"/>
+                  </a:schemeClr>
+                </a:solidFill>
+              </a:defRPr>
+            </a:lvl8pPr>
+            <a:lvl9pPr marL="3657600" indent="0">
+              <a:buNone/>
+              <a:defRPr sz="1400">
+                <a:solidFill>
+                  <a:schemeClr val="tx1">
+                    <a:tint val="75000"/>
+                  </a:schemeClr>
+                </a:solidFill>
+              </a:defRPr>
+            </a:lvl9pPr>
+          </a:lstStyle>
+          <a:p>
+            <a:pPr lvl="0"/>
+            <a:r>
+              <a:rPr lang="en-US"/>
+              <a:t>Edit Master text styles</a:t>
+            </a:r>
+          </a:p>
+        </p:txBody>
+      </p:sp>
+      <p:sp>
+        <p:nvSpPr>
+          <p:cNvPr id="4" name="Date Placeholder 3"/>
+          <p:cNvSpPr>
+            <a:spLocks noGrp="1"/>
+          </p:cNvSpPr>
+          <p:nvPr>
+            <p:ph type="dt" sz="half" idx="10"/>
+          </p:nvPr>
+        </p:nvSpPr>
+        <p:spPr/>
+        <p:txBody>
+          <a:bodyPr/>
+          <a:lstStyle/>
+          <a:p>
+            <a:fld id="{1160EA64-D806-43AC-9DF2-F8C432F32B4C}" type="datetimeFigureOut">
+              <a:rPr lang="en-US" smtClean="0"/>
+              <a:t>7/18/2018</a:t>
+            </a:fld>
+            <a:endParaRPr lang="en-US" dirty="0"/>
+          </a:p>
+        </p:txBody>
+      </p:sp>
+      <p:sp>
+        <p:nvSpPr>
+          <p:cNvPr id="5" name="Footer Placeholder 4"/>
+          <p:cNvSpPr>
+            <a:spLocks noGrp="1"/>
+          </p:cNvSpPr>
+          <p:nvPr>
+            <p:ph type="ftr" sz="quarter" idx="11"/>
+          </p:nvPr>
+        </p:nvSpPr>
+        <p:spPr/>
+        <p:txBody>
+          <a:bodyPr/>
+          <a:lstStyle/>
+          <a:p>
+            <a:endParaRPr lang="en-US" dirty="0"/>
+          </a:p>
+        </p:txBody>
+      </p:sp>
+      <p:sp>
+        <p:nvSpPr>
+          <p:cNvPr id="6" name="Slide Number Placeholder 5"/>
+          <p:cNvSpPr>
+            <a:spLocks noGrp="1"/>
+          </p:cNvSpPr>
+          <p:nvPr>
+            <p:ph type="sldNum" sz="quarter" idx="12"/>
+          </p:nvPr>
+        </p:nvSpPr>
+        <p:spPr/>
+        <p:txBody>
+          <a:bodyPr/>
+          <a:lstStyle/>
+          <a:p>
+            <a:fld id="{8A7A6979-0714-4377-B894-6BE4C2D6E202}" type="slidenum">
+              <a:rPr lang="en-US" smtClean="0"/>
+              <a:pPr/>
+              <a:t>‹#›</a:t>
+            </a:fld>
+            <a:endParaRPr lang="en-US" dirty="0"/>
+          </a:p>
+        </p:txBody>
+      </p:sp>
+    </p:spTree>
+    <p:extLst>
+      <p:ext uri="{BB962C8B-B14F-4D97-AF65-F5344CB8AC3E}">
+        <p14:creationId xmlns:p14="http://schemas.microsoft.com/office/powerpoint/2010/main" val="258706370"/>
+      </p:ext>
+    </p:extLst>
+  </p:cSld>
+  <p:clrMapOvr>
+    <a:masterClrMapping/>
+  </p:clrMapOvr>
+  <p:hf sldNum="0" hdr="0" ftr="0" dt="0"/>
+</p:sldLayout>
+</file>
+
+<file path=ppt/slideLayouts/slideLayout14.xml><?xml version="1.0" encoding="utf-8"?>
+<p:sldLayout xmlns:a="http://schemas.openxmlformats.org/drawingml/2006/main" xmlns:r="http://schemas.openxmlformats.org/officeDocument/2006/relationships" xmlns:p="http://schemas.openxmlformats.org/presentationml/2006/main" preserve="1">
+  <p:cSld name="Quote Name Card">
+    <p:spTree>
+      <p:nvGrpSpPr>
+        <p:cNvPr id="1" name=""/>
+        <p:cNvGrpSpPr/>
+        <p:nvPr/>
+      </p:nvGrpSpPr>
+      <p:grpSpPr>
+        <a:xfrm>
+          <a:off x="0" y="0"/>
+          <a:ext cx="0" cy="0"/>
+          <a:chOff x="0" y="0"/>
+          <a:chExt cx="0" cy="0"/>
+        </a:xfrm>
+      </p:grpSpPr>
+      <p:sp>
+        <p:nvSpPr>
+          <p:cNvPr id="14" name="TextBox 13"/>
+          <p:cNvSpPr txBox="1"/>
+          <p:nvPr/>
+        </p:nvSpPr>
+        <p:spPr>
+          <a:xfrm>
+            <a:off x="1598612" y="863023"/>
+            <a:ext cx="609600" cy="584776"/>
+          </a:xfrm>
+          <a:prstGeom prst="rect">
+            <a:avLst/>
+          </a:prstGeom>
+        </p:spPr>
+        <p:txBody>
+          <a:bodyPr vert="horz" lIns="91440" tIns="45720" rIns="91440" bIns="45720" rtlCol="0" anchor="ctr">
+            <a:noAutofit/>
+          </a:bodyPr>
+          <a:lstStyle>
+            <a:lvl1pPr>
+              <a:spcBef>
+                <a:spcPct val="0"/>
+              </a:spcBef>
+              <a:buNone/>
+              <a:defRPr sz="3200" b="0" cap="all">
+                <a:ln w="3175" cmpd="sng">
+                  <a:noFill/>
+                </a:ln>
+                <a:effectLst>
+                  <a:glow rad="38100">
+                    <a:schemeClr val="bg1">
+                      <a:lumMod val="65000"/>
+                      <a:lumOff val="35000"/>
+                      <a:alpha val="40000"/>
+                    </a:schemeClr>
+                  </a:glow>
+                  <a:outerShdw blurRad="28575" dist="38100" dir="14040000" algn="tl" rotWithShape="0">
+                    <a:srgbClr val="000000">
+                      <a:alpha val="25000"/>
+                    </a:srgbClr>
+                  </a:outerShdw>
+                </a:effectLst>
+              </a:defRPr>
+            </a:lvl1pPr>
+            <a:lvl2pPr>
+              <a:defRPr>
+                <a:solidFill>
+                  <a:schemeClr val="tx2"/>
+                </a:solidFill>
+              </a:defRPr>
+            </a:lvl2pPr>
+            <a:lvl3pPr>
+              <a:defRPr>
+                <a:solidFill>
+                  <a:schemeClr val="tx2"/>
+                </a:solidFill>
+              </a:defRPr>
+            </a:lvl3pPr>
+            <a:lvl4pPr>
+              <a:defRPr>
+                <a:solidFill>
+                  <a:schemeClr val="tx2"/>
+                </a:solidFill>
+              </a:defRPr>
+            </a:lvl4pPr>
+            <a:lvl5pPr>
+              <a:defRPr>
+                <a:solidFill>
+                  <a:schemeClr val="tx2"/>
+                </a:solidFill>
+              </a:defRPr>
+            </a:lvl5pPr>
+            <a:lvl6pPr>
+              <a:defRPr>
+                <a:solidFill>
+                  <a:schemeClr val="tx2"/>
+                </a:solidFill>
+              </a:defRPr>
+            </a:lvl6pPr>
+            <a:lvl7pPr>
+              <a:defRPr>
+                <a:solidFill>
+                  <a:schemeClr val="tx2"/>
+                </a:solidFill>
+              </a:defRPr>
+            </a:lvl7pPr>
+            <a:lvl8pPr>
+              <a:defRPr>
+                <a:solidFill>
+                  <a:schemeClr val="tx2"/>
+                </a:solidFill>
+              </a:defRPr>
+            </a:lvl8pPr>
+            <a:lvl9pPr>
+              <a:defRPr>
+                <a:solidFill>
+                  <a:schemeClr val="tx2"/>
+                </a:solidFill>
+              </a:defRPr>
+            </a:lvl9pPr>
+          </a:lstStyle>
+          <a:p>
+            <a:pPr lvl="0"/>
+            <a:r>
+              <a:rPr lang="en-US" sz="8000" dirty="0">
+                <a:solidFill>
+                  <a:schemeClr val="tx1"/>
+                </a:solidFill>
+                <a:effectLst/>
+              </a:rPr>
+              <a:t>“</a:t>
+            </a:r>
+          </a:p>
+        </p:txBody>
+      </p:sp>
+      <p:sp>
+        <p:nvSpPr>
+          <p:cNvPr id="15" name="TextBox 14"/>
+          <p:cNvSpPr txBox="1"/>
+          <p:nvPr/>
+        </p:nvSpPr>
+        <p:spPr>
+          <a:xfrm>
+            <a:off x="10893425" y="2819399"/>
+            <a:ext cx="609600" cy="584776"/>
+          </a:xfrm>
+          <a:prstGeom prst="rect">
+            <a:avLst/>
+          </a:prstGeom>
+        </p:spPr>
+        <p:txBody>
+          <a:bodyPr vert="horz" lIns="91440" tIns="45720" rIns="91440" bIns="45720" rtlCol="0" anchor="ctr">
+            <a:noAutofit/>
+          </a:bodyPr>
+          <a:lstStyle>
+            <a:lvl1pPr>
+              <a:spcBef>
+                <a:spcPct val="0"/>
+              </a:spcBef>
+              <a:buNone/>
+              <a:defRPr sz="3200" b="0" cap="all">
+                <a:ln w="3175" cmpd="sng">
+                  <a:noFill/>
+                </a:ln>
+                <a:effectLst>
+                  <a:glow rad="38100">
+                    <a:schemeClr val="bg1">
+                      <a:lumMod val="65000"/>
+                      <a:lumOff val="35000"/>
+                      <a:alpha val="40000"/>
+                    </a:schemeClr>
+                  </a:glow>
+                  <a:outerShdw blurRad="28575" dist="38100" dir="14040000" algn="tl" rotWithShape="0">
+                    <a:srgbClr val="000000">
+                      <a:alpha val="25000"/>
+                    </a:srgbClr>
+                  </a:outerShdw>
+                </a:effectLst>
+              </a:defRPr>
+            </a:lvl1pPr>
+            <a:lvl2pPr>
+              <a:defRPr>
+                <a:solidFill>
+                  <a:schemeClr val="tx2"/>
+                </a:solidFill>
+              </a:defRPr>
+            </a:lvl2pPr>
+            <a:lvl3pPr>
+              <a:defRPr>
+                <a:solidFill>
+                  <a:schemeClr val="tx2"/>
+                </a:solidFill>
+              </a:defRPr>
+            </a:lvl3pPr>
+            <a:lvl4pPr>
+              <a:defRPr>
+                <a:solidFill>
+                  <a:schemeClr val="tx2"/>
+                </a:solidFill>
+              </a:defRPr>
+            </a:lvl4pPr>
+            <a:lvl5pPr>
+              <a:defRPr>
+                <a:solidFill>
+                  <a:schemeClr val="tx2"/>
+                </a:solidFill>
+              </a:defRPr>
+            </a:lvl5pPr>
+            <a:lvl6pPr>
+              <a:defRPr>
+                <a:solidFill>
+                  <a:schemeClr val="tx2"/>
+                </a:solidFill>
+              </a:defRPr>
+            </a:lvl6pPr>
+            <a:lvl7pPr>
+              <a:defRPr>
+                <a:solidFill>
+                  <a:schemeClr val="tx2"/>
+                </a:solidFill>
+              </a:defRPr>
+            </a:lvl7pPr>
+            <a:lvl8pPr>
+              <a:defRPr>
+                <a:solidFill>
+                  <a:schemeClr val="tx2"/>
+                </a:solidFill>
+              </a:defRPr>
+            </a:lvl8pPr>
+            <a:lvl9pPr>
+              <a:defRPr>
+                <a:solidFill>
+                  <a:schemeClr val="tx2"/>
+                </a:solidFill>
+              </a:defRPr>
+            </a:lvl9pPr>
+          </a:lstStyle>
+          <a:p>
+            <a:pPr lvl="0" algn="r"/>
+            <a:r>
+              <a:rPr lang="en-US" sz="8000" dirty="0">
+                <a:solidFill>
+                  <a:schemeClr val="tx1"/>
+                </a:solidFill>
+                <a:effectLst/>
+              </a:rPr>
+              <a:t>”</a:t>
+            </a:r>
+          </a:p>
+        </p:txBody>
+      </p:sp>
+      <p:sp>
+        <p:nvSpPr>
+          <p:cNvPr id="2" name="Title 1"/>
+          <p:cNvSpPr>
+            <a:spLocks noGrp="1"/>
+          </p:cNvSpPr>
+          <p:nvPr>
+            <p:ph type="title"/>
+          </p:nvPr>
+        </p:nvSpPr>
+        <p:spPr>
+          <a:xfrm>
+            <a:off x="2208212" y="685800"/>
+            <a:ext cx="8990012" cy="2743199"/>
+          </a:xfrm>
+        </p:spPr>
+        <p:txBody>
+          <a:bodyPr anchor="ctr">
+            <a:normAutofit/>
+          </a:bodyPr>
+          <a:lstStyle>
+            <a:lvl1pPr algn="ctr">
+              <a:defRPr sz="3200" b="0" cap="none">
+                <a:solidFill>
+                  <a:schemeClr val="tx1"/>
+                </a:solidFill>
+              </a:defRPr>
+            </a:lvl1pPr>
+          </a:lstStyle>
+          <a:p>
+            <a:r>
+              <a:rPr lang="en-US"/>
+              <a:t>Click to edit Master title style</a:t>
+            </a:r>
+            <a:endParaRPr lang="en-US" dirty="0"/>
+          </a:p>
+        </p:txBody>
+      </p:sp>
+      <p:sp>
+        <p:nvSpPr>
+          <p:cNvPr id="10" name="Text Placeholder 9"/>
+          <p:cNvSpPr>
+            <a:spLocks noGrp="1"/>
+          </p:cNvSpPr>
+          <p:nvPr>
+            <p:ph type="body" sz="quarter" idx="13"/>
+          </p:nvPr>
+        </p:nvSpPr>
+        <p:spPr>
+          <a:xfrm>
+            <a:off x="1484313" y="3886200"/>
+            <a:ext cx="10018710" cy="889000"/>
+          </a:xfrm>
+        </p:spPr>
+        <p:txBody>
+          <a:bodyPr vert="horz" lIns="91440" tIns="45720" rIns="91440" bIns="45720" rtlCol="0" anchor="b">
+            <a:normAutofit/>
+          </a:bodyPr>
+          <a:lstStyle>
+            <a:lvl1pPr algn="r">
+              <a:buNone/>
+              <a:defRPr lang="en-US" sz="2400" b="0" cap="none" dirty="0">
+                <a:ln w="3175" cmpd="sng">
+                  <a:noFill/>
+                </a:ln>
+                <a:solidFill>
+                  <a:schemeClr val="tx1"/>
+                </a:solidFill>
+                <a:effectLst/>
+              </a:defRPr>
+            </a:lvl1pPr>
+          </a:lstStyle>
+          <a:p>
+            <a:pPr marL="0" lvl="0">
+              <a:spcBef>
+                <a:spcPct val="0"/>
+              </a:spcBef>
+              <a:buNone/>
+            </a:pPr>
+            <a:r>
+              <a:rPr lang="en-US"/>
+              <a:t>Edit Master text styles</a:t>
+            </a:r>
+          </a:p>
+        </p:txBody>
+      </p:sp>
+      <p:sp>
+        <p:nvSpPr>
+          <p:cNvPr id="3" name="Text Placeholder 2"/>
+          <p:cNvSpPr>
+            <a:spLocks noGrp="1"/>
+          </p:cNvSpPr>
+          <p:nvPr>
+            <p:ph type="body" idx="1"/>
+          </p:nvPr>
+        </p:nvSpPr>
+        <p:spPr>
+          <a:xfrm>
+            <a:off x="1484312" y="4775200"/>
+            <a:ext cx="10018710" cy="1016000"/>
+          </a:xfrm>
+        </p:spPr>
+        <p:txBody>
+          <a:bodyPr anchor="t">
+            <a:normAutofit/>
+          </a:bodyPr>
+          <a:lstStyle>
+            <a:lvl1pPr marL="0" indent="0" algn="r">
+              <a:buNone/>
+              <a:defRPr sz="1800">
+                <a:solidFill>
+                  <a:schemeClr val="tx1"/>
+                </a:solidFill>
+              </a:defRPr>
+            </a:lvl1pPr>
+            <a:lvl2pPr marL="457200" indent="0">
+              <a:buNone/>
+              <a:defRPr sz="1800">
+                <a:solidFill>
+                  <a:schemeClr val="tx1">
+                    <a:tint val="75000"/>
+                  </a:schemeClr>
+                </a:solidFill>
+              </a:defRPr>
+            </a:lvl2pPr>
+            <a:lvl3pPr marL="914400" indent="0">
+              <a:buNone/>
+              <a:defRPr sz="1600">
+                <a:solidFill>
+                  <a:schemeClr val="tx1">
+                    <a:tint val="75000"/>
+                  </a:schemeClr>
+                </a:solidFill>
+              </a:defRPr>
+            </a:lvl3pPr>
+            <a:lvl4pPr marL="1371600" indent="0">
+              <a:buNone/>
+              <a:defRPr sz="1400">
+                <a:solidFill>
+                  <a:schemeClr val="tx1">
+                    <a:tint val="75000"/>
+                  </a:schemeClr>
+                </a:solidFill>
+              </a:defRPr>
+            </a:lvl4pPr>
+            <a:lvl5pPr marL="1828800" indent="0">
+              <a:buNone/>
+              <a:defRPr sz="1400">
+                <a:solidFill>
+                  <a:schemeClr val="tx1">
+                    <a:tint val="75000"/>
+                  </a:schemeClr>
+                </a:solidFill>
+              </a:defRPr>
+            </a:lvl5pPr>
+            <a:lvl6pPr marL="2286000" indent="0">
+              <a:buNone/>
+              <a:defRPr sz="1400">
+                <a:solidFill>
+                  <a:schemeClr val="tx1">
+                    <a:tint val="75000"/>
+                  </a:schemeClr>
+                </a:solidFill>
+              </a:defRPr>
+            </a:lvl6pPr>
+            <a:lvl7pPr marL="2743200" indent="0">
+              <a:buNone/>
+              <a:defRPr sz="1400">
+                <a:solidFill>
+                  <a:schemeClr val="tx1">
+                    <a:tint val="75000"/>
+                  </a:schemeClr>
+                </a:solidFill>
+              </a:defRPr>
+            </a:lvl7pPr>
+            <a:lvl8pPr marL="3200400" indent="0">
+              <a:buNone/>
+              <a:defRPr sz="1400">
+                <a:solidFill>
+                  <a:schemeClr val="tx1">
+                    <a:tint val="75000"/>
+                  </a:schemeClr>
+                </a:solidFill>
+              </a:defRPr>
+            </a:lvl8pPr>
+            <a:lvl9pPr marL="3657600" indent="0">
+              <a:buNone/>
+              <a:defRPr sz="1400">
+                <a:solidFill>
+                  <a:schemeClr val="tx1">
+                    <a:tint val="75000"/>
+                  </a:schemeClr>
+                </a:solidFill>
+              </a:defRPr>
+            </a:lvl9pPr>
+          </a:lstStyle>
+          <a:p>
+            <a:pPr lvl="0"/>
+            <a:r>
+              <a:rPr lang="en-US"/>
+              <a:t>Edit Master text styles</a:t>
+            </a:r>
+          </a:p>
+        </p:txBody>
+      </p:sp>
+      <p:sp>
+        <p:nvSpPr>
+          <p:cNvPr id="4" name="Date Placeholder 3"/>
+          <p:cNvSpPr>
+            <a:spLocks noGrp="1"/>
+          </p:cNvSpPr>
+          <p:nvPr>
+            <p:ph type="dt" sz="half" idx="10"/>
+          </p:nvPr>
+        </p:nvSpPr>
+        <p:spPr/>
+        <p:txBody>
+          <a:bodyPr/>
+          <a:lstStyle/>
+          <a:p>
+            <a:fld id="{1160EA64-D806-43AC-9DF2-F8C432F32B4C}" type="datetimeFigureOut">
+              <a:rPr lang="en-US" smtClean="0"/>
+              <a:t>7/18/2018</a:t>
+            </a:fld>
+            <a:endParaRPr lang="en-US" dirty="0"/>
+          </a:p>
+        </p:txBody>
+      </p:sp>
+      <p:sp>
+        <p:nvSpPr>
+          <p:cNvPr id="5" name="Footer Placeholder 4"/>
+          <p:cNvSpPr>
+            <a:spLocks noGrp="1"/>
+          </p:cNvSpPr>
+          <p:nvPr>
+            <p:ph type="ftr" sz="quarter" idx="11"/>
+          </p:nvPr>
+        </p:nvSpPr>
+        <p:spPr/>
+        <p:txBody>
+          <a:bodyPr/>
+          <a:lstStyle/>
+          <a:p>
+            <a:endParaRPr lang="en-US" dirty="0"/>
+          </a:p>
+        </p:txBody>
+      </p:sp>
+      <p:sp>
+        <p:nvSpPr>
+          <p:cNvPr id="6" name="Slide Number Placeholder 5"/>
+          <p:cNvSpPr>
+            <a:spLocks noGrp="1"/>
+          </p:cNvSpPr>
+          <p:nvPr>
+            <p:ph type="sldNum" sz="quarter" idx="12"/>
+          </p:nvPr>
+        </p:nvSpPr>
+        <p:spPr/>
+        <p:txBody>
+          <a:bodyPr/>
+          <a:lstStyle/>
+          <a:p>
+            <a:fld id="{8A7A6979-0714-4377-B894-6BE4C2D6E202}" type="slidenum">
+              <a:rPr lang="en-US" smtClean="0"/>
+              <a:pPr/>
+              <a:t>‹#›</a:t>
+            </a:fld>
+            <a:endParaRPr lang="en-US" dirty="0"/>
+          </a:p>
+        </p:txBody>
+      </p:sp>
+    </p:spTree>
+    <p:extLst>
+      <p:ext uri="{BB962C8B-B14F-4D97-AF65-F5344CB8AC3E}">
+        <p14:creationId xmlns:p14="http://schemas.microsoft.com/office/powerpoint/2010/main" val="3059052688"/>
+      </p:ext>
+    </p:extLst>
+  </p:cSld>
+  <p:clrMapOvr>
+    <a:masterClrMapping/>
+  </p:clrMapOvr>
+  <p:hf sldNum="0" hdr="0" ftr="0" dt="0"/>
+</p:sldLayout>
+</file>
+
+<file path=ppt/slideLayouts/slideLayout15.xml><?xml version="1.0" encoding="utf-8"?>
+<p:sldLayout xmlns:a="http://schemas.openxmlformats.org/drawingml/2006/main" xmlns:r="http://schemas.openxmlformats.org/officeDocument/2006/relationships" xmlns:p="http://schemas.openxmlformats.org/presentationml/2006/main" preserve="1">
+  <p:cSld name="True or False">
+    <p:spTree>
+      <p:nvGrpSpPr>
+        <p:cNvPr id="1" name=""/>
+        <p:cNvGrpSpPr/>
+        <p:nvPr/>
+      </p:nvGrpSpPr>
+      <p:grpSpPr>
+        <a:xfrm>
+          <a:off x="0" y="0"/>
+          <a:ext cx="0" cy="0"/>
+          <a:chOff x="0" y="0"/>
+          <a:chExt cx="0" cy="0"/>
+        </a:xfrm>
+      </p:grpSpPr>
+      <p:sp>
+        <p:nvSpPr>
+          <p:cNvPr id="2" name="Title 1"/>
+          <p:cNvSpPr>
+            <a:spLocks noGrp="1"/>
+          </p:cNvSpPr>
+          <p:nvPr>
+            <p:ph type="title"/>
+          </p:nvPr>
+        </p:nvSpPr>
+        <p:spPr>
+          <a:xfrm>
+            <a:off x="1484313" y="685800"/>
+            <a:ext cx="10018712" cy="2727325"/>
+          </a:xfrm>
+        </p:spPr>
+        <p:txBody>
+          <a:bodyPr vert="horz" lIns="91440" tIns="45720" rIns="91440" bIns="45720" rtlCol="0" anchor="ctr">
+            <a:normAutofit/>
+          </a:bodyPr>
+          <a:lstStyle>
+            <a:lvl1pPr>
+              <a:defRPr lang="en-US" b="0" dirty="0"/>
+            </a:lvl1pPr>
+          </a:lstStyle>
+          <a:p>
+            <a:pPr marL="0" lvl="0"/>
+            <a:r>
+              <a:rPr lang="en-US"/>
+              <a:t>Click to edit Master title style</a:t>
+            </a:r>
+            <a:endParaRPr lang="en-US" dirty="0"/>
+          </a:p>
+        </p:txBody>
+      </p:sp>
+      <p:sp>
+        <p:nvSpPr>
+          <p:cNvPr id="10" name="Text Placeholder 9"/>
+          <p:cNvSpPr>
+            <a:spLocks noGrp="1"/>
+          </p:cNvSpPr>
+          <p:nvPr>
+            <p:ph type="body" sz="quarter" idx="13"/>
+          </p:nvPr>
+        </p:nvSpPr>
+        <p:spPr>
+          <a:xfrm>
+            <a:off x="1484312" y="3505200"/>
+            <a:ext cx="10018713" cy="838200"/>
+          </a:xfrm>
+        </p:spPr>
+        <p:txBody>
+          <a:bodyPr vert="horz" lIns="91440" tIns="45720" rIns="91440" bIns="45720" rtlCol="0" anchor="b">
+            <a:normAutofit/>
+          </a:bodyPr>
+          <a:lstStyle>
+            <a:lvl1pPr>
+              <a:buNone/>
+              <a:defRPr lang="en-US" sz="2800" b="0" cap="none" dirty="0">
+                <a:ln w="3175" cmpd="sng">
+                  <a:noFill/>
+                </a:ln>
+                <a:solidFill>
+                  <a:schemeClr val="tx1"/>
+                </a:solidFill>
+                <a:effectLst/>
+              </a:defRPr>
+            </a:lvl1pPr>
+          </a:lstStyle>
+          <a:p>
+            <a:pPr marL="0" lvl="0">
+              <a:spcBef>
+                <a:spcPct val="0"/>
+              </a:spcBef>
+              <a:buNone/>
+            </a:pPr>
+            <a:r>
+              <a:rPr lang="en-US"/>
+              <a:t>Edit Master text styles</a:t>
+            </a:r>
+          </a:p>
+        </p:txBody>
+      </p:sp>
+      <p:sp>
+        <p:nvSpPr>
+          <p:cNvPr id="3" name="Text Placeholder 2"/>
+          <p:cNvSpPr>
+            <a:spLocks noGrp="1"/>
+          </p:cNvSpPr>
+          <p:nvPr>
+            <p:ph type="body" idx="1"/>
+          </p:nvPr>
+        </p:nvSpPr>
+        <p:spPr>
+          <a:xfrm>
+            <a:off x="1484311" y="4343400"/>
+            <a:ext cx="10018713" cy="1447800"/>
+          </a:xfrm>
+        </p:spPr>
+        <p:txBody>
+          <a:bodyPr anchor="t">
+            <a:normAutofit/>
+          </a:bodyPr>
+          <a:lstStyle>
+            <a:lvl1pPr marL="0" indent="0" algn="l">
+              <a:buNone/>
+              <a:defRPr sz="1800">
+                <a:solidFill>
+                  <a:schemeClr val="tx1"/>
+                </a:solidFill>
+              </a:defRPr>
+            </a:lvl1pPr>
+            <a:lvl2pPr marL="457200" indent="0">
+              <a:buNone/>
+              <a:defRPr sz="1800">
+                <a:solidFill>
+                  <a:schemeClr val="tx1">
+                    <a:tint val="75000"/>
+                  </a:schemeClr>
+                </a:solidFill>
+              </a:defRPr>
+            </a:lvl2pPr>
+            <a:lvl3pPr marL="914400" indent="0">
+              <a:buNone/>
+              <a:defRPr sz="1600">
+                <a:solidFill>
+                  <a:schemeClr val="tx1">
+                    <a:tint val="75000"/>
+                  </a:schemeClr>
+                </a:solidFill>
+              </a:defRPr>
+            </a:lvl3pPr>
+            <a:lvl4pPr marL="1371600" indent="0">
+              <a:buNone/>
+              <a:defRPr sz="1400">
+                <a:solidFill>
+                  <a:schemeClr val="tx1">
+                    <a:tint val="75000"/>
+                  </a:schemeClr>
+                </a:solidFill>
+              </a:defRPr>
+            </a:lvl4pPr>
+            <a:lvl5pPr marL="1828800" indent="0">
+              <a:buNone/>
+              <a:defRPr sz="1400">
+                <a:solidFill>
+                  <a:schemeClr val="tx1">
+                    <a:tint val="75000"/>
+                  </a:schemeClr>
+                </a:solidFill>
+              </a:defRPr>
+            </a:lvl5pPr>
+            <a:lvl6pPr marL="2286000" indent="0">
+              <a:buNone/>
+              <a:defRPr sz="1400">
+                <a:solidFill>
+                  <a:schemeClr val="tx1">
+                    <a:tint val="75000"/>
+                  </a:schemeClr>
+                </a:solidFill>
+              </a:defRPr>
+            </a:lvl6pPr>
+            <a:lvl7pPr marL="2743200" indent="0">
+              <a:buNone/>
+              <a:defRPr sz="1400">
+                <a:solidFill>
+                  <a:schemeClr val="tx1">
+                    <a:tint val="75000"/>
+                  </a:schemeClr>
+                </a:solidFill>
+              </a:defRPr>
+            </a:lvl7pPr>
+            <a:lvl8pPr marL="3200400" indent="0">
+              <a:buNone/>
+              <a:defRPr sz="1400">
+                <a:solidFill>
+                  <a:schemeClr val="tx1">
+                    <a:tint val="75000"/>
+                  </a:schemeClr>
+                </a:solidFill>
+              </a:defRPr>
+            </a:lvl8pPr>
+            <a:lvl9pPr marL="3657600" indent="0">
+              <a:buNone/>
+              <a:defRPr sz="1400">
+                <a:solidFill>
+                  <a:schemeClr val="tx1">
+                    <a:tint val="75000"/>
+                  </a:schemeClr>
+                </a:solidFill>
+              </a:defRPr>
+            </a:lvl9pPr>
+          </a:lstStyle>
+          <a:p>
+            <a:pPr lvl="0"/>
+            <a:r>
+              <a:rPr lang="en-US"/>
+              <a:t>Edit Master text styles</a:t>
+            </a:r>
+          </a:p>
+        </p:txBody>
+      </p:sp>
+      <p:sp>
+        <p:nvSpPr>
+          <p:cNvPr id="4" name="Date Placeholder 3"/>
+          <p:cNvSpPr>
+            <a:spLocks noGrp="1"/>
+          </p:cNvSpPr>
+          <p:nvPr>
+            <p:ph type="dt" sz="half" idx="10"/>
+          </p:nvPr>
+        </p:nvSpPr>
+        <p:spPr/>
+        <p:txBody>
+          <a:bodyPr/>
+          <a:lstStyle/>
+          <a:p>
+            <a:fld id="{1160EA64-D806-43AC-9DF2-F8C432F32B4C}" type="datetimeFigureOut">
+              <a:rPr lang="en-US" smtClean="0"/>
+              <a:t>7/18/2018</a:t>
+            </a:fld>
+            <a:endParaRPr lang="en-US" dirty="0"/>
+          </a:p>
+        </p:txBody>
+      </p:sp>
+      <p:sp>
+        <p:nvSpPr>
+          <p:cNvPr id="5" name="Footer Placeholder 4"/>
+          <p:cNvSpPr>
+            <a:spLocks noGrp="1"/>
+          </p:cNvSpPr>
+          <p:nvPr>
+            <p:ph type="ftr" sz="quarter" idx="11"/>
+          </p:nvPr>
+        </p:nvSpPr>
+        <p:spPr/>
+        <p:txBody>
+          <a:bodyPr/>
+          <a:lstStyle/>
+          <a:p>
+            <a:endParaRPr lang="en-US" dirty="0"/>
+          </a:p>
+        </p:txBody>
+      </p:sp>
+      <p:sp>
+        <p:nvSpPr>
+          <p:cNvPr id="6" name="Slide Number Placeholder 5"/>
+          <p:cNvSpPr>
+            <a:spLocks noGrp="1"/>
+          </p:cNvSpPr>
+          <p:nvPr>
+            <p:ph type="sldNum" sz="quarter" idx="12"/>
+          </p:nvPr>
+        </p:nvSpPr>
+        <p:spPr/>
+        <p:txBody>
+          <a:bodyPr/>
+          <a:lstStyle/>
+          <a:p>
+            <a:fld id="{8A7A6979-0714-4377-B894-6BE4C2D6E202}" type="slidenum">
+              <a:rPr lang="en-US" smtClean="0"/>
+              <a:pPr/>
+              <a:t>‹#›</a:t>
+            </a:fld>
+            <a:endParaRPr lang="en-US" dirty="0"/>
+          </a:p>
+        </p:txBody>
+      </p:sp>
+    </p:spTree>
+    <p:extLst>
+      <p:ext uri="{BB962C8B-B14F-4D97-AF65-F5344CB8AC3E}">
+        <p14:creationId xmlns:p14="http://schemas.microsoft.com/office/powerpoint/2010/main" val="1191137503"/>
+      </p:ext>
+    </p:extLst>
+  </p:cSld>
+  <p:clrMapOvr>
+    <a:masterClrMapping/>
+  </p:clrMapOvr>
+  <p:hf sldNum="0" hdr="0" ftr="0" dt="0"/>
+</p:sldLayout>
+</file>
+
+<file path=ppt/slideLayouts/slideLayout16.xml><?xml version="1.0" encoding="utf-8"?>
 <p:sldLayout xmlns:a="http://schemas.openxmlformats.org/drawingml/2006/main" xmlns:r="http://schemas.openxmlformats.org/officeDocument/2006/relationships" xmlns:p="http://schemas.openxmlformats.org/presentationml/2006/main" type="vertTx" preserve="1">
   <p:cSld name="Title and Vertical Text">
     <p:spTree>
@@ -923,7 +3559,11 @@
         <p:spPr/>
         <p:txBody>
           <a:bodyPr/>
-          <a:lstStyle/>
+          <a:lstStyle>
+            <a:lvl1pPr algn="ctr">
+              <a:defRPr/>
+            </a:lvl1pPr>
+          </a:lstStyle>
           <a:p>
             <a:r>
               <a:rPr lang="en-US"/>
@@ -945,7 +3585,7 @@
         </p:nvSpPr>
         <p:spPr/>
         <p:txBody>
-          <a:bodyPr vert="eaVert"/>
+          <a:bodyPr vert="eaVert" anchor="t"/>
           <a:lstStyle/>
           <a:p>
             <a:pPr lvl="0"/>
@@ -1001,7 +3641,7 @@
           <a:lstStyle/>
           <a:p>
             <a:fld id="{E9F9C37B-1D36-470B-8223-D6C91242EC14}" type="datetimeFigureOut">
-              <a:rPr lang="en-US" dirty="0"/>
+              <a:rPr lang="en-US" smtClean="0"/>
               <a:t>7/18/2018</a:t>
             </a:fld>
             <a:endParaRPr lang="en-US" dirty="0"/>
@@ -1043,7 +3683,7 @@
           <a:lstStyle/>
           <a:p>
             <a:fld id="{8A7A6979-0714-4377-B894-6BE4C2D6E202}" type="slidenum">
-              <a:rPr lang="en-US" dirty="0"/>
+              <a:rPr lang="en-US" smtClean="0"/>
               <a:t>‹#›</a:t>
             </a:fld>
             <a:endParaRPr lang="en-US" dirty="0"/>
@@ -1051,6 +3691,11 @@
         </p:txBody>
       </p:sp>
     </p:spTree>
+    <p:extLst>
+      <p:ext uri="{BB962C8B-B14F-4D97-AF65-F5344CB8AC3E}">
+        <p14:creationId xmlns:p14="http://schemas.microsoft.com/office/powerpoint/2010/main" val="3272314121"/>
+      </p:ext>
+    </p:extLst>
   </p:cSld>
   <p:clrMapOvr>
     <a:masterClrMapping/>
@@ -1058,7 +3703,7 @@
 </p:sldLayout>
 </file>
 
-<file path=ppt/slideLayouts/slideLayout11.xml><?xml version="1.0" encoding="utf-8"?>
+<file path=ppt/slideLayouts/slideLayout17.xml><?xml version="1.0" encoding="utf-8"?>
 <p:sldLayout xmlns:a="http://schemas.openxmlformats.org/drawingml/2006/main" xmlns:r="http://schemas.openxmlformats.org/officeDocument/2006/relationships" xmlns:p="http://schemas.openxmlformats.org/presentationml/2006/main" type="vertTitleAndTx" preserve="1">
   <p:cSld name="Vertical Title and Text">
     <p:spTree>
@@ -1087,8 +3732,8 @@
         </p:nvSpPr>
         <p:spPr>
           <a:xfrm>
-            <a:off x="8653112" y="937260"/>
-            <a:ext cx="1298608" cy="4983480"/>
+            <a:off x="9732655" y="685800"/>
+            <a:ext cx="1770369" cy="5105400"/>
           </a:xfrm>
         </p:spPr>
         <p:txBody>
@@ -1115,12 +3760,12 @@
         </p:nvSpPr>
         <p:spPr>
           <a:xfrm>
-            <a:off x="2231136" y="937260"/>
-            <a:ext cx="6198489" cy="4983480"/>
+            <a:off x="1484312" y="685800"/>
+            <a:ext cx="8019742" cy="5105400"/>
           </a:xfrm>
         </p:spPr>
         <p:txBody>
-          <a:bodyPr vert="eaVert"/>
+          <a:bodyPr vert="eaVert" anchor="t"/>
           <a:lstStyle/>
           <a:p>
             <a:pPr lvl="0"/>
@@ -1176,7 +3821,7 @@
           <a:lstStyle/>
           <a:p>
             <a:fld id="{67C6F52A-A82B-47A2-A83A-8C4C91F2D59F}" type="datetimeFigureOut">
-              <a:rPr lang="en-US" dirty="0"/>
+              <a:rPr lang="en-US" smtClean="0"/>
               <a:t>7/18/2018</a:t>
             </a:fld>
             <a:endParaRPr lang="en-US" dirty="0"/>
@@ -1218,7 +3863,7 @@
           <a:lstStyle/>
           <a:p>
             <a:fld id="{8A7A6979-0714-4377-B894-6BE4C2D6E202}" type="slidenum">
-              <a:rPr lang="en-US" dirty="0"/>
+              <a:rPr lang="en-US" smtClean="0"/>
               <a:t>‹#›</a:t>
             </a:fld>
             <a:endParaRPr lang="en-US" dirty="0"/>
@@ -1226,6 +3871,11 @@
         </p:txBody>
       </p:sp>
     </p:spTree>
+    <p:extLst>
+      <p:ext uri="{BB962C8B-B14F-4D97-AF65-F5344CB8AC3E}">
+        <p14:creationId xmlns:p14="http://schemas.microsoft.com/office/powerpoint/2010/main" val="2869974678"/>
+      </p:ext>
+    </p:extLst>
   </p:cSld>
   <p:clrMapOvr>
     <a:masterClrMapping/>
@@ -1285,63 +3935,63 @@
         </p:nvSpPr>
         <p:spPr/>
         <p:txBody>
+          <a:bodyPr anchor="ctr"/>
+          <a:lstStyle/>
+          <a:p>
+            <a:pPr lvl="0"/>
+            <a:r>
+              <a:rPr lang="en-US"/>
+              <a:t>Edit Master text styles</a:t>
+            </a:r>
+          </a:p>
+          <a:p>
+            <a:pPr lvl="1"/>
+            <a:r>
+              <a:rPr lang="en-US"/>
+              <a:t>Second level</a:t>
+            </a:r>
+          </a:p>
+          <a:p>
+            <a:pPr lvl="2"/>
+            <a:r>
+              <a:rPr lang="en-US"/>
+              <a:t>Third level</a:t>
+            </a:r>
+          </a:p>
+          <a:p>
+            <a:pPr lvl="3"/>
+            <a:r>
+              <a:rPr lang="en-US"/>
+              <a:t>Fourth level</a:t>
+            </a:r>
+          </a:p>
+          <a:p>
+            <a:pPr lvl="4"/>
+            <a:r>
+              <a:rPr lang="en-US"/>
+              <a:t>Fifth level</a:t>
+            </a:r>
+            <a:endParaRPr lang="en-US" dirty="0"/>
+          </a:p>
+        </p:txBody>
+      </p:sp>
+      <p:sp>
+        <p:nvSpPr>
+          <p:cNvPr id="4" name="Date Placeholder 3"/>
+          <p:cNvSpPr>
+            <a:spLocks noGrp="1"/>
+          </p:cNvSpPr>
+          <p:nvPr>
+            <p:ph type="dt" sz="half" idx="10"/>
+          </p:nvPr>
+        </p:nvSpPr>
+        <p:spPr/>
+        <p:txBody>
           <a:bodyPr/>
           <a:lstStyle/>
           <a:p>
-            <a:pPr lvl="0"/>
-            <a:r>
-              <a:rPr lang="en-US"/>
-              <a:t>Edit Master text styles</a:t>
-            </a:r>
-          </a:p>
-          <a:p>
-            <a:pPr lvl="1"/>
-            <a:r>
-              <a:rPr lang="en-US"/>
-              <a:t>Second level</a:t>
-            </a:r>
-          </a:p>
-          <a:p>
-            <a:pPr lvl="2"/>
-            <a:r>
-              <a:rPr lang="en-US"/>
-              <a:t>Third level</a:t>
-            </a:r>
-          </a:p>
-          <a:p>
-            <a:pPr lvl="3"/>
-            <a:r>
-              <a:rPr lang="en-US"/>
-              <a:t>Fourth level</a:t>
-            </a:r>
-          </a:p>
-          <a:p>
-            <a:pPr lvl="4"/>
-            <a:r>
-              <a:rPr lang="en-US"/>
-              <a:t>Fifth level</a:t>
-            </a:r>
-            <a:endParaRPr lang="en-US" dirty="0"/>
-          </a:p>
-        </p:txBody>
-      </p:sp>
-      <p:sp>
-        <p:nvSpPr>
-          <p:cNvPr id="7" name="Date Placeholder 6"/>
-          <p:cNvSpPr>
-            <a:spLocks noGrp="1"/>
-          </p:cNvSpPr>
-          <p:nvPr>
-            <p:ph type="dt" sz="half" idx="10"/>
-          </p:nvPr>
-        </p:nvSpPr>
-        <p:spPr/>
-        <p:txBody>
-          <a:bodyPr/>
-          <a:lstStyle/>
-          <a:p>
             <a:fld id="{F070A7B3-6521-4DCA-87E5-044747A908C1}" type="datetimeFigureOut">
-              <a:rPr lang="en-US" dirty="0"/>
+              <a:rPr lang="en-US" smtClean="0"/>
               <a:t>7/18/2018</a:t>
             </a:fld>
             <a:endParaRPr lang="en-US" dirty="0"/>
@@ -1350,7 +4000,7 @@
       </p:sp>
       <p:sp>
         <p:nvSpPr>
-          <p:cNvPr id="8" name="Footer Placeholder 7"/>
+          <p:cNvPr id="5" name="Footer Placeholder 4"/>
           <p:cNvSpPr>
             <a:spLocks noGrp="1"/>
           </p:cNvSpPr>
@@ -1369,7 +4019,7 @@
       </p:sp>
       <p:sp>
         <p:nvSpPr>
-          <p:cNvPr id="9" name="Slide Number Placeholder 8"/>
+          <p:cNvPr id="6" name="Slide Number Placeholder 5"/>
           <p:cNvSpPr>
             <a:spLocks noGrp="1"/>
           </p:cNvSpPr>
@@ -1377,13 +4027,18 @@
             <p:ph type="sldNum" sz="quarter" idx="12"/>
           </p:nvPr>
         </p:nvSpPr>
-        <p:spPr/>
+        <p:spPr>
+          <a:xfrm>
+            <a:off x="10951856" y="5867131"/>
+            <a:ext cx="551167" cy="365125"/>
+          </a:xfrm>
+        </p:spPr>
         <p:txBody>
           <a:bodyPr/>
           <a:lstStyle/>
           <a:p>
             <a:fld id="{8A7A6979-0714-4377-B894-6BE4C2D6E202}" type="slidenum">
-              <a:rPr lang="en-US" dirty="0"/>
+              <a:rPr lang="en-US" smtClean="0"/>
               <a:pPr/>
               <a:t>‹#›</a:t>
             </a:fld>
@@ -1392,6 +4047,11 @@
         </p:txBody>
       </p:sp>
     </p:spTree>
+    <p:extLst>
+      <p:ext uri="{BB962C8B-B14F-4D97-AF65-F5344CB8AC3E}">
+        <p14:creationId xmlns:p14="http://schemas.microsoft.com/office/powerpoint/2010/main" val="2216570981"/>
+      </p:ext>
+    </p:extLst>
   </p:cSld>
   <p:clrMapOvr>
     <a:masterClrMapping/>
@@ -1402,14 +4062,6 @@
 <file path=ppt/slideLayouts/slideLayout3.xml><?xml version="1.0" encoding="utf-8"?>
 <p:sldLayout xmlns:a="http://schemas.openxmlformats.org/drawingml/2006/main" xmlns:r="http://schemas.openxmlformats.org/officeDocument/2006/relationships" xmlns:p="http://schemas.openxmlformats.org/presentationml/2006/main" type="secHead" preserve="1">
   <p:cSld name="Section Header">
-    <p:bg>
-      <p:bgPr>
-        <a:solidFill>
-          <a:schemeClr val="accent1"/>
-        </a:solidFill>
-        <a:effectLst/>
-      </p:bgPr>
-    </p:bg>
     <p:spTree>
       <p:nvGrpSpPr>
         <p:cNvPr id="1" name=""/>
@@ -1434,64 +4086,50 @@
             <p:ph type="title"/>
           </p:nvPr>
         </p:nvSpPr>
-        <p:spPr bwMode="blackWhite">
+        <p:spPr>
           <a:xfrm>
-            <a:off x="1600200" y="2386744"/>
-            <a:ext cx="8991600" cy="1645920"/>
+            <a:off x="2572279" y="2666999"/>
+            <a:ext cx="8930747" cy="2110382"/>
           </a:xfrm>
-          <a:solidFill>
-            <a:srgbClr val="FFFFFF"/>
-          </a:solidFill>
-          <a:ln w="38100">
-            <a:solidFill>
-              <a:srgbClr val="404040"/>
-            </a:solidFill>
-          </a:ln>
         </p:spPr>
         <p:txBody>
-          <a:bodyPr lIns="274320" rIns="274320" anchor="ctr" anchorCtr="1">
+          <a:bodyPr anchor="b"/>
+          <a:lstStyle>
+            <a:lvl1pPr algn="r">
+              <a:defRPr sz="4000" b="0" cap="none"/>
+            </a:lvl1pPr>
+          </a:lstStyle>
+          <a:p>
+            <a:r>
+              <a:rPr lang="en-US"/>
+              <a:t>Click to edit Master title style</a:t>
+            </a:r>
+            <a:endParaRPr lang="en-US" dirty="0"/>
+          </a:p>
+        </p:txBody>
+      </p:sp>
+      <p:sp>
+        <p:nvSpPr>
+          <p:cNvPr id="3" name="Text Placeholder 2"/>
+          <p:cNvSpPr>
+            <a:spLocks noGrp="1"/>
+          </p:cNvSpPr>
+          <p:nvPr>
+            <p:ph type="body" idx="1"/>
+          </p:nvPr>
+        </p:nvSpPr>
+        <p:spPr>
+          <a:xfrm>
+            <a:off x="2572278" y="4777381"/>
+            <a:ext cx="8930748" cy="860400"/>
+          </a:xfrm>
+        </p:spPr>
+        <p:txBody>
+          <a:bodyPr anchor="t">
             <a:normAutofit/>
           </a:bodyPr>
           <a:lstStyle>
-            <a:lvl1pPr>
-              <a:defRPr sz="3800">
-                <a:solidFill>
-                  <a:srgbClr val="262626"/>
-                </a:solidFill>
-              </a:defRPr>
-            </a:lvl1pPr>
-          </a:lstStyle>
-          <a:p>
-            <a:r>
-              <a:rPr lang="en-US"/>
-              <a:t>Click to edit Master title style</a:t>
-            </a:r>
-            <a:endParaRPr lang="en-US" dirty="0"/>
-          </a:p>
-        </p:txBody>
-      </p:sp>
-      <p:sp>
-        <p:nvSpPr>
-          <p:cNvPr id="3" name="Text Placeholder 2"/>
-          <p:cNvSpPr>
-            <a:spLocks noGrp="1"/>
-          </p:cNvSpPr>
-          <p:nvPr>
-            <p:ph type="body" idx="1"/>
-          </p:nvPr>
-        </p:nvSpPr>
-        <p:spPr>
-          <a:xfrm>
-            <a:off x="2695194" y="4352465"/>
-            <a:ext cx="6801612" cy="1265082"/>
-          </a:xfrm>
-        </p:spPr>
-        <p:txBody>
-          <a:bodyPr anchor="t" anchorCtr="1">
-            <a:normAutofit/>
-          </a:bodyPr>
-          <a:lstStyle>
-            <a:lvl1pPr marL="0" indent="0">
+            <a:lvl1pPr marL="0" indent="0" algn="r">
               <a:buNone/>
               <a:defRPr sz="2000">
                 <a:solidFill>
@@ -1501,7 +4139,7 @@
             </a:lvl1pPr>
             <a:lvl2pPr marL="457200" indent="0">
               <a:buNone/>
-              <a:defRPr sz="2000">
+              <a:defRPr sz="1800">
                 <a:solidFill>
                   <a:schemeClr val="tx1">
                     <a:tint val="75000"/>
@@ -1511,7 +4149,7 @@
             </a:lvl2pPr>
             <a:lvl3pPr marL="914400" indent="0">
               <a:buNone/>
-              <a:defRPr sz="1800">
+              <a:defRPr sz="1600">
                 <a:solidFill>
                   <a:schemeClr val="tx1">
                     <a:tint val="75000"/>
@@ -1521,7 +4159,7 @@
             </a:lvl3pPr>
             <a:lvl4pPr marL="1371600" indent="0">
               <a:buNone/>
-              <a:defRPr sz="1600">
+              <a:defRPr sz="1400">
                 <a:solidFill>
                   <a:schemeClr val="tx1">
                     <a:tint val="75000"/>
@@ -1531,7 +4169,7 @@
             </a:lvl4pPr>
             <a:lvl5pPr marL="1828800" indent="0">
               <a:buNone/>
-              <a:defRPr sz="1600">
+              <a:defRPr sz="1400">
                 <a:solidFill>
                   <a:schemeClr val="tx1">
                     <a:tint val="75000"/>
@@ -1541,7 +4179,7 @@
             </a:lvl5pPr>
             <a:lvl6pPr marL="2286000" indent="0">
               <a:buNone/>
-              <a:defRPr sz="1600">
+              <a:defRPr sz="1400">
                 <a:solidFill>
                   <a:schemeClr val="tx1">
                     <a:tint val="75000"/>
@@ -1551,7 +4189,7 @@
             </a:lvl6pPr>
             <a:lvl7pPr marL="2743200" indent="0">
               <a:buNone/>
-              <a:defRPr sz="1600">
+              <a:defRPr sz="1400">
                 <a:solidFill>
                   <a:schemeClr val="tx1">
                     <a:tint val="75000"/>
@@ -1561,7 +4199,7 @@
             </a:lvl7pPr>
             <a:lvl8pPr marL="3200400" indent="0">
               <a:buNone/>
-              <a:defRPr sz="1600">
+              <a:defRPr sz="1400">
                 <a:solidFill>
                   <a:schemeClr val="tx1">
                     <a:tint val="75000"/>
@@ -1571,7 +4209,7 @@
             </a:lvl8pPr>
             <a:lvl9pPr marL="3657600" indent="0">
               <a:buNone/>
-              <a:defRPr sz="1600">
+              <a:defRPr sz="1400">
                 <a:solidFill>
                   <a:schemeClr val="tx1">
                     <a:tint val="75000"/>
@@ -1591,7 +4229,7 @@
       </p:sp>
       <p:sp>
         <p:nvSpPr>
-          <p:cNvPr id="7" name="Date Placeholder 6"/>
+          <p:cNvPr id="4" name="Date Placeholder 3"/>
           <p:cNvSpPr>
             <a:spLocks noGrp="1"/>
           </p:cNvSpPr>
@@ -1605,7 +4243,7 @@
           <a:lstStyle/>
           <a:p>
             <a:fld id="{1160EA64-D806-43AC-9DF2-F8C432F32B4C}" type="datetimeFigureOut">
-              <a:rPr lang="en-US" dirty="0"/>
+              <a:rPr lang="en-US" smtClean="0"/>
               <a:t>7/18/2018</a:t>
             </a:fld>
             <a:endParaRPr lang="en-US" dirty="0"/>
@@ -1614,7 +4252,7 @@
       </p:sp>
       <p:sp>
         <p:nvSpPr>
-          <p:cNvPr id="8" name="Footer Placeholder 7"/>
+          <p:cNvPr id="5" name="Footer Placeholder 4"/>
           <p:cNvSpPr>
             <a:spLocks noGrp="1"/>
           </p:cNvSpPr>
@@ -1633,7 +4271,7 @@
       </p:sp>
       <p:sp>
         <p:nvSpPr>
-          <p:cNvPr id="9" name="Slide Number Placeholder 8"/>
+          <p:cNvPr id="6" name="Slide Number Placeholder 5"/>
           <p:cNvSpPr>
             <a:spLocks noGrp="1"/>
           </p:cNvSpPr>
@@ -1647,7 +4285,7 @@
           <a:lstStyle/>
           <a:p>
             <a:fld id="{8A7A6979-0714-4377-B894-6BE4C2D6E202}" type="slidenum">
-              <a:rPr lang="en-US" dirty="0"/>
+              <a:rPr lang="en-US" smtClean="0"/>
               <a:pPr/>
               <a:t>‹#›</a:t>
             </a:fld>
@@ -1656,9 +4294,14 @@
         </p:txBody>
       </p:sp>
     </p:spTree>
+    <p:extLst>
+      <p:ext uri="{BB962C8B-B14F-4D97-AF65-F5344CB8AC3E}">
+        <p14:creationId xmlns:p14="http://schemas.microsoft.com/office/powerpoint/2010/main" val="2161614021"/>
+      </p:ext>
+    </p:extLst>
   </p:cSld>
   <p:clrMapOvr>
-    <a:overrideClrMapping bg1="dk1" tx1="lt1" bg2="dk2" tx2="lt2" accent1="accent1" accent2="accent2" accent3="accent3" accent4="accent4" accent5="accent5" accent6="accent6" hlink="hlink" folHlink="folHlink"/>
+    <a:masterClrMapping/>
   </p:clrMapOvr>
 </p:sldLayout>
 </file>
@@ -1690,7 +4333,12 @@
             <p:ph type="title"/>
           </p:nvPr>
         </p:nvSpPr>
-        <p:spPr/>
+        <p:spPr>
+          <a:xfrm>
+            <a:off x="1484311" y="685800"/>
+            <a:ext cx="10018713" cy="1752599"/>
+          </a:xfrm>
+        </p:spPr>
         <p:txBody>
           <a:bodyPr/>
           <a:lstStyle/>
@@ -1715,125 +4363,185 @@
         </p:nvSpPr>
         <p:spPr>
           <a:xfrm>
-            <a:off x="1581912" y="2638044"/>
-            <a:ext cx="4271771" cy="3101982"/>
+            <a:off x="1484312" y="2666999"/>
+            <a:ext cx="4895055" cy="3124201"/>
           </a:xfrm>
         </p:spPr>
         <p:txBody>
+          <a:bodyPr>
+            <a:normAutofit/>
+          </a:bodyPr>
+          <a:lstStyle>
+            <a:lvl1pPr>
+              <a:defRPr sz="1800"/>
+            </a:lvl1pPr>
+            <a:lvl2pPr>
+              <a:defRPr sz="1600"/>
+            </a:lvl2pPr>
+            <a:lvl3pPr>
+              <a:defRPr sz="1400"/>
+            </a:lvl3pPr>
+            <a:lvl4pPr>
+              <a:defRPr sz="1200"/>
+            </a:lvl4pPr>
+            <a:lvl5pPr>
+              <a:defRPr sz="1200"/>
+            </a:lvl5pPr>
+            <a:lvl6pPr>
+              <a:defRPr sz="1200"/>
+            </a:lvl6pPr>
+            <a:lvl7pPr>
+              <a:defRPr sz="1200"/>
+            </a:lvl7pPr>
+            <a:lvl8pPr>
+              <a:defRPr sz="1200"/>
+            </a:lvl8pPr>
+            <a:lvl9pPr>
+              <a:defRPr sz="1200"/>
+            </a:lvl9pPr>
+          </a:lstStyle>
+          <a:p>
+            <a:pPr lvl="0"/>
+            <a:r>
+              <a:rPr lang="en-US"/>
+              <a:t>Edit Master text styles</a:t>
+            </a:r>
+          </a:p>
+          <a:p>
+            <a:pPr lvl="1"/>
+            <a:r>
+              <a:rPr lang="en-US"/>
+              <a:t>Second level</a:t>
+            </a:r>
+          </a:p>
+          <a:p>
+            <a:pPr lvl="2"/>
+            <a:r>
+              <a:rPr lang="en-US"/>
+              <a:t>Third level</a:t>
+            </a:r>
+          </a:p>
+          <a:p>
+            <a:pPr lvl="3"/>
+            <a:r>
+              <a:rPr lang="en-US"/>
+              <a:t>Fourth level</a:t>
+            </a:r>
+          </a:p>
+          <a:p>
+            <a:pPr lvl="4"/>
+            <a:r>
+              <a:rPr lang="en-US"/>
+              <a:t>Fifth level</a:t>
+            </a:r>
+            <a:endParaRPr lang="en-US" dirty="0"/>
+          </a:p>
+        </p:txBody>
+      </p:sp>
+      <p:sp>
+        <p:nvSpPr>
+          <p:cNvPr id="4" name="Content Placeholder 3"/>
+          <p:cNvSpPr>
+            <a:spLocks noGrp="1"/>
+          </p:cNvSpPr>
+          <p:nvPr>
+            <p:ph sz="half" idx="2"/>
+          </p:nvPr>
+        </p:nvSpPr>
+        <p:spPr>
+          <a:xfrm>
+            <a:off x="6607967" y="2667000"/>
+            <a:ext cx="4895056" cy="3124200"/>
+          </a:xfrm>
+        </p:spPr>
+        <p:txBody>
+          <a:bodyPr>
+            <a:normAutofit/>
+          </a:bodyPr>
+          <a:lstStyle>
+            <a:lvl1pPr>
+              <a:defRPr sz="1800"/>
+            </a:lvl1pPr>
+            <a:lvl2pPr>
+              <a:defRPr sz="1600"/>
+            </a:lvl2pPr>
+            <a:lvl3pPr>
+              <a:defRPr sz="1400"/>
+            </a:lvl3pPr>
+            <a:lvl4pPr>
+              <a:defRPr sz="1200"/>
+            </a:lvl4pPr>
+            <a:lvl5pPr>
+              <a:defRPr sz="1200"/>
+            </a:lvl5pPr>
+            <a:lvl6pPr>
+              <a:defRPr sz="1200"/>
+            </a:lvl6pPr>
+            <a:lvl7pPr>
+              <a:defRPr sz="1200"/>
+            </a:lvl7pPr>
+            <a:lvl8pPr>
+              <a:defRPr sz="1200"/>
+            </a:lvl8pPr>
+            <a:lvl9pPr>
+              <a:defRPr sz="1200"/>
+            </a:lvl9pPr>
+          </a:lstStyle>
+          <a:p>
+            <a:pPr lvl="0"/>
+            <a:r>
+              <a:rPr lang="en-US"/>
+              <a:t>Edit Master text styles</a:t>
+            </a:r>
+          </a:p>
+          <a:p>
+            <a:pPr lvl="1"/>
+            <a:r>
+              <a:rPr lang="en-US"/>
+              <a:t>Second level</a:t>
+            </a:r>
+          </a:p>
+          <a:p>
+            <a:pPr lvl="2"/>
+            <a:r>
+              <a:rPr lang="en-US"/>
+              <a:t>Third level</a:t>
+            </a:r>
+          </a:p>
+          <a:p>
+            <a:pPr lvl="3"/>
+            <a:r>
+              <a:rPr lang="en-US"/>
+              <a:t>Fourth level</a:t>
+            </a:r>
+          </a:p>
+          <a:p>
+            <a:pPr lvl="4"/>
+            <a:r>
+              <a:rPr lang="en-US"/>
+              <a:t>Fifth level</a:t>
+            </a:r>
+            <a:endParaRPr lang="en-US" dirty="0"/>
+          </a:p>
+        </p:txBody>
+      </p:sp>
+      <p:sp>
+        <p:nvSpPr>
+          <p:cNvPr id="5" name="Date Placeholder 4"/>
+          <p:cNvSpPr>
+            <a:spLocks noGrp="1"/>
+          </p:cNvSpPr>
+          <p:nvPr>
+            <p:ph type="dt" sz="half" idx="10"/>
+          </p:nvPr>
+        </p:nvSpPr>
+        <p:spPr/>
+        <p:txBody>
           <a:bodyPr/>
           <a:lstStyle/>
           <a:p>
-            <a:pPr lvl="0"/>
-            <a:r>
-              <a:rPr lang="en-US"/>
-              <a:t>Edit Master text styles</a:t>
-            </a:r>
-          </a:p>
-          <a:p>
-            <a:pPr lvl="1"/>
-            <a:r>
-              <a:rPr lang="en-US"/>
-              <a:t>Second level</a:t>
-            </a:r>
-          </a:p>
-          <a:p>
-            <a:pPr lvl="2"/>
-            <a:r>
-              <a:rPr lang="en-US"/>
-              <a:t>Third level</a:t>
-            </a:r>
-          </a:p>
-          <a:p>
-            <a:pPr lvl="3"/>
-            <a:r>
-              <a:rPr lang="en-US"/>
-              <a:t>Fourth level</a:t>
-            </a:r>
-          </a:p>
-          <a:p>
-            <a:pPr lvl="4"/>
-            <a:r>
-              <a:rPr lang="en-US"/>
-              <a:t>Fifth level</a:t>
-            </a:r>
-            <a:endParaRPr lang="en-US" dirty="0"/>
-          </a:p>
-        </p:txBody>
-      </p:sp>
-      <p:sp>
-        <p:nvSpPr>
-          <p:cNvPr id="4" name="Content Placeholder 3"/>
-          <p:cNvSpPr>
-            <a:spLocks noGrp="1"/>
-          </p:cNvSpPr>
-          <p:nvPr>
-            <p:ph sz="half" idx="2"/>
-          </p:nvPr>
-        </p:nvSpPr>
-        <p:spPr>
-          <a:xfrm>
-            <a:off x="6338315" y="2638044"/>
-            <a:ext cx="4270247" cy="3101982"/>
-          </a:xfrm>
-        </p:spPr>
-        <p:txBody>
-          <a:bodyPr/>
-          <a:lstStyle/>
-          <a:p>
-            <a:pPr lvl="0"/>
-            <a:r>
-              <a:rPr lang="en-US"/>
-              <a:t>Edit Master text styles</a:t>
-            </a:r>
-          </a:p>
-          <a:p>
-            <a:pPr lvl="1"/>
-            <a:r>
-              <a:rPr lang="en-US"/>
-              <a:t>Second level</a:t>
-            </a:r>
-          </a:p>
-          <a:p>
-            <a:pPr lvl="2"/>
-            <a:r>
-              <a:rPr lang="en-US"/>
-              <a:t>Third level</a:t>
-            </a:r>
-          </a:p>
-          <a:p>
-            <a:pPr lvl="3"/>
-            <a:r>
-              <a:rPr lang="en-US"/>
-              <a:t>Fourth level</a:t>
-            </a:r>
-          </a:p>
-          <a:p>
-            <a:pPr lvl="4"/>
-            <a:r>
-              <a:rPr lang="en-US"/>
-              <a:t>Fifth level</a:t>
-            </a:r>
-            <a:endParaRPr lang="en-US" dirty="0"/>
-          </a:p>
-        </p:txBody>
-      </p:sp>
-      <p:sp>
-        <p:nvSpPr>
-          <p:cNvPr id="8" name="Date Placeholder 7"/>
-          <p:cNvSpPr>
-            <a:spLocks noGrp="1"/>
-          </p:cNvSpPr>
-          <p:nvPr>
-            <p:ph type="dt" sz="half" idx="10"/>
-          </p:nvPr>
-        </p:nvSpPr>
-        <p:spPr/>
-        <p:txBody>
-          <a:bodyPr/>
-          <a:lstStyle/>
-          <a:p>
             <a:fld id="{AB134690-1557-4C89-A502-4959FE7FAD70}" type="datetimeFigureOut">
-              <a:rPr lang="en-US" dirty="0"/>
+              <a:rPr lang="en-US" smtClean="0"/>
               <a:t>7/18/2018</a:t>
             </a:fld>
             <a:endParaRPr lang="en-US" dirty="0"/>
@@ -1842,7 +4550,7 @@
       </p:sp>
       <p:sp>
         <p:nvSpPr>
-          <p:cNvPr id="9" name="Footer Placeholder 8"/>
+          <p:cNvPr id="6" name="Footer Placeholder 5"/>
           <p:cNvSpPr>
             <a:spLocks noGrp="1"/>
           </p:cNvSpPr>
@@ -1861,7 +4569,7 @@
       </p:sp>
       <p:sp>
         <p:nvSpPr>
-          <p:cNvPr id="10" name="Slide Number Placeholder 9"/>
+          <p:cNvPr id="7" name="Slide Number Placeholder 6"/>
           <p:cNvSpPr>
             <a:spLocks noGrp="1"/>
           </p:cNvSpPr>
@@ -1875,7 +4583,7 @@
           <a:lstStyle/>
           <a:p>
             <a:fld id="{8A7A6979-0714-4377-B894-6BE4C2D6E202}" type="slidenum">
-              <a:rPr lang="en-US" dirty="0"/>
+              <a:rPr lang="en-US" smtClean="0"/>
               <a:t>‹#›</a:t>
             </a:fld>
             <a:endParaRPr lang="en-US" dirty="0"/>
@@ -1883,6 +4591,11 @@
         </p:txBody>
       </p:sp>
     </p:spTree>
+    <p:extLst>
+      <p:ext uri="{BB962C8B-B14F-4D97-AF65-F5344CB8AC3E}">
+        <p14:creationId xmlns:p14="http://schemas.microsoft.com/office/powerpoint/2010/main" val="584711066"/>
+      </p:ext>
+    </p:extLst>
   </p:cSld>
   <p:clrMapOvr>
     <a:masterClrMapping/>
@@ -1909,6 +4622,33 @@
       </p:grpSpPr>
       <p:sp>
         <p:nvSpPr>
+          <p:cNvPr id="2" name="Title 1"/>
+          <p:cNvSpPr>
+            <a:spLocks noGrp="1"/>
+          </p:cNvSpPr>
+          <p:nvPr>
+            <p:ph type="title"/>
+          </p:nvPr>
+        </p:nvSpPr>
+        <p:spPr/>
+        <p:txBody>
+          <a:bodyPr/>
+          <a:lstStyle>
+            <a:lvl1pPr>
+              <a:defRPr/>
+            </a:lvl1pPr>
+          </a:lstStyle>
+          <a:p>
+            <a:r>
+              <a:rPr lang="en-US"/>
+              <a:t>Click to edit Master title style</a:t>
+            </a:r>
+            <a:endParaRPr lang="en-US" dirty="0"/>
+          </a:p>
+        </p:txBody>
+      </p:sp>
+      <p:sp>
+        <p:nvSpPr>
           <p:cNvPr id="3" name="Text Placeholder 2"/>
           <p:cNvSpPr>
             <a:spLocks noGrp="1"/>
@@ -1919,20 +4659,20 @@
         </p:nvSpPr>
         <p:spPr>
           <a:xfrm>
-            <a:off x="1583436" y="2313433"/>
-            <a:ext cx="4270248" cy="704087"/>
+            <a:off x="1772179" y="2658533"/>
+            <a:ext cx="4607188" cy="576262"/>
           </a:xfrm>
         </p:spPr>
         <p:txBody>
-          <a:bodyPr anchor="b" anchorCtr="1">
-            <a:normAutofit/>
+          <a:bodyPr anchor="b">
+            <a:noAutofit/>
           </a:bodyPr>
           <a:lstStyle>
-            <a:lvl1pPr marL="0" indent="0" algn="ctr">
-              <a:buNone/>
-              <a:defRPr sz="1900" b="0" cap="all" spc="100" baseline="0">
+            <a:lvl1pPr marL="0" indent="0">
+              <a:buNone/>
+              <a:defRPr sz="2800" b="0">
                 <a:solidFill>
-                  <a:schemeClr val="accent2">
+                  <a:schemeClr val="accent1">
                     <a:lumMod val="75000"/>
                   </a:schemeClr>
                 </a:solidFill>
@@ -1940,7 +4680,7 @@
             </a:lvl1pPr>
             <a:lvl2pPr marL="457200" indent="0">
               <a:buNone/>
-              <a:defRPr sz="1900" b="1"/>
+              <a:defRPr sz="2000" b="1"/>
             </a:lvl2pPr>
             <a:lvl3pPr marL="914400" indent="0">
               <a:buNone/>
@@ -1992,138 +4732,107 @@
         </p:nvSpPr>
         <p:spPr>
           <a:xfrm>
-            <a:off x="1583436" y="3143250"/>
-            <a:ext cx="4270248" cy="2596776"/>
+            <a:off x="1484311" y="3335337"/>
+            <a:ext cx="4895056" cy="2455862"/>
           </a:xfrm>
         </p:spPr>
         <p:txBody>
-          <a:bodyPr/>
-          <a:lstStyle/>
-          <a:p>
-            <a:pPr lvl="0"/>
-            <a:r>
-              <a:rPr lang="en-US"/>
-              <a:t>Edit Master text styles</a:t>
-            </a:r>
-          </a:p>
-          <a:p>
-            <a:pPr lvl="1"/>
-            <a:r>
-              <a:rPr lang="en-US"/>
-              <a:t>Second level</a:t>
-            </a:r>
-          </a:p>
-          <a:p>
-            <a:pPr lvl="2"/>
-            <a:r>
-              <a:rPr lang="en-US"/>
-              <a:t>Third level</a:t>
-            </a:r>
-          </a:p>
-          <a:p>
-            <a:pPr lvl="3"/>
-            <a:r>
-              <a:rPr lang="en-US"/>
-              <a:t>Fourth level</a:t>
-            </a:r>
-          </a:p>
-          <a:p>
-            <a:pPr lvl="4"/>
-            <a:r>
-              <a:rPr lang="en-US"/>
-              <a:t>Fifth level</a:t>
-            </a:r>
-            <a:endParaRPr lang="en-US" dirty="0"/>
-          </a:p>
-        </p:txBody>
-      </p:sp>
-      <p:sp>
-        <p:nvSpPr>
-          <p:cNvPr id="6" name="Content Placeholder 5"/>
-          <p:cNvSpPr>
-            <a:spLocks noGrp="1"/>
-          </p:cNvSpPr>
-          <p:nvPr>
-            <p:ph sz="quarter" idx="4"/>
-          </p:nvPr>
-        </p:nvSpPr>
-        <p:spPr>
-          <a:xfrm>
-            <a:off x="6338316" y="3143250"/>
-            <a:ext cx="4253484" cy="2596776"/>
-          </a:xfrm>
-        </p:spPr>
-        <p:txBody>
-          <a:bodyPr/>
-          <a:lstStyle>
-            <a:lvl5pPr>
-              <a:defRPr/>
-            </a:lvl5pPr>
-          </a:lstStyle>
-          <a:p>
-            <a:pPr lvl="0"/>
-            <a:r>
-              <a:rPr lang="en-US"/>
-              <a:t>Edit Master text styles</a:t>
-            </a:r>
-          </a:p>
-          <a:p>
-            <a:pPr lvl="1"/>
-            <a:r>
-              <a:rPr lang="en-US"/>
-              <a:t>Second level</a:t>
-            </a:r>
-          </a:p>
-          <a:p>
-            <a:pPr lvl="2"/>
-            <a:r>
-              <a:rPr lang="en-US"/>
-              <a:t>Third level</a:t>
-            </a:r>
-          </a:p>
-          <a:p>
-            <a:pPr lvl="3"/>
-            <a:r>
-              <a:rPr lang="en-US"/>
-              <a:t>Fourth level</a:t>
-            </a:r>
-          </a:p>
-          <a:p>
-            <a:pPr lvl="4"/>
-            <a:r>
-              <a:rPr lang="en-US"/>
-              <a:t>Fifth level</a:t>
-            </a:r>
-            <a:endParaRPr lang="en-US" dirty="0"/>
-          </a:p>
-        </p:txBody>
-      </p:sp>
-      <p:sp>
-        <p:nvSpPr>
-          <p:cNvPr id="11" name="Text Placeholder 4"/>
-          <p:cNvSpPr>
-            <a:spLocks noGrp="1"/>
-          </p:cNvSpPr>
-          <p:nvPr>
-            <p:ph type="body" sz="quarter" idx="13"/>
-          </p:nvPr>
-        </p:nvSpPr>
-        <p:spPr>
-          <a:xfrm>
-            <a:off x="6338316" y="2313433"/>
-            <a:ext cx="4270248" cy="704087"/>
-          </a:xfrm>
-        </p:spPr>
-        <p:txBody>
-          <a:bodyPr anchor="b" anchorCtr="1">
+          <a:bodyPr anchor="t">
             <a:normAutofit/>
           </a:bodyPr>
           <a:lstStyle>
-            <a:lvl1pPr marL="0" indent="0" algn="ctr">
-              <a:buNone/>
-              <a:defRPr sz="1900" b="0" cap="all" spc="100" baseline="0">
+            <a:lvl1pPr>
+              <a:defRPr sz="1800"/>
+            </a:lvl1pPr>
+            <a:lvl2pPr>
+              <a:defRPr sz="1600"/>
+            </a:lvl2pPr>
+            <a:lvl3pPr>
+              <a:defRPr sz="1400"/>
+            </a:lvl3pPr>
+            <a:lvl4pPr>
+              <a:defRPr sz="1200"/>
+            </a:lvl4pPr>
+            <a:lvl5pPr>
+              <a:defRPr sz="1200"/>
+            </a:lvl5pPr>
+            <a:lvl6pPr>
+              <a:defRPr sz="1200"/>
+            </a:lvl6pPr>
+            <a:lvl7pPr>
+              <a:defRPr sz="1200"/>
+            </a:lvl7pPr>
+            <a:lvl8pPr>
+              <a:defRPr sz="1200"/>
+            </a:lvl8pPr>
+            <a:lvl9pPr>
+              <a:defRPr sz="1200"/>
+            </a:lvl9pPr>
+          </a:lstStyle>
+          <a:p>
+            <a:pPr lvl="0"/>
+            <a:r>
+              <a:rPr lang="en-US"/>
+              <a:t>Edit Master text styles</a:t>
+            </a:r>
+          </a:p>
+          <a:p>
+            <a:pPr lvl="1"/>
+            <a:r>
+              <a:rPr lang="en-US"/>
+              <a:t>Second level</a:t>
+            </a:r>
+          </a:p>
+          <a:p>
+            <a:pPr lvl="2"/>
+            <a:r>
+              <a:rPr lang="en-US"/>
+              <a:t>Third level</a:t>
+            </a:r>
+          </a:p>
+          <a:p>
+            <a:pPr lvl="3"/>
+            <a:r>
+              <a:rPr lang="en-US"/>
+              <a:t>Fourth level</a:t>
+            </a:r>
+          </a:p>
+          <a:p>
+            <a:pPr lvl="4"/>
+            <a:r>
+              <a:rPr lang="en-US"/>
+              <a:t>Fifth level</a:t>
+            </a:r>
+            <a:endParaRPr lang="en-US" dirty="0"/>
+          </a:p>
+        </p:txBody>
+      </p:sp>
+      <p:sp>
+        <p:nvSpPr>
+          <p:cNvPr id="5" name="Text Placeholder 4"/>
+          <p:cNvSpPr>
+            <a:spLocks noGrp="1"/>
+          </p:cNvSpPr>
+          <p:nvPr>
+            <p:ph type="body" sz="quarter" idx="3"/>
+          </p:nvPr>
+        </p:nvSpPr>
+        <p:spPr>
+          <a:xfrm>
+            <a:off x="6880487" y="2667000"/>
+            <a:ext cx="4622537" cy="576262"/>
+          </a:xfrm>
+        </p:spPr>
+        <p:txBody>
+          <a:bodyPr anchor="b">
+            <a:noAutofit/>
+          </a:bodyPr>
+          <a:lstStyle>
+            <a:lvl1pPr marL="0" indent="0">
+              <a:buNone/>
+              <a:defRPr sz="2800" b="0">
                 <a:solidFill>
-                  <a:schemeClr val="accent2">
+                  <a:schemeClr val="accent1">
                     <a:lumMod val="75000"/>
                   </a:schemeClr>
                 </a:solidFill>
@@ -2131,7 +4840,7 @@
             </a:lvl1pPr>
             <a:lvl2pPr marL="457200" indent="0">
               <a:buNone/>
-              <a:defRPr sz="1900" b="1"/>
+              <a:defRPr sz="2000" b="1"/>
             </a:lvl2pPr>
             <a:lvl3pPr marL="914400" indent="0">
               <a:buNone/>
@@ -2173,6 +4882,93 @@
       </p:sp>
       <p:sp>
         <p:nvSpPr>
+          <p:cNvPr id="6" name="Content Placeholder 5"/>
+          <p:cNvSpPr>
+            <a:spLocks noGrp="1"/>
+          </p:cNvSpPr>
+          <p:nvPr>
+            <p:ph sz="quarter" idx="4"/>
+          </p:nvPr>
+        </p:nvSpPr>
+        <p:spPr>
+          <a:xfrm>
+            <a:off x="6607967" y="3335337"/>
+            <a:ext cx="4895056" cy="2455862"/>
+          </a:xfrm>
+        </p:spPr>
+        <p:txBody>
+          <a:bodyPr anchor="t">
+            <a:normAutofit/>
+          </a:bodyPr>
+          <a:lstStyle>
+            <a:lvl1pPr>
+              <a:defRPr sz="1800"/>
+            </a:lvl1pPr>
+            <a:lvl2pPr>
+              <a:defRPr sz="1600"/>
+            </a:lvl2pPr>
+            <a:lvl3pPr>
+              <a:defRPr sz="1400"/>
+            </a:lvl3pPr>
+            <a:lvl4pPr>
+              <a:defRPr sz="1200"/>
+            </a:lvl4pPr>
+            <a:lvl5pPr>
+              <a:defRPr sz="1200"/>
+            </a:lvl5pPr>
+            <a:lvl6pPr>
+              <a:defRPr sz="1200"/>
+            </a:lvl6pPr>
+            <a:lvl7pPr>
+              <a:defRPr sz="1200"/>
+            </a:lvl7pPr>
+            <a:lvl8pPr>
+              <a:defRPr sz="1200"/>
+            </a:lvl8pPr>
+            <a:lvl9pPr>
+              <a:defRPr sz="1200"/>
+            </a:lvl9pPr>
+          </a:lstStyle>
+          <a:p>
+            <a:pPr lvl="0"/>
+            <a:r>
+              <a:rPr lang="en-US"/>
+              <a:t>Edit Master text styles</a:t>
+            </a:r>
+          </a:p>
+          <a:p>
+            <a:pPr lvl="1"/>
+            <a:r>
+              <a:rPr lang="en-US"/>
+              <a:t>Second level</a:t>
+            </a:r>
+          </a:p>
+          <a:p>
+            <a:pPr lvl="2"/>
+            <a:r>
+              <a:rPr lang="en-US"/>
+              <a:t>Third level</a:t>
+            </a:r>
+          </a:p>
+          <a:p>
+            <a:pPr lvl="3"/>
+            <a:r>
+              <a:rPr lang="en-US"/>
+              <a:t>Fourth level</a:t>
+            </a:r>
+          </a:p>
+          <a:p>
+            <a:pPr lvl="4"/>
+            <a:r>
+              <a:rPr lang="en-US"/>
+              <a:t>Fifth level</a:t>
+            </a:r>
+            <a:endParaRPr lang="en-US" dirty="0"/>
+          </a:p>
+        </p:txBody>
+      </p:sp>
+      <p:sp>
+        <p:nvSpPr>
           <p:cNvPr id="7" name="Date Placeholder 6"/>
           <p:cNvSpPr>
             <a:spLocks noGrp="1"/>
@@ -2186,8 +4982,8 @@
           <a:bodyPr/>
           <a:lstStyle/>
           <a:p>
-            <a:fld id="{4F7D4976-E339-4826-83B7-FBD03F55ECF8}" type="datetimeFigureOut">
-              <a:rPr lang="en-US" dirty="0"/>
+            <a:fld id="{1160EA64-D806-43AC-9DF2-F8C432F32B4C}" type="datetimeFigureOut">
+              <a:rPr lang="en-US" smtClean="0"/>
               <a:t>7/18/2018</a:t>
             </a:fld>
             <a:endParaRPr lang="en-US" dirty="0"/>
@@ -2229,41 +5025,25 @@
           <a:lstStyle/>
           <a:p>
             <a:fld id="{8A7A6979-0714-4377-B894-6BE4C2D6E202}" type="slidenum">
-              <a:rPr lang="en-US" dirty="0"/>
+              <a:rPr lang="en-US" smtClean="0"/>
+              <a:pPr/>
               <a:t>‹#›</a:t>
             </a:fld>
             <a:endParaRPr lang="en-US" dirty="0"/>
           </a:p>
         </p:txBody>
       </p:sp>
-      <p:sp>
-        <p:nvSpPr>
-          <p:cNvPr id="10" name="Title 9"/>
-          <p:cNvSpPr>
-            <a:spLocks noGrp="1"/>
-          </p:cNvSpPr>
-          <p:nvPr>
-            <p:ph type="title"/>
-          </p:nvPr>
-        </p:nvSpPr>
-        <p:spPr/>
-        <p:txBody>
-          <a:bodyPr/>
-          <a:lstStyle/>
-          <a:p>
-            <a:r>
-              <a:rPr lang="en-US"/>
-              <a:t>Click to edit Master title style</a:t>
-            </a:r>
-            <a:endParaRPr lang="en-US" dirty="0"/>
-          </a:p>
-        </p:txBody>
-      </p:sp>
     </p:spTree>
+    <p:extLst>
+      <p:ext uri="{BB962C8B-B14F-4D97-AF65-F5344CB8AC3E}">
+        <p14:creationId xmlns:p14="http://schemas.microsoft.com/office/powerpoint/2010/main" val="2553521773"/>
+      </p:ext>
+    </p:extLst>
   </p:cSld>
   <p:clrMapOvr>
     <a:masterClrMapping/>
   </p:clrMapOvr>
+  <p:hf sldNum="0" hdr="0" ftr="0" dt="0"/>
 </p:sldLayout>
 </file>
 
@@ -2323,7 +5103,7 @@
           <a:lstStyle/>
           <a:p>
             <a:fld id="{E1037C31-9E7A-4F99-8774-A0E530DE1A42}" type="datetimeFigureOut">
-              <a:rPr lang="en-US" dirty="0"/>
+              <a:rPr lang="en-US" smtClean="0"/>
               <a:t>7/18/2018</a:t>
             </a:fld>
             <a:endParaRPr lang="en-US" dirty="0"/>
@@ -2365,7 +5145,7 @@
           <a:lstStyle/>
           <a:p>
             <a:fld id="{8A7A6979-0714-4377-B894-6BE4C2D6E202}" type="slidenum">
-              <a:rPr lang="en-US" dirty="0"/>
+              <a:rPr lang="en-US" smtClean="0"/>
               <a:t>‹#›</a:t>
             </a:fld>
             <a:endParaRPr lang="en-US" dirty="0"/>
@@ -2373,6 +5153,11 @@
         </p:txBody>
       </p:sp>
     </p:spTree>
+    <p:extLst>
+      <p:ext uri="{BB962C8B-B14F-4D97-AF65-F5344CB8AC3E}">
+        <p14:creationId xmlns:p14="http://schemas.microsoft.com/office/powerpoint/2010/main" val="508322185"/>
+      </p:ext>
+    </p:extLst>
   </p:cSld>
   <p:clrMapOvr>
     <a:masterClrMapping/>
@@ -2413,7 +5198,7 @@
           <a:lstStyle/>
           <a:p>
             <a:fld id="{C278504F-A551-4DE0-9316-4DCD1D8CC752}" type="datetimeFigureOut">
-              <a:rPr lang="en-US" dirty="0"/>
+              <a:rPr lang="en-US" smtClean="0"/>
               <a:t>7/18/2018</a:t>
             </a:fld>
             <a:endParaRPr lang="en-US" dirty="0"/>
@@ -2455,7 +5240,7 @@
           <a:lstStyle/>
           <a:p>
             <a:fld id="{8A7A6979-0714-4377-B894-6BE4C2D6E202}" type="slidenum">
-              <a:rPr lang="en-US" dirty="0"/>
+              <a:rPr lang="en-US" smtClean="0"/>
               <a:t>‹#›</a:t>
             </a:fld>
             <a:endParaRPr lang="en-US" dirty="0"/>
@@ -2463,6 +5248,11 @@
         </p:txBody>
       </p:sp>
     </p:spTree>
+    <p:extLst>
+      <p:ext uri="{BB962C8B-B14F-4D97-AF65-F5344CB8AC3E}">
+        <p14:creationId xmlns:p14="http://schemas.microsoft.com/office/powerpoint/2010/main" val="3857073313"/>
+      </p:ext>
+    </p:extLst>
   </p:cSld>
   <p:clrMapOvr>
     <a:masterClrMapping/>
@@ -2489,83 +5279,120 @@
       </p:grpSpPr>
       <p:sp>
         <p:nvSpPr>
-          <p:cNvPr id="26" name="Rectangle 25"/>
-          <p:cNvSpPr/>
-          <p:nvPr/>
+          <p:cNvPr id="2" name="Title 1"/>
+          <p:cNvSpPr>
+            <a:spLocks noGrp="1"/>
+          </p:cNvSpPr>
+          <p:nvPr>
+            <p:ph type="title"/>
+          </p:nvPr>
         </p:nvSpPr>
         <p:spPr>
           <a:xfrm>
-            <a:off x="0" y="0"/>
-            <a:ext cx="6096000" cy="6858000"/>
+            <a:off x="1484312" y="1600200"/>
+            <a:ext cx="3549121" cy="1371600"/>
           </a:xfrm>
-          <a:prstGeom prst="rect">
-            <a:avLst/>
-          </a:prstGeom>
-          <a:solidFill>
-            <a:schemeClr val="accent2"/>
-          </a:solidFill>
-          <a:ln>
-            <a:noFill/>
-          </a:ln>
         </p:spPr>
-        <p:style>
-          <a:lnRef idx="2">
-            <a:schemeClr val="accent1">
-              <a:shade val="50000"/>
-            </a:schemeClr>
-          </a:lnRef>
-          <a:fillRef idx="1">
-            <a:schemeClr val="accent1"/>
-          </a:fillRef>
-          <a:effectRef idx="0">
-            <a:schemeClr val="accent1"/>
-          </a:effectRef>
-          <a:fontRef idx="minor">
-            <a:schemeClr val="lt1"/>
-          </a:fontRef>
-        </p:style>
-      </p:sp>
-      <p:sp>
-        <p:nvSpPr>
-          <p:cNvPr id="2" name="Title 1"/>
-          <p:cNvSpPr>
-            <a:spLocks noGrp="1"/>
-          </p:cNvSpPr>
-          <p:nvPr>
-            <p:ph type="title"/>
-          </p:nvPr>
-        </p:nvSpPr>
-        <p:spPr bwMode="blackWhite">
+        <p:txBody>
+          <a:bodyPr anchor="b">
+            <a:normAutofit/>
+          </a:bodyPr>
+          <a:lstStyle>
+            <a:lvl1pPr algn="ctr">
+              <a:defRPr sz="2400" b="0"/>
+            </a:lvl1pPr>
+          </a:lstStyle>
+          <a:p>
+            <a:r>
+              <a:rPr lang="en-US"/>
+              <a:t>Click to edit Master title style</a:t>
+            </a:r>
+            <a:endParaRPr lang="en-US" dirty="0"/>
+          </a:p>
+        </p:txBody>
+      </p:sp>
+      <p:sp>
+        <p:nvSpPr>
+          <p:cNvPr id="3" name="Content Placeholder 2"/>
+          <p:cNvSpPr>
+            <a:spLocks noGrp="1"/>
+          </p:cNvSpPr>
+          <p:nvPr>
+            <p:ph idx="1"/>
+          </p:nvPr>
+        </p:nvSpPr>
+        <p:spPr>
           <a:xfrm>
-            <a:off x="804672" y="2243828"/>
-            <a:ext cx="4486656" cy="1141497"/>
+            <a:off x="5262033" y="685799"/>
+            <a:ext cx="6240990" cy="5105401"/>
           </a:xfrm>
-          <a:solidFill>
-            <a:srgbClr val="FFFFFF"/>
-          </a:solidFill>
-          <a:ln>
-            <a:solidFill>
-              <a:srgbClr val="404040"/>
-            </a:solidFill>
-          </a:ln>
         </p:spPr>
         <p:txBody>
-          <a:bodyPr anchor="ctr" anchorCtr="1">
+          <a:bodyPr anchor="ctr">
             <a:normAutofit/>
           </a:bodyPr>
           <a:lstStyle>
             <a:lvl1pPr>
-              <a:defRPr sz="2200">
-                <a:solidFill>
-                  <a:srgbClr val="262626"/>
-                </a:solidFill>
-              </a:defRPr>
+              <a:defRPr sz="2000"/>
             </a:lvl1pPr>
+            <a:lvl2pPr>
+              <a:defRPr sz="1800"/>
+            </a:lvl2pPr>
+            <a:lvl3pPr>
+              <a:defRPr sz="1600"/>
+            </a:lvl3pPr>
+            <a:lvl4pPr>
+              <a:defRPr sz="1400"/>
+            </a:lvl4pPr>
+            <a:lvl5pPr>
+              <a:defRPr sz="1400"/>
+            </a:lvl5pPr>
+            <a:lvl6pPr>
+              <a:defRPr sz="1400"/>
+            </a:lvl6pPr>
+            <a:lvl7pPr>
+              <a:defRPr sz="1400"/>
+            </a:lvl7pPr>
+            <a:lvl8pPr>
+              <a:defRPr sz="1400"/>
+            </a:lvl8pPr>
+            <a:lvl9pPr>
+              <a:defRPr sz="1400"/>
+            </a:lvl9pPr>
           </a:lstStyle>
           <a:p>
+            <a:pPr lvl="0"/>
             <a:r>
               <a:rPr lang="en-US"/>
-              <a:t>Click to edit Master title style</a:t>
+              <a:t>Edit Master text styles</a:t>
+            </a:r>
+          </a:p>
+          <a:p>
+            <a:pPr lvl="1"/>
+            <a:r>
+              <a:rPr lang="en-US"/>
+              <a:t>Second level</a:t>
+            </a:r>
+          </a:p>
+          <a:p>
+            <a:pPr lvl="2"/>
+            <a:r>
+              <a:rPr lang="en-US"/>
+              <a:t>Third level</a:t>
+            </a:r>
+          </a:p>
+          <a:p>
+            <a:pPr lvl="3"/>
+            <a:r>
+              <a:rPr lang="en-US"/>
+              <a:t>Fourth level</a:t>
+            </a:r>
+          </a:p>
+          <a:p>
+            <a:pPr lvl="4"/>
+            <a:r>
+              <a:rPr lang="en-US"/>
+              <a:t>Fifth level</a:t>
             </a:r>
             <a:endParaRPr lang="en-US" dirty="0"/>
           </a:p>
@@ -2573,18 +5400,18 @@
       </p:sp>
       <p:sp>
         <p:nvSpPr>
-          <p:cNvPr id="3" name="Content Placeholder 2"/>
-          <p:cNvSpPr>
-            <a:spLocks noGrp="1"/>
-          </p:cNvSpPr>
-          <p:nvPr>
-            <p:ph idx="1"/>
+          <p:cNvPr id="4" name="Text Placeholder 3"/>
+          <p:cNvSpPr>
+            <a:spLocks noGrp="1"/>
+          </p:cNvSpPr>
+          <p:nvPr>
+            <p:ph type="body" sz="half" idx="2"/>
           </p:nvPr>
         </p:nvSpPr>
         <p:spPr>
           <a:xfrm>
-            <a:off x="6736080" y="804672"/>
-            <a:ext cx="4815840" cy="5248656"/>
+            <a:off x="1484312" y="2971800"/>
+            <a:ext cx="3549121" cy="1828800"/>
           </a:xfrm>
         </p:spPr>
         <p:txBody>
@@ -2592,52 +5419,41 @@
             <a:normAutofit/>
           </a:bodyPr>
           <a:lstStyle>
-            <a:lvl1pPr>
-              <a:defRPr sz="1900">
-                <a:solidFill>
-                  <a:schemeClr val="tx1"/>
-                </a:solidFill>
-              </a:defRPr>
+            <a:lvl1pPr marL="0" indent="0" algn="ctr">
+              <a:buNone/>
+              <a:defRPr sz="1600"/>
             </a:lvl1pPr>
-            <a:lvl2pPr>
-              <a:defRPr sz="1600">
-                <a:solidFill>
-                  <a:schemeClr val="tx1"/>
-                </a:solidFill>
-              </a:defRPr>
+            <a:lvl2pPr marL="457200" indent="0">
+              <a:buNone/>
+              <a:defRPr sz="1200"/>
             </a:lvl2pPr>
-            <a:lvl3pPr>
-              <a:defRPr sz="1600">
-                <a:solidFill>
-                  <a:schemeClr val="tx1"/>
-                </a:solidFill>
-              </a:defRPr>
+            <a:lvl3pPr marL="914400" indent="0">
+              <a:buNone/>
+              <a:defRPr sz="1000"/>
             </a:lvl3pPr>
-            <a:lvl4pPr>
-              <a:defRPr sz="1600">
-                <a:solidFill>
-                  <a:schemeClr val="tx1"/>
-                </a:solidFill>
-              </a:defRPr>
+            <a:lvl4pPr marL="1371600" indent="0">
+              <a:buNone/>
+              <a:defRPr sz="900"/>
             </a:lvl4pPr>
-            <a:lvl5pPr>
-              <a:defRPr sz="1600">
-                <a:solidFill>
-                  <a:schemeClr val="tx1"/>
-                </a:solidFill>
-              </a:defRPr>
+            <a:lvl5pPr marL="1828800" indent="0">
+              <a:buNone/>
+              <a:defRPr sz="900"/>
             </a:lvl5pPr>
-            <a:lvl6pPr>
-              <a:defRPr sz="1600"/>
+            <a:lvl6pPr marL="2286000" indent="0">
+              <a:buNone/>
+              <a:defRPr sz="900"/>
             </a:lvl6pPr>
-            <a:lvl7pPr>
-              <a:defRPr sz="1600"/>
+            <a:lvl7pPr marL="2743200" indent="0">
+              <a:buNone/>
+              <a:defRPr sz="900"/>
             </a:lvl7pPr>
-            <a:lvl8pPr>
-              <a:defRPr sz="1600"/>
+            <a:lvl8pPr marL="3200400" indent="0">
+              <a:buNone/>
+              <a:defRPr sz="900"/>
             </a:lvl8pPr>
-            <a:lvl9pPr>
-              <a:defRPr sz="1600"/>
+            <a:lvl9pPr marL="3657600" indent="0">
+              <a:buNone/>
+              <a:defRPr sz="900"/>
             </a:lvl9pPr>
           </a:lstStyle>
           <a:p>
@@ -2647,111 +5463,11 @@
               <a:t>Edit Master text styles</a:t>
             </a:r>
           </a:p>
-          <a:p>
-            <a:pPr lvl="1"/>
-            <a:r>
-              <a:rPr lang="en-US"/>
-              <a:t>Second level</a:t>
-            </a:r>
-          </a:p>
-          <a:p>
-            <a:pPr lvl="2"/>
-            <a:r>
-              <a:rPr lang="en-US"/>
-              <a:t>Third level</a:t>
-            </a:r>
-          </a:p>
-          <a:p>
-            <a:pPr lvl="3"/>
-            <a:r>
-              <a:rPr lang="en-US"/>
-              <a:t>Fourth level</a:t>
-            </a:r>
-          </a:p>
-          <a:p>
-            <a:pPr lvl="4"/>
-            <a:r>
-              <a:rPr lang="en-US"/>
-              <a:t>Fifth level</a:t>
-            </a:r>
-            <a:endParaRPr lang="en-US" dirty="0"/>
-          </a:p>
-        </p:txBody>
-      </p:sp>
-      <p:sp>
-        <p:nvSpPr>
-          <p:cNvPr id="4" name="Text Placeholder 3"/>
-          <p:cNvSpPr>
-            <a:spLocks noGrp="1"/>
-          </p:cNvSpPr>
-          <p:nvPr>
-            <p:ph type="body" sz="half" idx="2"/>
-          </p:nvPr>
-        </p:nvSpPr>
-        <p:spPr>
-          <a:xfrm>
-            <a:off x="1115568" y="3549918"/>
-            <a:ext cx="3794760" cy="2194036"/>
-          </a:xfrm>
-        </p:spPr>
-        <p:txBody>
-          <a:bodyPr anchor="t" anchorCtr="1">
-            <a:normAutofit/>
-          </a:bodyPr>
-          <a:lstStyle>
-            <a:lvl1pPr marL="0" indent="0" algn="ctr">
-              <a:buNone/>
-              <a:defRPr sz="1500">
-                <a:solidFill>
-                  <a:srgbClr val="FFFFFF"/>
-                </a:solidFill>
-              </a:defRPr>
-            </a:lvl1pPr>
-            <a:lvl2pPr marL="457200" indent="0">
-              <a:buNone/>
-              <a:defRPr sz="1400"/>
-            </a:lvl2pPr>
-            <a:lvl3pPr marL="914400" indent="0">
-              <a:buNone/>
-              <a:defRPr sz="1200"/>
-            </a:lvl3pPr>
-            <a:lvl4pPr marL="1371600" indent="0">
-              <a:buNone/>
-              <a:defRPr sz="1000"/>
-            </a:lvl4pPr>
-            <a:lvl5pPr marL="1828800" indent="0">
-              <a:buNone/>
-              <a:defRPr sz="1000"/>
-            </a:lvl5pPr>
-            <a:lvl6pPr marL="2286000" indent="0">
-              <a:buNone/>
-              <a:defRPr sz="1000"/>
-            </a:lvl6pPr>
-            <a:lvl7pPr marL="2743200" indent="0">
-              <a:buNone/>
-              <a:defRPr sz="1000"/>
-            </a:lvl7pPr>
-            <a:lvl8pPr marL="3200400" indent="0">
-              <a:buNone/>
-              <a:defRPr sz="1000"/>
-            </a:lvl8pPr>
-            <a:lvl9pPr marL="3657600" indent="0">
-              <a:buNone/>
-              <a:defRPr sz="1000"/>
-            </a:lvl9pPr>
-          </a:lstStyle>
-          <a:p>
-            <a:pPr lvl="0"/>
-            <a:r>
-              <a:rPr lang="en-US"/>
-              <a:t>Edit Master text styles</a:t>
-            </a:r>
-          </a:p>
-        </p:txBody>
-      </p:sp>
-      <p:sp>
-        <p:nvSpPr>
-          <p:cNvPr id="9" name="Date Placeholder 8"/>
+        </p:txBody>
+      </p:sp>
+      <p:sp>
+        <p:nvSpPr>
+          <p:cNvPr id="5" name="Date Placeholder 4"/>
           <p:cNvSpPr>
             <a:spLocks noGrp="1"/>
           </p:cNvSpPr>
@@ -2765,7 +5481,7 @@
           <a:lstStyle/>
           <a:p>
             <a:fld id="{D1BE4249-C0D0-4B06-8692-E8BB871AF643}" type="datetimeFigureOut">
-              <a:rPr lang="en-US" dirty="0"/>
+              <a:rPr lang="en-US" smtClean="0"/>
               <a:t>7/18/2018</a:t>
             </a:fld>
             <a:endParaRPr lang="en-US" dirty="0"/>
@@ -2774,46 +5490,12 @@
       </p:sp>
       <p:sp>
         <p:nvSpPr>
-          <p:cNvPr id="10" name="Footer Placeholder 9"/>
+          <p:cNvPr id="6" name="Footer Placeholder 5"/>
           <p:cNvSpPr>
             <a:spLocks noGrp="1"/>
           </p:cNvSpPr>
           <p:nvPr>
             <p:ph type="ftr" sz="quarter" idx="11"/>
-          </p:nvPr>
-        </p:nvSpPr>
-        <p:spPr>
-          <a:xfrm>
-            <a:off x="804672" y="6236208"/>
-            <a:ext cx="5124797" cy="320040"/>
-          </a:xfrm>
-        </p:spPr>
-        <p:txBody>
-          <a:bodyPr/>
-          <a:lstStyle>
-            <a:lvl1pPr>
-              <a:defRPr>
-                <a:solidFill>
-                  <a:srgbClr val="FFFFFF">
-                    <a:alpha val="70000"/>
-                  </a:srgbClr>
-                </a:solidFill>
-              </a:defRPr>
-            </a:lvl1pPr>
-          </a:lstStyle>
-          <a:p>
-            <a:endParaRPr lang="en-US" dirty="0"/>
-          </a:p>
-        </p:txBody>
-      </p:sp>
-      <p:sp>
-        <p:nvSpPr>
-          <p:cNvPr id="11" name="Slide Number Placeholder 10"/>
-          <p:cNvSpPr>
-            <a:spLocks noGrp="1"/>
-          </p:cNvSpPr>
-          <p:nvPr>
-            <p:ph type="sldNum" sz="quarter" idx="12"/>
           </p:nvPr>
         </p:nvSpPr>
         <p:spPr/>
@@ -2821,8 +5503,27 @@
           <a:bodyPr/>
           <a:lstStyle/>
           <a:p>
+            <a:endParaRPr lang="en-US" dirty="0"/>
+          </a:p>
+        </p:txBody>
+      </p:sp>
+      <p:sp>
+        <p:nvSpPr>
+          <p:cNvPr id="7" name="Slide Number Placeholder 6"/>
+          <p:cNvSpPr>
+            <a:spLocks noGrp="1"/>
+          </p:cNvSpPr>
+          <p:nvPr>
+            <p:ph type="sldNum" sz="quarter" idx="12"/>
+          </p:nvPr>
+        </p:nvSpPr>
+        <p:spPr/>
+        <p:txBody>
+          <a:bodyPr/>
+          <a:lstStyle/>
+          <a:p>
             <a:fld id="{8A7A6979-0714-4377-B894-6BE4C2D6E202}" type="slidenum">
-              <a:rPr lang="en-US" dirty="0"/>
+              <a:rPr lang="en-US" smtClean="0"/>
               <a:t>‹#›</a:t>
             </a:fld>
             <a:endParaRPr lang="en-US" dirty="0"/>
@@ -2830,6 +5531,11 @@
         </p:txBody>
       </p:sp>
     </p:spTree>
+    <p:extLst>
+      <p:ext uri="{BB962C8B-B14F-4D97-AF65-F5344CB8AC3E}">
+        <p14:creationId xmlns:p14="http://schemas.microsoft.com/office/powerpoint/2010/main" val="186221609"/>
+      </p:ext>
+    </p:extLst>
   </p:cSld>
   <p:clrMapOvr>
     <a:masterClrMapping/>
@@ -2856,77 +5562,27 @@
       </p:grpSpPr>
       <p:sp>
         <p:nvSpPr>
-          <p:cNvPr id="18" name="Rectangle 17"/>
-          <p:cNvSpPr/>
-          <p:nvPr/>
+          <p:cNvPr id="2" name="Title 1"/>
+          <p:cNvSpPr>
+            <a:spLocks noGrp="1"/>
+          </p:cNvSpPr>
+          <p:nvPr>
+            <p:ph type="title"/>
+          </p:nvPr>
         </p:nvSpPr>
         <p:spPr>
           <a:xfrm>
-            <a:off x="0" y="0"/>
-            <a:ext cx="6095999" cy="6858000"/>
+            <a:off x="1482724" y="1752599"/>
+            <a:ext cx="5426158" cy="1371600"/>
           </a:xfrm>
-          <a:prstGeom prst="rect">
-            <a:avLst/>
-          </a:prstGeom>
-          <a:solidFill>
-            <a:schemeClr val="accent2"/>
-          </a:solidFill>
-          <a:ln>
-            <a:noFill/>
-          </a:ln>
         </p:spPr>
-        <p:style>
-          <a:lnRef idx="2">
-            <a:schemeClr val="accent1">
-              <a:shade val="50000"/>
-            </a:schemeClr>
-          </a:lnRef>
-          <a:fillRef idx="1">
-            <a:schemeClr val="accent1"/>
-          </a:fillRef>
-          <a:effectRef idx="0">
-            <a:schemeClr val="accent1"/>
-          </a:effectRef>
-          <a:fontRef idx="minor">
-            <a:schemeClr val="lt1"/>
-          </a:fontRef>
-        </p:style>
-      </p:sp>
-      <p:sp>
-        <p:nvSpPr>
-          <p:cNvPr id="2" name="Title 1"/>
-          <p:cNvSpPr>
-            <a:spLocks noGrp="1"/>
-          </p:cNvSpPr>
-          <p:nvPr>
-            <p:ph type="title"/>
-          </p:nvPr>
-        </p:nvSpPr>
-        <p:spPr bwMode="blackWhite">
-          <a:xfrm>
-            <a:off x="808523" y="2243828"/>
-            <a:ext cx="4494998" cy="1134640"/>
-          </a:xfrm>
-          <a:solidFill>
-            <a:srgbClr val="FFFFFF"/>
-          </a:solidFill>
-          <a:ln>
-            <a:solidFill>
-              <a:srgbClr val="404040"/>
-            </a:solidFill>
-          </a:ln>
-        </p:spPr>
-        <p:txBody>
-          <a:bodyPr anchor="ctr" anchorCtr="1">
-            <a:noAutofit/>
+        <p:txBody>
+          <a:bodyPr anchor="b">
+            <a:normAutofit/>
           </a:bodyPr>
           <a:lstStyle>
-            <a:lvl1pPr>
-              <a:defRPr sz="2200">
-                <a:solidFill>
-                  <a:srgbClr val="262626"/>
-                </a:solidFill>
-              </a:defRPr>
+            <a:lvl1pPr algn="ctr">
+              <a:defRPr sz="2800" b="0"/>
             </a:lvl1pPr>
           </a:lstStyle>
           <a:p>
@@ -2940,7 +5596,7 @@
       </p:sp>
       <p:sp>
         <p:nvSpPr>
-          <p:cNvPr id="3" name="Picture Placeholder 2"/>
+          <p:cNvPr id="14" name="Picture Placeholder 2"/>
           <p:cNvSpPr>
             <a:spLocks noGrp="1" noChangeAspect="1"/>
           </p:cNvSpPr>
@@ -2950,134 +5606,148 @@
         </p:nvSpPr>
         <p:spPr>
           <a:xfrm>
-            <a:off x="6095999" y="0"/>
-            <a:ext cx="6102097" cy="6858000"/>
+            <a:off x="7594682" y="914400"/>
+            <a:ext cx="3280974" cy="4572000"/>
           </a:xfrm>
-          <a:solidFill>
-            <a:schemeClr val="bg1">
-              <a:lumMod val="75000"/>
-            </a:schemeClr>
-          </a:solidFill>
+          <a:prstGeom prst="roundRect">
+            <a:avLst>
+              <a:gd name="adj" fmla="val 4280"/>
+            </a:avLst>
+          </a:prstGeom>
+          <a:ln w="38100">
+            <a:gradFill flip="none" rotWithShape="1">
+              <a:gsLst>
+                <a:gs pos="0">
+                  <a:schemeClr val="bg2"/>
+                </a:gs>
+                <a:gs pos="100000">
+                  <a:schemeClr val="bg2">
+                    <a:lumMod val="75000"/>
+                  </a:schemeClr>
+                </a:gs>
+              </a:gsLst>
+              <a:lin ang="5400000" scaled="0"/>
+              <a:tileRect/>
+            </a:gradFill>
+          </a:ln>
+          <a:effectLst>
+            <a:innerShdw blurRad="57150" dist="38100" dir="14460000">
+              <a:srgbClr val="000000">
+                <a:alpha val="70000"/>
+              </a:srgbClr>
+            </a:innerShdw>
+          </a:effectLst>
         </p:spPr>
         <p:txBody>
-          <a:bodyPr anchor="t"/>
-          <a:lstStyle>
-            <a:lvl1pPr marL="0" indent="0">
-              <a:buNone/>
-              <a:defRPr sz="3200">
-                <a:solidFill>
-                  <a:schemeClr val="bg1">
-                    <a:lumMod val="85000"/>
-                    <a:lumOff val="15000"/>
-                  </a:schemeClr>
-                </a:solidFill>
-              </a:defRPr>
-            </a:lvl1pPr>
-            <a:lvl2pPr marL="457200" indent="0">
-              <a:buNone/>
-              <a:defRPr sz="2800"/>
-            </a:lvl2pPr>
-            <a:lvl3pPr marL="914400" indent="0">
-              <a:buNone/>
-              <a:defRPr sz="2400"/>
-            </a:lvl3pPr>
-            <a:lvl4pPr marL="1371600" indent="0">
-              <a:buNone/>
-              <a:defRPr sz="2000"/>
-            </a:lvl4pPr>
-            <a:lvl5pPr marL="1828800" indent="0">
-              <a:buNone/>
-              <a:defRPr sz="2000"/>
-            </a:lvl5pPr>
-            <a:lvl6pPr marL="2286000" indent="0">
-              <a:buNone/>
-              <a:defRPr sz="2000"/>
-            </a:lvl6pPr>
-            <a:lvl7pPr marL="2743200" indent="0">
-              <a:buNone/>
-              <a:defRPr sz="2000"/>
-            </a:lvl7pPr>
-            <a:lvl8pPr marL="3200400" indent="0">
-              <a:buNone/>
-              <a:defRPr sz="2000"/>
-            </a:lvl8pPr>
-            <a:lvl9pPr marL="3657600" indent="0">
-              <a:buNone/>
-              <a:defRPr sz="2000"/>
-            </a:lvl9pPr>
-          </a:lstStyle>
-          <a:p>
-            <a:r>
-              <a:rPr lang="en-US"/>
-              <a:t>Click icon to add picture</a:t>
-            </a:r>
-            <a:endParaRPr lang="en-US" dirty="0"/>
-          </a:p>
-        </p:txBody>
-      </p:sp>
-      <p:sp>
-        <p:nvSpPr>
-          <p:cNvPr id="4" name="Text Placeholder 3"/>
-          <p:cNvSpPr>
-            <a:spLocks noGrp="1"/>
-          </p:cNvSpPr>
-          <p:nvPr>
-            <p:ph type="body" sz="half" idx="2"/>
-          </p:nvPr>
-        </p:nvSpPr>
-        <p:spPr>
-          <a:xfrm>
-            <a:off x="1115568" y="3549918"/>
-            <a:ext cx="3794760" cy="2194037"/>
-          </a:xfrm>
-        </p:spPr>
-        <p:txBody>
-          <a:bodyPr anchor="t" anchorCtr="1">
+          <a:bodyPr anchor="t">
             <a:normAutofit/>
           </a:bodyPr>
           <a:lstStyle>
             <a:lvl1pPr marL="0" indent="0" algn="ctr">
               <a:buNone/>
-              <a:defRPr sz="1500">
-                <a:solidFill>
-                  <a:srgbClr val="FFFFFF"/>
-                </a:solidFill>
-              </a:defRPr>
+              <a:defRPr sz="1600"/>
             </a:lvl1pPr>
             <a:lvl2pPr marL="457200" indent="0">
               <a:buNone/>
-              <a:defRPr sz="1400"/>
+              <a:defRPr sz="1600"/>
             </a:lvl2pPr>
             <a:lvl3pPr marL="914400" indent="0">
               <a:buNone/>
-              <a:defRPr sz="1200"/>
+              <a:defRPr sz="1600"/>
             </a:lvl3pPr>
             <a:lvl4pPr marL="1371600" indent="0">
               <a:buNone/>
-              <a:defRPr sz="1000"/>
+              <a:defRPr sz="1600"/>
             </a:lvl4pPr>
             <a:lvl5pPr marL="1828800" indent="0">
               <a:buNone/>
-              <a:defRPr sz="1000"/>
+              <a:defRPr sz="1600"/>
             </a:lvl5pPr>
             <a:lvl6pPr marL="2286000" indent="0">
               <a:buNone/>
-              <a:defRPr sz="1000"/>
+              <a:defRPr sz="1600"/>
             </a:lvl6pPr>
             <a:lvl7pPr marL="2743200" indent="0">
               <a:buNone/>
-              <a:defRPr sz="1000"/>
+              <a:defRPr sz="1600"/>
             </a:lvl7pPr>
             <a:lvl8pPr marL="3200400" indent="0">
               <a:buNone/>
-              <a:defRPr sz="1000"/>
+              <a:defRPr sz="1600"/>
             </a:lvl8pPr>
             <a:lvl9pPr marL="3657600" indent="0">
               <a:buNone/>
-              <a:defRPr sz="1000"/>
+              <a:defRPr sz="1600"/>
             </a:lvl9pPr>
           </a:lstStyle>
           <a:p>
+            <a:r>
+              <a:rPr lang="en-US"/>
+              <a:t>Click icon to add picture</a:t>
+            </a:r>
+            <a:endParaRPr lang="en-US" dirty="0"/>
+          </a:p>
+        </p:txBody>
+      </p:sp>
+      <p:sp>
+        <p:nvSpPr>
+          <p:cNvPr id="4" name="Text Placeholder 3"/>
+          <p:cNvSpPr>
+            <a:spLocks noGrp="1"/>
+          </p:cNvSpPr>
+          <p:nvPr>
+            <p:ph type="body" sz="half" idx="2"/>
+          </p:nvPr>
+        </p:nvSpPr>
+        <p:spPr>
+          <a:xfrm>
+            <a:off x="1482724" y="3124199"/>
+            <a:ext cx="5426158" cy="1828800"/>
+          </a:xfrm>
+        </p:spPr>
+        <p:txBody>
+          <a:bodyPr>
+            <a:normAutofit/>
+          </a:bodyPr>
+          <a:lstStyle>
+            <a:lvl1pPr marL="0" indent="0" algn="ctr">
+              <a:buNone/>
+              <a:defRPr sz="1800"/>
+            </a:lvl1pPr>
+            <a:lvl2pPr marL="457200" indent="0">
+              <a:buNone/>
+              <a:defRPr sz="1200"/>
+            </a:lvl2pPr>
+            <a:lvl3pPr marL="914400" indent="0">
+              <a:buNone/>
+              <a:defRPr sz="1000"/>
+            </a:lvl3pPr>
+            <a:lvl4pPr marL="1371600" indent="0">
+              <a:buNone/>
+              <a:defRPr sz="900"/>
+            </a:lvl4pPr>
+            <a:lvl5pPr marL="1828800" indent="0">
+              <a:buNone/>
+              <a:defRPr sz="900"/>
+            </a:lvl5pPr>
+            <a:lvl6pPr marL="2286000" indent="0">
+              <a:buNone/>
+              <a:defRPr sz="900"/>
+            </a:lvl6pPr>
+            <a:lvl7pPr marL="2743200" indent="0">
+              <a:buNone/>
+              <a:defRPr sz="900"/>
+            </a:lvl7pPr>
+            <a:lvl8pPr marL="3200400" indent="0">
+              <a:buNone/>
+              <a:defRPr sz="900"/>
+            </a:lvl8pPr>
+            <a:lvl9pPr marL="3657600" indent="0">
+              <a:buNone/>
+              <a:defRPr sz="900"/>
+            </a:lvl9pPr>
+          </a:lstStyle>
+          <a:p>
             <a:pPr lvl="0"/>
             <a:r>
               <a:rPr lang="en-US"/>
@@ -3088,7 +5758,7 @@
       </p:sp>
       <p:sp>
         <p:nvSpPr>
-          <p:cNvPr id="8" name="Date Placeholder 7"/>
+          <p:cNvPr id="5" name="Date Placeholder 4"/>
           <p:cNvSpPr>
             <a:spLocks noGrp="1"/>
           </p:cNvSpPr>
@@ -3099,25 +5769,10 @@
         <p:spPr/>
         <p:txBody>
           <a:bodyPr/>
-          <a:lstStyle>
-            <a:lvl1pPr>
-              <a:defRPr>
-                <a:solidFill>
-                  <a:srgbClr val="FFFFFF"/>
-                </a:solidFill>
-                <a:effectLst>
-                  <a:outerShdw blurRad="50800" dist="38100" dir="2700000" algn="tl" rotWithShape="0">
-                    <a:prstClr val="black">
-                      <a:alpha val="43000"/>
-                    </a:prstClr>
-                  </a:outerShdw>
-                </a:effectLst>
-              </a:defRPr>
-            </a:lvl1pPr>
-          </a:lstStyle>
+          <a:lstStyle/>
           <a:p>
             <a:fld id="{042B0DB6-F5C7-45FB-8CF3-31B45F9C2DAC}" type="datetimeFigureOut">
-              <a:rPr lang="en-US" dirty="0"/>
+              <a:rPr lang="en-US" smtClean="0"/>
               <a:t>7/18/2018</a:t>
             </a:fld>
             <a:endParaRPr lang="en-US" dirty="0"/>
@@ -3126,46 +5781,12 @@
       </p:sp>
       <p:sp>
         <p:nvSpPr>
-          <p:cNvPr id="9" name="Footer Placeholder 8"/>
+          <p:cNvPr id="6" name="Footer Placeholder 5"/>
           <p:cNvSpPr>
             <a:spLocks noGrp="1"/>
           </p:cNvSpPr>
           <p:nvPr>
             <p:ph type="ftr" sz="quarter" idx="11"/>
-          </p:nvPr>
-        </p:nvSpPr>
-        <p:spPr>
-          <a:xfrm>
-            <a:off x="804672" y="6236208"/>
-            <a:ext cx="5124797" cy="320040"/>
-          </a:xfrm>
-        </p:spPr>
-        <p:txBody>
-          <a:bodyPr/>
-          <a:lstStyle>
-            <a:lvl1pPr>
-              <a:defRPr>
-                <a:solidFill>
-                  <a:srgbClr val="FFFFFF">
-                    <a:alpha val="70000"/>
-                  </a:srgbClr>
-                </a:solidFill>
-              </a:defRPr>
-            </a:lvl1pPr>
-          </a:lstStyle>
-          <a:p>
-            <a:endParaRPr lang="en-US" dirty="0"/>
-          </a:p>
-        </p:txBody>
-      </p:sp>
-      <p:sp>
-        <p:nvSpPr>
-          <p:cNvPr id="10" name="Slide Number Placeholder 9"/>
-          <p:cNvSpPr>
-            <a:spLocks noGrp="1"/>
-          </p:cNvSpPr>
-          <p:nvPr>
-            <p:ph type="sldNum" sz="quarter" idx="12"/>
           </p:nvPr>
         </p:nvSpPr>
         <p:spPr/>
@@ -3173,8 +5794,27 @@
           <a:bodyPr/>
           <a:lstStyle/>
           <a:p>
+            <a:endParaRPr lang="en-US" dirty="0"/>
+          </a:p>
+        </p:txBody>
+      </p:sp>
+      <p:sp>
+        <p:nvSpPr>
+          <p:cNvPr id="7" name="Slide Number Placeholder 6"/>
+          <p:cNvSpPr>
+            <a:spLocks noGrp="1"/>
+          </p:cNvSpPr>
+          <p:nvPr>
+            <p:ph type="sldNum" sz="quarter" idx="12"/>
+          </p:nvPr>
+        </p:nvSpPr>
+        <p:spPr/>
+        <p:txBody>
+          <a:bodyPr/>
+          <a:lstStyle/>
+          <a:p>
             <a:fld id="{8A7A6979-0714-4377-B894-6BE4C2D6E202}" type="slidenum">
-              <a:rPr lang="en-US" dirty="0"/>
+              <a:rPr lang="en-US" smtClean="0"/>
               <a:t>‹#›</a:t>
             </a:fld>
             <a:endParaRPr lang="en-US" dirty="0"/>
@@ -3182,6 +5822,11 @@
         </p:txBody>
       </p:sp>
     </p:spTree>
+    <p:extLst>
+      <p:ext uri="{BB962C8B-B14F-4D97-AF65-F5344CB8AC3E}">
+        <p14:creationId xmlns:p14="http://schemas.microsoft.com/office/powerpoint/2010/main" val="1706804123"/>
+      </p:ext>
+    </p:extLst>
   </p:cSld>
   <p:clrMapOvr>
     <a:masterClrMapping/>
@@ -3193,14 +5838,9 @@
 <p:sldMaster xmlns:a="http://schemas.openxmlformats.org/drawingml/2006/main" xmlns:r="http://schemas.openxmlformats.org/officeDocument/2006/relationships" xmlns:p="http://schemas.openxmlformats.org/presentationml/2006/main">
   <p:cSld>
     <p:bg>
-      <p:bgPr>
-        <a:solidFill>
-          <a:schemeClr val="bg1">
-            <a:lumMod val="95000"/>
-          </a:schemeClr>
-        </a:solidFill>
-        <a:effectLst/>
-      </p:bgPr>
+      <p:bgRef idx="1003">
+        <a:schemeClr val="bg2"/>
+      </p:bgRef>
     </p:bg>
     <p:spTree>
       <p:nvGrpSpPr>
@@ -3216,6 +5856,322 @@
           <a:chExt cx="0" cy="0"/>
         </a:xfrm>
       </p:grpSpPr>
+      <p:grpSp>
+        <p:nvGrpSpPr>
+          <p:cNvPr id="7" name="Group 6"/>
+          <p:cNvGrpSpPr/>
+          <p:nvPr/>
+        </p:nvGrpSpPr>
+        <p:grpSpPr>
+          <a:xfrm>
+            <a:off x="150812" y="0"/>
+            <a:ext cx="2436813" cy="6858001"/>
+            <a:chOff x="1320800" y="0"/>
+            <a:chExt cx="2436813" cy="6858001"/>
+          </a:xfrm>
+        </p:grpSpPr>
+        <p:sp>
+          <p:nvSpPr>
+            <p:cNvPr id="8" name="Freeform 6"/>
+            <p:cNvSpPr/>
+            <p:nvPr/>
+          </p:nvSpPr>
+          <p:spPr bwMode="auto">
+            <a:xfrm>
+              <a:off x="1627188" y="0"/>
+              <a:ext cx="1122363" cy="5329238"/>
+            </a:xfrm>
+            <a:custGeom>
+              <a:avLst/>
+              <a:gdLst/>
+              <a:ahLst/>
+              <a:cxnLst/>
+              <a:rect l="0" t="0" r="r" b="b"/>
+              <a:pathLst>
+                <a:path w="707" h="3357">
+                  <a:moveTo>
+                    <a:pt x="0" y="3330"/>
+                  </a:moveTo>
+                  <a:lnTo>
+                    <a:pt x="156" y="3357"/>
+                  </a:lnTo>
+                  <a:lnTo>
+                    <a:pt x="707" y="0"/>
+                  </a:lnTo>
+                  <a:lnTo>
+                    <a:pt x="547" y="0"/>
+                  </a:lnTo>
+                  <a:lnTo>
+                    <a:pt x="0" y="3330"/>
+                  </a:lnTo>
+                  <a:close/>
+                </a:path>
+              </a:pathLst>
+            </a:custGeom>
+            <a:solidFill>
+              <a:schemeClr val="accent1"/>
+            </a:solidFill>
+            <a:ln>
+              <a:noFill/>
+            </a:ln>
+          </p:spPr>
+        </p:sp>
+        <p:sp>
+          <p:nvSpPr>
+            <p:cNvPr id="9" name="Freeform 7"/>
+            <p:cNvSpPr/>
+            <p:nvPr/>
+          </p:nvSpPr>
+          <p:spPr bwMode="auto">
+            <a:xfrm>
+              <a:off x="1320800" y="0"/>
+              <a:ext cx="1117600" cy="5276850"/>
+            </a:xfrm>
+            <a:custGeom>
+              <a:avLst/>
+              <a:gdLst/>
+              <a:ahLst/>
+              <a:cxnLst/>
+              <a:rect l="0" t="0" r="r" b="b"/>
+              <a:pathLst>
+                <a:path w="704" h="3324">
+                  <a:moveTo>
+                    <a:pt x="704" y="0"/>
+                  </a:moveTo>
+                  <a:lnTo>
+                    <a:pt x="545" y="0"/>
+                  </a:lnTo>
+                  <a:lnTo>
+                    <a:pt x="0" y="3300"/>
+                  </a:lnTo>
+                  <a:lnTo>
+                    <a:pt x="157" y="3324"/>
+                  </a:lnTo>
+                  <a:lnTo>
+                    <a:pt x="704" y="0"/>
+                  </a:lnTo>
+                  <a:close/>
+                </a:path>
+              </a:pathLst>
+            </a:custGeom>
+            <a:solidFill>
+              <a:schemeClr val="tx1">
+                <a:lumMod val="65000"/>
+                <a:lumOff val="35000"/>
+              </a:schemeClr>
+            </a:solidFill>
+            <a:ln>
+              <a:noFill/>
+            </a:ln>
+          </p:spPr>
+        </p:sp>
+        <p:sp>
+          <p:nvSpPr>
+            <p:cNvPr id="10" name="Freeform 8"/>
+            <p:cNvSpPr/>
+            <p:nvPr/>
+          </p:nvSpPr>
+          <p:spPr bwMode="auto">
+            <a:xfrm>
+              <a:off x="1320800" y="5238750"/>
+              <a:ext cx="1228725" cy="1619250"/>
+            </a:xfrm>
+            <a:custGeom>
+              <a:avLst/>
+              <a:gdLst/>
+              <a:ahLst/>
+              <a:cxnLst/>
+              <a:rect l="0" t="0" r="r" b="b"/>
+              <a:pathLst>
+                <a:path w="774" h="1020">
+                  <a:moveTo>
+                    <a:pt x="0" y="0"/>
+                  </a:moveTo>
+                  <a:lnTo>
+                    <a:pt x="740" y="1020"/>
+                  </a:lnTo>
+                  <a:lnTo>
+                    <a:pt x="774" y="1020"/>
+                  </a:lnTo>
+                  <a:lnTo>
+                    <a:pt x="0" y="0"/>
+                  </a:lnTo>
+                  <a:close/>
+                </a:path>
+              </a:pathLst>
+            </a:custGeom>
+            <a:solidFill>
+              <a:schemeClr val="tx1">
+                <a:lumMod val="85000"/>
+                <a:lumOff val="15000"/>
+              </a:schemeClr>
+            </a:solidFill>
+            <a:ln>
+              <a:noFill/>
+            </a:ln>
+          </p:spPr>
+        </p:sp>
+        <p:sp>
+          <p:nvSpPr>
+            <p:cNvPr id="11" name="Freeform 9"/>
+            <p:cNvSpPr/>
+            <p:nvPr/>
+          </p:nvSpPr>
+          <p:spPr bwMode="auto">
+            <a:xfrm>
+              <a:off x="1627188" y="5291138"/>
+              <a:ext cx="1495425" cy="1566863"/>
+            </a:xfrm>
+            <a:custGeom>
+              <a:avLst/>
+              <a:gdLst/>
+              <a:ahLst/>
+              <a:cxnLst/>
+              <a:rect l="0" t="0" r="r" b="b"/>
+              <a:pathLst>
+                <a:path w="942" h="987">
+                  <a:moveTo>
+                    <a:pt x="0" y="0"/>
+                  </a:moveTo>
+                  <a:lnTo>
+                    <a:pt x="909" y="987"/>
+                  </a:lnTo>
+                  <a:lnTo>
+                    <a:pt x="942" y="987"/>
+                  </a:lnTo>
+                  <a:lnTo>
+                    <a:pt x="0" y="0"/>
+                  </a:lnTo>
+                  <a:close/>
+                </a:path>
+              </a:pathLst>
+            </a:custGeom>
+            <a:solidFill>
+              <a:schemeClr val="accent1">
+                <a:lumMod val="50000"/>
+              </a:schemeClr>
+            </a:solidFill>
+            <a:ln>
+              <a:noFill/>
+            </a:ln>
+          </p:spPr>
+        </p:sp>
+        <p:sp>
+          <p:nvSpPr>
+            <p:cNvPr id="12" name="Freeform 10"/>
+            <p:cNvSpPr/>
+            <p:nvPr/>
+          </p:nvSpPr>
+          <p:spPr bwMode="auto">
+            <a:xfrm>
+              <a:off x="1627188" y="5286375"/>
+              <a:ext cx="2130425" cy="1571625"/>
+            </a:xfrm>
+            <a:custGeom>
+              <a:avLst/>
+              <a:gdLst/>
+              <a:ahLst/>
+              <a:cxnLst/>
+              <a:rect l="0" t="0" r="r" b="b"/>
+              <a:pathLst>
+                <a:path w="1342" h="990">
+                  <a:moveTo>
+                    <a:pt x="0" y="3"/>
+                  </a:moveTo>
+                  <a:lnTo>
+                    <a:pt x="942" y="990"/>
+                  </a:lnTo>
+                  <a:lnTo>
+                    <a:pt x="1342" y="990"/>
+                  </a:lnTo>
+                  <a:lnTo>
+                    <a:pt x="156" y="27"/>
+                  </a:lnTo>
+                  <a:lnTo>
+                    <a:pt x="0" y="0"/>
+                  </a:lnTo>
+                  <a:lnTo>
+                    <a:pt x="0" y="3"/>
+                  </a:lnTo>
+                  <a:close/>
+                </a:path>
+              </a:pathLst>
+            </a:custGeom>
+            <a:solidFill>
+              <a:schemeClr val="accent1">
+                <a:lumMod val="75000"/>
+              </a:schemeClr>
+            </a:solidFill>
+            <a:ln>
+              <a:noFill/>
+            </a:ln>
+          </p:spPr>
+        </p:sp>
+        <p:sp>
+          <p:nvSpPr>
+            <p:cNvPr id="13" name="Freeform 11"/>
+            <p:cNvSpPr/>
+            <p:nvPr/>
+          </p:nvSpPr>
+          <p:spPr bwMode="auto">
+            <a:xfrm>
+              <a:off x="1320800" y="5238750"/>
+              <a:ext cx="1695450" cy="1619250"/>
+            </a:xfrm>
+            <a:custGeom>
+              <a:avLst/>
+              <a:gdLst/>
+              <a:ahLst/>
+              <a:cxnLst/>
+              <a:rect l="0" t="0" r="r" b="b"/>
+              <a:pathLst>
+                <a:path w="1068" h="1020">
+                  <a:moveTo>
+                    <a:pt x="1068" y="1020"/>
+                  </a:moveTo>
+                  <a:lnTo>
+                    <a:pt x="184" y="60"/>
+                  </a:lnTo>
+                  <a:lnTo>
+                    <a:pt x="154" y="27"/>
+                  </a:lnTo>
+                  <a:lnTo>
+                    <a:pt x="157" y="27"/>
+                  </a:lnTo>
+                  <a:lnTo>
+                    <a:pt x="157" y="24"/>
+                  </a:lnTo>
+                  <a:lnTo>
+                    <a:pt x="154" y="24"/>
+                  </a:lnTo>
+                  <a:lnTo>
+                    <a:pt x="0" y="0"/>
+                  </a:lnTo>
+                  <a:lnTo>
+                    <a:pt x="0" y="0"/>
+                  </a:lnTo>
+                  <a:lnTo>
+                    <a:pt x="774" y="1020"/>
+                  </a:lnTo>
+                  <a:lnTo>
+                    <a:pt x="1068" y="1020"/>
+                  </a:lnTo>
+                  <a:close/>
+                </a:path>
+              </a:pathLst>
+            </a:custGeom>
+            <a:solidFill>
+              <a:schemeClr val="tx1">
+                <a:lumMod val="75000"/>
+                <a:lumOff val="25000"/>
+              </a:schemeClr>
+            </a:solidFill>
+            <a:ln>
+              <a:noFill/>
+            </a:ln>
+          </p:spPr>
+        </p:sp>
+      </p:grpSp>
       <p:sp>
         <p:nvSpPr>
           <p:cNvPr id="2" name="Title Placeholder 1"/>
@@ -3226,26 +6182,18 @@
             <p:ph type="title"/>
           </p:nvPr>
         </p:nvSpPr>
-        <p:spPr bwMode="black">
+        <p:spPr>
           <a:xfrm>
-            <a:off x="2231136" y="964692"/>
-            <a:ext cx="7729728" cy="1188720"/>
+            <a:off x="1484311" y="685800"/>
+            <a:ext cx="10018713" cy="1752599"/>
           </a:xfrm>
           <a:prstGeom prst="rect">
             <a:avLst/>
           </a:prstGeom>
-          <a:solidFill>
-            <a:srgbClr val="FFFFFF"/>
-          </a:solidFill>
-          <a:ln w="31750" cap="sq">
-            <a:solidFill>
-              <a:srgbClr val="404040"/>
-            </a:solidFill>
-            <a:miter lim="800000"/>
-          </a:ln>
+          <a:effectLst/>
         </p:spPr>
         <p:txBody>
-          <a:bodyPr vert="horz" lIns="182880" tIns="182880" rIns="182880" bIns="182880" rtlCol="0" anchor="ctr">
+          <a:bodyPr vert="horz" lIns="91440" tIns="45720" rIns="91440" bIns="45720" rtlCol="0" anchor="ctr">
             <a:normAutofit/>
           </a:bodyPr>
           <a:lstStyle/>
@@ -3270,52 +6218,53 @@
         </p:nvSpPr>
         <p:spPr>
           <a:xfrm>
-            <a:off x="2231136" y="2638044"/>
-            <a:ext cx="7729728" cy="3101983"/>
+            <a:off x="1484310" y="2666999"/>
+            <a:ext cx="10018713" cy="3124201"/>
           </a:xfrm>
           <a:prstGeom prst="rect">
             <a:avLst/>
           </a:prstGeom>
         </p:spPr>
         <p:txBody>
-          <a:bodyPr vert="horz" lIns="91440" tIns="45720" rIns="91440" bIns="45720" rtlCol="0">
+          <a:bodyPr vert="horz" lIns="91440" tIns="45720" rIns="91440" bIns="45720" rtlCol="0" anchor="ctr">
             <a:normAutofit/>
           </a:bodyPr>
           <a:lstStyle/>
           <a:p>
             <a:pPr lvl="0"/>
             <a:r>
-              <a:rPr lang="en-US" dirty="0"/>
+              <a:rPr lang="en-US"/>
               <a:t>Edit Master text styles</a:t>
             </a:r>
           </a:p>
           <a:p>
             <a:pPr lvl="1"/>
             <a:r>
-              <a:rPr lang="en-US" dirty="0"/>
+              <a:rPr lang="en-US"/>
               <a:t>Second level</a:t>
             </a:r>
           </a:p>
           <a:p>
             <a:pPr lvl="2"/>
             <a:r>
-              <a:rPr lang="en-US" dirty="0"/>
+              <a:rPr lang="en-US"/>
               <a:t>Third level</a:t>
             </a:r>
           </a:p>
           <a:p>
             <a:pPr lvl="3"/>
             <a:r>
-              <a:rPr lang="en-US" dirty="0"/>
+              <a:rPr lang="en-US"/>
               <a:t>Fourth level</a:t>
             </a:r>
           </a:p>
           <a:p>
             <a:pPr lvl="4"/>
             <a:r>
-              <a:rPr lang="en-US" dirty="0"/>
+              <a:rPr lang="en-US"/>
               <a:t>Fifth level</a:t>
             </a:r>
+            <a:endParaRPr lang="en-US" dirty="0"/>
           </a:p>
         </p:txBody>
       </p:sp>
@@ -3331,8 +6280,8 @@
         </p:nvSpPr>
         <p:spPr>
           <a:xfrm>
-            <a:off x="7821429" y="6238816"/>
-            <a:ext cx="2753746" cy="323968"/>
+            <a:off x="9732656" y="5883275"/>
+            <a:ext cx="1143000" cy="365125"/>
           </a:xfrm>
           <a:prstGeom prst="rect">
             <a:avLst/>
@@ -3342,18 +6291,18 @@
           <a:bodyPr vert="horz" lIns="91440" tIns="45720" rIns="91440" bIns="45720" rtlCol="0" anchor="ctr"/>
           <a:lstStyle>
             <a:lvl1pPr algn="r">
-              <a:defRPr sz="1050">
+              <a:defRPr sz="1000" b="0" i="0">
                 <a:solidFill>
-                  <a:schemeClr val="tx1">
-                    <a:alpha val="70000"/>
-                  </a:schemeClr>
+                  <a:schemeClr val="tx1"/>
                 </a:solidFill>
+                <a:effectLst/>
+                <a:latin typeface="+mn-lt"/>
               </a:defRPr>
             </a:lvl1pPr>
           </a:lstStyle>
           <a:p>
             <a:fld id="{1160EA64-D806-43AC-9DF2-F8C432F32B4C}" type="datetimeFigureOut">
-              <a:rPr lang="en-US" dirty="0"/>
+              <a:rPr lang="en-US" smtClean="0"/>
               <a:t>7/18/2018</a:t>
             </a:fld>
             <a:endParaRPr lang="en-US" dirty="0"/>
@@ -3372,8 +6321,8 @@
         </p:nvSpPr>
         <p:spPr>
           <a:xfrm>
-            <a:off x="1600200" y="6236208"/>
-            <a:ext cx="5901189" cy="320040"/>
+            <a:off x="2572279" y="5883275"/>
+            <a:ext cx="7084177" cy="365125"/>
           </a:xfrm>
           <a:prstGeom prst="rect">
             <a:avLst/>
@@ -3383,12 +6332,12 @@
           <a:bodyPr vert="horz" lIns="91440" tIns="45720" rIns="91440" bIns="45720" rtlCol="0" anchor="ctr"/>
           <a:lstStyle>
             <a:lvl1pPr algn="l">
-              <a:defRPr sz="1050">
+              <a:defRPr sz="1000" b="0" i="0">
                 <a:solidFill>
-                  <a:schemeClr val="tx1">
-                    <a:alpha val="70000"/>
-                  </a:schemeClr>
+                  <a:schemeClr val="tx1"/>
                 </a:solidFill>
+                <a:effectLst/>
+                <a:latin typeface="+mn-lt"/>
               </a:defRPr>
             </a:lvl1pPr>
           </a:lstStyle>
@@ -3409,34 +6358,29 @@
         </p:nvSpPr>
         <p:spPr>
           <a:xfrm>
-            <a:off x="10758922" y="6217920"/>
-            <a:ext cx="365760" cy="365760"/>
+            <a:off x="10951856" y="5883275"/>
+            <a:ext cx="551167" cy="365125"/>
           </a:xfrm>
-          <a:prstGeom prst="ellipse">
+          <a:prstGeom prst="rect">
             <a:avLst/>
           </a:prstGeom>
-          <a:solidFill>
-            <a:srgbClr val="1D1D1D">
-              <a:alpha val="70000"/>
-            </a:srgbClr>
-          </a:solidFill>
         </p:spPr>
         <p:txBody>
-          <a:bodyPr vert="horz" lIns="18288" tIns="45720" rIns="18288" bIns="45720" rtlCol="0" anchor="ctr">
-            <a:noAutofit/>
-          </a:bodyPr>
+          <a:bodyPr vert="horz" lIns="91440" tIns="45720" rIns="91440" bIns="45720" rtlCol="0" anchor="ctr"/>
           <a:lstStyle>
-            <a:lvl1pPr algn="ctr">
-              <a:defRPr sz="1100" spc="0" baseline="0">
+            <a:lvl1pPr algn="r">
+              <a:defRPr sz="1000" b="0" i="0">
                 <a:solidFill>
-                  <a:srgbClr val="FFFFFF"/>
+                  <a:schemeClr val="tx1"/>
                 </a:solidFill>
+                <a:effectLst/>
+                <a:latin typeface="+mn-lt"/>
               </a:defRPr>
             </a:lvl1pPr>
           </a:lstStyle>
           <a:p>
             <a:fld id="{8A7A6979-0714-4377-B894-6BE4C2D6E202}" type="slidenum">
-              <a:rPr lang="en-US" dirty="0"/>
+              <a:rPr lang="en-US" smtClean="0"/>
               <a:pPr/>
               <a:t>‹#›</a:t>
             </a:fld>
@@ -3445,242 +6389,331 @@
         </p:txBody>
       </p:sp>
     </p:spTree>
+    <p:extLst>
+      <p:ext uri="{BB962C8B-B14F-4D97-AF65-F5344CB8AC3E}">
+        <p14:creationId xmlns:p14="http://schemas.microsoft.com/office/powerpoint/2010/main" val="3353553737"/>
+      </p:ext>
+    </p:extLst>
   </p:cSld>
   <p:clrMap bg1="lt1" tx1="dk1" bg2="lt2" tx2="dk2" accent1="accent1" accent2="accent2" accent3="accent3" accent4="accent4" accent5="accent5" accent6="accent6" hlink="hlink" folHlink="folHlink"/>
   <p:sldLayoutIdLst>
-    <p:sldLayoutId id="2147483697" r:id="rId1"/>
-    <p:sldLayoutId id="2147483698" r:id="rId2"/>
-    <p:sldLayoutId id="2147483699" r:id="rId3"/>
-    <p:sldLayoutId id="2147483700" r:id="rId4"/>
-    <p:sldLayoutId id="2147483701" r:id="rId5"/>
-    <p:sldLayoutId id="2147483702" r:id="rId6"/>
-    <p:sldLayoutId id="2147483703" r:id="rId7"/>
-    <p:sldLayoutId id="2147483704" r:id="rId8"/>
-    <p:sldLayoutId id="2147483705" r:id="rId9"/>
-    <p:sldLayoutId id="2147483706" r:id="rId10"/>
-    <p:sldLayoutId id="2147483707" r:id="rId11"/>
+    <p:sldLayoutId id="2147483721" r:id="rId1"/>
+    <p:sldLayoutId id="2147483722" r:id="rId2"/>
+    <p:sldLayoutId id="2147483723" r:id="rId3"/>
+    <p:sldLayoutId id="2147483724" r:id="rId4"/>
+    <p:sldLayoutId id="2147483725" r:id="rId5"/>
+    <p:sldLayoutId id="2147483726" r:id="rId6"/>
+    <p:sldLayoutId id="2147483727" r:id="rId7"/>
+    <p:sldLayoutId id="2147483728" r:id="rId8"/>
+    <p:sldLayoutId id="2147483729" r:id="rId9"/>
+    <p:sldLayoutId id="2147483730" r:id="rId10"/>
+    <p:sldLayoutId id="2147483731" r:id="rId11"/>
+    <p:sldLayoutId id="2147483732" r:id="rId12"/>
+    <p:sldLayoutId id="2147483733" r:id="rId13"/>
+    <p:sldLayoutId id="2147483734" r:id="rId14"/>
+    <p:sldLayoutId id="2147483735" r:id="rId15"/>
+    <p:sldLayoutId id="2147483736" r:id="rId16"/>
+    <p:sldLayoutId id="2147483737" r:id="rId17"/>
   </p:sldLayoutIdLst>
   <p:hf sldNum="0" hdr="0" ftr="0" dt="0"/>
   <p:txStyles>
     <p:titleStyle>
-      <a:lvl1pPr algn="ctr" defTabSz="914400" rtl="0" eaLnBrk="1" latinLnBrk="0" hangingPunct="1">
-        <a:lnSpc>
-          <a:spcPct val="90000"/>
-        </a:lnSpc>
+      <a:lvl1pPr algn="ctr" defTabSz="457200" rtl="0" eaLnBrk="1" latinLnBrk="0" hangingPunct="1">
         <a:spcBef>
           <a:spcPct val="0"/>
         </a:spcBef>
         <a:buNone/>
-        <a:defRPr sz="2800" kern="1200" cap="all" spc="200" baseline="0">
+        <a:defRPr sz="4000" kern="1200" cap="none">
+          <a:ln w="3175" cmpd="sng">
+            <a:noFill/>
+          </a:ln>
           <a:solidFill>
-            <a:srgbClr val="262626"/>
+            <a:schemeClr val="tx1"/>
           </a:solidFill>
+          <a:effectLst/>
           <a:latin typeface="+mj-lt"/>
           <a:ea typeface="+mj-ea"/>
           <a:cs typeface="+mj-cs"/>
         </a:defRPr>
       </a:lvl1pPr>
+      <a:lvl2pPr eaLnBrk="1" hangingPunct="1">
+        <a:defRPr>
+          <a:solidFill>
+            <a:schemeClr val="tx2"/>
+          </a:solidFill>
+        </a:defRPr>
+      </a:lvl2pPr>
+      <a:lvl3pPr eaLnBrk="1" hangingPunct="1">
+        <a:defRPr>
+          <a:solidFill>
+            <a:schemeClr val="tx2"/>
+          </a:solidFill>
+        </a:defRPr>
+      </a:lvl3pPr>
+      <a:lvl4pPr eaLnBrk="1" hangingPunct="1">
+        <a:defRPr>
+          <a:solidFill>
+            <a:schemeClr val="tx2"/>
+          </a:solidFill>
+        </a:defRPr>
+      </a:lvl4pPr>
+      <a:lvl5pPr eaLnBrk="1" hangingPunct="1">
+        <a:defRPr>
+          <a:solidFill>
+            <a:schemeClr val="tx2"/>
+          </a:solidFill>
+        </a:defRPr>
+      </a:lvl5pPr>
+      <a:lvl6pPr eaLnBrk="1" hangingPunct="1">
+        <a:defRPr>
+          <a:solidFill>
+            <a:schemeClr val="tx2"/>
+          </a:solidFill>
+        </a:defRPr>
+      </a:lvl6pPr>
+      <a:lvl7pPr eaLnBrk="1" hangingPunct="1">
+        <a:defRPr>
+          <a:solidFill>
+            <a:schemeClr val="tx2"/>
+          </a:solidFill>
+        </a:defRPr>
+      </a:lvl7pPr>
+      <a:lvl8pPr eaLnBrk="1" hangingPunct="1">
+        <a:defRPr>
+          <a:solidFill>
+            <a:schemeClr val="tx2"/>
+          </a:solidFill>
+        </a:defRPr>
+      </a:lvl8pPr>
+      <a:lvl9pPr eaLnBrk="1" hangingPunct="1">
+        <a:defRPr>
+          <a:solidFill>
+            <a:schemeClr val="tx2"/>
+          </a:solidFill>
+        </a:defRPr>
+      </a:lvl9pPr>
     </p:titleStyle>
     <p:bodyStyle>
-      <a:lvl1pPr marL="228600" indent="-228600" algn="l" defTabSz="914400" rtl="0" eaLnBrk="1" latinLnBrk="0" hangingPunct="1">
-        <a:lnSpc>
-          <a:spcPct val="100000"/>
-        </a:lnSpc>
+      <a:lvl1pPr marL="285750" indent="-285750" algn="l" defTabSz="457200" rtl="0" eaLnBrk="1" latinLnBrk="0" hangingPunct="1">
         <a:spcBef>
-          <a:spcPts val="1000"/>
+          <a:spcPct val="20000"/>
         </a:spcBef>
+        <a:spcAft>
+          <a:spcPts val="600"/>
+        </a:spcAft>
         <a:buClr>
-          <a:schemeClr val="accent2"/>
+          <a:schemeClr val="accent1">
+            <a:lumMod val="75000"/>
+          </a:schemeClr>
         </a:buClr>
-        <a:buFont typeface="Arial" panose="020B0604020202020204" pitchFamily="34" charset="0"/>
+        <a:buSzPct val="145000"/>
+        <a:buFont typeface="Arial"/>
         <a:buChar char="•"/>
-        <a:defRPr sz="1800" kern="1200">
+        <a:defRPr sz="2400" kern="1200" cap="none">
           <a:solidFill>
-            <a:schemeClr val="tx1">
-              <a:lumMod val="85000"/>
-              <a:lumOff val="15000"/>
-            </a:schemeClr>
+            <a:schemeClr val="tx1"/>
           </a:solidFill>
+          <a:effectLst/>
           <a:latin typeface="+mn-lt"/>
           <a:ea typeface="+mn-ea"/>
           <a:cs typeface="+mn-cs"/>
         </a:defRPr>
       </a:lvl1pPr>
-      <a:lvl2pPr marL="457200" indent="-228600" algn="l" defTabSz="914400" rtl="0" eaLnBrk="1" latinLnBrk="0" hangingPunct="1">
-        <a:lnSpc>
-          <a:spcPct val="100000"/>
-        </a:lnSpc>
+      <a:lvl2pPr marL="742950" indent="-285750" algn="l" defTabSz="457200" rtl="0" eaLnBrk="1" latinLnBrk="0" hangingPunct="1">
         <a:spcBef>
-          <a:spcPts val="1000"/>
+          <a:spcPct val="20000"/>
         </a:spcBef>
+        <a:spcAft>
+          <a:spcPts val="600"/>
+        </a:spcAft>
         <a:buClr>
-          <a:schemeClr val="accent2"/>
+          <a:schemeClr val="accent1">
+            <a:lumMod val="75000"/>
+          </a:schemeClr>
         </a:buClr>
-        <a:buFont typeface="Arial" panose="020B0604020202020204" pitchFamily="34" charset="0"/>
+        <a:buSzPct val="145000"/>
+        <a:buFont typeface="Arial"/>
         <a:buChar char="•"/>
-        <a:defRPr sz="1600" kern="1200">
+        <a:defRPr sz="2000" kern="1200" cap="none">
           <a:solidFill>
-            <a:schemeClr val="tx1">
-              <a:lumMod val="85000"/>
-              <a:lumOff val="15000"/>
-            </a:schemeClr>
+            <a:schemeClr val="tx1"/>
           </a:solidFill>
+          <a:effectLst/>
           <a:latin typeface="+mn-lt"/>
           <a:ea typeface="+mn-ea"/>
           <a:cs typeface="+mn-cs"/>
         </a:defRPr>
       </a:lvl2pPr>
-      <a:lvl3pPr marL="685800" indent="-228600" algn="l" defTabSz="914400" rtl="0" eaLnBrk="1" latinLnBrk="0" hangingPunct="1">
-        <a:lnSpc>
-          <a:spcPct val="100000"/>
-        </a:lnSpc>
+      <a:lvl3pPr marL="1200150" indent="-285750" algn="l" defTabSz="457200" rtl="0" eaLnBrk="1" latinLnBrk="0" hangingPunct="1">
         <a:spcBef>
-          <a:spcPts val="1000"/>
+          <a:spcPct val="20000"/>
         </a:spcBef>
+        <a:spcAft>
+          <a:spcPts val="600"/>
+        </a:spcAft>
         <a:buClr>
-          <a:schemeClr val="accent2"/>
+          <a:schemeClr val="accent1">
+            <a:lumMod val="75000"/>
+          </a:schemeClr>
         </a:buClr>
-        <a:buFont typeface="Arial" panose="020B0604020202020204" pitchFamily="34" charset="0"/>
+        <a:buSzPct val="145000"/>
+        <a:buFont typeface="Arial"/>
         <a:buChar char="•"/>
-        <a:defRPr sz="1600" kern="1200">
+        <a:defRPr sz="1800" kern="1200" cap="none">
           <a:solidFill>
-            <a:schemeClr val="tx1">
-              <a:lumMod val="85000"/>
-              <a:lumOff val="15000"/>
-            </a:schemeClr>
+            <a:schemeClr val="tx1"/>
           </a:solidFill>
+          <a:effectLst/>
           <a:latin typeface="+mn-lt"/>
           <a:ea typeface="+mn-ea"/>
           <a:cs typeface="+mn-cs"/>
         </a:defRPr>
       </a:lvl3pPr>
-      <a:lvl4pPr marL="914400" indent="-228600" algn="l" defTabSz="914400" rtl="0" eaLnBrk="1" latinLnBrk="0" hangingPunct="1">
-        <a:lnSpc>
-          <a:spcPct val="100000"/>
-        </a:lnSpc>
+      <a:lvl4pPr marL="1543050" indent="-171450" algn="l" defTabSz="457200" rtl="0" eaLnBrk="1" latinLnBrk="0" hangingPunct="1">
         <a:spcBef>
-          <a:spcPts val="1000"/>
+          <a:spcPct val="20000"/>
         </a:spcBef>
+        <a:spcAft>
+          <a:spcPts val="600"/>
+        </a:spcAft>
         <a:buClr>
-          <a:schemeClr val="accent2"/>
+          <a:schemeClr val="accent1">
+            <a:lumMod val="75000"/>
+          </a:schemeClr>
         </a:buClr>
-        <a:buFont typeface="Arial" panose="020B0604020202020204" pitchFamily="34" charset="0"/>
+        <a:buSzPct val="145000"/>
+        <a:buFont typeface="Arial"/>
         <a:buChar char="•"/>
-        <a:defRPr sz="1600" kern="1200">
+        <a:defRPr sz="1600" kern="1200" cap="none">
           <a:solidFill>
-            <a:schemeClr val="tx1">
-              <a:lumMod val="85000"/>
-              <a:lumOff val="15000"/>
-            </a:schemeClr>
+            <a:schemeClr val="tx1"/>
           </a:solidFill>
+          <a:effectLst/>
           <a:latin typeface="+mn-lt"/>
           <a:ea typeface="+mn-ea"/>
           <a:cs typeface="+mn-cs"/>
         </a:defRPr>
       </a:lvl4pPr>
-      <a:lvl5pPr marL="1143000" indent="-228600" algn="l" defTabSz="914400" rtl="0" eaLnBrk="1" latinLnBrk="0" hangingPunct="1">
-        <a:lnSpc>
-          <a:spcPct val="100000"/>
-        </a:lnSpc>
+      <a:lvl5pPr marL="2000250" indent="-171450" algn="l" defTabSz="457200" rtl="0" eaLnBrk="1" latinLnBrk="0" hangingPunct="1">
         <a:spcBef>
-          <a:spcPts val="1000"/>
+          <a:spcPct val="20000"/>
         </a:spcBef>
+        <a:spcAft>
+          <a:spcPts val="600"/>
+        </a:spcAft>
         <a:buClr>
-          <a:schemeClr val="accent2"/>
+          <a:schemeClr val="accent1">
+            <a:lumMod val="75000"/>
+          </a:schemeClr>
         </a:buClr>
-        <a:buFont typeface="Arial" panose="020B0604020202020204" pitchFamily="34" charset="0"/>
+        <a:buSzPct val="145000"/>
+        <a:buFont typeface="Arial"/>
         <a:buChar char="•"/>
-        <a:defRPr sz="1600" kern="1200">
+        <a:defRPr sz="1400" kern="1200" cap="none">
           <a:solidFill>
-            <a:schemeClr val="tx1">
-              <a:lumMod val="85000"/>
-              <a:lumOff val="15000"/>
-            </a:schemeClr>
+            <a:schemeClr val="tx1"/>
           </a:solidFill>
+          <a:effectLst/>
           <a:latin typeface="+mn-lt"/>
           <a:ea typeface="+mn-ea"/>
           <a:cs typeface="+mn-cs"/>
         </a:defRPr>
       </a:lvl5pPr>
-      <a:lvl6pPr marL="1312863" indent="-228600" algn="l" defTabSz="914400" rtl="0" eaLnBrk="1" latinLnBrk="0" hangingPunct="1">
-        <a:lnSpc>
-          <a:spcPct val="100000"/>
-        </a:lnSpc>
+      <a:lvl6pPr marL="2514600" indent="-228600" algn="l" defTabSz="457200" rtl="0" eaLnBrk="1" latinLnBrk="0" hangingPunct="1">
         <a:spcBef>
-          <a:spcPts val="1000"/>
+          <a:spcPct val="20000"/>
         </a:spcBef>
+        <a:spcAft>
+          <a:spcPts val="600"/>
+        </a:spcAft>
         <a:buClr>
-          <a:schemeClr val="accent2"/>
+          <a:schemeClr val="accent1">
+            <a:lumMod val="75000"/>
+          </a:schemeClr>
         </a:buClr>
-        <a:buFont typeface="Arial" panose="020B0604020202020204" pitchFamily="34" charset="0"/>
+        <a:buSzPct val="145000"/>
+        <a:buFont typeface="Arial"/>
         <a:buChar char="•"/>
-        <a:defRPr sz="1600" kern="1200">
+        <a:defRPr sz="1400" kern="1200" cap="none">
           <a:solidFill>
             <a:schemeClr val="tx1"/>
           </a:solidFill>
+          <a:effectLst/>
           <a:latin typeface="+mn-lt"/>
           <a:ea typeface="+mn-ea"/>
           <a:cs typeface="+mn-cs"/>
         </a:defRPr>
       </a:lvl6pPr>
-      <a:lvl7pPr marL="1484313" indent="-228600" algn="l" defTabSz="914400" rtl="0" eaLnBrk="1" latinLnBrk="0" hangingPunct="1">
-        <a:lnSpc>
-          <a:spcPct val="100000"/>
-        </a:lnSpc>
+      <a:lvl7pPr marL="2971800" indent="-228600" algn="l" defTabSz="457200" rtl="0" eaLnBrk="1" latinLnBrk="0" hangingPunct="1">
         <a:spcBef>
-          <a:spcPts val="1000"/>
+          <a:spcPct val="20000"/>
         </a:spcBef>
+        <a:spcAft>
+          <a:spcPts val="600"/>
+        </a:spcAft>
         <a:buClr>
-          <a:schemeClr val="accent2"/>
+          <a:schemeClr val="accent1">
+            <a:lumMod val="75000"/>
+          </a:schemeClr>
         </a:buClr>
-        <a:buFont typeface="Arial" panose="020B0604020202020204" pitchFamily="34" charset="0"/>
+        <a:buSzPct val="145000"/>
+        <a:buFont typeface="Arial"/>
         <a:buChar char="•"/>
-        <a:defRPr sz="1600" kern="1200">
+        <a:defRPr sz="1400" kern="1200" cap="none">
           <a:solidFill>
             <a:schemeClr val="tx1"/>
           </a:solidFill>
+          <a:effectLst/>
           <a:latin typeface="+mn-lt"/>
           <a:ea typeface="+mn-ea"/>
           <a:cs typeface="+mn-cs"/>
         </a:defRPr>
       </a:lvl7pPr>
-      <a:lvl8pPr marL="1657350" indent="-228600" algn="l" defTabSz="914400" rtl="0" eaLnBrk="1" latinLnBrk="0" hangingPunct="1">
-        <a:lnSpc>
-          <a:spcPct val="100000"/>
-        </a:lnSpc>
+      <a:lvl8pPr marL="3429000" indent="-228600" algn="l" defTabSz="457200" rtl="0" eaLnBrk="1" latinLnBrk="0" hangingPunct="1">
         <a:spcBef>
-          <a:spcPts val="1000"/>
+          <a:spcPct val="20000"/>
         </a:spcBef>
+        <a:spcAft>
+          <a:spcPts val="600"/>
+        </a:spcAft>
         <a:buClr>
-          <a:schemeClr val="accent2"/>
+          <a:schemeClr val="accent1">
+            <a:lumMod val="75000"/>
+          </a:schemeClr>
         </a:buClr>
-        <a:buFont typeface="Arial" panose="020B0604020202020204" pitchFamily="34" charset="0"/>
+        <a:buSzPct val="145000"/>
+        <a:buFont typeface="Arial"/>
         <a:buChar char="•"/>
-        <a:defRPr sz="1600" kern="1200" baseline="0">
+        <a:defRPr sz="1400" kern="1200" cap="none">
           <a:solidFill>
             <a:schemeClr val="tx1"/>
           </a:solidFill>
+          <a:effectLst/>
           <a:latin typeface="+mn-lt"/>
           <a:ea typeface="+mn-ea"/>
           <a:cs typeface="+mn-cs"/>
         </a:defRPr>
       </a:lvl8pPr>
-      <a:lvl9pPr marL="1882775" indent="-228600" algn="l" defTabSz="914400" rtl="0" eaLnBrk="1" latinLnBrk="0" hangingPunct="1">
-        <a:lnSpc>
-          <a:spcPct val="100000"/>
-        </a:lnSpc>
+      <a:lvl9pPr marL="3886200" indent="-228600" algn="l" defTabSz="457200" rtl="0" eaLnBrk="1" latinLnBrk="0" hangingPunct="1">
         <a:spcBef>
-          <a:spcPts val="1000"/>
+          <a:spcPct val="20000"/>
         </a:spcBef>
+        <a:spcAft>
+          <a:spcPts val="600"/>
+        </a:spcAft>
         <a:buClr>
-          <a:schemeClr val="accent2"/>
+          <a:schemeClr val="accent1">
+            <a:lumMod val="75000"/>
+          </a:schemeClr>
         </a:buClr>
-        <a:buFont typeface="Arial" panose="020B0604020202020204" pitchFamily="34" charset="0"/>
+        <a:buSzPct val="145000"/>
+        <a:buFont typeface="Arial"/>
         <a:buChar char="•"/>
-        <a:defRPr sz="1600" kern="1200" baseline="0">
+        <a:defRPr sz="1400" kern="1200" cap="none">
           <a:solidFill>
             <a:schemeClr val="tx1"/>
           </a:solidFill>
+          <a:effectLst/>
           <a:latin typeface="+mn-lt"/>
           <a:ea typeface="+mn-ea"/>
           <a:cs typeface="+mn-cs"/>
@@ -3691,7 +6724,7 @@
       <a:defPPr>
         <a:defRPr lang="en-US"/>
       </a:defPPr>
-      <a:lvl1pPr marL="0" algn="l" defTabSz="914400" rtl="0" eaLnBrk="1" latinLnBrk="0" hangingPunct="1">
+      <a:lvl1pPr marL="0" algn="l" defTabSz="457200" rtl="0" eaLnBrk="1" latinLnBrk="0" hangingPunct="1">
         <a:defRPr sz="1800" kern="1200">
           <a:solidFill>
             <a:schemeClr val="tx1"/>
@@ -3701,7 +6734,7 @@
           <a:cs typeface="+mn-cs"/>
         </a:defRPr>
       </a:lvl1pPr>
-      <a:lvl2pPr marL="457200" algn="l" defTabSz="914400" rtl="0" eaLnBrk="1" latinLnBrk="0" hangingPunct="1">
+      <a:lvl2pPr marL="457200" algn="l" defTabSz="457200" rtl="0" eaLnBrk="1" latinLnBrk="0" hangingPunct="1">
         <a:defRPr sz="1800" kern="1200">
           <a:solidFill>
             <a:schemeClr val="tx1"/>
@@ -3711,7 +6744,7 @@
           <a:cs typeface="+mn-cs"/>
         </a:defRPr>
       </a:lvl2pPr>
-      <a:lvl3pPr marL="914400" algn="l" defTabSz="914400" rtl="0" eaLnBrk="1" latinLnBrk="0" hangingPunct="1">
+      <a:lvl3pPr marL="914400" algn="l" defTabSz="457200" rtl="0" eaLnBrk="1" latinLnBrk="0" hangingPunct="1">
         <a:defRPr sz="1800" kern="1200">
           <a:solidFill>
             <a:schemeClr val="tx1"/>
@@ -3721,7 +6754,7 @@
           <a:cs typeface="+mn-cs"/>
         </a:defRPr>
       </a:lvl3pPr>
-      <a:lvl4pPr marL="1371600" algn="l" defTabSz="914400" rtl="0" eaLnBrk="1" latinLnBrk="0" hangingPunct="1">
+      <a:lvl4pPr marL="1371600" algn="l" defTabSz="457200" rtl="0" eaLnBrk="1" latinLnBrk="0" hangingPunct="1">
         <a:defRPr sz="1800" kern="1200">
           <a:solidFill>
             <a:schemeClr val="tx1"/>
@@ -3731,7 +6764,7 @@
           <a:cs typeface="+mn-cs"/>
         </a:defRPr>
       </a:lvl4pPr>
-      <a:lvl5pPr marL="1828800" algn="l" defTabSz="914400" rtl="0" eaLnBrk="1" latinLnBrk="0" hangingPunct="1">
+      <a:lvl5pPr marL="1828800" algn="l" defTabSz="457200" rtl="0" eaLnBrk="1" latinLnBrk="0" hangingPunct="1">
         <a:defRPr sz="1800" kern="1200">
           <a:solidFill>
             <a:schemeClr val="tx1"/>
@@ -3741,7 +6774,7 @@
           <a:cs typeface="+mn-cs"/>
         </a:defRPr>
       </a:lvl5pPr>
-      <a:lvl6pPr marL="2286000" algn="l" defTabSz="914400" rtl="0" eaLnBrk="1" latinLnBrk="0" hangingPunct="1">
+      <a:lvl6pPr marL="2286000" algn="l" defTabSz="457200" rtl="0" eaLnBrk="1" latinLnBrk="0" hangingPunct="1">
         <a:defRPr sz="1800" kern="1200">
           <a:solidFill>
             <a:schemeClr val="tx1"/>
@@ -3751,7 +6784,7 @@
           <a:cs typeface="+mn-cs"/>
         </a:defRPr>
       </a:lvl6pPr>
-      <a:lvl7pPr marL="2743200" algn="l" defTabSz="914400" rtl="0" eaLnBrk="1" latinLnBrk="0" hangingPunct="1">
+      <a:lvl7pPr marL="2743200" algn="l" defTabSz="457200" rtl="0" eaLnBrk="1" latinLnBrk="0" hangingPunct="1">
         <a:defRPr sz="1800" kern="1200">
           <a:solidFill>
             <a:schemeClr val="tx1"/>
@@ -3761,7 +6794,7 @@
           <a:cs typeface="+mn-cs"/>
         </a:defRPr>
       </a:lvl7pPr>
-      <a:lvl8pPr marL="3200400" algn="l" defTabSz="914400" rtl="0" eaLnBrk="1" latinLnBrk="0" hangingPunct="1">
+      <a:lvl8pPr marL="3200400" algn="l" defTabSz="457200" rtl="0" eaLnBrk="1" latinLnBrk="0" hangingPunct="1">
         <a:defRPr sz="1800" kern="1200">
           <a:solidFill>
             <a:schemeClr val="tx1"/>
@@ -3771,7 +6804,7 @@
           <a:cs typeface="+mn-cs"/>
         </a:defRPr>
       </a:lvl8pPr>
-      <a:lvl9pPr marL="3657600" algn="l" defTabSz="914400" rtl="0" eaLnBrk="1" latinLnBrk="0" hangingPunct="1">
+      <a:lvl9pPr marL="3657600" algn="l" defTabSz="457200" rtl="0" eaLnBrk="1" latinLnBrk="0" hangingPunct="1">
         <a:defRPr sz="1800" kern="1200">
           <a:solidFill>
             <a:schemeClr val="tx1"/>
@@ -3996,7 +7029,9 @@
         </p:nvSpPr>
         <p:spPr/>
         <p:txBody>
-          <a:bodyPr/>
+          <a:bodyPr>
+            <a:normAutofit lnSpcReduction="10000"/>
+          </a:bodyPr>
           <a:lstStyle/>
           <a:p>
             <a:r>
@@ -4007,7 +7042,7 @@
           <a:p>
             <a:r>
               <a:rPr lang="sl-SI" b="1" dirty="0"/>
-              <a:t>Delovanje razhroščevalnikov</a:t>
+              <a:t>Delovanje razhroščevalnikov (prevedeni jeziki)</a:t>
             </a:r>
           </a:p>
           <a:p>
@@ -4045,7 +7080,26 @@
             <a:endParaRPr lang="sl-SI" dirty="0"/>
           </a:p>
           <a:p>
-            <a:endParaRPr lang="sl-SI" dirty="0"/>
+            <a:r>
+              <a:rPr lang="sl-SI" dirty="0"/>
+              <a:t>Delovanje razhroščevalnikov (interpretirani jeziki, </a:t>
+            </a:r>
+            <a:r>
+              <a:rPr lang="sl-SI" dirty="0" err="1"/>
+              <a:t>virtual</a:t>
+            </a:r>
+            <a:r>
+              <a:rPr lang="sl-SI" dirty="0"/>
+              <a:t> </a:t>
+            </a:r>
+            <a:r>
+              <a:rPr lang="sl-SI" dirty="0" err="1"/>
+              <a:t>machine</a:t>
+            </a:r>
+            <a:r>
+              <a:rPr lang="sl-SI" dirty="0"/>
+              <a:t>)</a:t>
+            </a:r>
           </a:p>
         </p:txBody>
       </p:sp>
@@ -4141,75 +7195,165 @@
           </a:p>
           <a:p>
             <a:r>
-              <a:rPr lang="sl-SI" dirty="0" err="1"/>
+              <a:rPr lang="sl-SI" dirty="0" err="1">
+                <a:solidFill>
+                  <a:srgbClr val="0000FF"/>
+                </a:solidFill>
+                <a:latin typeface="Consolas" panose="020B0609020204030204" pitchFamily="49" charset="0"/>
+              </a:rPr>
               <a:t>long</a:t>
             </a:r>
             <a:r>
-              <a:rPr lang="sl-SI" dirty="0"/>
+              <a:rPr lang="sl-SI" dirty="0">
+                <a:solidFill>
+                  <a:srgbClr val="000000"/>
+                </a:solidFill>
+                <a:latin typeface="Consolas" panose="020B0609020204030204" pitchFamily="49" charset="0"/>
+              </a:rPr>
               <a:t> </a:t>
             </a:r>
             <a:r>
-              <a:rPr lang="sl-SI" dirty="0" err="1"/>
+              <a:rPr lang="sl-SI" dirty="0" err="1">
+                <a:solidFill>
+                  <a:srgbClr val="795E26"/>
+                </a:solidFill>
+                <a:latin typeface="Consolas" panose="020B0609020204030204" pitchFamily="49" charset="0"/>
+              </a:rPr>
               <a:t>ptrace</a:t>
             </a:r>
             <a:r>
-              <a:rPr lang="sl-SI" dirty="0"/>
+              <a:rPr lang="sl-SI" dirty="0">
+                <a:solidFill>
+                  <a:srgbClr val="000000"/>
+                </a:solidFill>
+                <a:latin typeface="Consolas" panose="020B0609020204030204" pitchFamily="49" charset="0"/>
+              </a:rPr>
               <a:t>(</a:t>
             </a:r>
             <a:r>
-              <a:rPr lang="sl-SI" dirty="0" err="1"/>
+              <a:rPr lang="sl-SI" dirty="0" err="1">
+                <a:solidFill>
+                  <a:srgbClr val="0000FF"/>
+                </a:solidFill>
+                <a:latin typeface="Consolas" panose="020B0609020204030204" pitchFamily="49" charset="0"/>
+              </a:rPr>
               <a:t>enum</a:t>
             </a:r>
             <a:r>
-              <a:rPr lang="sl-SI" dirty="0"/>
+              <a:rPr lang="sl-SI" dirty="0">
+                <a:solidFill>
+                  <a:srgbClr val="000000"/>
+                </a:solidFill>
+                <a:latin typeface="Consolas" panose="020B0609020204030204" pitchFamily="49" charset="0"/>
+              </a:rPr>
               <a:t> __</a:t>
             </a:r>
             <a:r>
-              <a:rPr lang="sl-SI" dirty="0" err="1"/>
+              <a:rPr lang="sl-SI" dirty="0" err="1">
+                <a:solidFill>
+                  <a:srgbClr val="000000"/>
+                </a:solidFill>
+                <a:latin typeface="Consolas" panose="020B0609020204030204" pitchFamily="49" charset="0"/>
+              </a:rPr>
               <a:t>ptrace_request</a:t>
             </a:r>
             <a:r>
-              <a:rPr lang="sl-SI" dirty="0"/>
+              <a:rPr lang="sl-SI" dirty="0">
+                <a:solidFill>
+                  <a:srgbClr val="000000"/>
+                </a:solidFill>
+                <a:latin typeface="Consolas" panose="020B0609020204030204" pitchFamily="49" charset="0"/>
+              </a:rPr>
               <a:t> </a:t>
             </a:r>
             <a:r>
-              <a:rPr lang="sl-SI" dirty="0" err="1"/>
+              <a:rPr lang="sl-SI" dirty="0" err="1">
+                <a:solidFill>
+                  <a:srgbClr val="000000"/>
+                </a:solidFill>
+                <a:latin typeface="Consolas" panose="020B0609020204030204" pitchFamily="49" charset="0"/>
+              </a:rPr>
               <a:t>request</a:t>
             </a:r>
             <a:r>
-              <a:rPr lang="sl-SI" dirty="0"/>
+              <a:rPr lang="sl-SI" dirty="0">
+                <a:solidFill>
+                  <a:srgbClr val="000000"/>
+                </a:solidFill>
+                <a:latin typeface="Consolas" panose="020B0609020204030204" pitchFamily="49" charset="0"/>
+              </a:rPr>
               <a:t>, </a:t>
             </a:r>
             <a:r>
-              <a:rPr lang="sl-SI" dirty="0" err="1"/>
+              <a:rPr lang="sl-SI" dirty="0" err="1">
+                <a:solidFill>
+                  <a:srgbClr val="000000"/>
+                </a:solidFill>
+                <a:latin typeface="Consolas" panose="020B0609020204030204" pitchFamily="49" charset="0"/>
+              </a:rPr>
               <a:t>pid_t</a:t>
             </a:r>
             <a:r>
-              <a:rPr lang="sl-SI" dirty="0"/>
+              <a:rPr lang="sl-SI" dirty="0">
+                <a:solidFill>
+                  <a:srgbClr val="000000"/>
+                </a:solidFill>
+                <a:latin typeface="Consolas" panose="020B0609020204030204" pitchFamily="49" charset="0"/>
+              </a:rPr>
               <a:t> pid, </a:t>
             </a:r>
             <a:r>
-              <a:rPr lang="sl-SI" dirty="0" err="1"/>
+              <a:rPr lang="sl-SI" dirty="0" err="1">
+                <a:solidFill>
+                  <a:srgbClr val="0000FF"/>
+                </a:solidFill>
+                <a:latin typeface="Consolas" panose="020B0609020204030204" pitchFamily="49" charset="0"/>
+              </a:rPr>
               <a:t>void</a:t>
             </a:r>
             <a:r>
-              <a:rPr lang="sl-SI" dirty="0"/>
+              <a:rPr lang="sl-SI" dirty="0">
+                <a:solidFill>
+                  <a:srgbClr val="000000"/>
+                </a:solidFill>
+                <a:latin typeface="Consolas" panose="020B0609020204030204" pitchFamily="49" charset="0"/>
+              </a:rPr>
               <a:t> *</a:t>
             </a:r>
             <a:r>
-              <a:rPr lang="sl-SI" dirty="0" err="1"/>
+              <a:rPr lang="sl-SI" dirty="0" err="1">
+                <a:solidFill>
+                  <a:srgbClr val="000000"/>
+                </a:solidFill>
+                <a:latin typeface="Consolas" panose="020B0609020204030204" pitchFamily="49" charset="0"/>
+              </a:rPr>
               <a:t>addr</a:t>
             </a:r>
             <a:r>
-              <a:rPr lang="sl-SI" dirty="0"/>
+              <a:rPr lang="sl-SI" dirty="0">
+                <a:solidFill>
+                  <a:srgbClr val="000000"/>
+                </a:solidFill>
+                <a:latin typeface="Consolas" panose="020B0609020204030204" pitchFamily="49" charset="0"/>
+              </a:rPr>
               <a:t>, </a:t>
             </a:r>
             <a:r>
-              <a:rPr lang="sl-SI" dirty="0" err="1"/>
+              <a:rPr lang="sl-SI" dirty="0" err="1">
+                <a:solidFill>
+                  <a:srgbClr val="0000FF"/>
+                </a:solidFill>
+                <a:latin typeface="Consolas" panose="020B0609020204030204" pitchFamily="49" charset="0"/>
+              </a:rPr>
               <a:t>void</a:t>
             </a:r>
             <a:r>
-              <a:rPr lang="sl-SI" dirty="0"/>
+              <a:rPr lang="sl-SI" dirty="0">
+                <a:solidFill>
+                  <a:srgbClr val="000000"/>
+                </a:solidFill>
+                <a:latin typeface="Consolas" panose="020B0609020204030204" pitchFamily="49" charset="0"/>
+              </a:rPr>
               <a:t> *data);</a:t>
             </a:r>
           </a:p>
@@ -4318,8 +7462,12 @@
           <a:lstStyle/>
           <a:p>
             <a:r>
-              <a:rPr lang="sl-SI" dirty="0"/>
-              <a:t>PTRACE – pripenjanje procesu</a:t>
+              <a:rPr lang="sl-SI" dirty="0" err="1"/>
+              <a:t>ptrace</a:t>
+            </a:r>
+            <a:r>
+              <a:rPr lang="sl-SI" dirty="0"/>
+              <a:t> – pripenjanje procesu</a:t>
             </a:r>
           </a:p>
         </p:txBody>
@@ -4348,7 +7496,7 @@
         </p:spPr>
         <p:txBody>
           <a:bodyPr>
-            <a:normAutofit/>
+            <a:normAutofit fontScale="77500" lnSpcReduction="20000"/>
           </a:bodyPr>
           <a:lstStyle/>
           <a:p>
@@ -4594,8 +7742,21 @@
           <a:p>
             <a:r>
               <a:rPr lang="sl-SI" dirty="0"/>
-              <a:t>UKAZI – GDB / PTRACE</a:t>
-            </a:r>
+              <a:t>Ukazi – </a:t>
+            </a:r>
+            <a:r>
+              <a:rPr lang="sl-SI" dirty="0" err="1"/>
+              <a:t>gdb</a:t>
+            </a:r>
+            <a:r>
+              <a:rPr lang="sl-SI" dirty="0"/>
+              <a:t> / </a:t>
+            </a:r>
+            <a:r>
+              <a:rPr lang="sl-SI" dirty="0" err="1"/>
+              <a:t>ptrace</a:t>
+            </a:r>
+            <a:endParaRPr lang="sl-SI" dirty="0"/>
           </a:p>
         </p:txBody>
       </p:sp>
@@ -4917,7 +8078,7 @@
                     <a:lstStyle/>
                     <a:p>
                       <a:r>
-                        <a:rPr lang="sl-SI" sz="1100"/>
+                        <a:rPr lang="sl-SI" sz="1100" dirty="0"/>
                         <a:t>PTRACE_GET(FP)REGS(ET) in PTRACE_SET(FP)REGS(ET)</a:t>
                       </a:r>
                     </a:p>
@@ -5046,19 +8207,11 @@
           <a:p>
             <a:r>
               <a:rPr lang="sl-SI" dirty="0" err="1"/>
-              <a:t>BREaKPOINT</a:t>
-            </a:r>
-            <a:r>
-              <a:rPr lang="sl-SI" dirty="0"/>
-              <a:t> (</a:t>
-            </a:r>
-            <a:r>
-              <a:rPr lang="sl-SI" dirty="0" err="1"/>
-              <a:t>prekinitvEne</a:t>
-            </a:r>
-            <a:r>
-              <a:rPr lang="sl-SI" dirty="0"/>
-              <a:t> točke)</a:t>
+              <a:t>Breakpoint</a:t>
+            </a:r>
+            <a:r>
+              <a:rPr lang="sl-SI" dirty="0"/>
+              <a:t> (prekinitvene točke)</a:t>
             </a:r>
           </a:p>
         </p:txBody>
@@ -5103,39 +8256,6 @@
             <a:r>
               <a:rPr lang="sl-SI" dirty="0"/>
               <a:t>nedefinirano kodo (npr. pri ARM v ta namen rezervirane posebne kode, ki so v dokumentaciji označene kot nedefinirane, da se lahko uporabljajo v ta namen)</a:t>
-            </a:r>
-          </a:p>
-          <a:p>
-            <a:endParaRPr lang="sl-SI" dirty="0"/>
-          </a:p>
-          <a:p>
-            <a:r>
-              <a:rPr lang="sl-SI" dirty="0"/>
-              <a:t>V </a:t>
-            </a:r>
-            <a:r>
-              <a:rPr lang="sl-SI" dirty="0" err="1"/>
-              <a:t>gdb</a:t>
-            </a:r>
-            <a:r>
-              <a:rPr lang="sl-SI" dirty="0"/>
-              <a:t> lahko prekinitveno točko nastavimo z ukazom (</a:t>
-            </a:r>
-            <a:r>
-              <a:rPr lang="sl-SI" dirty="0" err="1"/>
-              <a:t>gdb</a:t>
-            </a:r>
-            <a:r>
-              <a:rPr lang="sl-SI" dirty="0"/>
-              <a:t>) </a:t>
-            </a:r>
-            <a:r>
-              <a:rPr lang="sl-SI" dirty="0" err="1"/>
-              <a:t>br</a:t>
-            </a:r>
-            <a:r>
-              <a:rPr lang="sl-SI" dirty="0"/>
-              <a:t> *ADDRESS.</a:t>
             </a:r>
           </a:p>
         </p:txBody>
@@ -5186,14 +8306,19 @@
             <p:ph type="title"/>
           </p:nvPr>
         </p:nvSpPr>
-        <p:spPr/>
+        <p:spPr>
+          <a:xfrm>
+            <a:off x="1487818" y="0"/>
+            <a:ext cx="10018713" cy="1752599"/>
+          </a:xfrm>
+        </p:spPr>
         <p:txBody>
           <a:bodyPr/>
           <a:lstStyle/>
           <a:p>
             <a:r>
               <a:rPr lang="sl-SI" dirty="0"/>
-              <a:t>PASTI</a:t>
+              <a:t>Pasti</a:t>
             </a:r>
           </a:p>
         </p:txBody>
@@ -5216,13 +8341,13 @@
         </p:nvSpPr>
         <p:spPr>
           <a:xfrm>
-            <a:off x="2231136" y="2638044"/>
-            <a:ext cx="7729728" cy="3664990"/>
+            <a:off x="2104572" y="1219200"/>
+            <a:ext cx="8901321" cy="5374119"/>
           </a:xfrm>
         </p:spPr>
         <p:txBody>
           <a:bodyPr>
-            <a:normAutofit fontScale="92500" lnSpcReduction="10000"/>
+            <a:normAutofit/>
           </a:bodyPr>
           <a:lstStyle/>
           <a:p>
@@ -5350,14 +8475,19 @@
             <p:ph type="title"/>
           </p:nvPr>
         </p:nvSpPr>
-        <p:spPr/>
+        <p:spPr>
+          <a:xfrm>
+            <a:off x="788427" y="-446313"/>
+            <a:ext cx="10018713" cy="1752599"/>
+          </a:xfrm>
+        </p:spPr>
         <p:txBody>
           <a:bodyPr/>
           <a:lstStyle/>
           <a:p>
             <a:r>
               <a:rPr lang="sl-SI" dirty="0"/>
-              <a:t>PASTI – INT X</a:t>
+              <a:t>Pasti – INT X</a:t>
             </a:r>
           </a:p>
         </p:txBody>
@@ -5380,13 +8510,13 @@
         </p:nvSpPr>
         <p:spPr>
           <a:xfrm>
-            <a:off x="2231136" y="2638044"/>
-            <a:ext cx="8316094" cy="3664990"/>
+            <a:off x="1727201" y="1132114"/>
+            <a:ext cx="9898742" cy="6096000"/>
           </a:xfrm>
         </p:spPr>
         <p:txBody>
           <a:bodyPr>
-            <a:normAutofit fontScale="92500" lnSpcReduction="20000"/>
+            <a:normAutofit/>
           </a:bodyPr>
           <a:lstStyle/>
           <a:p>
@@ -5399,12 +8529,6 @@
               <a:t>debugger</a:t>
             </a:r>
             <a:endParaRPr lang="sl-SI" dirty="0"/>
-          </a:p>
-          <a:p>
-            <a:r>
-              <a:rPr lang="sl-SI" dirty="0"/>
-              <a:t>Na x86 arhitekturi je to ukaz INT 3</a:t>
-            </a:r>
           </a:p>
           <a:p>
             <a:r>
@@ -5533,15 +8657,25 @@
             <p:ph type="title"/>
           </p:nvPr>
         </p:nvSpPr>
-        <p:spPr/>
+        <p:spPr>
+          <a:xfrm>
+            <a:off x="1152664" y="-446314"/>
+            <a:ext cx="10018713" cy="1752599"/>
+          </a:xfrm>
+        </p:spPr>
         <p:txBody>
           <a:bodyPr/>
           <a:lstStyle/>
           <a:p>
             <a:r>
               <a:rPr lang="sl-SI" dirty="0"/>
-              <a:t>Izvedba BREAKPOINTA</a:t>
-            </a:r>
+              <a:t>Izvedba </a:t>
+            </a:r>
+            <a:r>
+              <a:rPr lang="sl-SI" dirty="0" err="1"/>
+              <a:t>breakpointa</a:t>
+            </a:r>
+            <a:endParaRPr lang="sl-SI" dirty="0"/>
           </a:p>
         </p:txBody>
       </p:sp>
@@ -5563,13 +8697,13 @@
         </p:nvSpPr>
         <p:spPr>
           <a:xfrm>
-            <a:off x="2231136" y="2638044"/>
-            <a:ext cx="7861770" cy="3544220"/>
+            <a:off x="1799770" y="1596571"/>
+            <a:ext cx="8293135" cy="4585693"/>
           </a:xfrm>
         </p:spPr>
         <p:txBody>
           <a:bodyPr>
-            <a:normAutofit/>
+            <a:normAutofit fontScale="92500" lnSpcReduction="10000"/>
           </a:bodyPr>
           <a:lstStyle/>
           <a:p>
@@ -5584,7 +8718,7 @@
             </a:pPr>
             <a:r>
               <a:rPr lang="sl-SI" dirty="0"/>
-              <a:t>Zamenja past (INT 3) z prvotnim ukazom na tistem mestu</a:t>
+              <a:t>Zamenja past (INT 3) s prvotnim ukazom na tistem mestu</a:t>
             </a:r>
           </a:p>
           <a:p>
@@ -5708,7 +8842,7 @@
           <a:p>
             <a:r>
               <a:rPr lang="sl-SI" dirty="0" err="1"/>
-              <a:t>conditional</a:t>
+              <a:t>Conditional</a:t>
             </a:r>
             <a:r>
               <a:rPr lang="sl-SI" dirty="0"/>
@@ -5893,7 +9027,9 @@
         </p:nvSpPr>
         <p:spPr/>
         <p:txBody>
-          <a:bodyPr/>
+          <a:bodyPr>
+            <a:normAutofit lnSpcReduction="10000"/>
+          </a:bodyPr>
           <a:lstStyle/>
           <a:p>
             <a:r>
@@ -5997,7 +9133,7 @@
           <a:p>
             <a:r>
               <a:rPr lang="sl-SI" dirty="0"/>
-              <a:t>software </a:t>
+              <a:t>Software </a:t>
             </a:r>
             <a:r>
               <a:rPr lang="sl-SI" dirty="0" err="1"/>
@@ -6305,7 +9441,7 @@
           <a:p>
             <a:r>
               <a:rPr lang="sl-SI" dirty="0"/>
-              <a:t>hardware </a:t>
+              <a:t>Hardware </a:t>
             </a:r>
             <a:r>
               <a:rPr lang="sl-SI" dirty="0" err="1"/>
@@ -6442,7 +9578,7 @@
           <a:p>
             <a:r>
               <a:rPr lang="sl-SI" dirty="0" err="1"/>
-              <a:t>watchpoint</a:t>
+              <a:t>Watchpoint</a:t>
             </a:r>
             <a:endParaRPr lang="sl-SI" dirty="0"/>
           </a:p>
@@ -6527,7 +9663,7 @@
           <p:cNvPr id="2" name="Title 1">
             <a:extLst>
               <a:ext uri="{FF2B5EF4-FFF2-40B4-BE49-F238E27FC236}">
-                <a16:creationId xmlns:a16="http://schemas.microsoft.com/office/drawing/2014/main" id="{D9D1E52F-D430-46AB-BC14-AA30F0E90542}"/>
+                <a16:creationId xmlns:a16="http://schemas.microsoft.com/office/drawing/2014/main" id="{4604CD6F-B8B0-4D9C-9A4C-3F306942C26E}"/>
               </a:ext>
             </a:extLst>
           </p:cNvPr>
@@ -6544,12 +9680,16 @@
           <a:lstStyle/>
           <a:p>
             <a:r>
-              <a:rPr lang="sl-SI" dirty="0"/>
-              <a:t>JTAG </a:t>
-            </a:r>
-            <a:r>
-              <a:rPr lang="sl-SI" dirty="0" err="1"/>
-              <a:t>DEBUGGEr</a:t>
+              <a:rPr lang="sl-SI" dirty="0" err="1"/>
+              <a:t>Halting</a:t>
+            </a:r>
+            <a:r>
+              <a:rPr lang="sl-SI" dirty="0"/>
+              <a:t> mode </a:t>
+            </a:r>
+            <a:r>
+              <a:rPr lang="sl-SI" dirty="0" err="1"/>
+              <a:t>debugging</a:t>
             </a:r>
             <a:endParaRPr lang="sl-SI" dirty="0"/>
           </a:p>
@@ -6560,7 +9700,7 @@
           <p:cNvPr id="3" name="Content Placeholder 2">
             <a:extLst>
               <a:ext uri="{FF2B5EF4-FFF2-40B4-BE49-F238E27FC236}">
-                <a16:creationId xmlns:a16="http://schemas.microsoft.com/office/drawing/2014/main" id="{D1A30E5A-ADEB-41D7-9F0A-EA556FBEB2BD}"/>
+                <a16:creationId xmlns:a16="http://schemas.microsoft.com/office/drawing/2014/main" id="{B06DF79B-8C01-4B9B-B713-68C65B2D4B5E}"/>
               </a:ext>
             </a:extLst>
           </p:cNvPr>
@@ -6573,34 +9713,58 @@
         </p:nvSpPr>
         <p:spPr/>
         <p:txBody>
-          <a:bodyPr/>
+          <a:bodyPr>
+            <a:normAutofit fontScale="85000" lnSpcReduction="20000"/>
+          </a:bodyPr>
           <a:lstStyle/>
           <a:p>
             <a:r>
               <a:rPr lang="sl-SI" dirty="0"/>
-              <a:t>Na vgrajenih sistemih poznamo več načinov, kako </a:t>
-            </a:r>
-            <a:r>
-              <a:rPr lang="sl-SI" dirty="0" err="1"/>
-              <a:t>razhroščevati</a:t>
-            </a:r>
-            <a:endParaRPr lang="sl-SI" dirty="0"/>
-          </a:p>
-          <a:p>
-            <a:r>
-              <a:rPr lang="sl-SI" dirty="0"/>
-              <a:t>Posebni protokoli za </a:t>
-            </a:r>
-            <a:r>
-              <a:rPr lang="sl-SI" dirty="0" err="1"/>
-              <a:t>debugganje</a:t>
-            </a:r>
-            <a:endParaRPr lang="sl-SI" dirty="0"/>
-          </a:p>
-          <a:p>
-            <a:r>
-              <a:rPr lang="sl-SI" dirty="0"/>
-              <a:t>Posebne komponente</a:t>
+              <a:t>Procesor ustavi izvajanje, ustavi uro</a:t>
+            </a:r>
+          </a:p>
+          <a:p>
+            <a:r>
+              <a:rPr lang="sl-SI" dirty="0"/>
+              <a:t>DMA, RTC, še vedno teče</a:t>
+            </a:r>
+          </a:p>
+          <a:p>
+            <a:r>
+              <a:rPr lang="sl-SI" dirty="0"/>
+              <a:t>Preko posebnega kanala lahko dostopamo do cevovoda in vstavljamo ukaze</a:t>
+            </a:r>
+          </a:p>
+          <a:p>
+            <a:r>
+              <a:rPr lang="sl-SI" dirty="0"/>
+              <a:t>Lahko dostopamo do posebnih sistemskih registrov</a:t>
+            </a:r>
+          </a:p>
+          <a:p>
+            <a:r>
+              <a:rPr lang="sl-SI" dirty="0"/>
+              <a:t>Do spomina lahko dostopamo z </a:t>
+            </a:r>
+            <a:r>
+              <a:rPr lang="sl-SI" dirty="0" err="1"/>
+              <a:t>load</a:t>
+            </a:r>
+            <a:r>
+              <a:rPr lang="sl-SI" dirty="0"/>
+              <a:t> in store ukazi -&gt; čez predpomnilnik, pravilne vrednosti spremenljivk</a:t>
+            </a:r>
+          </a:p>
+          <a:p>
+            <a:r>
+              <a:rPr lang="sl-SI" dirty="0"/>
+              <a:t>Veliko dela z pravilnim nadziranjem cevovoda, predpomnilnika…</a:t>
+            </a:r>
+          </a:p>
+          <a:p>
+            <a:r>
+              <a:rPr lang="sl-SI" dirty="0"/>
+              <a:t>Lahko pa dostopamo direktno na vodilo, a lahko dobimo napačne vrednosti zaradi predpomnilnika</a:t>
             </a:r>
           </a:p>
         </p:txBody>
@@ -6608,7 +9772,7 @@
     </p:spTree>
     <p:extLst>
       <p:ext uri="{BB962C8B-B14F-4D97-AF65-F5344CB8AC3E}">
-        <p14:creationId xmlns:p14="http://schemas.microsoft.com/office/powerpoint/2010/main" val="3354056300"/>
+        <p14:creationId xmlns:p14="http://schemas.microsoft.com/office/powerpoint/2010/main" val="2016166150"/>
       </p:ext>
     </p:extLst>
   </p:cSld>
@@ -6640,7 +9804,7 @@
           <p:cNvPr id="2" name="Title 1">
             <a:extLst>
               <a:ext uri="{FF2B5EF4-FFF2-40B4-BE49-F238E27FC236}">
-                <a16:creationId xmlns:a16="http://schemas.microsoft.com/office/drawing/2014/main" id="{4604CD6F-B8B0-4D9C-9A4C-3F306942C26E}"/>
+                <a16:creationId xmlns:a16="http://schemas.microsoft.com/office/drawing/2014/main" id="{FEAD3118-7FD1-4B91-88EA-4C8DBA037A32}"/>
               </a:ext>
             </a:extLst>
           </p:cNvPr>
@@ -6658,15 +9822,15 @@
           <a:p>
             <a:r>
               <a:rPr lang="sl-SI" dirty="0" err="1"/>
-              <a:t>Halting</a:t>
-            </a:r>
-            <a:r>
-              <a:rPr lang="sl-SI" dirty="0"/>
-              <a:t> mode </a:t>
-            </a:r>
-            <a:r>
-              <a:rPr lang="sl-SI" dirty="0" err="1"/>
-              <a:t>debugging</a:t>
+              <a:t>Debug</a:t>
+            </a:r>
+            <a:r>
+              <a:rPr lang="sl-SI" dirty="0"/>
+              <a:t> </a:t>
+            </a:r>
+            <a:r>
+              <a:rPr lang="sl-SI" dirty="0" err="1"/>
+              <a:t>information</a:t>
             </a:r>
             <a:endParaRPr lang="sl-SI" dirty="0"/>
           </a:p>
@@ -6677,7 +9841,7 @@
           <p:cNvPr id="3" name="Content Placeholder 2">
             <a:extLst>
               <a:ext uri="{FF2B5EF4-FFF2-40B4-BE49-F238E27FC236}">
-                <a16:creationId xmlns:a16="http://schemas.microsoft.com/office/drawing/2014/main" id="{B06DF79B-8C01-4B9B-B713-68C65B2D4B5E}"/>
+                <a16:creationId xmlns:a16="http://schemas.microsoft.com/office/drawing/2014/main" id="{02EF352C-5DA8-4F94-B027-0DDE82C5DCE3}"/>
               </a:ext>
             </a:extLst>
           </p:cNvPr>
@@ -6690,58 +9854,26 @@
         </p:nvSpPr>
         <p:spPr/>
         <p:txBody>
-          <a:bodyPr>
-            <a:normAutofit lnSpcReduction="10000"/>
-          </a:bodyPr>
+          <a:bodyPr/>
           <a:lstStyle/>
           <a:p>
             <a:r>
               <a:rPr lang="sl-SI" dirty="0"/>
-              <a:t>Procesor ustavi izvajanje, ustavi uro</a:t>
-            </a:r>
-          </a:p>
-          <a:p>
-            <a:r>
-              <a:rPr lang="sl-SI" dirty="0"/>
-              <a:t>DMA, RTC, še vedno teče</a:t>
-            </a:r>
-          </a:p>
-          <a:p>
-            <a:r>
-              <a:rPr lang="sl-SI" dirty="0"/>
-              <a:t>Preko posebnega kanala lahko dostopamo do cevovoda in vstavljamo ukaze</a:t>
-            </a:r>
-          </a:p>
-          <a:p>
-            <a:r>
-              <a:rPr lang="sl-SI" dirty="0"/>
-              <a:t>Lahko dostopamo do posebnih sistemskih registrov</a:t>
-            </a:r>
-          </a:p>
-          <a:p>
-            <a:r>
-              <a:rPr lang="sl-SI" dirty="0"/>
-              <a:t>Do spomina lahko dostopamo z </a:t>
-            </a:r>
-            <a:r>
-              <a:rPr lang="sl-SI" dirty="0" err="1"/>
-              <a:t>load</a:t>
-            </a:r>
-            <a:r>
-              <a:rPr lang="sl-SI" dirty="0"/>
-              <a:t> in store ukazi -&gt; čez predpomnilnik, pravilne vrednosti spremenljivk</a:t>
-            </a:r>
-          </a:p>
-          <a:p>
-            <a:r>
-              <a:rPr lang="sl-SI" dirty="0"/>
-              <a:t>Veliko dela z pravilnim nadziranjem cevovoda, predpomnilnika…</a:t>
-            </a:r>
-          </a:p>
-          <a:p>
-            <a:r>
-              <a:rPr lang="sl-SI" dirty="0"/>
-              <a:t>Lahko pa dostopamo direktno na vodilo, a lahko dobimo napačne vrednosti zaradi predpomnilnika</a:t>
+              <a:t>Za </a:t>
+            </a:r>
+            <a:r>
+              <a:rPr lang="sl-SI" dirty="0" err="1"/>
+              <a:t>razhroščevanje</a:t>
+            </a:r>
+            <a:r>
+              <a:rPr lang="sl-SI" dirty="0"/>
+              <a:t> v višjih jezikih potrebujemo preslikavo iz izvorne kode v strojno kodo</a:t>
+            </a:r>
+          </a:p>
+          <a:p>
+            <a:r>
+              <a:rPr lang="sl-SI" dirty="0"/>
+              <a:t>Potrebujemo dodatne informacije, o funkcijah, spremenljivkah…</a:t>
             </a:r>
           </a:p>
         </p:txBody>
@@ -6749,7 +9881,7 @@
     </p:spTree>
     <p:extLst>
       <p:ext uri="{BB962C8B-B14F-4D97-AF65-F5344CB8AC3E}">
-        <p14:creationId xmlns:p14="http://schemas.microsoft.com/office/powerpoint/2010/main" val="2016166150"/>
+        <p14:creationId xmlns:p14="http://schemas.microsoft.com/office/powerpoint/2010/main" val="272533302"/>
       </p:ext>
     </p:extLst>
   </p:cSld>
@@ -6781,7 +9913,7 @@
           <p:cNvPr id="2" name="Title 1">
             <a:extLst>
               <a:ext uri="{FF2B5EF4-FFF2-40B4-BE49-F238E27FC236}">
-                <a16:creationId xmlns:a16="http://schemas.microsoft.com/office/drawing/2014/main" id="{FEAD3118-7FD1-4B91-88EA-4C8DBA037A32}"/>
+                <a16:creationId xmlns:a16="http://schemas.microsoft.com/office/drawing/2014/main" id="{A28E0AB1-ACCB-49E7-B41E-BB3E9D1B8D06}"/>
               </a:ext>
             </a:extLst>
           </p:cNvPr>
@@ -6798,18 +9930,9 @@
           <a:lstStyle/>
           <a:p>
             <a:r>
-              <a:rPr lang="sl-SI" dirty="0" err="1"/>
-              <a:t>Debug</a:t>
-            </a:r>
-            <a:r>
-              <a:rPr lang="sl-SI" dirty="0"/>
-              <a:t> </a:t>
-            </a:r>
-            <a:r>
-              <a:rPr lang="sl-SI" dirty="0" err="1"/>
-              <a:t>information</a:t>
-            </a:r>
-            <a:endParaRPr lang="sl-SI" dirty="0"/>
+              <a:rPr lang="sl-SI" dirty="0"/>
+              <a:t>DWARF</a:t>
+            </a:r>
           </a:p>
         </p:txBody>
       </p:sp>
@@ -6818,7 +9941,7 @@
           <p:cNvPr id="3" name="Content Placeholder 2">
             <a:extLst>
               <a:ext uri="{FF2B5EF4-FFF2-40B4-BE49-F238E27FC236}">
-                <a16:creationId xmlns:a16="http://schemas.microsoft.com/office/drawing/2014/main" id="{02EF352C-5DA8-4F94-B027-0DDE82C5DCE3}"/>
+                <a16:creationId xmlns:a16="http://schemas.microsoft.com/office/drawing/2014/main" id="{B71C410E-54C1-4756-A80E-27D7E119BA72}"/>
               </a:ext>
             </a:extLst>
           </p:cNvPr>
@@ -6836,21 +9959,19 @@
           <a:p>
             <a:r>
               <a:rPr lang="sl-SI" dirty="0"/>
-              <a:t>Za </a:t>
-            </a:r>
-            <a:r>
-              <a:rPr lang="sl-SI" dirty="0" err="1"/>
-              <a:t>razhroščevanje</a:t>
-            </a:r>
-            <a:r>
-              <a:rPr lang="sl-SI" dirty="0"/>
-              <a:t> v višjih jezikih potrebujemo preslikavo iz izvorne kode v strojno kodo</a:t>
-            </a:r>
-          </a:p>
-          <a:p>
-            <a:r>
-              <a:rPr lang="sl-SI" dirty="0"/>
-              <a:t>Potrebujemo dodatne informacije, o funkcijah, spremenljivkah…</a:t>
+              <a:t>Dodatne informacije v datoteki ELF</a:t>
+            </a:r>
+          </a:p>
+          <a:p>
+            <a:r>
+              <a:rPr lang="sl-SI" dirty="0"/>
+              <a:t>Primer: examples/dwarf_debug_info.md</a:t>
+            </a:r>
+          </a:p>
+          <a:p>
+            <a:r>
+              <a:rPr lang="sl-SI" dirty="0"/>
+              <a:t>Optimizacija še vedno lahko prinese veliko težav</a:t>
             </a:r>
           </a:p>
         </p:txBody>
@@ -6858,7 +9979,7 @@
     </p:spTree>
     <p:extLst>
       <p:ext uri="{BB962C8B-B14F-4D97-AF65-F5344CB8AC3E}">
-        <p14:creationId xmlns:p14="http://schemas.microsoft.com/office/powerpoint/2010/main" val="272533302"/>
+        <p14:creationId xmlns:p14="http://schemas.microsoft.com/office/powerpoint/2010/main" val="402534928"/>
       </p:ext>
     </p:extLst>
   </p:cSld>
@@ -6890,104 +10011,6 @@
           <p:cNvPr id="2" name="Title 1">
             <a:extLst>
               <a:ext uri="{FF2B5EF4-FFF2-40B4-BE49-F238E27FC236}">
-                <a16:creationId xmlns:a16="http://schemas.microsoft.com/office/drawing/2014/main" id="{A28E0AB1-ACCB-49E7-B41E-BB3E9D1B8D06}"/>
-              </a:ext>
-            </a:extLst>
-          </p:cNvPr>
-          <p:cNvSpPr>
-            <a:spLocks noGrp="1"/>
-          </p:cNvSpPr>
-          <p:nvPr>
-            <p:ph type="title"/>
-          </p:nvPr>
-        </p:nvSpPr>
-        <p:spPr/>
-        <p:txBody>
-          <a:bodyPr/>
-          <a:lstStyle/>
-          <a:p>
-            <a:r>
-              <a:rPr lang="sl-SI" dirty="0"/>
-              <a:t>DWARF</a:t>
-            </a:r>
-          </a:p>
-        </p:txBody>
-      </p:sp>
-      <p:sp>
-        <p:nvSpPr>
-          <p:cNvPr id="3" name="Content Placeholder 2">
-            <a:extLst>
-              <a:ext uri="{FF2B5EF4-FFF2-40B4-BE49-F238E27FC236}">
-                <a16:creationId xmlns:a16="http://schemas.microsoft.com/office/drawing/2014/main" id="{B71C410E-54C1-4756-A80E-27D7E119BA72}"/>
-              </a:ext>
-            </a:extLst>
-          </p:cNvPr>
-          <p:cNvSpPr>
-            <a:spLocks noGrp="1"/>
-          </p:cNvSpPr>
-          <p:nvPr>
-            <p:ph idx="1"/>
-          </p:nvPr>
-        </p:nvSpPr>
-        <p:spPr/>
-        <p:txBody>
-          <a:bodyPr/>
-          <a:lstStyle/>
-          <a:p>
-            <a:r>
-              <a:rPr lang="sl-SI" dirty="0"/>
-              <a:t>Dodatne informacije v datoteki ELF</a:t>
-            </a:r>
-          </a:p>
-          <a:p>
-            <a:r>
-              <a:rPr lang="sl-SI" dirty="0"/>
-              <a:t>Primer: examples/dwarf_debug_info.md</a:t>
-            </a:r>
-          </a:p>
-          <a:p>
-            <a:r>
-              <a:rPr lang="sl-SI" dirty="0"/>
-              <a:t>Optimizacija še vedno lahko prinese veliko težav</a:t>
-            </a:r>
-          </a:p>
-        </p:txBody>
-      </p:sp>
-    </p:spTree>
-    <p:extLst>
-      <p:ext uri="{BB962C8B-B14F-4D97-AF65-F5344CB8AC3E}">
-        <p14:creationId xmlns:p14="http://schemas.microsoft.com/office/powerpoint/2010/main" val="402534928"/>
-      </p:ext>
-    </p:extLst>
-  </p:cSld>
-  <p:clrMapOvr>
-    <a:masterClrMapping/>
-  </p:clrMapOvr>
-</p:sld>
-</file>
-
-<file path=ppt/slides/slide28.xml><?xml version="1.0" encoding="utf-8"?>
-<p:sld xmlns:a="http://schemas.openxmlformats.org/drawingml/2006/main" xmlns:r="http://schemas.openxmlformats.org/officeDocument/2006/relationships" xmlns:p="http://schemas.openxmlformats.org/presentationml/2006/main">
-  <p:cSld>
-    <p:spTree>
-      <p:nvGrpSpPr>
-        <p:cNvPr id="1" name=""/>
-        <p:cNvGrpSpPr/>
-        <p:nvPr/>
-      </p:nvGrpSpPr>
-      <p:grpSpPr>
-        <a:xfrm>
-          <a:off x="0" y="0"/>
-          <a:ext cx="0" cy="0"/>
-          <a:chOff x="0" y="0"/>
-          <a:chExt cx="0" cy="0"/>
-        </a:xfrm>
-      </p:grpSpPr>
-      <p:sp>
-        <p:nvSpPr>
-          <p:cNvPr id="2" name="Title 1">
-            <a:extLst>
-              <a:ext uri="{FF2B5EF4-FFF2-40B4-BE49-F238E27FC236}">
                 <a16:creationId xmlns:a16="http://schemas.microsoft.com/office/drawing/2014/main" id="{A4BD43B9-34BB-4912-9B19-F392D4CFE32C}"/>
               </a:ext>
             </a:extLst>
@@ -7005,8 +10028,28 @@
           <a:lstStyle/>
           <a:p>
             <a:r>
-              <a:rPr lang="sl-SI" dirty="0"/>
-              <a:t>CALL STACK (BACKTRACE)</a:t>
+              <a:rPr lang="sl-SI" dirty="0" err="1"/>
+              <a:t>Call</a:t>
+            </a:r>
+            <a:r>
+              <a:rPr lang="sl-SI" dirty="0"/>
+              <a:t> </a:t>
+            </a:r>
+            <a:r>
+              <a:rPr lang="sl-SI" dirty="0" err="1"/>
+              <a:t>stack</a:t>
+            </a:r>
+            <a:r>
+              <a:rPr lang="sl-SI" dirty="0"/>
+              <a:t> (</a:t>
+            </a:r>
+            <a:r>
+              <a:rPr lang="sl-SI" dirty="0" err="1"/>
+              <a:t>backtrace</a:t>
+            </a:r>
+            <a:r>
+              <a:rPr lang="sl-SI" dirty="0"/>
+              <a:t>)</a:t>
             </a:r>
           </a:p>
         </p:txBody>
@@ -7029,12 +10072,14 @@
         </p:nvSpPr>
         <p:spPr>
           <a:xfrm>
-            <a:off x="2231136" y="2638044"/>
+            <a:off x="2345379" y="2057472"/>
             <a:ext cx="5285347" cy="3101983"/>
           </a:xfrm>
         </p:spPr>
         <p:txBody>
-          <a:bodyPr/>
+          <a:bodyPr>
+            <a:normAutofit/>
+          </a:bodyPr>
           <a:lstStyle/>
           <a:p>
             <a:r>
@@ -7144,7 +10189,7 @@
         </p:blipFill>
         <p:spPr>
           <a:xfrm>
-            <a:off x="2461493" y="4935297"/>
+            <a:off x="2345379" y="5263044"/>
             <a:ext cx="4402265" cy="1268083"/>
           </a:xfrm>
           <a:prstGeom prst="rect">
@@ -7156,6 +10201,115 @@
     <p:extLst>
       <p:ext uri="{BB962C8B-B14F-4D97-AF65-F5344CB8AC3E}">
         <p14:creationId xmlns:p14="http://schemas.microsoft.com/office/powerpoint/2010/main" val="2628571616"/>
+      </p:ext>
+    </p:extLst>
+  </p:cSld>
+  <p:clrMapOvr>
+    <a:masterClrMapping/>
+  </p:clrMapOvr>
+</p:sld>
+</file>
+
+<file path=ppt/slides/slide28.xml><?xml version="1.0" encoding="utf-8"?>
+<p:sld xmlns:a="http://schemas.openxmlformats.org/drawingml/2006/main" xmlns:r="http://schemas.openxmlformats.org/officeDocument/2006/relationships" xmlns:p="http://schemas.openxmlformats.org/presentationml/2006/main">
+  <p:cSld>
+    <p:spTree>
+      <p:nvGrpSpPr>
+        <p:cNvPr id="1" name=""/>
+        <p:cNvGrpSpPr/>
+        <p:nvPr/>
+      </p:nvGrpSpPr>
+      <p:grpSpPr>
+        <a:xfrm>
+          <a:off x="0" y="0"/>
+          <a:ext cx="0" cy="0"/>
+          <a:chOff x="0" y="0"/>
+          <a:chExt cx="0" cy="0"/>
+        </a:xfrm>
+      </p:grpSpPr>
+      <p:sp>
+        <p:nvSpPr>
+          <p:cNvPr id="2" name="Title 1">
+            <a:extLst>
+              <a:ext uri="{FF2B5EF4-FFF2-40B4-BE49-F238E27FC236}">
+                <a16:creationId xmlns:a16="http://schemas.microsoft.com/office/drawing/2014/main" id="{6B94CADE-345D-4EB2-94AB-B121F77117B6}"/>
+              </a:ext>
+            </a:extLst>
+          </p:cNvPr>
+          <p:cNvSpPr>
+            <a:spLocks noGrp="1"/>
+          </p:cNvSpPr>
+          <p:nvPr>
+            <p:ph type="title"/>
+          </p:nvPr>
+        </p:nvSpPr>
+        <p:spPr/>
+        <p:txBody>
+          <a:bodyPr/>
+          <a:lstStyle/>
+          <a:p>
+            <a:r>
+              <a:rPr lang="sl-SI" dirty="0" err="1"/>
+              <a:t>Xdebug</a:t>
+            </a:r>
+            <a:endParaRPr lang="sl-SI" dirty="0"/>
+          </a:p>
+        </p:txBody>
+      </p:sp>
+      <p:sp>
+        <p:nvSpPr>
+          <p:cNvPr id="7" name="Content Placeholder 6">
+            <a:extLst>
+              <a:ext uri="{FF2B5EF4-FFF2-40B4-BE49-F238E27FC236}">
+                <a16:creationId xmlns:a16="http://schemas.microsoft.com/office/drawing/2014/main" id="{8C53FEBF-DAFF-4B41-AB25-5153D0BD3C6E}"/>
+              </a:ext>
+            </a:extLst>
+          </p:cNvPr>
+          <p:cNvSpPr>
+            <a:spLocks noGrp="1"/>
+          </p:cNvSpPr>
+          <p:nvPr>
+            <p:ph idx="1"/>
+          </p:nvPr>
+        </p:nvSpPr>
+        <p:spPr/>
+        <p:txBody>
+          <a:bodyPr/>
+          <a:lstStyle/>
+          <a:p>
+            <a:r>
+              <a:rPr lang="sl-SI" dirty="0" err="1"/>
+              <a:t>Remote</a:t>
+            </a:r>
+            <a:r>
+              <a:rPr lang="sl-SI" dirty="0"/>
+              <a:t> </a:t>
+            </a:r>
+            <a:r>
+              <a:rPr lang="sl-SI" dirty="0" err="1"/>
+              <a:t>debugger</a:t>
+            </a:r>
+            <a:endParaRPr lang="sl-SI" dirty="0"/>
+          </a:p>
+          <a:p>
+            <a:r>
+              <a:rPr lang="sl-SI" dirty="0"/>
+              <a:t>1 uporablja podoben protokol GDB</a:t>
+            </a:r>
+          </a:p>
+          <a:p>
+            <a:r>
+              <a:rPr lang="sl-SI" dirty="0"/>
+              <a:t>2 pa nov, DBGP</a:t>
+            </a:r>
+            <a:endParaRPr lang="sl-SI" b="1" dirty="0"/>
+          </a:p>
+        </p:txBody>
+      </p:sp>
+    </p:spTree>
+    <p:extLst>
+      <p:ext uri="{BB962C8B-B14F-4D97-AF65-F5344CB8AC3E}">
+        <p14:creationId xmlns:p14="http://schemas.microsoft.com/office/powerpoint/2010/main" val="3628944690"/>
       </p:ext>
     </p:extLst>
   </p:cSld>
@@ -7187,7 +10341,7 @@
           <p:cNvPr id="2" name="Title 1">
             <a:extLst>
               <a:ext uri="{FF2B5EF4-FFF2-40B4-BE49-F238E27FC236}">
-                <a16:creationId xmlns:a16="http://schemas.microsoft.com/office/drawing/2014/main" id="{80AEE0DF-9E8E-424A-8C70-D2E0F87960A6}"/>
+                <a16:creationId xmlns:a16="http://schemas.microsoft.com/office/drawing/2014/main" id="{B6E64E22-CFEF-44A5-B821-0F2ED07DB2D8}"/>
               </a:ext>
             </a:extLst>
           </p:cNvPr>
@@ -7203,19 +10357,16 @@
           <a:bodyPr/>
           <a:lstStyle/>
           <a:p>
-            <a:r>
-              <a:rPr lang="sl-SI" dirty="0"/>
-              <a:t>REFERENCE</a:t>
-            </a:r>
-          </a:p>
-        </p:txBody>
-      </p:sp>
-      <p:sp>
-        <p:nvSpPr>
-          <p:cNvPr id="3" name="Content Placeholder 2">
+            <a:endParaRPr lang="sl-SI"/>
+          </a:p>
+        </p:txBody>
+      </p:sp>
+      <p:sp>
+        <p:nvSpPr>
+          <p:cNvPr id="7" name="Content Placeholder 6">
             <a:extLst>
               <a:ext uri="{FF2B5EF4-FFF2-40B4-BE49-F238E27FC236}">
-                <a16:creationId xmlns:a16="http://schemas.microsoft.com/office/drawing/2014/main" id="{990F9D16-4614-4497-95DE-3E57EC427EF4}"/>
+                <a16:creationId xmlns:a16="http://schemas.microsoft.com/office/drawing/2014/main" id="{A4588CC7-6A00-4AD6-904F-574682655999}"/>
               </a:ext>
             </a:extLst>
           </p:cNvPr>
@@ -7226,398 +10377,17 @@
             <p:ph idx="1"/>
           </p:nvPr>
         </p:nvSpPr>
-        <p:spPr>
-          <a:xfrm>
-            <a:off x="2231136" y="2638044"/>
-            <a:ext cx="8730162" cy="3768507"/>
-          </a:xfrm>
-        </p:spPr>
-        <p:txBody>
-          <a:bodyPr>
-            <a:normAutofit fontScale="85000" lnSpcReduction="20000"/>
-          </a:bodyPr>
+        <p:spPr/>
+        <p:txBody>
+          <a:bodyPr/>
           <a:lstStyle/>
           <a:p>
-            <a:r>
-              <a:rPr lang="sl-SI" dirty="0"/>
-              <a:t>Jonathan B. Rosenberg. How </a:t>
-            </a:r>
-            <a:r>
-              <a:rPr lang="sl-SI" dirty="0" err="1"/>
-              <a:t>Debuggers</a:t>
-            </a:r>
-            <a:r>
-              <a:rPr lang="sl-SI" dirty="0"/>
-              <a:t> </a:t>
-            </a:r>
-            <a:r>
-              <a:rPr lang="sl-SI" dirty="0" err="1"/>
-              <a:t>Work</a:t>
-            </a:r>
-            <a:r>
-              <a:rPr lang="sl-SI" dirty="0"/>
-              <a:t>: </a:t>
-            </a:r>
-            <a:r>
-              <a:rPr lang="sl-SI" dirty="0" err="1"/>
-              <a:t>Algorithms</a:t>
-            </a:r>
-            <a:r>
-              <a:rPr lang="sl-SI" dirty="0"/>
-              <a:t>, Data </a:t>
-            </a:r>
-            <a:r>
-              <a:rPr lang="sl-SI" dirty="0" err="1"/>
-              <a:t>Structures</a:t>
-            </a:r>
-            <a:r>
-              <a:rPr lang="sl-SI" dirty="0"/>
-              <a:t>, </a:t>
-            </a:r>
-            <a:r>
-              <a:rPr lang="sl-SI" dirty="0" err="1"/>
-              <a:t>and</a:t>
-            </a:r>
-            <a:r>
-              <a:rPr lang="sl-SI" dirty="0"/>
-              <a:t> </a:t>
-            </a:r>
-            <a:r>
-              <a:rPr lang="sl-SI" dirty="0" err="1"/>
-              <a:t>Architecture</a:t>
-            </a:r>
-            <a:r>
-              <a:rPr lang="sl-SI" dirty="0"/>
-              <a:t>. John </a:t>
-            </a:r>
-            <a:r>
-              <a:rPr lang="sl-SI" dirty="0" err="1"/>
-              <a:t>Wiley</a:t>
-            </a:r>
-            <a:r>
-              <a:rPr lang="sl-SI" dirty="0"/>
-              <a:t> &amp; </a:t>
-            </a:r>
-            <a:r>
-              <a:rPr lang="sl-SI" dirty="0" err="1"/>
-              <a:t>Sons</a:t>
-            </a:r>
-            <a:r>
-              <a:rPr lang="sl-SI" dirty="0"/>
-              <a:t>. ISBN 0-471-14966-7.</a:t>
-            </a:r>
-          </a:p>
-          <a:p>
-            <a:r>
-              <a:rPr lang="sl-SI" dirty="0" err="1">
-                <a:hlinkClick r:id="rId2"/>
-              </a:rPr>
-              <a:t>Debuggers</a:t>
-            </a:r>
             <a:r>
               <a:rPr lang="sl-SI" dirty="0">
                 <a:hlinkClick r:id="rId2"/>
               </a:rPr>
-              <a:t> - </a:t>
-            </a:r>
-            <a:r>
-              <a:rPr lang="sl-SI" dirty="0" err="1">
-                <a:hlinkClick r:id="rId2"/>
-              </a:rPr>
-              <a:t>Wikipedia</a:t>
-            </a:r>
-            <a:endParaRPr lang="sl-SI" dirty="0"/>
-          </a:p>
-          <a:p>
-            <a:r>
-              <a:rPr lang="sl-SI" dirty="0">
-                <a:hlinkClick r:id="rId3"/>
-              </a:rPr>
-              <a:t>How do </a:t>
-            </a:r>
-            <a:r>
-              <a:rPr lang="sl-SI" dirty="0" err="1">
-                <a:hlinkClick r:id="rId3"/>
-              </a:rPr>
-              <a:t>debuggers</a:t>
-            </a:r>
-            <a:r>
-              <a:rPr lang="sl-SI" dirty="0">
-                <a:hlinkClick r:id="rId3"/>
-              </a:rPr>
-              <a:t> (</a:t>
-            </a:r>
-            <a:r>
-              <a:rPr lang="sl-SI" dirty="0" err="1">
-                <a:hlinkClick r:id="rId3"/>
-              </a:rPr>
-              <a:t>really</a:t>
-            </a:r>
-            <a:r>
-              <a:rPr lang="sl-SI" dirty="0">
-                <a:hlinkClick r:id="rId3"/>
-              </a:rPr>
-              <a:t>) </a:t>
-            </a:r>
-            <a:r>
-              <a:rPr lang="sl-SI" dirty="0" err="1">
-                <a:hlinkClick r:id="rId3"/>
-              </a:rPr>
-              <a:t>work</a:t>
-            </a:r>
-            <a:r>
-              <a:rPr lang="sl-SI" dirty="0"/>
-              <a:t> - </a:t>
-            </a:r>
-            <a:r>
-              <a:rPr lang="sl-SI" dirty="0">
-                <a:hlinkClick r:id="rId4"/>
-              </a:rPr>
-              <a:t>Video</a:t>
-            </a:r>
-            <a:endParaRPr lang="sl-SI" dirty="0"/>
-          </a:p>
-          <a:p>
-            <a:r>
-              <a:rPr lang="sl-SI" dirty="0">
-                <a:hlinkClick r:id="rId5"/>
-              </a:rPr>
-              <a:t>How </a:t>
-            </a:r>
-            <a:r>
-              <a:rPr lang="sl-SI" dirty="0" err="1">
-                <a:hlinkClick r:id="rId5"/>
-              </a:rPr>
-              <a:t>debuggers</a:t>
-            </a:r>
-            <a:r>
-              <a:rPr lang="sl-SI" dirty="0">
-                <a:hlinkClick r:id="rId5"/>
-              </a:rPr>
-              <a:t> </a:t>
-            </a:r>
-            <a:r>
-              <a:rPr lang="sl-SI" dirty="0" err="1">
-                <a:hlinkClick r:id="rId5"/>
-              </a:rPr>
-              <a:t>work</a:t>
-            </a:r>
-            <a:r>
-              <a:rPr lang="sl-SI" dirty="0">
-                <a:hlinkClick r:id="rId5"/>
-              </a:rPr>
-              <a:t> - Part 1</a:t>
-            </a:r>
-            <a:endParaRPr lang="sl-SI" dirty="0"/>
-          </a:p>
-          <a:p>
-            <a:r>
-              <a:rPr lang="sl-SI" dirty="0">
-                <a:hlinkClick r:id="rId6"/>
-              </a:rPr>
-              <a:t>How </a:t>
-            </a:r>
-            <a:r>
-              <a:rPr lang="sl-SI" dirty="0" err="1">
-                <a:hlinkClick r:id="rId6"/>
-              </a:rPr>
-              <a:t>debuggers</a:t>
-            </a:r>
-            <a:r>
-              <a:rPr lang="sl-SI" dirty="0">
-                <a:hlinkClick r:id="rId6"/>
-              </a:rPr>
-              <a:t> </a:t>
-            </a:r>
-            <a:r>
-              <a:rPr lang="sl-SI" dirty="0" err="1">
-                <a:hlinkClick r:id="rId6"/>
-              </a:rPr>
-              <a:t>work</a:t>
-            </a:r>
-            <a:r>
-              <a:rPr lang="sl-SI" dirty="0">
-                <a:hlinkClick r:id="rId6"/>
-              </a:rPr>
-              <a:t> - Part 2 - </a:t>
-            </a:r>
-            <a:r>
-              <a:rPr lang="sl-SI" dirty="0" err="1">
-                <a:hlinkClick r:id="rId6"/>
-              </a:rPr>
-              <a:t>Breakpoints</a:t>
-            </a:r>
-            <a:endParaRPr lang="sl-SI" dirty="0"/>
-          </a:p>
-          <a:p>
-            <a:r>
-              <a:rPr lang="sl-SI" dirty="0">
-                <a:hlinkClick r:id="rId7"/>
-              </a:rPr>
-              <a:t>How </a:t>
-            </a:r>
-            <a:r>
-              <a:rPr lang="sl-SI" dirty="0" err="1">
-                <a:hlinkClick r:id="rId7"/>
-              </a:rPr>
-              <a:t>debuggers</a:t>
-            </a:r>
-            <a:r>
-              <a:rPr lang="sl-SI" dirty="0">
-                <a:hlinkClick r:id="rId7"/>
-              </a:rPr>
-              <a:t> </a:t>
-            </a:r>
-            <a:r>
-              <a:rPr lang="sl-SI" dirty="0" err="1">
-                <a:hlinkClick r:id="rId7"/>
-              </a:rPr>
-              <a:t>work</a:t>
-            </a:r>
-            <a:r>
-              <a:rPr lang="sl-SI" dirty="0">
-                <a:hlinkClick r:id="rId7"/>
-              </a:rPr>
-              <a:t> - Part 3 - </a:t>
-            </a:r>
-            <a:r>
-              <a:rPr lang="sl-SI" dirty="0" err="1">
-                <a:hlinkClick r:id="rId7"/>
-              </a:rPr>
-              <a:t>Debugging</a:t>
-            </a:r>
-            <a:r>
-              <a:rPr lang="sl-SI" dirty="0">
-                <a:hlinkClick r:id="rId7"/>
-              </a:rPr>
-              <a:t> </a:t>
-            </a:r>
-            <a:r>
-              <a:rPr lang="sl-SI" dirty="0" err="1">
-                <a:hlinkClick r:id="rId7"/>
-              </a:rPr>
-              <a:t>information</a:t>
-            </a:r>
-            <a:endParaRPr lang="sl-SI" dirty="0"/>
-          </a:p>
-          <a:p>
-            <a:r>
-              <a:rPr lang="sl-SI" dirty="0">
-                <a:hlinkClick r:id="rId8"/>
-              </a:rPr>
-              <a:t>GDB </a:t>
-            </a:r>
-            <a:r>
-              <a:rPr lang="sl-SI" dirty="0" err="1">
-                <a:hlinkClick r:id="rId8"/>
-              </a:rPr>
-              <a:t>The</a:t>
-            </a:r>
-            <a:r>
-              <a:rPr lang="sl-SI" dirty="0">
-                <a:hlinkClick r:id="rId8"/>
-              </a:rPr>
-              <a:t> GNU Project </a:t>
-            </a:r>
-            <a:r>
-              <a:rPr lang="sl-SI" dirty="0" err="1">
-                <a:hlinkClick r:id="rId8"/>
-              </a:rPr>
-              <a:t>Debugger</a:t>
-            </a:r>
-            <a:endParaRPr lang="sl-SI" dirty="0"/>
-          </a:p>
-          <a:p>
-            <a:r>
-              <a:rPr lang="sl-SI" dirty="0">
-                <a:hlinkClick r:id="rId9"/>
-              </a:rPr>
-              <a:t>GDB - </a:t>
-            </a:r>
-            <a:r>
-              <a:rPr lang="sl-SI" dirty="0" err="1">
-                <a:hlinkClick r:id="rId9"/>
-              </a:rPr>
-              <a:t>Wikipedia</a:t>
-            </a:r>
-            <a:endParaRPr lang="sl-SI" dirty="0"/>
-          </a:p>
-          <a:p>
-            <a:r>
-              <a:rPr lang="sl-SI" dirty="0">
-                <a:hlinkClick r:id="rId10"/>
-              </a:rPr>
-              <a:t>man 2 </a:t>
-            </a:r>
-            <a:r>
-              <a:rPr lang="sl-SI" dirty="0" err="1">
-                <a:hlinkClick r:id="rId10"/>
-              </a:rPr>
-              <a:t>ptrace</a:t>
-            </a:r>
-            <a:endParaRPr lang="sl-SI" dirty="0"/>
-          </a:p>
-          <a:p>
-            <a:r>
-              <a:rPr lang="sl-SI" dirty="0">
-                <a:hlinkClick r:id="rId11"/>
-              </a:rPr>
-              <a:t>INT (x86 </a:t>
-            </a:r>
-            <a:r>
-              <a:rPr lang="sl-SI" dirty="0" err="1">
-                <a:hlinkClick r:id="rId11"/>
-              </a:rPr>
-              <a:t>instruction</a:t>
-            </a:r>
-            <a:r>
-              <a:rPr lang="sl-SI" dirty="0">
-                <a:hlinkClick r:id="rId11"/>
-              </a:rPr>
-              <a:t>) - </a:t>
-            </a:r>
-            <a:r>
-              <a:rPr lang="sl-SI" dirty="0" err="1">
-                <a:hlinkClick r:id="rId11"/>
-              </a:rPr>
-              <a:t>Wikipedia</a:t>
-            </a:r>
-            <a:endParaRPr lang="sl-SI" dirty="0"/>
-          </a:p>
-          <a:p>
-            <a:r>
-              <a:rPr lang="sl-SI" dirty="0" err="1">
-                <a:hlinkClick r:id="rId12"/>
-              </a:rPr>
-              <a:t>Writing</a:t>
-            </a:r>
-            <a:r>
-              <a:rPr lang="sl-SI" dirty="0">
-                <a:hlinkClick r:id="rId12"/>
-              </a:rPr>
-              <a:t> a </a:t>
-            </a:r>
-            <a:r>
-              <a:rPr lang="sl-SI" dirty="0" err="1">
-                <a:hlinkClick r:id="rId12"/>
-              </a:rPr>
-              <a:t>linux</a:t>
-            </a:r>
-            <a:r>
-              <a:rPr lang="sl-SI" dirty="0">
-                <a:hlinkClick r:id="rId12"/>
-              </a:rPr>
-              <a:t> </a:t>
-            </a:r>
-            <a:r>
-              <a:rPr lang="sl-SI" dirty="0" err="1">
-                <a:hlinkClick r:id="rId12"/>
-              </a:rPr>
-              <a:t>debugger</a:t>
-            </a:r>
-            <a:endParaRPr lang="sl-SI" dirty="0"/>
-          </a:p>
-          <a:p>
+              <a:t>https://xdebug.org/docs/remote</a:t>
+            </a:r>
             <a:endParaRPr lang="sl-SI" dirty="0"/>
           </a:p>
         </p:txBody>
@@ -7625,7 +10395,7 @@
     </p:spTree>
     <p:extLst>
       <p:ext uri="{BB962C8B-B14F-4D97-AF65-F5344CB8AC3E}">
-        <p14:creationId xmlns:p14="http://schemas.microsoft.com/office/powerpoint/2010/main" val="862404442"/>
+        <p14:creationId xmlns:p14="http://schemas.microsoft.com/office/powerpoint/2010/main" val="3494212855"/>
       </p:ext>
     </p:extLst>
   </p:cSld>
@@ -7701,81 +10471,32 @@
           <a:bodyPr/>
           <a:lstStyle/>
           <a:p>
+            <a:pPr marL="0" indent="0">
+              <a:buNone/>
+            </a:pPr>
+            <a:r>
+              <a:rPr lang="sl-SI" dirty="0"/>
+              <a:t>omogočajo</a:t>
+            </a:r>
             <a:r>
               <a:rPr lang="sl-SI" b="1" dirty="0"/>
-              <a:t>program, s katerim testiramo ali </a:t>
-            </a:r>
-            <a:r>
-              <a:rPr lang="sl-SI" b="1" dirty="0" err="1"/>
-              <a:t>razhroščujemo</a:t>
-            </a:r>
-            <a:r>
-              <a:rPr lang="sl-SI" b="1" dirty="0"/>
-              <a:t> drug ("ciljni") program</a:t>
-            </a:r>
-            <a:endParaRPr lang="en-GB" b="1" dirty="0"/>
-          </a:p>
-          <a:p>
-            <a:r>
-              <a:rPr lang="en-GB" dirty="0"/>
-              <a:t>o</a:t>
-            </a:r>
-            <a:r>
-              <a:rPr lang="sl-SI" dirty="0" err="1"/>
-              <a:t>mogočajo</a:t>
-            </a:r>
-            <a:r>
-              <a:rPr lang="en-GB" dirty="0"/>
-              <a:t>:</a:t>
-            </a:r>
-          </a:p>
-          <a:p>
-            <a:pPr lvl="1"/>
-            <a:r>
-              <a:rPr lang="sl-SI" dirty="0"/>
-              <a:t> spremljanje poteka izvajanja ciljnega programa </a:t>
-            </a:r>
-            <a:endParaRPr lang="en-GB" dirty="0"/>
-          </a:p>
-          <a:p>
-            <a:pPr lvl="1"/>
-            <a:r>
-              <a:rPr lang="sl-SI" dirty="0"/>
-              <a:t>ob katerikoli točki </a:t>
-            </a:r>
-            <a:r>
-              <a:rPr lang="en-GB" dirty="0"/>
-              <a:t>la</a:t>
-            </a:r>
-            <a:r>
-              <a:rPr lang="sl-SI" dirty="0"/>
-              <a:t>h</a:t>
-            </a:r>
-            <a:r>
-              <a:rPr lang="en-GB" dirty="0" err="1"/>
-              <a:t>ko</a:t>
-            </a:r>
-            <a:r>
-              <a:rPr lang="en-GB" dirty="0"/>
-              <a:t> programmer </a:t>
-            </a:r>
-            <a:r>
-              <a:rPr lang="sl-SI" dirty="0"/>
-              <a:t>ustavi program ter pogleda stanje programa in preveri pravilnost njegovega delovanja.</a:t>
-            </a:r>
-          </a:p>
-          <a:p>
-            <a:r>
-              <a:rPr lang="sl-SI" dirty="0"/>
-              <a:t>lahko uporabljajo tudi </a:t>
-            </a:r>
-            <a:r>
-              <a:rPr lang="sl-SI" dirty="0" err="1"/>
-              <a:t>instruction</a:t>
-            </a:r>
-            <a:r>
-              <a:rPr lang="sl-SI" dirty="0"/>
-              <a:t> set simulator</a:t>
+              <a:t> spremljanje poteka izvajanja </a:t>
+            </a:r>
+            <a:r>
+              <a:rPr lang="sl-SI" dirty="0"/>
+              <a:t>ciljnega programa:</a:t>
+            </a:r>
+          </a:p>
+          <a:p>
+            <a:r>
+              <a:rPr lang="sl-SI" dirty="0"/>
+              <a:t>ustavitev</a:t>
+            </a:r>
+          </a:p>
+          <a:p>
+            <a:r>
+              <a:rPr lang="sl-SI" dirty="0"/>
+              <a:t>pregled stanja</a:t>
             </a:r>
           </a:p>
         </p:txBody>
@@ -7784,6 +10505,569 @@
     <p:extLst>
       <p:ext uri="{BB962C8B-B14F-4D97-AF65-F5344CB8AC3E}">
         <p14:creationId xmlns:p14="http://schemas.microsoft.com/office/powerpoint/2010/main" val="2495267524"/>
+      </p:ext>
+    </p:extLst>
+  </p:cSld>
+  <p:clrMapOvr>
+    <a:masterClrMapping/>
+  </p:clrMapOvr>
+</p:sld>
+</file>
+
+<file path=ppt/slides/slide30.xml><?xml version="1.0" encoding="utf-8"?>
+<p:sld xmlns:a="http://schemas.openxmlformats.org/drawingml/2006/main" xmlns:r="http://schemas.openxmlformats.org/officeDocument/2006/relationships" xmlns:p="http://schemas.openxmlformats.org/presentationml/2006/main">
+  <p:cSld>
+    <p:spTree>
+      <p:nvGrpSpPr>
+        <p:cNvPr id="1" name=""/>
+        <p:cNvGrpSpPr/>
+        <p:nvPr/>
+      </p:nvGrpSpPr>
+      <p:grpSpPr>
+        <a:xfrm>
+          <a:off x="0" y="0"/>
+          <a:ext cx="0" cy="0"/>
+          <a:chOff x="0" y="0"/>
+          <a:chExt cx="0" cy="0"/>
+        </a:xfrm>
+      </p:grpSpPr>
+      <p:sp>
+        <p:nvSpPr>
+          <p:cNvPr id="2" name="Title 1">
+            <a:extLst>
+              <a:ext uri="{FF2B5EF4-FFF2-40B4-BE49-F238E27FC236}">
+                <a16:creationId xmlns:a16="http://schemas.microsoft.com/office/drawing/2014/main" id="{EAA44626-9C12-4BCB-92AD-B5EDAB99A1EC}"/>
+              </a:ext>
+            </a:extLst>
+          </p:cNvPr>
+          <p:cNvSpPr>
+            <a:spLocks noGrp="1"/>
+          </p:cNvSpPr>
+          <p:nvPr>
+            <p:ph type="title"/>
+          </p:nvPr>
+        </p:nvSpPr>
+        <p:spPr/>
+        <p:txBody>
+          <a:bodyPr/>
+          <a:lstStyle/>
+          <a:p>
+            <a:r>
+              <a:rPr lang="sl-SI" dirty="0"/>
+              <a:t>Kako deluje?</a:t>
+            </a:r>
+          </a:p>
+        </p:txBody>
+      </p:sp>
+      <p:sp>
+        <p:nvSpPr>
+          <p:cNvPr id="3" name="Content Placeholder 2">
+            <a:extLst>
+              <a:ext uri="{FF2B5EF4-FFF2-40B4-BE49-F238E27FC236}">
+                <a16:creationId xmlns:a16="http://schemas.microsoft.com/office/drawing/2014/main" id="{FA680041-3A00-428B-8BEF-09329F88282D}"/>
+              </a:ext>
+            </a:extLst>
+          </p:cNvPr>
+          <p:cNvSpPr>
+            <a:spLocks noGrp="1"/>
+          </p:cNvSpPr>
+          <p:nvPr>
+            <p:ph idx="1"/>
+          </p:nvPr>
+        </p:nvSpPr>
+        <p:spPr/>
+        <p:txBody>
+          <a:bodyPr/>
+          <a:lstStyle/>
+          <a:p>
+            <a:r>
+              <a:rPr lang="sl-SI"/>
+              <a:t>Demo </a:t>
+            </a:r>
+            <a:r>
+              <a:rPr lang="sl-SI">
+                <a:sym typeface="Wingdings" panose="05000000000000000000" pitchFamily="2" charset="2"/>
+              </a:rPr>
+              <a:t></a:t>
+            </a:r>
+            <a:endParaRPr lang="sl-SI" dirty="0"/>
+          </a:p>
+        </p:txBody>
+      </p:sp>
+    </p:spTree>
+    <p:extLst>
+      <p:ext uri="{BB962C8B-B14F-4D97-AF65-F5344CB8AC3E}">
+        <p14:creationId xmlns:p14="http://schemas.microsoft.com/office/powerpoint/2010/main" val="992428163"/>
+      </p:ext>
+    </p:extLst>
+  </p:cSld>
+  <p:clrMapOvr>
+    <a:masterClrMapping/>
+  </p:clrMapOvr>
+</p:sld>
+</file>
+
+<file path=ppt/slides/slide31.xml><?xml version="1.0" encoding="utf-8"?>
+<p:sld xmlns:a="http://schemas.openxmlformats.org/drawingml/2006/main" xmlns:r="http://schemas.openxmlformats.org/officeDocument/2006/relationships" xmlns:p="http://schemas.openxmlformats.org/presentationml/2006/main">
+  <p:cSld>
+    <p:spTree>
+      <p:nvGrpSpPr>
+        <p:cNvPr id="1" name=""/>
+        <p:cNvGrpSpPr/>
+        <p:nvPr/>
+      </p:nvGrpSpPr>
+      <p:grpSpPr>
+        <a:xfrm>
+          <a:off x="0" y="0"/>
+          <a:ext cx="0" cy="0"/>
+          <a:chOff x="0" y="0"/>
+          <a:chExt cx="0" cy="0"/>
+        </a:xfrm>
+      </p:grpSpPr>
+      <p:sp>
+        <p:nvSpPr>
+          <p:cNvPr id="2" name="Title 1">
+            <a:extLst>
+              <a:ext uri="{FF2B5EF4-FFF2-40B4-BE49-F238E27FC236}">
+                <a16:creationId xmlns:a16="http://schemas.microsoft.com/office/drawing/2014/main" id="{80AEE0DF-9E8E-424A-8C70-D2E0F87960A6}"/>
+              </a:ext>
+            </a:extLst>
+          </p:cNvPr>
+          <p:cNvSpPr>
+            <a:spLocks noGrp="1"/>
+          </p:cNvSpPr>
+          <p:nvPr>
+            <p:ph type="title"/>
+          </p:nvPr>
+        </p:nvSpPr>
+        <p:spPr/>
+        <p:txBody>
+          <a:bodyPr/>
+          <a:lstStyle/>
+          <a:p>
+            <a:r>
+              <a:rPr lang="sl-SI" dirty="0"/>
+              <a:t>REFERENCE</a:t>
+            </a:r>
+          </a:p>
+        </p:txBody>
+      </p:sp>
+      <p:sp>
+        <p:nvSpPr>
+          <p:cNvPr id="3" name="Content Placeholder 2">
+            <a:extLst>
+              <a:ext uri="{FF2B5EF4-FFF2-40B4-BE49-F238E27FC236}">
+                <a16:creationId xmlns:a16="http://schemas.microsoft.com/office/drawing/2014/main" id="{990F9D16-4614-4497-95DE-3E57EC427EF4}"/>
+              </a:ext>
+            </a:extLst>
+          </p:cNvPr>
+          <p:cNvSpPr>
+            <a:spLocks noGrp="1"/>
+          </p:cNvSpPr>
+          <p:nvPr>
+            <p:ph idx="1"/>
+          </p:nvPr>
+        </p:nvSpPr>
+        <p:spPr>
+          <a:xfrm>
+            <a:off x="2231136" y="2638044"/>
+            <a:ext cx="8730162" cy="3768507"/>
+          </a:xfrm>
+        </p:spPr>
+        <p:txBody>
+          <a:bodyPr>
+            <a:normAutofit fontScale="62500" lnSpcReduction="20000"/>
+          </a:bodyPr>
+          <a:lstStyle/>
+          <a:p>
+            <a:r>
+              <a:rPr lang="sl-SI" dirty="0"/>
+              <a:t>Jonathan B. Rosenberg. How </a:t>
+            </a:r>
+            <a:r>
+              <a:rPr lang="sl-SI" dirty="0" err="1"/>
+              <a:t>Debuggers</a:t>
+            </a:r>
+            <a:r>
+              <a:rPr lang="sl-SI" dirty="0"/>
+              <a:t> </a:t>
+            </a:r>
+            <a:r>
+              <a:rPr lang="sl-SI" dirty="0" err="1"/>
+              <a:t>Work</a:t>
+            </a:r>
+            <a:r>
+              <a:rPr lang="sl-SI" dirty="0"/>
+              <a:t>: </a:t>
+            </a:r>
+            <a:r>
+              <a:rPr lang="sl-SI" dirty="0" err="1"/>
+              <a:t>Algorithms</a:t>
+            </a:r>
+            <a:r>
+              <a:rPr lang="sl-SI" dirty="0"/>
+              <a:t>, Data </a:t>
+            </a:r>
+            <a:r>
+              <a:rPr lang="sl-SI" dirty="0" err="1"/>
+              <a:t>Structures</a:t>
+            </a:r>
+            <a:r>
+              <a:rPr lang="sl-SI" dirty="0"/>
+              <a:t>, </a:t>
+            </a:r>
+            <a:r>
+              <a:rPr lang="sl-SI" dirty="0" err="1"/>
+              <a:t>and</a:t>
+            </a:r>
+            <a:r>
+              <a:rPr lang="sl-SI" dirty="0"/>
+              <a:t> </a:t>
+            </a:r>
+            <a:r>
+              <a:rPr lang="sl-SI" dirty="0" err="1"/>
+              <a:t>Architecture</a:t>
+            </a:r>
+            <a:r>
+              <a:rPr lang="sl-SI" dirty="0"/>
+              <a:t>. John </a:t>
+            </a:r>
+            <a:r>
+              <a:rPr lang="sl-SI" dirty="0" err="1"/>
+              <a:t>Wiley</a:t>
+            </a:r>
+            <a:r>
+              <a:rPr lang="sl-SI" dirty="0"/>
+              <a:t> &amp; </a:t>
+            </a:r>
+            <a:r>
+              <a:rPr lang="sl-SI" dirty="0" err="1"/>
+              <a:t>Sons</a:t>
+            </a:r>
+            <a:r>
+              <a:rPr lang="sl-SI" dirty="0"/>
+              <a:t>. ISBN 0-471-14966-7.</a:t>
+            </a:r>
+          </a:p>
+          <a:p>
+            <a:r>
+              <a:rPr lang="sl-SI" dirty="0" err="1">
+                <a:hlinkClick r:id="rId2"/>
+              </a:rPr>
+              <a:t>Debuggers</a:t>
+            </a:r>
+            <a:r>
+              <a:rPr lang="sl-SI" dirty="0">
+                <a:hlinkClick r:id="rId2"/>
+              </a:rPr>
+              <a:t> - </a:t>
+            </a:r>
+            <a:r>
+              <a:rPr lang="sl-SI" dirty="0" err="1">
+                <a:hlinkClick r:id="rId2"/>
+              </a:rPr>
+              <a:t>Wikipedia</a:t>
+            </a:r>
+            <a:endParaRPr lang="sl-SI" dirty="0"/>
+          </a:p>
+          <a:p>
+            <a:r>
+              <a:rPr lang="sl-SI" dirty="0">
+                <a:hlinkClick r:id="rId3"/>
+              </a:rPr>
+              <a:t>How do </a:t>
+            </a:r>
+            <a:r>
+              <a:rPr lang="sl-SI" dirty="0" err="1">
+                <a:hlinkClick r:id="rId3"/>
+              </a:rPr>
+              <a:t>debuggers</a:t>
+            </a:r>
+            <a:r>
+              <a:rPr lang="sl-SI" dirty="0">
+                <a:hlinkClick r:id="rId3"/>
+              </a:rPr>
+              <a:t> (</a:t>
+            </a:r>
+            <a:r>
+              <a:rPr lang="sl-SI" dirty="0" err="1">
+                <a:hlinkClick r:id="rId3"/>
+              </a:rPr>
+              <a:t>really</a:t>
+            </a:r>
+            <a:r>
+              <a:rPr lang="sl-SI" dirty="0">
+                <a:hlinkClick r:id="rId3"/>
+              </a:rPr>
+              <a:t>) </a:t>
+            </a:r>
+            <a:r>
+              <a:rPr lang="sl-SI" dirty="0" err="1">
+                <a:hlinkClick r:id="rId3"/>
+              </a:rPr>
+              <a:t>work</a:t>
+            </a:r>
+            <a:r>
+              <a:rPr lang="sl-SI" dirty="0"/>
+              <a:t> - </a:t>
+            </a:r>
+            <a:r>
+              <a:rPr lang="sl-SI" dirty="0">
+                <a:hlinkClick r:id="rId4"/>
+              </a:rPr>
+              <a:t>Video</a:t>
+            </a:r>
+            <a:endParaRPr lang="sl-SI" dirty="0"/>
+          </a:p>
+          <a:p>
+            <a:r>
+              <a:rPr lang="sl-SI" dirty="0">
+                <a:hlinkClick r:id="rId5"/>
+              </a:rPr>
+              <a:t>How </a:t>
+            </a:r>
+            <a:r>
+              <a:rPr lang="sl-SI" dirty="0" err="1">
+                <a:hlinkClick r:id="rId5"/>
+              </a:rPr>
+              <a:t>debuggers</a:t>
+            </a:r>
+            <a:r>
+              <a:rPr lang="sl-SI" dirty="0">
+                <a:hlinkClick r:id="rId5"/>
+              </a:rPr>
+              <a:t> </a:t>
+            </a:r>
+            <a:r>
+              <a:rPr lang="sl-SI" dirty="0" err="1">
+                <a:hlinkClick r:id="rId5"/>
+              </a:rPr>
+              <a:t>work</a:t>
+            </a:r>
+            <a:r>
+              <a:rPr lang="sl-SI" dirty="0">
+                <a:hlinkClick r:id="rId5"/>
+              </a:rPr>
+              <a:t> - Part 1</a:t>
+            </a:r>
+            <a:endParaRPr lang="sl-SI" dirty="0"/>
+          </a:p>
+          <a:p>
+            <a:r>
+              <a:rPr lang="sl-SI" dirty="0">
+                <a:hlinkClick r:id="rId6"/>
+              </a:rPr>
+              <a:t>How </a:t>
+            </a:r>
+            <a:r>
+              <a:rPr lang="sl-SI" dirty="0" err="1">
+                <a:hlinkClick r:id="rId6"/>
+              </a:rPr>
+              <a:t>debuggers</a:t>
+            </a:r>
+            <a:r>
+              <a:rPr lang="sl-SI" dirty="0">
+                <a:hlinkClick r:id="rId6"/>
+              </a:rPr>
+              <a:t> </a:t>
+            </a:r>
+            <a:r>
+              <a:rPr lang="sl-SI" dirty="0" err="1">
+                <a:hlinkClick r:id="rId6"/>
+              </a:rPr>
+              <a:t>work</a:t>
+            </a:r>
+            <a:r>
+              <a:rPr lang="sl-SI" dirty="0">
+                <a:hlinkClick r:id="rId6"/>
+              </a:rPr>
+              <a:t> - Part 2 - </a:t>
+            </a:r>
+            <a:r>
+              <a:rPr lang="sl-SI" dirty="0" err="1">
+                <a:hlinkClick r:id="rId6"/>
+              </a:rPr>
+              <a:t>Breakpoints</a:t>
+            </a:r>
+            <a:endParaRPr lang="sl-SI" dirty="0"/>
+          </a:p>
+          <a:p>
+            <a:r>
+              <a:rPr lang="sl-SI" dirty="0">
+                <a:hlinkClick r:id="rId7"/>
+              </a:rPr>
+              <a:t>How </a:t>
+            </a:r>
+            <a:r>
+              <a:rPr lang="sl-SI" dirty="0" err="1">
+                <a:hlinkClick r:id="rId7"/>
+              </a:rPr>
+              <a:t>debuggers</a:t>
+            </a:r>
+            <a:r>
+              <a:rPr lang="sl-SI" dirty="0">
+                <a:hlinkClick r:id="rId7"/>
+              </a:rPr>
+              <a:t> </a:t>
+            </a:r>
+            <a:r>
+              <a:rPr lang="sl-SI" dirty="0" err="1">
+                <a:hlinkClick r:id="rId7"/>
+              </a:rPr>
+              <a:t>work</a:t>
+            </a:r>
+            <a:r>
+              <a:rPr lang="sl-SI" dirty="0">
+                <a:hlinkClick r:id="rId7"/>
+              </a:rPr>
+              <a:t> - Part 3 - </a:t>
+            </a:r>
+            <a:r>
+              <a:rPr lang="sl-SI" dirty="0" err="1">
+                <a:hlinkClick r:id="rId7"/>
+              </a:rPr>
+              <a:t>Debugging</a:t>
+            </a:r>
+            <a:r>
+              <a:rPr lang="sl-SI" dirty="0">
+                <a:hlinkClick r:id="rId7"/>
+              </a:rPr>
+              <a:t> </a:t>
+            </a:r>
+            <a:r>
+              <a:rPr lang="sl-SI" dirty="0" err="1">
+                <a:hlinkClick r:id="rId7"/>
+              </a:rPr>
+              <a:t>information</a:t>
+            </a:r>
+            <a:endParaRPr lang="sl-SI" dirty="0"/>
+          </a:p>
+          <a:p>
+            <a:r>
+              <a:rPr lang="sl-SI" dirty="0">
+                <a:hlinkClick r:id="rId8"/>
+              </a:rPr>
+              <a:t>GDB </a:t>
+            </a:r>
+            <a:r>
+              <a:rPr lang="sl-SI" dirty="0" err="1">
+                <a:hlinkClick r:id="rId8"/>
+              </a:rPr>
+              <a:t>The</a:t>
+            </a:r>
+            <a:r>
+              <a:rPr lang="sl-SI" dirty="0">
+                <a:hlinkClick r:id="rId8"/>
+              </a:rPr>
+              <a:t> GNU Project </a:t>
+            </a:r>
+            <a:r>
+              <a:rPr lang="sl-SI" dirty="0" err="1">
+                <a:hlinkClick r:id="rId8"/>
+              </a:rPr>
+              <a:t>Debugger</a:t>
+            </a:r>
+            <a:endParaRPr lang="sl-SI" dirty="0"/>
+          </a:p>
+          <a:p>
+            <a:r>
+              <a:rPr lang="sl-SI" dirty="0">
+                <a:hlinkClick r:id="rId9"/>
+              </a:rPr>
+              <a:t>GDB - </a:t>
+            </a:r>
+            <a:r>
+              <a:rPr lang="sl-SI" dirty="0" err="1">
+                <a:hlinkClick r:id="rId9"/>
+              </a:rPr>
+              <a:t>Wikipedia</a:t>
+            </a:r>
+            <a:endParaRPr lang="sl-SI" dirty="0"/>
+          </a:p>
+          <a:p>
+            <a:r>
+              <a:rPr lang="sl-SI" dirty="0">
+                <a:hlinkClick r:id="rId10"/>
+              </a:rPr>
+              <a:t>man 2 </a:t>
+            </a:r>
+            <a:r>
+              <a:rPr lang="sl-SI" dirty="0" err="1">
+                <a:hlinkClick r:id="rId10"/>
+              </a:rPr>
+              <a:t>ptrace</a:t>
+            </a:r>
+            <a:endParaRPr lang="sl-SI" dirty="0"/>
+          </a:p>
+          <a:p>
+            <a:r>
+              <a:rPr lang="sl-SI" dirty="0">
+                <a:hlinkClick r:id="rId11"/>
+              </a:rPr>
+              <a:t>INT (x86 </a:t>
+            </a:r>
+            <a:r>
+              <a:rPr lang="sl-SI" dirty="0" err="1">
+                <a:hlinkClick r:id="rId11"/>
+              </a:rPr>
+              <a:t>instruction</a:t>
+            </a:r>
+            <a:r>
+              <a:rPr lang="sl-SI" dirty="0">
+                <a:hlinkClick r:id="rId11"/>
+              </a:rPr>
+              <a:t>) - </a:t>
+            </a:r>
+            <a:r>
+              <a:rPr lang="sl-SI" dirty="0" err="1">
+                <a:hlinkClick r:id="rId11"/>
+              </a:rPr>
+              <a:t>Wikipedia</a:t>
+            </a:r>
+            <a:endParaRPr lang="sl-SI" dirty="0"/>
+          </a:p>
+          <a:p>
+            <a:r>
+              <a:rPr lang="sl-SI" dirty="0" err="1">
+                <a:hlinkClick r:id="rId12"/>
+              </a:rPr>
+              <a:t>Writing</a:t>
+            </a:r>
+            <a:r>
+              <a:rPr lang="sl-SI" dirty="0">
+                <a:hlinkClick r:id="rId12"/>
+              </a:rPr>
+              <a:t> a </a:t>
+            </a:r>
+            <a:r>
+              <a:rPr lang="sl-SI" dirty="0" err="1">
+                <a:hlinkClick r:id="rId12"/>
+              </a:rPr>
+              <a:t>linux</a:t>
+            </a:r>
+            <a:r>
+              <a:rPr lang="sl-SI" dirty="0">
+                <a:hlinkClick r:id="rId12"/>
+              </a:rPr>
+              <a:t> </a:t>
+            </a:r>
+            <a:r>
+              <a:rPr lang="sl-SI" dirty="0" err="1">
+                <a:hlinkClick r:id="rId12"/>
+              </a:rPr>
+              <a:t>debugger</a:t>
+            </a:r>
+            <a:endParaRPr lang="sl-SI" dirty="0"/>
+          </a:p>
+          <a:p>
+            <a:endParaRPr lang="sl-SI" dirty="0"/>
+          </a:p>
+        </p:txBody>
+      </p:sp>
+    </p:spTree>
+    <p:extLst>
+      <p:ext uri="{BB962C8B-B14F-4D97-AF65-F5344CB8AC3E}">
+        <p14:creationId xmlns:p14="http://schemas.microsoft.com/office/powerpoint/2010/main" val="862404442"/>
       </p:ext>
     </p:extLst>
   </p:cSld>
@@ -7833,7 +11117,7 @@
           <a:p>
             <a:r>
               <a:rPr lang="sl-SI" dirty="0"/>
-              <a:t>TIPI RAZHROŠČEVALNIKOV</a:t>
+              <a:t>Tipi razhroščevalnikov</a:t>
             </a:r>
           </a:p>
         </p:txBody>
@@ -7953,6 +11237,44 @@
               <a:rPr lang="sl-SI" dirty="0"/>
               <a:t> integracija</a:t>
             </a:r>
+          </a:p>
+          <a:p>
+            <a:r>
+              <a:rPr lang="sl-SI" dirty="0"/>
+              <a:t>prevedeni </a:t>
+            </a:r>
+            <a:r>
+              <a:rPr lang="sl-SI" dirty="0" err="1"/>
+              <a:t>vs</a:t>
+            </a:r>
+            <a:r>
+              <a:rPr lang="sl-SI" dirty="0"/>
+              <a:t> interpretirani jezik</a:t>
+            </a:r>
+          </a:p>
+          <a:p>
+            <a:pPr lvl="1"/>
+            <a:r>
+              <a:rPr lang="sl-SI" dirty="0" err="1"/>
+              <a:t>gdb</a:t>
+            </a:r>
+            <a:r>
+              <a:rPr lang="sl-SI" dirty="0"/>
+              <a:t> </a:t>
+            </a:r>
+            <a:r>
+              <a:rPr lang="sl-SI" dirty="0" err="1"/>
+              <a:t>vs</a:t>
+            </a:r>
+            <a:r>
+              <a:rPr lang="sl-SI" dirty="0"/>
+              <a:t> </a:t>
+            </a:r>
+            <a:r>
+              <a:rPr lang="sl-SI" dirty="0" err="1"/>
+              <a:t>xdebug</a:t>
+            </a:r>
+            <a:endParaRPr lang="sl-SI" dirty="0"/>
           </a:p>
         </p:txBody>
       </p:sp>
@@ -8009,13 +11331,8 @@
           <a:p>
             <a:r>
               <a:rPr lang="sl-SI" dirty="0"/>
-              <a:t>Funkcionalnosti </a:t>
-            </a:r>
-            <a:r>
-              <a:rPr lang="sl-SI" dirty="0" err="1"/>
-              <a:t>RAZHROščevalnikov</a:t>
-            </a:r>
-            <a:endParaRPr lang="sl-SI" dirty="0"/>
+              <a:t>Funkcionalnosti razhroščevalnikov</a:t>
+            </a:r>
           </a:p>
         </p:txBody>
       </p:sp>
@@ -8038,7 +11355,7 @@
         <p:spPr/>
         <p:txBody>
           <a:bodyPr>
-            <a:normAutofit/>
+            <a:normAutofit fontScale="92500" lnSpcReduction="10000"/>
           </a:bodyPr>
           <a:lstStyle/>
           <a:p>
@@ -8053,10 +11370,6 @@
             <a:r>
               <a:rPr lang="sl-SI" b="1" dirty="0"/>
               <a:t>)</a:t>
-            </a:r>
-            <a:r>
-              <a:rPr lang="sl-SI" dirty="0"/>
-              <a:t> - ustavljanje programa (ob določeni točki)</a:t>
             </a:r>
           </a:p>
           <a:p>
@@ -8179,7 +11492,7 @@
           <a:p>
             <a:r>
               <a:rPr lang="sl-SI" dirty="0"/>
-              <a:t>PRIMERI razhroščevalnikov</a:t>
+              <a:t>Primeri razhroščevalnikov</a:t>
             </a:r>
           </a:p>
         </p:txBody>
@@ -8203,7 +11516,7 @@
         <p:spPr/>
         <p:txBody>
           <a:bodyPr>
-            <a:normAutofit lnSpcReduction="10000"/>
+            <a:normAutofit fontScale="85000" lnSpcReduction="20000"/>
           </a:bodyPr>
           <a:lstStyle/>
           <a:p>
@@ -8681,7 +11994,7 @@
         </p:spPr>
         <p:txBody>
           <a:bodyPr>
-            <a:normAutofit/>
+            <a:normAutofit fontScale="92500" lnSpcReduction="10000"/>
           </a:bodyPr>
           <a:lstStyle/>
           <a:p>
@@ -8783,7 +12096,7 @@
             </a:r>
             <a:r>
               <a:rPr lang="sl-SI" dirty="0"/>
-              <a:t> v letu 1986 kot del njegovega GNU sistema, in je izdan pod GNU GPL licenco. </a:t>
+              <a:t> v letu 1986</a:t>
             </a:r>
           </a:p>
           <a:p>
@@ -8802,14 +12115,6 @@
             <a:r>
               <a:rPr lang="sl-SI" dirty="0" err="1"/>
               <a:t>Committee</a:t>
-            </a:r>
-            <a:r>
-              <a:rPr lang="sl-SI" dirty="0"/>
-              <a:t>. Od verzije 7.0 (2009) podpira tudi vzvratno </a:t>
-            </a:r>
-            <a:r>
-              <a:rPr lang="sl-SI" dirty="0" err="1"/>
-              <a:t>razhroščevanje</a:t>
             </a:r>
             <a:r>
               <a:rPr lang="sl-SI" dirty="0"/>
@@ -8942,7 +12247,7 @@
           <a:p>
             <a:r>
               <a:rPr lang="sl-SI" dirty="0"/>
-              <a:t>GDB instanca na enem sistemu lahko preko TCP / IP ali serijske naprave komunicira z programom, ki razume GDB protokol.</a:t>
+              <a:t>komunikacija preko TCP/IP ali serijske naprave - GDB protokol</a:t>
             </a:r>
           </a:p>
           <a:p>
@@ -8951,15 +12256,15 @@
               <a:t>Tak program lahko ustvarimo z povezovanjem programa z določenimi GDB datotekami (naredimo </a:t>
             </a:r>
             <a:r>
-              <a:rPr lang="sl-SI" dirty="0" err="1"/>
+              <a:rPr lang="sl-SI" b="1" dirty="0" err="1"/>
               <a:t>gdb</a:t>
             </a:r>
             <a:r>
-              <a:rPr lang="sl-SI" dirty="0"/>
+              <a:rPr lang="sl-SI" b="1" dirty="0"/>
               <a:t> </a:t>
             </a:r>
             <a:r>
-              <a:rPr lang="sl-SI" dirty="0" err="1"/>
+              <a:rPr lang="sl-SI" b="1" dirty="0" err="1"/>
               <a:t>stub</a:t>
             </a:r>
             <a:r>
@@ -8967,7 +12272,7 @@
               <a:t>) ali pa uporabimo </a:t>
             </a:r>
             <a:r>
-              <a:rPr lang="sl-SI" dirty="0" err="1"/>
+              <a:rPr lang="sl-SI" b="1" dirty="0" err="1"/>
               <a:t>gdbserver</a:t>
             </a:r>
             <a:r>
@@ -9067,7 +12372,7 @@
         </p:spPr>
         <p:txBody>
           <a:bodyPr>
-            <a:normAutofit lnSpcReduction="10000"/>
+            <a:normAutofit fontScale="85000" lnSpcReduction="20000"/>
           </a:bodyPr>
           <a:lstStyle/>
           <a:p>
@@ -9181,60 +12486,58 @@
 </file>
 
 <file path=ppt/theme/theme1.xml><?xml version="1.0" encoding="utf-8"?>
-<a:theme xmlns:a="http://schemas.openxmlformats.org/drawingml/2006/main" name="Parcel">
+<a:theme xmlns:a="http://schemas.openxmlformats.org/drawingml/2006/main" name="Parallax">
   <a:themeElements>
-    <a:clrScheme name="Parcel">
+    <a:clrScheme name="Parallax">
       <a:dk1>
-        <a:srgbClr val="000000"/>
+        <a:sysClr val="windowText" lastClr="000000"/>
       </a:dk1>
       <a:lt1>
-        <a:srgbClr val="FFFFFF"/>
+        <a:sysClr val="window" lastClr="FFFFFF"/>
       </a:lt1>
       <a:dk2>
-        <a:srgbClr val="4A5356"/>
+        <a:srgbClr val="212121"/>
       </a:dk2>
       <a:lt2>
-        <a:srgbClr val="E8E3CE"/>
+        <a:srgbClr val="CDD0D1"/>
       </a:lt2>
       <a:accent1>
-        <a:srgbClr val="F6A21D"/>
+        <a:srgbClr val="30ACEC"/>
       </a:accent1>
       <a:accent2>
-        <a:srgbClr val="9BAFB5"/>
+        <a:srgbClr val="80C34F"/>
       </a:accent2>
       <a:accent3>
-        <a:srgbClr val="C96731"/>
+        <a:srgbClr val="E29D3E"/>
       </a:accent3>
       <a:accent4>
-        <a:srgbClr val="9CA383"/>
+        <a:srgbClr val="D64A3B"/>
       </a:accent4>
       <a:accent5>
-        <a:srgbClr val="87795D"/>
+        <a:srgbClr val="D64787"/>
       </a:accent5>
       <a:accent6>
-        <a:srgbClr val="A0988C"/>
+        <a:srgbClr val="A666E1"/>
       </a:accent6>
       <a:hlink>
-        <a:srgbClr val="00B0F0"/>
+        <a:srgbClr val="3085ED"/>
       </a:hlink>
       <a:folHlink>
-        <a:srgbClr val="738F97"/>
+        <a:srgbClr val="82B6F4"/>
       </a:folHlink>
     </a:clrScheme>
-    <a:fontScheme name="Parcel">
+    <a:fontScheme name="Parallax">
       <a:majorFont>
-        <a:latin typeface="Gill Sans MT" panose="020B0502020104020203"/>
+        <a:latin typeface="Corbel" panose="020B0503020204020204"/>
         <a:ea typeface=""/>
         <a:cs typeface=""/>
-        <a:font script="Grek" typeface="Corbel"/>
-        <a:font script="Cyrl" typeface="Corbel"/>
-        <a:font script="Jpan" typeface="HGｺﾞｼｯｸE"/>
-        <a:font script="Hang" typeface="휴먼매직체"/>
-        <a:font script="Hans" typeface="华文中宋"/>
-        <a:font script="Hant" typeface="微軟正黑體"/>
-        <a:font script="Arab" typeface="Majalla UI"/>
-        <a:font script="Hebr" typeface="Arial"/>
-        <a:font script="Thai" typeface="Cordia New"/>
+        <a:font script="Jpan" typeface="HGｺﾞｼｯｸM"/>
+        <a:font script="Hang" typeface="HY엽서L"/>
+        <a:font script="Hans" typeface="华文楷体"/>
+        <a:font script="Hant" typeface="新細明體"/>
+        <a:font script="Arab" typeface="Tahoma"/>
+        <a:font script="Hebr" typeface="Miriam"/>
+        <a:font script="Thai" typeface="DilleniaUPC"/>
         <a:font script="Ethi" typeface="Nyala"/>
         <a:font script="Beng" typeface="Vrinda"/>
         <a:font script="Gujr" typeface="Shruti"/>
@@ -9255,23 +12558,21 @@
         <a:font script="Laoo" typeface="DokChampa"/>
         <a:font script="Sinh" typeface="Iskoola Pota"/>
         <a:font script="Mong" typeface="Mongolian Baiti"/>
-        <a:font script="Viet" typeface="Tahoma"/>
+        <a:font script="Viet" typeface="Arial"/>
         <a:font script="Uigh" typeface="Microsoft Uighur"/>
         <a:font script="Geor" typeface="Sylfaen"/>
       </a:majorFont>
       <a:minorFont>
-        <a:latin typeface="Gill Sans MT" panose="020B0502020104020203"/>
+        <a:latin typeface="Corbel" panose="020B0503020204020204"/>
         <a:ea typeface=""/>
         <a:cs typeface=""/>
-        <a:font script="Grek" typeface="Corbel"/>
-        <a:font script="Cyrl" typeface="Corbel"/>
-        <a:font script="Jpan" typeface="HGｺﾞｼｯｸE"/>
-        <a:font script="Hang" typeface="휴먼매직체"/>
-        <a:font script="Hans" typeface="华文中宋"/>
-        <a:font script="Hant" typeface="微軟正黑體"/>
-        <a:font script="Arab" typeface="Majalla UI"/>
-        <a:font script="Hebr" typeface="Arial"/>
-        <a:font script="Thai" typeface="Cordia New"/>
+        <a:font script="Jpan" typeface="HGｺﾞｼｯｸM"/>
+        <a:font script="Hang" typeface="HY엽서L"/>
+        <a:font script="Hans" typeface="华文楷体"/>
+        <a:font script="Hant" typeface="新細明體"/>
+        <a:font script="Arab" typeface="Tahoma"/>
+        <a:font script="Hebr" typeface="Miriam"/>
+        <a:font script="Thai" typeface="DilleniaUPC"/>
         <a:font script="Ethi" typeface="Nyala"/>
         <a:font script="Beng" typeface="Vrinda"/>
         <a:font script="Gujr" typeface="Shruti"/>
@@ -9292,12 +12593,12 @@
         <a:font script="Laoo" typeface="DokChampa"/>
         <a:font script="Sinh" typeface="Iskoola Pota"/>
         <a:font script="Mong" typeface="Mongolian Baiti"/>
-        <a:font script="Viet" typeface="Tahoma"/>
+        <a:font script="Viet" typeface="Arial"/>
         <a:font script="Uigh" typeface="Microsoft Uighur"/>
         <a:font script="Geor" typeface="Sylfaen"/>
       </a:minorFont>
     </a:fontScheme>
-    <a:fmtScheme name="Parcel">
+    <a:fmtScheme name="Parallax">
       <a:fillStyleLst>
         <a:solidFill>
           <a:schemeClr val="phClr"/>
@@ -9306,16 +12607,13 @@
           <a:gsLst>
             <a:gs pos="0">
               <a:schemeClr val="phClr">
-                <a:tint val="80000"/>
-                <a:satMod val="107000"/>
-                <a:lumMod val="103000"/>
+                <a:tint val="60000"/>
+                <a:lumMod val="104000"/>
               </a:schemeClr>
             </a:gs>
             <a:gs pos="100000">
               <a:schemeClr val="phClr">
-                <a:tint val="82000"/>
-                <a:satMod val="109000"/>
-                <a:lumMod val="103000"/>
+                <a:tint val="84000"/>
               </a:schemeClr>
             </a:gs>
           </a:gsLst>
@@ -9325,43 +12623,38 @@
           <a:gsLst>
             <a:gs pos="0">
               <a:schemeClr val="phClr">
-                <a:tint val="97000"/>
-                <a:satMod val="100000"/>
+                <a:tint val="96000"/>
                 <a:lumMod val="102000"/>
-              </a:schemeClr>
-            </a:gs>
-            <a:gs pos="50000">
-              <a:schemeClr val="phClr">
-                <a:shade val="100000"/>
-                <a:satMod val="103000"/>
-                <a:lumMod val="100000"/>
               </a:schemeClr>
             </a:gs>
             <a:gs pos="100000">
               <a:schemeClr val="phClr">
-                <a:shade val="93000"/>
-                <a:satMod val="110000"/>
-                <a:lumMod val="99000"/>
+                <a:shade val="88000"/>
+                <a:lumMod val="94000"/>
               </a:schemeClr>
             </a:gs>
           </a:gsLst>
-          <a:lin ang="5400000" scaled="0"/>
+          <a:path path="circle">
+            <a:fillToRect l="50000" t="100000" r="100000" b="50000"/>
+          </a:path>
         </a:gradFill>
       </a:fillStyleLst>
       <a:lnStyleLst>
-        <a:ln w="6350" cap="flat" cmpd="sng" algn="ctr">
+        <a:ln w="9525" cap="rnd" cmpd="sng" algn="ctr">
+          <a:solidFill>
+            <a:schemeClr val="phClr">
+              <a:tint val="60000"/>
+            </a:schemeClr>
+          </a:solidFill>
+          <a:prstDash val="solid"/>
+        </a:ln>
+        <a:ln w="15875" cap="rnd" cmpd="sng" algn="ctr">
           <a:solidFill>
             <a:schemeClr val="phClr"/>
           </a:solidFill>
           <a:prstDash val="solid"/>
         </a:ln>
-        <a:ln w="12700" cap="flat" cmpd="sng" algn="ctr">
-          <a:solidFill>
-            <a:schemeClr val="phClr"/>
-          </a:solidFill>
-          <a:prstDash val="solid"/>
-        </a:ln>
-        <a:ln w="31750" cap="flat" cmpd="sng" algn="ctr">
+        <a:ln w="22225" cap="rnd" cmpd="sng" algn="ctr">
           <a:solidFill>
             <a:schemeClr val="phClr"/>
           </a:solidFill>
@@ -9373,13 +12666,15 @@
           <a:effectLst/>
         </a:effectStyle>
         <a:effectStyle>
-          <a:effectLst/>
+          <a:effectLst>
+            <a:reflection blurRad="12700" stA="26000" endPos="32000" dist="12700" dir="5400000" sy="-100000" rotWithShape="0"/>
+          </a:effectLst>
         </a:effectStyle>
         <a:effectStyle>
           <a:effectLst>
-            <a:outerShdw blurRad="55880" dist="15240" dir="5400000" algn="ctr" rotWithShape="0">
+            <a:outerShdw blurRad="38100" dist="25400" dir="5400000" rotWithShape="0">
               <a:srgbClr val="000000">
-                <a:alpha val="45000"/>
+                <a:alpha val="64000"/>
               </a:srgbClr>
             </a:outerShdw>
           </a:effectLst>
@@ -9387,10 +12682,12 @@
             <a:camera prst="orthographicFront">
               <a:rot lat="0" lon="0" rev="0"/>
             </a:camera>
-            <a:lightRig rig="brightRoom" dir="tl"/>
+            <a:lightRig rig="threePt" dir="tl">
+              <a:rot lat="0" lon="0" rev="1200000"/>
+            </a:lightRig>
           </a:scene3d>
-          <a:sp3d prstMaterial="dkEdge">
-            <a:bevelT w="0" h="0"/>
+          <a:sp3d>
+            <a:bevelT w="25400" h="12700"/>
           </a:sp3d>
         </a:effectStyle>
       </a:effectStyleLst>
@@ -9398,35 +12695,39 @@
         <a:solidFill>
           <a:schemeClr val="phClr"/>
         </a:solidFill>
-        <a:solidFill>
-          <a:schemeClr val="phClr">
-            <a:tint val="95000"/>
-            <a:satMod val="170000"/>
-          </a:schemeClr>
-        </a:solidFill>
         <a:gradFill rotWithShape="1">
           <a:gsLst>
             <a:gs pos="0">
               <a:schemeClr val="phClr">
-                <a:tint val="97000"/>
-                <a:shade val="100000"/>
-                <a:satMod val="185000"/>
-                <a:lumMod val="120000"/>
+                <a:tint val="90000"/>
+                <a:lumMod val="110000"/>
               </a:schemeClr>
             </a:gs>
             <a:gs pos="100000">
               <a:schemeClr val="phClr">
-                <a:tint val="96000"/>
-                <a:shade val="95000"/>
-                <a:satMod val="215000"/>
-                <a:lumMod val="80000"/>
+                <a:shade val="64000"/>
+                <a:lumMod val="98000"/>
               </a:schemeClr>
             </a:gs>
           </a:gsLst>
-          <a:path path="circle">
-            <a:fillToRect l="50000" t="55000" r="125000" b="100000"/>
-          </a:path>
+          <a:lin ang="5400000" scaled="0"/>
         </a:gradFill>
+        <a:blipFill rotWithShape="1">
+          <a:blip xmlns:r="http://schemas.openxmlformats.org/officeDocument/2006/relationships" r:embed="rId1">
+            <a:duotone>
+              <a:schemeClr val="phClr">
+                <a:shade val="76000"/>
+                <a:satMod val="180000"/>
+              </a:schemeClr>
+              <a:schemeClr val="phClr">
+                <a:tint val="80000"/>
+                <a:satMod val="120000"/>
+                <a:lumMod val="180000"/>
+              </a:schemeClr>
+            </a:duotone>
+          </a:blip>
+          <a:stretch/>
+        </a:blipFill>
       </a:bgFillStyleLst>
     </a:fmtScheme>
   </a:themeElements>
@@ -9434,7 +12735,7 @@
   <a:extraClrSchemeLst/>
   <a:extLst>
     <a:ext uri="{05A4C25C-085E-4340-85A3-A5531E510DB2}">
-      <thm15:themeFamily xmlns:thm15="http://schemas.microsoft.com/office/thememl/2012/main" name="Parcel" id="{8BEC4385-4EB9-4D53-BFB5-0EA123736B6D}" vid="{4DB32801-28C0-48B0-8C1D-A9A58613615A}"/>
+      <thm15:themeFamily xmlns:thm15="http://schemas.microsoft.com/office/thememl/2012/main" name="Parallax" id="{3388167B-A2EB-4685-9635-1831D9AEF8C4}" vid="{4F7A876A-7598-49CA-AFC8-8EDA2551E4A7}"/>
     </a:ext>
   </a:extLst>
 </a:theme>

--- a/debuggers.pptx
+++ b/debuggers.pptx
@@ -36,7 +36,7 @@
     <p:sldId id="283" r:id="rId27"/>
     <p:sldId id="284" r:id="rId28"/>
     <p:sldId id="287" r:id="rId29"/>
-    <p:sldId id="288" r:id="rId30"/>
+    <p:sldId id="290" r:id="rId30"/>
     <p:sldId id="289" r:id="rId31"/>
     <p:sldId id="285" r:id="rId32"/>
   </p:sldIdLst>
@@ -178,7 +178,7 @@
             <p14:sldId id="283"/>
             <p14:sldId id="284"/>
             <p14:sldId id="287"/>
-            <p14:sldId id="288"/>
+            <p14:sldId id="290"/>
             <p14:sldId id="289"/>
             <p14:sldId id="285"/>
           </p14:sldIdLst>
@@ -198,38 +198,6 @@
     <p1510:client id="{E07EA255-8232-44D9-B308-6D05CC31048C}" v="6" dt="2018-07-18T02:35:29.166"/>
   </p1510:revLst>
 </p1510:revInfo>
-</file>
-
-<file path=ppt/changesInfos/changesInfo1.xml><?xml version="1.0" encoding="utf-8"?>
-<pc:chgInfo xmlns:a="http://schemas.openxmlformats.org/drawingml/2006/main" xmlns:r="http://schemas.openxmlformats.org/officeDocument/2006/relationships" xmlns:ac="http://schemas.microsoft.com/office/drawing/2013/main/command" xmlns:pc="http://schemas.microsoft.com/office/powerpoint/2013/main/command">
-  <pc:docChgLst>
-    <pc:chgData name="Jakob Erzar" userId="18a895aab62a8440" providerId="LiveId" clId="{9229E343-FD06-43D4-B292-7433C8E7B9CE}"/>
-  </pc:docChgLst>
-  <pc:docChgLst>
-    <pc:chgData name="Jakob Erzar" userId="18a895aab62a8440" providerId="LiveId" clId="{E07EA255-8232-44D9-B308-6D05CC31048C}"/>
-    <pc:docChg chg="modSld">
-      <pc:chgData name="Jakob Erzar" userId="18a895aab62a8440" providerId="LiveId" clId="{E07EA255-8232-44D9-B308-6D05CC31048C}" dt="2018-07-18T02:35:29.166" v="5" actId="20577"/>
-      <pc:docMkLst>
-        <pc:docMk/>
-      </pc:docMkLst>
-      <pc:sldChg chg="modSp">
-        <pc:chgData name="Jakob Erzar" userId="18a895aab62a8440" providerId="LiveId" clId="{E07EA255-8232-44D9-B308-6D05CC31048C}" dt="2018-07-18T02:35:29.166" v="5" actId="20577"/>
-        <pc:sldMkLst>
-          <pc:docMk/>
-          <pc:sldMk cId="3354056300" sldId="280"/>
-        </pc:sldMkLst>
-        <pc:spChg chg="mod">
-          <ac:chgData name="Jakob Erzar" userId="18a895aab62a8440" providerId="LiveId" clId="{E07EA255-8232-44D9-B308-6D05CC31048C}" dt="2018-07-18T02:35:29.166" v="5" actId="20577"/>
-          <ac:spMkLst>
-            <pc:docMk/>
-            <pc:sldMk cId="3354056300" sldId="280"/>
-            <ac:spMk id="3" creationId="{D1A30E5A-ADEB-41D7-9F0A-EA556FBEB2BD}"/>
-          </ac:spMkLst>
-        </pc:spChg>
-      </pc:sldChg>
-    </pc:docChg>
-  </pc:docChgLst>
-</pc:chgInfo>
 </file>
 
 <file path=ppt/notesMasters/notesMaster1.xml><?xml version="1.0" encoding="utf-8"?>
@@ -314,7 +282,7 @@
           <a:p>
             <a:fld id="{49159BA0-0305-4706-9458-C4E5E90B6282}" type="datetimeFigureOut">
               <a:rPr lang="sl-SI" smtClean="0"/>
-              <a:t>18. 07. 2018</a:t>
+              <a:t>20. 07. 2018</a:t>
             </a:fld>
             <a:endParaRPr lang="sl-SI"/>
           </a:p>
@@ -1294,7 +1262,7 @@
           <a:p>
             <a:fld id="{1160EA64-D806-43AC-9DF2-F8C432F32B4C}" type="datetimeFigureOut">
               <a:rPr lang="en-US" smtClean="0"/>
-              <a:t>7/18/2018</a:t>
+              <a:t>7/20/2018</a:t>
             </a:fld>
             <a:endParaRPr lang="en-US" dirty="0"/>
           </a:p>
@@ -1591,7 +1559,7 @@
           <a:p>
             <a:fld id="{1160EA64-D806-43AC-9DF2-F8C432F32B4C}" type="datetimeFigureOut">
               <a:rPr lang="en-US" smtClean="0"/>
-              <a:t>7/18/2018</a:t>
+              <a:t>7/20/2018</a:t>
             </a:fld>
             <a:endParaRPr lang="en-US" dirty="0"/>
           </a:p>
@@ -1841,7 +1809,7 @@
           <a:p>
             <a:fld id="{1160EA64-D806-43AC-9DF2-F8C432F32B4C}" type="datetimeFigureOut">
               <a:rPr lang="en-US" smtClean="0"/>
-              <a:t>7/18/2018</a:t>
+              <a:t>7/20/2018</a:t>
             </a:fld>
             <a:endParaRPr lang="en-US" dirty="0"/>
           </a:p>
@@ -2383,7 +2351,7 @@
           <a:p>
             <a:fld id="{1160EA64-D806-43AC-9DF2-F8C432F32B4C}" type="datetimeFigureOut">
               <a:rPr lang="en-US" smtClean="0"/>
-              <a:t>7/18/2018</a:t>
+              <a:t>7/20/2018</a:t>
             </a:fld>
             <a:endParaRPr lang="en-US" dirty="0"/>
           </a:p>
@@ -2633,7 +2601,7 @@
           <a:p>
             <a:fld id="{1160EA64-D806-43AC-9DF2-F8C432F32B4C}" type="datetimeFigureOut">
               <a:rPr lang="en-US" smtClean="0"/>
-              <a:t>7/18/2018</a:t>
+              <a:t>7/20/2018</a:t>
             </a:fld>
             <a:endParaRPr lang="en-US" dirty="0"/>
           </a:p>
@@ -3167,7 +3135,7 @@
           <a:p>
             <a:fld id="{1160EA64-D806-43AC-9DF2-F8C432F32B4C}" type="datetimeFigureOut">
               <a:rPr lang="en-US" smtClean="0"/>
-              <a:t>7/18/2018</a:t>
+              <a:t>7/20/2018</a:t>
             </a:fld>
             <a:endParaRPr lang="en-US" dirty="0"/>
           </a:p>
@@ -3466,7 +3434,7 @@
           <a:p>
             <a:fld id="{1160EA64-D806-43AC-9DF2-F8C432F32B4C}" type="datetimeFigureOut">
               <a:rPr lang="en-US" smtClean="0"/>
-              <a:t>7/18/2018</a:t>
+              <a:t>7/20/2018</a:t>
             </a:fld>
             <a:endParaRPr lang="en-US" dirty="0"/>
           </a:p>
@@ -3642,7 +3610,7 @@
           <a:p>
             <a:fld id="{E9F9C37B-1D36-470B-8223-D6C91242EC14}" type="datetimeFigureOut">
               <a:rPr lang="en-US" smtClean="0"/>
-              <a:t>7/18/2018</a:t>
+              <a:t>7/20/2018</a:t>
             </a:fld>
             <a:endParaRPr lang="en-US" dirty="0"/>
           </a:p>
@@ -3822,7 +3790,7 @@
           <a:p>
             <a:fld id="{67C6F52A-A82B-47A2-A83A-8C4C91F2D59F}" type="datetimeFigureOut">
               <a:rPr lang="en-US" smtClean="0"/>
-              <a:t>7/18/2018</a:t>
+              <a:t>7/20/2018</a:t>
             </a:fld>
             <a:endParaRPr lang="en-US" dirty="0"/>
           </a:p>
@@ -3992,7 +3960,7 @@
           <a:p>
             <a:fld id="{F070A7B3-6521-4DCA-87E5-044747A908C1}" type="datetimeFigureOut">
               <a:rPr lang="en-US" smtClean="0"/>
-              <a:t>7/18/2018</a:t>
+              <a:t>7/20/2018</a:t>
             </a:fld>
             <a:endParaRPr lang="en-US" dirty="0"/>
           </a:p>
@@ -4244,7 +4212,7 @@
           <a:p>
             <a:fld id="{1160EA64-D806-43AC-9DF2-F8C432F32B4C}" type="datetimeFigureOut">
               <a:rPr lang="en-US" smtClean="0"/>
-              <a:t>7/18/2018</a:t>
+              <a:t>7/20/2018</a:t>
             </a:fld>
             <a:endParaRPr lang="en-US" dirty="0"/>
           </a:p>
@@ -4542,7 +4510,7 @@
           <a:p>
             <a:fld id="{AB134690-1557-4C89-A502-4959FE7FAD70}" type="datetimeFigureOut">
               <a:rPr lang="en-US" smtClean="0"/>
-              <a:t>7/18/2018</a:t>
+              <a:t>7/20/2018</a:t>
             </a:fld>
             <a:endParaRPr lang="en-US" dirty="0"/>
           </a:p>
@@ -4984,7 +4952,7 @@
           <a:p>
             <a:fld id="{1160EA64-D806-43AC-9DF2-F8C432F32B4C}" type="datetimeFigureOut">
               <a:rPr lang="en-US" smtClean="0"/>
-              <a:t>7/18/2018</a:t>
+              <a:t>7/20/2018</a:t>
             </a:fld>
             <a:endParaRPr lang="en-US" dirty="0"/>
           </a:p>
@@ -5104,7 +5072,7 @@
           <a:p>
             <a:fld id="{E1037C31-9E7A-4F99-8774-A0E530DE1A42}" type="datetimeFigureOut">
               <a:rPr lang="en-US" smtClean="0"/>
-              <a:t>7/18/2018</a:t>
+              <a:t>7/20/2018</a:t>
             </a:fld>
             <a:endParaRPr lang="en-US" dirty="0"/>
           </a:p>
@@ -5199,7 +5167,7 @@
           <a:p>
             <a:fld id="{C278504F-A551-4DE0-9316-4DCD1D8CC752}" type="datetimeFigureOut">
               <a:rPr lang="en-US" smtClean="0"/>
-              <a:t>7/18/2018</a:t>
+              <a:t>7/20/2018</a:t>
             </a:fld>
             <a:endParaRPr lang="en-US" dirty="0"/>
           </a:p>
@@ -5482,7 +5450,7 @@
           <a:p>
             <a:fld id="{D1BE4249-C0D0-4B06-8692-E8BB871AF643}" type="datetimeFigureOut">
               <a:rPr lang="en-US" smtClean="0"/>
-              <a:t>7/18/2018</a:t>
+              <a:t>7/20/2018</a:t>
             </a:fld>
             <a:endParaRPr lang="en-US" dirty="0"/>
           </a:p>
@@ -5773,7 +5741,7 @@
           <a:p>
             <a:fld id="{042B0DB6-F5C7-45FB-8CF3-31B45F9C2DAC}" type="datetimeFigureOut">
               <a:rPr lang="en-US" smtClean="0"/>
-              <a:t>7/18/2018</a:t>
+              <a:t>7/20/2018</a:t>
             </a:fld>
             <a:endParaRPr lang="en-US" dirty="0"/>
           </a:p>
@@ -6303,7 +6271,7 @@
           <a:p>
             <a:fld id="{1160EA64-D806-43AC-9DF2-F8C432F32B4C}" type="datetimeFigureOut">
               <a:rPr lang="en-US" smtClean="0"/>
-              <a:t>7/18/2018</a:t>
+              <a:t>7/20/2018</a:t>
             </a:fld>
             <a:endParaRPr lang="en-US" dirty="0"/>
           </a:p>
@@ -10302,6 +10270,17 @@
               <a:rPr lang="sl-SI" dirty="0"/>
               <a:t>2 pa nov, DBGP</a:t>
             </a:r>
+          </a:p>
+          <a:p>
+            <a:r>
+              <a:rPr lang="sl-SI" dirty="0">
+                <a:hlinkClick r:id="rId2"/>
+              </a:rPr>
+              <a:t>https://xdebug.org/docs/remote</a:t>
+            </a:r>
+            <a:endParaRPr lang="sl-SI" dirty="0"/>
+          </a:p>
+          <a:p>
             <a:endParaRPr lang="sl-SI" b="1" dirty="0"/>
           </a:p>
         </p:txBody>
@@ -10341,7 +10320,7 @@
           <p:cNvPr id="2" name="Title 1">
             <a:extLst>
               <a:ext uri="{FF2B5EF4-FFF2-40B4-BE49-F238E27FC236}">
-                <a16:creationId xmlns:a16="http://schemas.microsoft.com/office/drawing/2014/main" id="{B6E64E22-CFEF-44A5-B821-0F2ED07DB2D8}"/>
+                <a16:creationId xmlns:a16="http://schemas.microsoft.com/office/drawing/2014/main" id="{E2959BAA-C296-465E-8736-C5A1370E4F3F}"/>
               </a:ext>
             </a:extLst>
           </p:cNvPr>
@@ -10357,45 +10336,70 @@
           <a:bodyPr/>
           <a:lstStyle/>
           <a:p>
-            <a:endParaRPr lang="sl-SI"/>
-          </a:p>
-        </p:txBody>
-      </p:sp>
-      <p:sp>
-        <p:nvSpPr>
-          <p:cNvPr id="7" name="Content Placeholder 6">
+            <a:r>
+              <a:rPr lang="sl-SI" dirty="0"/>
+              <a:t>PHP </a:t>
+            </a:r>
+            <a:r>
+              <a:rPr lang="sl-SI" dirty="0" err="1"/>
+              <a:t>Execution</a:t>
+            </a:r>
+            <a:r>
+              <a:rPr lang="sl-SI" dirty="0"/>
+              <a:t> </a:t>
+            </a:r>
+            <a:r>
+              <a:rPr lang="sl-SI" dirty="0" err="1"/>
+              <a:t>Life</a:t>
+            </a:r>
+            <a:r>
+              <a:rPr lang="sl-SI" dirty="0"/>
+              <a:t> </a:t>
+            </a:r>
+            <a:r>
+              <a:rPr lang="sl-SI" dirty="0" err="1"/>
+              <a:t>Cycle</a:t>
+            </a:r>
+            <a:endParaRPr lang="sl-SI" dirty="0"/>
+          </a:p>
+        </p:txBody>
+      </p:sp>
+      <p:pic>
+        <p:nvPicPr>
+          <p:cNvPr id="4" name="Content Placeholder 3">
             <a:extLst>
               <a:ext uri="{FF2B5EF4-FFF2-40B4-BE49-F238E27FC236}">
-                <a16:creationId xmlns:a16="http://schemas.microsoft.com/office/drawing/2014/main" id="{A4588CC7-6A00-4AD6-904F-574682655999}"/>
+                <a16:creationId xmlns:a16="http://schemas.microsoft.com/office/drawing/2014/main" id="{DB52DAEE-05CE-4DD0-8E31-6A0D01B694B4}"/>
               </a:ext>
             </a:extLst>
           </p:cNvPr>
-          <p:cNvSpPr>
-            <a:spLocks noGrp="1"/>
-          </p:cNvSpPr>
+          <p:cNvPicPr>
+            <a:picLocks noGrp="1" noChangeAspect="1"/>
+          </p:cNvPicPr>
           <p:nvPr>
             <p:ph idx="1"/>
           </p:nvPr>
-        </p:nvSpPr>
-        <p:spPr/>
-        <p:txBody>
-          <a:bodyPr/>
-          <a:lstStyle/>
-          <a:p>
-            <a:r>
-              <a:rPr lang="sl-SI" dirty="0">
-                <a:hlinkClick r:id="rId2"/>
-              </a:rPr>
-              <a:t>https://xdebug.org/docs/remote</a:t>
-            </a:r>
-            <a:endParaRPr lang="sl-SI" dirty="0"/>
-          </a:p>
-        </p:txBody>
-      </p:sp>
+        </p:nvPicPr>
+        <p:blipFill>
+          <a:blip r:embed="rId2"/>
+          <a:stretch>
+            <a:fillRect/>
+          </a:stretch>
+        </p:blipFill>
+        <p:spPr>
+          <a:xfrm>
+            <a:off x="3657600" y="2082601"/>
+            <a:ext cx="4992914" cy="4568920"/>
+          </a:xfrm>
+          <a:prstGeom prst="rect">
+            <a:avLst/>
+          </a:prstGeom>
+        </p:spPr>
+      </p:pic>
     </p:spTree>
     <p:extLst>
       <p:ext uri="{BB962C8B-B14F-4D97-AF65-F5344CB8AC3E}">
-        <p14:creationId xmlns:p14="http://schemas.microsoft.com/office/powerpoint/2010/main" val="3494212855"/>
+        <p14:creationId xmlns:p14="http://schemas.microsoft.com/office/powerpoint/2010/main" val="176933570"/>
       </p:ext>
     </p:extLst>
   </p:cSld>
@@ -10581,11 +10585,11 @@
           <a:lstStyle/>
           <a:p>
             <a:r>
-              <a:rPr lang="sl-SI"/>
+              <a:rPr lang="sl-SI" dirty="0"/>
               <a:t>Demo </a:t>
             </a:r>
             <a:r>
-              <a:rPr lang="sl-SI">
+              <a:rPr lang="sl-SI" dirty="0">
                 <a:sym typeface="Wingdings" panose="05000000000000000000" pitchFamily="2" charset="2"/>
               </a:rPr>
               <a:t></a:t>
